--- a/Tech Stack/DatabasesComparison.pptx
+++ b/Tech Stack/DatabasesComparison.pptx
@@ -7,6 +7,7 @@
   <p:sldIdLst>
     <p:sldId id="256" r:id="rId2"/>
     <p:sldId id="257" r:id="rId3"/>
+    <p:sldId id="258" r:id="rId4"/>
   </p:sldIdLst>
   <p:sldSz cx="12192000" cy="6858000"/>
   <p:notesSz cx="6858000" cy="9144000"/>
@@ -6740,13 +6741,13 @@
         </p:nvSpPr>
         <p:spPr>
           <a:xfrm>
-            <a:off x="537672" y="2927714"/>
+            <a:off x="316753" y="2679652"/>
             <a:ext cx="4023359" cy="1498695"/>
           </a:xfrm>
         </p:spPr>
         <p:txBody>
           <a:bodyPr>
-            <a:normAutofit fontScale="77500" lnSpcReduction="20000"/>
+            <a:normAutofit fontScale="25000" lnSpcReduction="20000"/>
           </a:bodyPr>
           <a:lstStyle/>
           <a:p>
@@ -6755,7 +6756,7 @@
               <a:buChar char="•"/>
             </a:pPr>
             <a:r>
-              <a:rPr lang="en-US" sz="1800" dirty="0"/>
+              <a:rPr lang="en-US" sz="9600" dirty="0"/>
               <a:t>NoSQL</a:t>
             </a:r>
           </a:p>
@@ -6765,7 +6766,7 @@
               <a:buChar char="•"/>
             </a:pPr>
             <a:r>
-              <a:rPr lang="en-US" sz="2200" dirty="0"/>
+              <a:rPr lang="en-US" sz="9600" dirty="0"/>
               <a:t>Open-source</a:t>
             </a:r>
           </a:p>
@@ -6775,7 +6776,7 @@
               <a:buChar char="•"/>
             </a:pPr>
             <a:r>
-              <a:rPr lang="en-US" sz="2200" dirty="0"/>
+              <a:rPr lang="en-US" sz="9600" dirty="0"/>
               <a:t>Go Language</a:t>
             </a:r>
           </a:p>
@@ -6785,16 +6786,8 @@
               <a:buChar char="•"/>
             </a:pPr>
             <a:r>
-              <a:rPr lang="en-US" sz="2200" dirty="0"/>
-              <a:t>OS: </a:t>
-            </a:r>
-            <a:r>
-              <a:rPr lang="en-US" sz="2200" dirty="0" err="1"/>
-              <a:t>Lunix</a:t>
-            </a:r>
-            <a:r>
-              <a:rPr lang="en-US" sz="2200" dirty="0"/>
-              <a:t>/OS X</a:t>
+              <a:rPr lang="en-US" sz="9600" dirty="0"/>
+              <a:t>OS: Linux/OS X</a:t>
             </a:r>
           </a:p>
           <a:p>
@@ -6803,7 +6796,7 @@
               <a:buChar char="•"/>
             </a:pPr>
             <a:r>
-              <a:rPr lang="en-US" sz="2200" dirty="0"/>
+              <a:rPr lang="en-US" sz="9600" dirty="0"/>
               <a:t>Schema-free</a:t>
             </a:r>
           </a:p>
@@ -7063,6 +7056,86 @@
     <p:extLst>
       <p:ext uri="{BB962C8B-B14F-4D97-AF65-F5344CB8AC3E}">
         <p14:creationId xmlns:p14="http://schemas.microsoft.com/office/powerpoint/2010/main" val="1630891712"/>
+      </p:ext>
+    </p:extLst>
+  </p:cSld>
+  <p:clrMapOvr>
+    <a:masterClrMapping/>
+  </p:clrMapOvr>
+</p:sld>
+</file>
+
+<file path=ppt/slides/slide3.xml><?xml version="1.0" encoding="utf-8"?>
+<p:sld xmlns:a="http://schemas.openxmlformats.org/drawingml/2006/main" xmlns:r="http://schemas.openxmlformats.org/officeDocument/2006/relationships" xmlns:p="http://schemas.openxmlformats.org/presentationml/2006/main">
+  <p:cSld>
+    <p:spTree>
+      <p:nvGrpSpPr>
+        <p:cNvPr id="1" name=""/>
+        <p:cNvGrpSpPr/>
+        <p:nvPr/>
+      </p:nvGrpSpPr>
+      <p:grpSpPr>
+        <a:xfrm>
+          <a:off x="0" y="0"/>
+          <a:ext cx="0" cy="0"/>
+          <a:chOff x="0" y="0"/>
+          <a:chExt cx="0" cy="0"/>
+        </a:xfrm>
+      </p:grpSpPr>
+      <p:sp>
+        <p:nvSpPr>
+          <p:cNvPr id="2" name="Title 1">
+            <a:extLst>
+              <a:ext uri="{FF2B5EF4-FFF2-40B4-BE49-F238E27FC236}">
+                <a16:creationId xmlns:a16="http://schemas.microsoft.com/office/drawing/2014/main" id="{56378955-8CA0-DB2B-AC6E-1769CF35D097}"/>
+              </a:ext>
+            </a:extLst>
+          </p:cNvPr>
+          <p:cNvSpPr>
+            <a:spLocks noGrp="1"/>
+          </p:cNvSpPr>
+          <p:nvPr>
+            <p:ph type="title"/>
+          </p:nvPr>
+        </p:nvSpPr>
+        <p:spPr/>
+        <p:txBody>
+          <a:bodyPr/>
+          <a:lstStyle/>
+          <a:p>
+            <a:endParaRPr lang="en-NL"/>
+          </a:p>
+        </p:txBody>
+      </p:sp>
+      <p:sp>
+        <p:nvSpPr>
+          <p:cNvPr id="3" name="Content Placeholder 2">
+            <a:extLst>
+              <a:ext uri="{FF2B5EF4-FFF2-40B4-BE49-F238E27FC236}">
+                <a16:creationId xmlns:a16="http://schemas.microsoft.com/office/drawing/2014/main" id="{C89B28F5-F1AE-B08D-A70F-C8AB51AEE686}"/>
+              </a:ext>
+            </a:extLst>
+          </p:cNvPr>
+          <p:cNvSpPr>
+            <a:spLocks noGrp="1"/>
+          </p:cNvSpPr>
+          <p:nvPr>
+            <p:ph idx="1"/>
+          </p:nvPr>
+        </p:nvSpPr>
+        <p:spPr/>
+        <p:txBody>
+          <a:bodyPr/>
+          <a:lstStyle/>
+          <a:p>
+            <a:endParaRPr lang="en-NL"/>
+          </a:p>
+        </p:txBody>
+      </p:sp>
+    </p:spTree>
+    <p:extLst>
+      <p:ext uri="{BB962C8B-B14F-4D97-AF65-F5344CB8AC3E}">
+        <p14:creationId xmlns:p14="http://schemas.microsoft.com/office/powerpoint/2010/main" val="680256404"/>
       </p:ext>
     </p:extLst>
   </p:cSld>

--- a/Tech Stack/DatabasesComparison.pptx
+++ b/Tech Stack/DatabasesComparison.pptx
@@ -7103,7 +7103,11 @@
           <a:bodyPr/>
           <a:lstStyle/>
           <a:p>
-            <a:endParaRPr lang="en-NL"/>
+            <a:r>
+              <a:rPr lang="en-US" dirty="0"/>
+              <a:t>Implementation and supported programming languages</a:t>
+            </a:r>
+            <a:endParaRPr lang="en-NL" dirty="0"/>
           </a:p>
         </p:txBody>
       </p:sp>
@@ -7125,10 +7129,38 @@
         </p:nvSpPr>
         <p:spPr/>
         <p:txBody>
-          <a:bodyPr/>
+          <a:bodyPr>
+            <a:normAutofit/>
+          </a:bodyPr>
           <a:lstStyle/>
           <a:p>
-            <a:endParaRPr lang="en-NL"/>
+            <a:r>
+              <a:rPr lang="en-US" dirty="0"/>
+              <a:t>Implementation language – Go lang.</a:t>
+            </a:r>
+          </a:p>
+          <a:p>
+            <a:r>
+              <a:rPr lang="en-US" dirty="0"/>
+              <a:t>Supported programming languages :</a:t>
+            </a:r>
+            <a:endParaRPr lang="en-US" dirty="0">
+              <a:solidFill>
+                <a:srgbClr val="222222"/>
+              </a:solidFill>
+              <a:latin typeface="Tahoma" panose="020B0604030504040204" pitchFamily="34" charset="0"/>
+            </a:endParaRPr>
+          </a:p>
+          <a:p>
+            <a:pPr lvl="1"/>
+            <a:r>
+              <a:rPr lang="en-US" dirty="0" err="1"/>
+              <a:t>.Net</a:t>
+            </a:r>
+            <a:r>
+              <a:rPr lang="en-US" dirty="0"/>
+              <a:t>, Clojure, Erlang, Go, Haskell, Java, JavaScript, JavaScript (Node.js), Lisp, Perl, PHP, Python, R, Ruby, Rust, Scala</a:t>
+            </a:r>
           </a:p>
         </p:txBody>
       </p:sp>

--- a/Tech Stack/DatabasesComparison.pptx
+++ b/Tech Stack/DatabasesComparison.pptx
@@ -828,6 +828,788 @@
     <dgm:fillClrLst meth="repeat">
       <a:schemeClr val="accent1">
         <a:tint val="60000"/>
+      </a:schemeClr>
+    </dgm:fillClrLst>
+    <dgm:linClrLst meth="repeat">
+      <a:schemeClr val="lt1"/>
+    </dgm:linClrLst>
+    <dgm:effectClrLst/>
+    <dgm:txLinClrLst/>
+    <dgm:txFillClrLst meth="repeat">
+      <a:schemeClr val="dk1"/>
+    </dgm:txFillClrLst>
+    <dgm:txEffectClrLst/>
+  </dgm:styleLbl>
+  <dgm:styleLbl name="revTx">
+    <dgm:fillClrLst meth="repeat">
+      <a:schemeClr val="lt1">
+        <a:alpha val="0"/>
+      </a:schemeClr>
+    </dgm:fillClrLst>
+    <dgm:linClrLst meth="repeat">
+      <a:schemeClr val="dk1">
+        <a:alpha val="0"/>
+      </a:schemeClr>
+    </dgm:linClrLst>
+    <dgm:effectClrLst/>
+    <dgm:txLinClrLst/>
+    <dgm:txFillClrLst meth="repeat">
+      <a:schemeClr val="tx1"/>
+    </dgm:txFillClrLst>
+    <dgm:txEffectClrLst/>
+  </dgm:styleLbl>
+</dgm:colorsDef>
+</file>
+
+<file path=ppt/diagrams/colors2.xml><?xml version="1.0" encoding="utf-8"?>
+<dgm:colorsDef xmlns:dgm="http://schemas.openxmlformats.org/drawingml/2006/diagram" xmlns:a="http://schemas.openxmlformats.org/drawingml/2006/main" uniqueId="urn:microsoft.com/office/officeart/2005/8/colors/colorful2">
+  <dgm:title val=""/>
+  <dgm:desc val=""/>
+  <dgm:catLst>
+    <dgm:cat type="colorful" pri="10200"/>
+  </dgm:catLst>
+  <dgm:styleLbl name="node0">
+    <dgm:fillClrLst meth="repeat">
+      <a:schemeClr val="accent1"/>
+    </dgm:fillClrLst>
+    <dgm:linClrLst meth="repeat">
+      <a:schemeClr val="lt1"/>
+    </dgm:linClrLst>
+    <dgm:effectClrLst/>
+    <dgm:txLinClrLst/>
+    <dgm:txFillClrLst/>
+    <dgm:txEffectClrLst/>
+  </dgm:styleLbl>
+  <dgm:styleLbl name="node1">
+    <dgm:fillClrLst>
+      <a:schemeClr val="accent2"/>
+      <a:schemeClr val="accent3"/>
+    </dgm:fillClrLst>
+    <dgm:linClrLst meth="repeat">
+      <a:schemeClr val="lt1"/>
+    </dgm:linClrLst>
+    <dgm:effectClrLst/>
+    <dgm:txLinClrLst/>
+    <dgm:txFillClrLst/>
+    <dgm:txEffectClrLst/>
+  </dgm:styleLbl>
+  <dgm:styleLbl name="alignNode1">
+    <dgm:fillClrLst>
+      <a:schemeClr val="accent2"/>
+      <a:schemeClr val="accent3"/>
+    </dgm:fillClrLst>
+    <dgm:linClrLst>
+      <a:schemeClr val="accent2"/>
+      <a:schemeClr val="accent3"/>
+    </dgm:linClrLst>
+    <dgm:effectClrLst/>
+    <dgm:txLinClrLst/>
+    <dgm:txFillClrLst/>
+    <dgm:txEffectClrLst/>
+  </dgm:styleLbl>
+  <dgm:styleLbl name="lnNode1">
+    <dgm:fillClrLst>
+      <a:schemeClr val="accent2"/>
+      <a:schemeClr val="accent3"/>
+    </dgm:fillClrLst>
+    <dgm:linClrLst meth="repeat">
+      <a:schemeClr val="lt1"/>
+    </dgm:linClrLst>
+    <dgm:effectClrLst/>
+    <dgm:txLinClrLst/>
+    <dgm:txFillClrLst/>
+    <dgm:txEffectClrLst/>
+  </dgm:styleLbl>
+  <dgm:styleLbl name="vennNode1">
+    <dgm:fillClrLst>
+      <a:schemeClr val="accent2">
+        <a:alpha val="50000"/>
+      </a:schemeClr>
+      <a:schemeClr val="accent3">
+        <a:alpha val="50000"/>
+      </a:schemeClr>
+    </dgm:fillClrLst>
+    <dgm:linClrLst meth="repeat">
+      <a:schemeClr val="lt1"/>
+    </dgm:linClrLst>
+    <dgm:effectClrLst/>
+    <dgm:txLinClrLst/>
+    <dgm:txFillClrLst/>
+    <dgm:txEffectClrLst/>
+  </dgm:styleLbl>
+  <dgm:styleLbl name="node2">
+    <dgm:fillClrLst>
+      <a:schemeClr val="accent3"/>
+    </dgm:fillClrLst>
+    <dgm:linClrLst meth="repeat">
+      <a:schemeClr val="lt1"/>
+    </dgm:linClrLst>
+    <dgm:effectClrLst/>
+    <dgm:txLinClrLst/>
+    <dgm:txFillClrLst/>
+    <dgm:txEffectClrLst/>
+  </dgm:styleLbl>
+  <dgm:styleLbl name="node3">
+    <dgm:fillClrLst>
+      <a:schemeClr val="accent4"/>
+    </dgm:fillClrLst>
+    <dgm:linClrLst meth="repeat">
+      <a:schemeClr val="lt1"/>
+    </dgm:linClrLst>
+    <dgm:effectClrLst/>
+    <dgm:txLinClrLst/>
+    <dgm:txFillClrLst/>
+    <dgm:txEffectClrLst/>
+  </dgm:styleLbl>
+  <dgm:styleLbl name="node4">
+    <dgm:fillClrLst>
+      <a:schemeClr val="accent5"/>
+    </dgm:fillClrLst>
+    <dgm:linClrLst meth="repeat">
+      <a:schemeClr val="lt1"/>
+    </dgm:linClrLst>
+    <dgm:effectClrLst/>
+    <dgm:txLinClrLst/>
+    <dgm:txFillClrLst/>
+    <dgm:txEffectClrLst/>
+  </dgm:styleLbl>
+  <dgm:styleLbl name="fgImgPlace1">
+    <dgm:fillClrLst>
+      <a:schemeClr val="accent2">
+        <a:tint val="50000"/>
+      </a:schemeClr>
+      <a:schemeClr val="accent3">
+        <a:tint val="50000"/>
+      </a:schemeClr>
+    </dgm:fillClrLst>
+    <dgm:linClrLst meth="repeat">
+      <a:schemeClr val="lt1"/>
+    </dgm:linClrLst>
+    <dgm:effectClrLst/>
+    <dgm:txLinClrLst/>
+    <dgm:txFillClrLst meth="repeat">
+      <a:schemeClr val="lt1"/>
+    </dgm:txFillClrLst>
+    <dgm:txEffectClrLst/>
+  </dgm:styleLbl>
+  <dgm:styleLbl name="alignImgPlace1">
+    <dgm:fillClrLst>
+      <a:schemeClr val="accent2">
+        <a:tint val="50000"/>
+      </a:schemeClr>
+      <a:schemeClr val="accent3">
+        <a:tint val="20000"/>
+      </a:schemeClr>
+    </dgm:fillClrLst>
+    <dgm:linClrLst meth="repeat">
+      <a:schemeClr val="lt1"/>
+    </dgm:linClrLst>
+    <dgm:effectClrLst/>
+    <dgm:txLinClrLst/>
+    <dgm:txFillClrLst meth="repeat">
+      <a:schemeClr val="lt1"/>
+    </dgm:txFillClrLst>
+    <dgm:txEffectClrLst/>
+  </dgm:styleLbl>
+  <dgm:styleLbl name="bgImgPlace1">
+    <dgm:fillClrLst>
+      <a:schemeClr val="accent2">
+        <a:tint val="50000"/>
+      </a:schemeClr>
+      <a:schemeClr val="accent3">
+        <a:tint val="20000"/>
+      </a:schemeClr>
+    </dgm:fillClrLst>
+    <dgm:linClrLst meth="repeat">
+      <a:schemeClr val="lt1"/>
+    </dgm:linClrLst>
+    <dgm:effectClrLst/>
+    <dgm:txLinClrLst/>
+    <dgm:txFillClrLst meth="repeat">
+      <a:schemeClr val="lt1"/>
+    </dgm:txFillClrLst>
+    <dgm:txEffectClrLst/>
+  </dgm:styleLbl>
+  <dgm:styleLbl name="sibTrans2D1">
+    <dgm:fillClrLst>
+      <a:schemeClr val="accent2"/>
+      <a:schemeClr val="accent3"/>
+    </dgm:fillClrLst>
+    <dgm:linClrLst meth="repeat">
+      <a:schemeClr val="lt1"/>
+    </dgm:linClrLst>
+    <dgm:effectClrLst/>
+    <dgm:txLinClrLst/>
+    <dgm:txFillClrLst/>
+    <dgm:txEffectClrLst/>
+  </dgm:styleLbl>
+  <dgm:styleLbl name="fgSibTrans2D1">
+    <dgm:fillClrLst>
+      <a:schemeClr val="accent2"/>
+      <a:schemeClr val="accent3"/>
+    </dgm:fillClrLst>
+    <dgm:linClrLst meth="repeat">
+      <a:schemeClr val="lt1"/>
+    </dgm:linClrLst>
+    <dgm:effectClrLst/>
+    <dgm:txLinClrLst/>
+    <dgm:txFillClrLst meth="repeat">
+      <a:schemeClr val="lt1"/>
+    </dgm:txFillClrLst>
+    <dgm:txEffectClrLst/>
+  </dgm:styleLbl>
+  <dgm:styleLbl name="bgSibTrans2D1">
+    <dgm:fillClrLst>
+      <a:schemeClr val="accent2"/>
+      <a:schemeClr val="accent3"/>
+    </dgm:fillClrLst>
+    <dgm:linClrLst meth="repeat">
+      <a:schemeClr val="lt1"/>
+    </dgm:linClrLst>
+    <dgm:effectClrLst/>
+    <dgm:txLinClrLst/>
+    <dgm:txFillClrLst meth="repeat">
+      <a:schemeClr val="lt1"/>
+    </dgm:txFillClrLst>
+    <dgm:txEffectClrLst/>
+  </dgm:styleLbl>
+  <dgm:styleLbl name="sibTrans1D1">
+    <dgm:fillClrLst/>
+    <dgm:linClrLst>
+      <a:schemeClr val="accent2"/>
+      <a:schemeClr val="accent3"/>
+    </dgm:linClrLst>
+    <dgm:effectClrLst/>
+    <dgm:txLinClrLst/>
+    <dgm:txFillClrLst meth="repeat">
+      <a:schemeClr val="tx1"/>
+    </dgm:txFillClrLst>
+    <dgm:txEffectClrLst/>
+  </dgm:styleLbl>
+  <dgm:styleLbl name="callout">
+    <dgm:fillClrLst meth="repeat">
+      <a:schemeClr val="accent2"/>
+    </dgm:fillClrLst>
+    <dgm:linClrLst meth="repeat">
+      <a:schemeClr val="accent2">
+        <a:tint val="50000"/>
+      </a:schemeClr>
+    </dgm:linClrLst>
+    <dgm:effectClrLst/>
+    <dgm:txLinClrLst/>
+    <dgm:txFillClrLst meth="repeat">
+      <a:schemeClr val="tx1"/>
+    </dgm:txFillClrLst>
+    <dgm:txEffectClrLst/>
+  </dgm:styleLbl>
+  <dgm:styleLbl name="asst0">
+    <dgm:fillClrLst meth="repeat">
+      <a:schemeClr val="accent2"/>
+    </dgm:fillClrLst>
+    <dgm:linClrLst meth="repeat">
+      <a:schemeClr val="lt1">
+        <a:shade val="80000"/>
+      </a:schemeClr>
+    </dgm:linClrLst>
+    <dgm:effectClrLst/>
+    <dgm:txLinClrLst/>
+    <dgm:txFillClrLst/>
+    <dgm:txEffectClrLst/>
+  </dgm:styleLbl>
+  <dgm:styleLbl name="asst1">
+    <dgm:fillClrLst meth="repeat">
+      <a:schemeClr val="accent3"/>
+    </dgm:fillClrLst>
+    <dgm:linClrLst meth="repeat">
+      <a:schemeClr val="lt1">
+        <a:shade val="80000"/>
+      </a:schemeClr>
+    </dgm:linClrLst>
+    <dgm:effectClrLst/>
+    <dgm:txLinClrLst/>
+    <dgm:txFillClrLst/>
+    <dgm:txEffectClrLst/>
+  </dgm:styleLbl>
+  <dgm:styleLbl name="asst2">
+    <dgm:fillClrLst>
+      <a:schemeClr val="accent4"/>
+    </dgm:fillClrLst>
+    <dgm:linClrLst meth="repeat">
+      <a:schemeClr val="lt1"/>
+    </dgm:linClrLst>
+    <dgm:effectClrLst/>
+    <dgm:txLinClrLst/>
+    <dgm:txFillClrLst/>
+    <dgm:txEffectClrLst/>
+  </dgm:styleLbl>
+  <dgm:styleLbl name="asst3">
+    <dgm:fillClrLst>
+      <a:schemeClr val="accent5"/>
+    </dgm:fillClrLst>
+    <dgm:linClrLst meth="repeat">
+      <a:schemeClr val="lt1"/>
+    </dgm:linClrLst>
+    <dgm:effectClrLst/>
+    <dgm:txLinClrLst/>
+    <dgm:txFillClrLst/>
+    <dgm:txEffectClrLst/>
+  </dgm:styleLbl>
+  <dgm:styleLbl name="asst4">
+    <dgm:fillClrLst>
+      <a:schemeClr val="accent6"/>
+    </dgm:fillClrLst>
+    <dgm:linClrLst meth="repeat">
+      <a:schemeClr val="lt1"/>
+    </dgm:linClrLst>
+    <dgm:effectClrLst/>
+    <dgm:txLinClrLst/>
+    <dgm:txFillClrLst/>
+    <dgm:txEffectClrLst/>
+  </dgm:styleLbl>
+  <dgm:styleLbl name="parChTrans2D1">
+    <dgm:fillClrLst meth="repeat">
+      <a:schemeClr val="accent2"/>
+    </dgm:fillClrLst>
+    <dgm:linClrLst meth="repeat">
+      <a:schemeClr val="lt1"/>
+    </dgm:linClrLst>
+    <dgm:effectClrLst/>
+    <dgm:txLinClrLst/>
+    <dgm:txFillClrLst meth="repeat">
+      <a:schemeClr val="lt1"/>
+    </dgm:txFillClrLst>
+    <dgm:txEffectClrLst/>
+  </dgm:styleLbl>
+  <dgm:styleLbl name="parChTrans2D2">
+    <dgm:fillClrLst meth="repeat">
+      <a:schemeClr val="accent3"/>
+    </dgm:fillClrLst>
+    <dgm:linClrLst meth="repeat">
+      <a:schemeClr val="lt1"/>
+    </dgm:linClrLst>
+    <dgm:effectClrLst/>
+    <dgm:txLinClrLst/>
+    <dgm:txFillClrLst/>
+    <dgm:txEffectClrLst/>
+  </dgm:styleLbl>
+  <dgm:styleLbl name="parChTrans2D3">
+    <dgm:fillClrLst meth="repeat">
+      <a:schemeClr val="accent4"/>
+    </dgm:fillClrLst>
+    <dgm:linClrLst meth="repeat">
+      <a:schemeClr val="lt1"/>
+    </dgm:linClrLst>
+    <dgm:effectClrLst/>
+    <dgm:txLinClrLst/>
+    <dgm:txFillClrLst/>
+    <dgm:txEffectClrLst/>
+  </dgm:styleLbl>
+  <dgm:styleLbl name="parChTrans2D4">
+    <dgm:fillClrLst meth="repeat">
+      <a:schemeClr val="accent5"/>
+    </dgm:fillClrLst>
+    <dgm:linClrLst meth="repeat">
+      <a:schemeClr val="lt1"/>
+    </dgm:linClrLst>
+    <dgm:effectClrLst/>
+    <dgm:txLinClrLst/>
+    <dgm:txFillClrLst meth="repeat">
+      <a:schemeClr val="lt1"/>
+    </dgm:txFillClrLst>
+    <dgm:txEffectClrLst/>
+  </dgm:styleLbl>
+  <dgm:styleLbl name="parChTrans1D1">
+    <dgm:fillClrLst meth="repeat">
+      <a:schemeClr val="accent2"/>
+    </dgm:fillClrLst>
+    <dgm:linClrLst meth="repeat">
+      <a:schemeClr val="accent2"/>
+    </dgm:linClrLst>
+    <dgm:effectClrLst/>
+    <dgm:txLinClrLst/>
+    <dgm:txFillClrLst meth="repeat">
+      <a:schemeClr val="tx1"/>
+    </dgm:txFillClrLst>
+    <dgm:txEffectClrLst/>
+  </dgm:styleLbl>
+  <dgm:styleLbl name="parChTrans1D2">
+    <dgm:fillClrLst meth="repeat">
+      <a:schemeClr val="accent2">
+        <a:tint val="90000"/>
+      </a:schemeClr>
+    </dgm:fillClrLst>
+    <dgm:linClrLst meth="repeat">
+      <a:schemeClr val="accent3"/>
+    </dgm:linClrLst>
+    <dgm:effectClrLst/>
+    <dgm:txLinClrLst/>
+    <dgm:txFillClrLst meth="repeat">
+      <a:schemeClr val="tx1"/>
+    </dgm:txFillClrLst>
+    <dgm:txEffectClrLst/>
+  </dgm:styleLbl>
+  <dgm:styleLbl name="parChTrans1D3">
+    <dgm:fillClrLst meth="repeat">
+      <a:schemeClr val="accent2">
+        <a:tint val="70000"/>
+      </a:schemeClr>
+    </dgm:fillClrLst>
+    <dgm:linClrLst meth="repeat">
+      <a:schemeClr val="accent4"/>
+    </dgm:linClrLst>
+    <dgm:effectClrLst/>
+    <dgm:txLinClrLst/>
+    <dgm:txFillClrLst meth="repeat">
+      <a:schemeClr val="tx1"/>
+    </dgm:txFillClrLst>
+    <dgm:txEffectClrLst/>
+  </dgm:styleLbl>
+  <dgm:styleLbl name="parChTrans1D4">
+    <dgm:fillClrLst meth="repeat">
+      <a:schemeClr val="accent2">
+        <a:tint val="50000"/>
+      </a:schemeClr>
+    </dgm:fillClrLst>
+    <dgm:linClrLst meth="repeat">
+      <a:schemeClr val="accent5"/>
+    </dgm:linClrLst>
+    <dgm:effectClrLst/>
+    <dgm:txLinClrLst/>
+    <dgm:txFillClrLst meth="repeat">
+      <a:schemeClr val="tx1"/>
+    </dgm:txFillClrLst>
+    <dgm:txEffectClrLst/>
+  </dgm:styleLbl>
+  <dgm:styleLbl name="fgAcc1">
+    <dgm:fillClrLst meth="repeat">
+      <a:schemeClr val="lt1">
+        <a:alpha val="90000"/>
+      </a:schemeClr>
+    </dgm:fillClrLst>
+    <dgm:linClrLst>
+      <a:schemeClr val="accent2"/>
+      <a:schemeClr val="accent3"/>
+    </dgm:linClrLst>
+    <dgm:effectClrLst/>
+    <dgm:txLinClrLst/>
+    <dgm:txFillClrLst meth="repeat">
+      <a:schemeClr val="dk1"/>
+    </dgm:txFillClrLst>
+    <dgm:txEffectClrLst/>
+  </dgm:styleLbl>
+  <dgm:styleLbl name="conFgAcc1">
+    <dgm:fillClrLst meth="repeat">
+      <a:schemeClr val="lt1">
+        <a:alpha val="90000"/>
+      </a:schemeClr>
+    </dgm:fillClrLst>
+    <dgm:linClrLst>
+      <a:schemeClr val="accent2"/>
+      <a:schemeClr val="accent3"/>
+    </dgm:linClrLst>
+    <dgm:effectClrLst/>
+    <dgm:txLinClrLst/>
+    <dgm:txFillClrLst meth="repeat">
+      <a:schemeClr val="dk1"/>
+    </dgm:txFillClrLst>
+    <dgm:txEffectClrLst/>
+  </dgm:styleLbl>
+  <dgm:styleLbl name="alignAcc1">
+    <dgm:fillClrLst meth="repeat">
+      <a:schemeClr val="lt1">
+        <a:alpha val="90000"/>
+      </a:schemeClr>
+    </dgm:fillClrLst>
+    <dgm:linClrLst>
+      <a:schemeClr val="accent2"/>
+      <a:schemeClr val="accent3"/>
+    </dgm:linClrLst>
+    <dgm:effectClrLst/>
+    <dgm:txLinClrLst/>
+    <dgm:txFillClrLst meth="repeat">
+      <a:schemeClr val="dk1"/>
+    </dgm:txFillClrLst>
+    <dgm:txEffectClrLst/>
+  </dgm:styleLbl>
+  <dgm:styleLbl name="trAlignAcc1">
+    <dgm:fillClrLst meth="repeat">
+      <a:schemeClr val="lt1">
+        <a:alpha val="40000"/>
+      </a:schemeClr>
+    </dgm:fillClrLst>
+    <dgm:linClrLst meth="repeat">
+      <a:schemeClr val="accent2"/>
+    </dgm:linClrLst>
+    <dgm:effectClrLst/>
+    <dgm:txLinClrLst/>
+    <dgm:txFillClrLst meth="repeat">
+      <a:schemeClr val="dk1"/>
+    </dgm:txFillClrLst>
+    <dgm:txEffectClrLst/>
+  </dgm:styleLbl>
+  <dgm:styleLbl name="bgAcc1">
+    <dgm:fillClrLst meth="repeat">
+      <a:schemeClr val="lt1">
+        <a:alpha val="90000"/>
+      </a:schemeClr>
+    </dgm:fillClrLst>
+    <dgm:linClrLst>
+      <a:schemeClr val="accent2"/>
+      <a:schemeClr val="accent3"/>
+    </dgm:linClrLst>
+    <dgm:effectClrLst/>
+    <dgm:txLinClrLst/>
+    <dgm:txFillClrLst meth="repeat">
+      <a:schemeClr val="dk1"/>
+    </dgm:txFillClrLst>
+    <dgm:txEffectClrLst/>
+  </dgm:styleLbl>
+  <dgm:styleLbl name="solidFgAcc1">
+    <dgm:fillClrLst meth="repeat">
+      <a:schemeClr val="lt1"/>
+    </dgm:fillClrLst>
+    <dgm:linClrLst>
+      <a:schemeClr val="accent2"/>
+      <a:schemeClr val="accent3"/>
+    </dgm:linClrLst>
+    <dgm:effectClrLst/>
+    <dgm:txLinClrLst/>
+    <dgm:txFillClrLst meth="repeat">
+      <a:schemeClr val="dk1"/>
+    </dgm:txFillClrLst>
+    <dgm:txEffectClrLst/>
+  </dgm:styleLbl>
+  <dgm:styleLbl name="solidAlignAcc1">
+    <dgm:fillClrLst meth="repeat">
+      <a:schemeClr val="lt1"/>
+    </dgm:fillClrLst>
+    <dgm:linClrLst>
+      <a:schemeClr val="accent2"/>
+      <a:schemeClr val="accent3"/>
+    </dgm:linClrLst>
+    <dgm:effectClrLst/>
+    <dgm:txLinClrLst/>
+    <dgm:txFillClrLst meth="repeat">
+      <a:schemeClr val="dk1"/>
+    </dgm:txFillClrLst>
+    <dgm:txEffectClrLst/>
+  </dgm:styleLbl>
+  <dgm:styleLbl name="solidBgAcc1">
+    <dgm:fillClrLst meth="repeat">
+      <a:schemeClr val="lt1"/>
+    </dgm:fillClrLst>
+    <dgm:linClrLst>
+      <a:schemeClr val="accent2"/>
+      <a:schemeClr val="accent3"/>
+    </dgm:linClrLst>
+    <dgm:effectClrLst/>
+    <dgm:txLinClrLst/>
+    <dgm:txFillClrLst meth="repeat">
+      <a:schemeClr val="dk1"/>
+    </dgm:txFillClrLst>
+    <dgm:txEffectClrLst/>
+  </dgm:styleLbl>
+  <dgm:styleLbl name="fgAccFollowNode1">
+    <dgm:fillClrLst>
+      <a:schemeClr val="accent2">
+        <a:tint val="40000"/>
+        <a:alpha val="90000"/>
+      </a:schemeClr>
+      <a:schemeClr val="accent3">
+        <a:tint val="40000"/>
+        <a:alpha val="90000"/>
+      </a:schemeClr>
+    </dgm:fillClrLst>
+    <dgm:linClrLst>
+      <a:schemeClr val="accent2">
+        <a:tint val="40000"/>
+        <a:alpha val="90000"/>
+      </a:schemeClr>
+      <a:schemeClr val="accent3">
+        <a:tint val="40000"/>
+        <a:alpha val="90000"/>
+      </a:schemeClr>
+    </dgm:linClrLst>
+    <dgm:effectClrLst/>
+    <dgm:txLinClrLst/>
+    <dgm:txFillClrLst meth="repeat">
+      <a:schemeClr val="dk1"/>
+    </dgm:txFillClrLst>
+    <dgm:txEffectClrLst/>
+  </dgm:styleLbl>
+  <dgm:styleLbl name="alignAccFollowNode1">
+    <dgm:fillClrLst>
+      <a:schemeClr val="accent2">
+        <a:tint val="40000"/>
+        <a:alpha val="90000"/>
+      </a:schemeClr>
+      <a:schemeClr val="accent3">
+        <a:tint val="40000"/>
+        <a:alpha val="90000"/>
+      </a:schemeClr>
+    </dgm:fillClrLst>
+    <dgm:linClrLst>
+      <a:schemeClr val="accent2">
+        <a:tint val="40000"/>
+        <a:alpha val="90000"/>
+      </a:schemeClr>
+      <a:schemeClr val="accent3">
+        <a:tint val="40000"/>
+        <a:alpha val="90000"/>
+      </a:schemeClr>
+    </dgm:linClrLst>
+    <dgm:effectClrLst/>
+    <dgm:txLinClrLst/>
+    <dgm:txFillClrLst meth="repeat">
+      <a:schemeClr val="dk1"/>
+    </dgm:txFillClrLst>
+    <dgm:txEffectClrLst/>
+  </dgm:styleLbl>
+  <dgm:styleLbl name="bgAccFollowNode1">
+    <dgm:fillClrLst>
+      <a:schemeClr val="accent2">
+        <a:tint val="40000"/>
+        <a:alpha val="90000"/>
+      </a:schemeClr>
+      <a:schemeClr val="accent3">
+        <a:tint val="40000"/>
+        <a:alpha val="90000"/>
+      </a:schemeClr>
+    </dgm:fillClrLst>
+    <dgm:linClrLst>
+      <a:schemeClr val="accent2">
+        <a:tint val="40000"/>
+        <a:alpha val="90000"/>
+      </a:schemeClr>
+      <a:schemeClr val="accent3">
+        <a:tint val="40000"/>
+        <a:alpha val="90000"/>
+      </a:schemeClr>
+    </dgm:linClrLst>
+    <dgm:effectClrLst/>
+    <dgm:txLinClrLst/>
+    <dgm:txFillClrLst meth="repeat">
+      <a:schemeClr val="dk1"/>
+    </dgm:txFillClrLst>
+    <dgm:txEffectClrLst/>
+  </dgm:styleLbl>
+  <dgm:styleLbl name="fgAcc0">
+    <dgm:fillClrLst meth="repeat">
+      <a:schemeClr val="lt1">
+        <a:alpha val="90000"/>
+      </a:schemeClr>
+    </dgm:fillClrLst>
+    <dgm:linClrLst>
+      <a:schemeClr val="accent1"/>
+    </dgm:linClrLst>
+    <dgm:effectClrLst/>
+    <dgm:txLinClrLst/>
+    <dgm:txFillClrLst meth="repeat">
+      <a:schemeClr val="dk1"/>
+    </dgm:txFillClrLst>
+    <dgm:txEffectClrLst/>
+  </dgm:styleLbl>
+  <dgm:styleLbl name="fgAcc2">
+    <dgm:fillClrLst meth="repeat">
+      <a:schemeClr val="lt1">
+        <a:alpha val="90000"/>
+      </a:schemeClr>
+    </dgm:fillClrLst>
+    <dgm:linClrLst>
+      <a:schemeClr val="accent3"/>
+    </dgm:linClrLst>
+    <dgm:effectClrLst/>
+    <dgm:txLinClrLst/>
+    <dgm:txFillClrLst meth="repeat">
+      <a:schemeClr val="dk1"/>
+    </dgm:txFillClrLst>
+    <dgm:txEffectClrLst/>
+  </dgm:styleLbl>
+  <dgm:styleLbl name="fgAcc3">
+    <dgm:fillClrLst meth="repeat">
+      <a:schemeClr val="lt1">
+        <a:alpha val="90000"/>
+      </a:schemeClr>
+    </dgm:fillClrLst>
+    <dgm:linClrLst>
+      <a:schemeClr val="accent4"/>
+    </dgm:linClrLst>
+    <dgm:effectClrLst/>
+    <dgm:txLinClrLst/>
+    <dgm:txFillClrLst meth="repeat">
+      <a:schemeClr val="dk1"/>
+    </dgm:txFillClrLst>
+    <dgm:txEffectClrLst/>
+  </dgm:styleLbl>
+  <dgm:styleLbl name="fgAcc4">
+    <dgm:fillClrLst meth="repeat">
+      <a:schemeClr val="lt1">
+        <a:alpha val="90000"/>
+      </a:schemeClr>
+    </dgm:fillClrLst>
+    <dgm:linClrLst>
+      <a:schemeClr val="accent5"/>
+    </dgm:linClrLst>
+    <dgm:effectClrLst/>
+    <dgm:txLinClrLst/>
+    <dgm:txFillClrLst meth="repeat">
+      <a:schemeClr val="dk1"/>
+    </dgm:txFillClrLst>
+    <dgm:txEffectClrLst/>
+  </dgm:styleLbl>
+  <dgm:styleLbl name="bgShp">
+    <dgm:fillClrLst meth="repeat">
+      <a:schemeClr val="accent2">
+        <a:tint val="40000"/>
+      </a:schemeClr>
+    </dgm:fillClrLst>
+    <dgm:linClrLst meth="repeat">
+      <a:schemeClr val="dk1"/>
+    </dgm:linClrLst>
+    <dgm:effectClrLst/>
+    <dgm:txLinClrLst/>
+    <dgm:txFillClrLst meth="repeat">
+      <a:schemeClr val="dk1"/>
+    </dgm:txFillClrLst>
+    <dgm:txEffectClrLst/>
+  </dgm:styleLbl>
+  <dgm:styleLbl name="dkBgShp">
+    <dgm:fillClrLst meth="repeat">
+      <a:schemeClr val="accent2">
+        <a:shade val="90000"/>
+      </a:schemeClr>
+    </dgm:fillClrLst>
+    <dgm:linClrLst meth="repeat">
+      <a:schemeClr val="dk1"/>
+    </dgm:linClrLst>
+    <dgm:effectClrLst/>
+    <dgm:txLinClrLst/>
+    <dgm:txFillClrLst meth="repeat">
+      <a:schemeClr val="lt1"/>
+    </dgm:txFillClrLst>
+    <dgm:txEffectClrLst/>
+  </dgm:styleLbl>
+  <dgm:styleLbl name="trBgShp">
+    <dgm:fillClrLst meth="repeat">
+      <a:schemeClr val="accent2">
+        <a:tint val="50000"/>
+        <a:alpha val="40000"/>
+      </a:schemeClr>
+    </dgm:fillClrLst>
+    <dgm:linClrLst meth="repeat">
+      <a:schemeClr val="accent2"/>
+    </dgm:linClrLst>
+    <dgm:effectClrLst/>
+    <dgm:txLinClrLst/>
+    <dgm:txFillClrLst meth="repeat">
+      <a:schemeClr val="lt1"/>
+    </dgm:txFillClrLst>
+    <dgm:txEffectClrLst/>
+  </dgm:styleLbl>
+  <dgm:styleLbl name="fgShp">
+    <dgm:fillClrLst meth="repeat">
+      <a:schemeClr val="accent2">
+        <a:tint val="40000"/>
       </a:schemeClr>
     </dgm:fillClrLst>
     <dgm:linClrLst meth="repeat">
@@ -1288,6 +2070,233 @@
   <dgm:extLst>
     <a:ext uri="http://schemas.microsoft.com/office/drawing/2008/diagram">
       <dsp:dataModelExt xmlns:dsp="http://schemas.microsoft.com/office/drawing/2008/diagram" relId="rId6" minVer="http://schemas.openxmlformats.org/drawingml/2006/diagram"/>
+    </a:ext>
+  </dgm:extLst>
+</dgm:dataModel>
+</file>
+
+<file path=ppt/diagrams/data2.xml><?xml version="1.0" encoding="utf-8"?>
+<dgm:dataModel xmlns:dgm="http://schemas.openxmlformats.org/drawingml/2006/diagram" xmlns:a="http://schemas.openxmlformats.org/drawingml/2006/main">
+  <dgm:ptLst>
+    <dgm:pt modelId="{911CBEC2-974E-41F7-AD12-C7D59958C1BE}" type="doc">
+      <dgm:prSet loTypeId="urn:microsoft.com/office/officeart/2005/8/layout/list1" loCatId="list" qsTypeId="urn:microsoft.com/office/officeart/2005/8/quickstyle/simple1" qsCatId="simple" csTypeId="urn:microsoft.com/office/officeart/2005/8/colors/colorful2" csCatId="colorful"/>
+      <dgm:spPr/>
+      <dgm:t>
+        <a:bodyPr/>
+        <a:lstStyle/>
+        <a:p>
+          <a:endParaRPr lang="en-US"/>
+        </a:p>
+      </dgm:t>
+    </dgm:pt>
+    <dgm:pt modelId="{00016536-3DDD-466F-85BC-1F476353D725}">
+      <dgm:prSet/>
+      <dgm:spPr/>
+      <dgm:t>
+        <a:bodyPr/>
+        <a:lstStyle/>
+        <a:p>
+          <a:r>
+            <a:rPr lang="en-US"/>
+            <a:t>Implementation language – Go lang.</a:t>
+          </a:r>
+        </a:p>
+      </dgm:t>
+    </dgm:pt>
+    <dgm:pt modelId="{FF29C69F-0DAA-4998-A8F3-2C9C64AED699}" type="parTrans" cxnId="{DB70B259-4B56-46F6-8B50-3458FF51D409}">
+      <dgm:prSet/>
+      <dgm:spPr/>
+      <dgm:t>
+        <a:bodyPr/>
+        <a:lstStyle/>
+        <a:p>
+          <a:endParaRPr lang="en-US"/>
+        </a:p>
+      </dgm:t>
+    </dgm:pt>
+    <dgm:pt modelId="{C97484CA-9F75-4B1A-AFD3-9085E7EA133F}" type="sibTrans" cxnId="{DB70B259-4B56-46F6-8B50-3458FF51D409}">
+      <dgm:prSet/>
+      <dgm:spPr/>
+      <dgm:t>
+        <a:bodyPr/>
+        <a:lstStyle/>
+        <a:p>
+          <a:endParaRPr lang="en-US"/>
+        </a:p>
+      </dgm:t>
+    </dgm:pt>
+    <dgm:pt modelId="{500A98DD-B150-467F-9E2E-886AC4187A4C}">
+      <dgm:prSet/>
+      <dgm:spPr/>
+      <dgm:t>
+        <a:bodyPr/>
+        <a:lstStyle/>
+        <a:p>
+          <a:r>
+            <a:rPr lang="en-US"/>
+            <a:t>Supported programming languages :</a:t>
+          </a:r>
+        </a:p>
+      </dgm:t>
+    </dgm:pt>
+    <dgm:pt modelId="{41A06E54-32E5-40E1-8DD0-ADBB3E2AB054}" type="parTrans" cxnId="{C104F144-D532-4026-9488-BDF0BBE406F2}">
+      <dgm:prSet/>
+      <dgm:spPr/>
+      <dgm:t>
+        <a:bodyPr/>
+        <a:lstStyle/>
+        <a:p>
+          <a:endParaRPr lang="en-US"/>
+        </a:p>
+      </dgm:t>
+    </dgm:pt>
+    <dgm:pt modelId="{164EA9B1-A6E8-4373-9704-6EE88F684E67}" type="sibTrans" cxnId="{C104F144-D532-4026-9488-BDF0BBE406F2}">
+      <dgm:prSet/>
+      <dgm:spPr/>
+      <dgm:t>
+        <a:bodyPr/>
+        <a:lstStyle/>
+        <a:p>
+          <a:endParaRPr lang="en-US"/>
+        </a:p>
+      </dgm:t>
+    </dgm:pt>
+    <dgm:pt modelId="{6728D4A7-9200-445C-8AE4-7FCFEBF6AD83}">
+      <dgm:prSet/>
+      <dgm:spPr/>
+      <dgm:t>
+        <a:bodyPr/>
+        <a:lstStyle/>
+        <a:p>
+          <a:r>
+            <a:rPr lang="en-US"/>
+            <a:t>.Net, Clojure, Erlang, Go, Haskell, Java, JavaScript, JavaScript (Node.js), Lisp, Perl, PHP, Python, R, Ruby, Rust, Scala</a:t>
+          </a:r>
+        </a:p>
+      </dgm:t>
+    </dgm:pt>
+    <dgm:pt modelId="{9721C57A-1534-41B1-B943-17972711B91D}" type="parTrans" cxnId="{D3E4D91A-92F7-4187-BCCD-DAE476F6924B}">
+      <dgm:prSet/>
+      <dgm:spPr/>
+      <dgm:t>
+        <a:bodyPr/>
+        <a:lstStyle/>
+        <a:p>
+          <a:endParaRPr lang="en-US"/>
+        </a:p>
+      </dgm:t>
+    </dgm:pt>
+    <dgm:pt modelId="{7BB6D671-7440-4E83-98D6-D24A6AC6832A}" type="sibTrans" cxnId="{D3E4D91A-92F7-4187-BCCD-DAE476F6924B}">
+      <dgm:prSet/>
+      <dgm:spPr/>
+      <dgm:t>
+        <a:bodyPr/>
+        <a:lstStyle/>
+        <a:p>
+          <a:endParaRPr lang="en-US"/>
+        </a:p>
+      </dgm:t>
+    </dgm:pt>
+    <dgm:pt modelId="{1F48560F-9551-45BF-8F0E-EA6DD1405ED0}" type="pres">
+      <dgm:prSet presAssocID="{911CBEC2-974E-41F7-AD12-C7D59958C1BE}" presName="linear" presStyleCnt="0">
+        <dgm:presLayoutVars>
+          <dgm:dir/>
+          <dgm:animLvl val="lvl"/>
+          <dgm:resizeHandles val="exact"/>
+        </dgm:presLayoutVars>
+      </dgm:prSet>
+      <dgm:spPr/>
+    </dgm:pt>
+    <dgm:pt modelId="{BE2816B3-400B-4C84-8C00-FC94774686AC}" type="pres">
+      <dgm:prSet presAssocID="{00016536-3DDD-466F-85BC-1F476353D725}" presName="parentLin" presStyleCnt="0"/>
+      <dgm:spPr/>
+    </dgm:pt>
+    <dgm:pt modelId="{5176ABF7-FAC6-42F4-A287-2B7714179875}" type="pres">
+      <dgm:prSet presAssocID="{00016536-3DDD-466F-85BC-1F476353D725}" presName="parentLeftMargin" presStyleLbl="node1" presStyleIdx="0" presStyleCnt="2"/>
+      <dgm:spPr/>
+    </dgm:pt>
+    <dgm:pt modelId="{C0C1A8E8-60C2-4D0A-A791-BEBC9B0466F8}" type="pres">
+      <dgm:prSet presAssocID="{00016536-3DDD-466F-85BC-1F476353D725}" presName="parentText" presStyleLbl="node1" presStyleIdx="0" presStyleCnt="2">
+        <dgm:presLayoutVars>
+          <dgm:chMax val="0"/>
+          <dgm:bulletEnabled val="1"/>
+        </dgm:presLayoutVars>
+      </dgm:prSet>
+      <dgm:spPr/>
+    </dgm:pt>
+    <dgm:pt modelId="{06DCC83B-A5F5-4D87-82B5-460AC9077A76}" type="pres">
+      <dgm:prSet presAssocID="{00016536-3DDD-466F-85BC-1F476353D725}" presName="negativeSpace" presStyleCnt="0"/>
+      <dgm:spPr/>
+    </dgm:pt>
+    <dgm:pt modelId="{1C31511F-3B9D-4E0F-BAFE-FFE5D1F6A40B}" type="pres">
+      <dgm:prSet presAssocID="{00016536-3DDD-466F-85BC-1F476353D725}" presName="childText" presStyleLbl="conFgAcc1" presStyleIdx="0" presStyleCnt="2">
+        <dgm:presLayoutVars>
+          <dgm:bulletEnabled val="1"/>
+        </dgm:presLayoutVars>
+      </dgm:prSet>
+      <dgm:spPr/>
+    </dgm:pt>
+    <dgm:pt modelId="{4410114F-EB71-4D76-B649-1316CBF956B3}" type="pres">
+      <dgm:prSet presAssocID="{C97484CA-9F75-4B1A-AFD3-9085E7EA133F}" presName="spaceBetweenRectangles" presStyleCnt="0"/>
+      <dgm:spPr/>
+    </dgm:pt>
+    <dgm:pt modelId="{C22521A1-B394-423C-99B6-13BA4908BE15}" type="pres">
+      <dgm:prSet presAssocID="{500A98DD-B150-467F-9E2E-886AC4187A4C}" presName="parentLin" presStyleCnt="0"/>
+      <dgm:spPr/>
+    </dgm:pt>
+    <dgm:pt modelId="{946A102B-AAC5-4BC5-8171-D644CFCC72F7}" type="pres">
+      <dgm:prSet presAssocID="{500A98DD-B150-467F-9E2E-886AC4187A4C}" presName="parentLeftMargin" presStyleLbl="node1" presStyleIdx="0" presStyleCnt="2"/>
+      <dgm:spPr/>
+    </dgm:pt>
+    <dgm:pt modelId="{B73014B3-F99A-4151-9C44-CD86F7723568}" type="pres">
+      <dgm:prSet presAssocID="{500A98DD-B150-467F-9E2E-886AC4187A4C}" presName="parentText" presStyleLbl="node1" presStyleIdx="1" presStyleCnt="2">
+        <dgm:presLayoutVars>
+          <dgm:chMax val="0"/>
+          <dgm:bulletEnabled val="1"/>
+        </dgm:presLayoutVars>
+      </dgm:prSet>
+      <dgm:spPr/>
+    </dgm:pt>
+    <dgm:pt modelId="{1B90711D-DDAB-4E82-8E4F-45D50FEA9182}" type="pres">
+      <dgm:prSet presAssocID="{500A98DD-B150-467F-9E2E-886AC4187A4C}" presName="negativeSpace" presStyleCnt="0"/>
+      <dgm:spPr/>
+    </dgm:pt>
+    <dgm:pt modelId="{7C1D7B56-88FE-466D-AB7F-96A65BBC09AE}" type="pres">
+      <dgm:prSet presAssocID="{500A98DD-B150-467F-9E2E-886AC4187A4C}" presName="childText" presStyleLbl="conFgAcc1" presStyleIdx="1" presStyleCnt="2">
+        <dgm:presLayoutVars>
+          <dgm:bulletEnabled val="1"/>
+        </dgm:presLayoutVars>
+      </dgm:prSet>
+      <dgm:spPr/>
+    </dgm:pt>
+  </dgm:ptLst>
+  <dgm:cxnLst>
+    <dgm:cxn modelId="{94FD0819-E040-4970-9615-FB11D91AA2C2}" type="presOf" srcId="{500A98DD-B150-467F-9E2E-886AC4187A4C}" destId="{946A102B-AAC5-4BC5-8171-D644CFCC72F7}" srcOrd="0" destOrd="0" presId="urn:microsoft.com/office/officeart/2005/8/layout/list1"/>
+    <dgm:cxn modelId="{D3E4D91A-92F7-4187-BCCD-DAE476F6924B}" srcId="{500A98DD-B150-467F-9E2E-886AC4187A4C}" destId="{6728D4A7-9200-445C-8AE4-7FCFEBF6AD83}" srcOrd="0" destOrd="0" parTransId="{9721C57A-1534-41B1-B943-17972711B91D}" sibTransId="{7BB6D671-7440-4E83-98D6-D24A6AC6832A}"/>
+    <dgm:cxn modelId="{22C3B622-6E9D-4DC3-A518-4A6BE321260E}" type="presOf" srcId="{911CBEC2-974E-41F7-AD12-C7D59958C1BE}" destId="{1F48560F-9551-45BF-8F0E-EA6DD1405ED0}" srcOrd="0" destOrd="0" presId="urn:microsoft.com/office/officeart/2005/8/layout/list1"/>
+    <dgm:cxn modelId="{C104F144-D532-4026-9488-BDF0BBE406F2}" srcId="{911CBEC2-974E-41F7-AD12-C7D59958C1BE}" destId="{500A98DD-B150-467F-9E2E-886AC4187A4C}" srcOrd="1" destOrd="0" parTransId="{41A06E54-32E5-40E1-8DD0-ADBB3E2AB054}" sibTransId="{164EA9B1-A6E8-4373-9704-6EE88F684E67}"/>
+    <dgm:cxn modelId="{A0443D48-A838-401B-A97F-2BE4DC72BCF1}" type="presOf" srcId="{00016536-3DDD-466F-85BC-1F476353D725}" destId="{C0C1A8E8-60C2-4D0A-A791-BEBC9B0466F8}" srcOrd="1" destOrd="0" presId="urn:microsoft.com/office/officeart/2005/8/layout/list1"/>
+    <dgm:cxn modelId="{90C7AD6A-2DBB-4435-990B-319F13EB5AB2}" type="presOf" srcId="{500A98DD-B150-467F-9E2E-886AC4187A4C}" destId="{B73014B3-F99A-4151-9C44-CD86F7723568}" srcOrd="1" destOrd="0" presId="urn:microsoft.com/office/officeart/2005/8/layout/list1"/>
+    <dgm:cxn modelId="{DB70B259-4B56-46F6-8B50-3458FF51D409}" srcId="{911CBEC2-974E-41F7-AD12-C7D59958C1BE}" destId="{00016536-3DDD-466F-85BC-1F476353D725}" srcOrd="0" destOrd="0" parTransId="{FF29C69F-0DAA-4998-A8F3-2C9C64AED699}" sibTransId="{C97484CA-9F75-4B1A-AFD3-9085E7EA133F}"/>
+    <dgm:cxn modelId="{F7B2CFA7-EEC9-41B0-A90D-A81FB376AE11}" type="presOf" srcId="{00016536-3DDD-466F-85BC-1F476353D725}" destId="{5176ABF7-FAC6-42F4-A287-2B7714179875}" srcOrd="0" destOrd="0" presId="urn:microsoft.com/office/officeart/2005/8/layout/list1"/>
+    <dgm:cxn modelId="{F2D0DADE-9A73-4FC9-9B29-0079F7852D73}" type="presOf" srcId="{6728D4A7-9200-445C-8AE4-7FCFEBF6AD83}" destId="{7C1D7B56-88FE-466D-AB7F-96A65BBC09AE}" srcOrd="0" destOrd="0" presId="urn:microsoft.com/office/officeart/2005/8/layout/list1"/>
+    <dgm:cxn modelId="{F0516B3C-250A-4D26-870E-41E998B9380A}" type="presParOf" srcId="{1F48560F-9551-45BF-8F0E-EA6DD1405ED0}" destId="{BE2816B3-400B-4C84-8C00-FC94774686AC}" srcOrd="0" destOrd="0" presId="urn:microsoft.com/office/officeart/2005/8/layout/list1"/>
+    <dgm:cxn modelId="{311B68DD-08B8-4A3C-82CC-16A4C54BC714}" type="presParOf" srcId="{BE2816B3-400B-4C84-8C00-FC94774686AC}" destId="{5176ABF7-FAC6-42F4-A287-2B7714179875}" srcOrd="0" destOrd="0" presId="urn:microsoft.com/office/officeart/2005/8/layout/list1"/>
+    <dgm:cxn modelId="{94AEC171-D756-4B12-8788-6073E9ACC7D4}" type="presParOf" srcId="{BE2816B3-400B-4C84-8C00-FC94774686AC}" destId="{C0C1A8E8-60C2-4D0A-A791-BEBC9B0466F8}" srcOrd="1" destOrd="0" presId="urn:microsoft.com/office/officeart/2005/8/layout/list1"/>
+    <dgm:cxn modelId="{E6C0BF5D-C7BA-41A5-8724-6ACB9DC091D9}" type="presParOf" srcId="{1F48560F-9551-45BF-8F0E-EA6DD1405ED0}" destId="{06DCC83B-A5F5-4D87-82B5-460AC9077A76}" srcOrd="1" destOrd="0" presId="urn:microsoft.com/office/officeart/2005/8/layout/list1"/>
+    <dgm:cxn modelId="{868389C5-16BD-4593-92F6-1331C432EBEE}" type="presParOf" srcId="{1F48560F-9551-45BF-8F0E-EA6DD1405ED0}" destId="{1C31511F-3B9D-4E0F-BAFE-FFE5D1F6A40B}" srcOrd="2" destOrd="0" presId="urn:microsoft.com/office/officeart/2005/8/layout/list1"/>
+    <dgm:cxn modelId="{F88E4200-444A-4205-9E9C-45F1A5CF2AF2}" type="presParOf" srcId="{1F48560F-9551-45BF-8F0E-EA6DD1405ED0}" destId="{4410114F-EB71-4D76-B649-1316CBF956B3}" srcOrd="3" destOrd="0" presId="urn:microsoft.com/office/officeart/2005/8/layout/list1"/>
+    <dgm:cxn modelId="{1B28D8EB-44AA-48D3-9F47-E773C90137CA}" type="presParOf" srcId="{1F48560F-9551-45BF-8F0E-EA6DD1405ED0}" destId="{C22521A1-B394-423C-99B6-13BA4908BE15}" srcOrd="4" destOrd="0" presId="urn:microsoft.com/office/officeart/2005/8/layout/list1"/>
+    <dgm:cxn modelId="{7FC048B4-EDAE-4D4E-B850-75E4B6888AC6}" type="presParOf" srcId="{C22521A1-B394-423C-99B6-13BA4908BE15}" destId="{946A102B-AAC5-4BC5-8171-D644CFCC72F7}" srcOrd="0" destOrd="0" presId="urn:microsoft.com/office/officeart/2005/8/layout/list1"/>
+    <dgm:cxn modelId="{7724BE3B-B1A8-4282-B612-BD5D021EEABB}" type="presParOf" srcId="{C22521A1-B394-423C-99B6-13BA4908BE15}" destId="{B73014B3-F99A-4151-9C44-CD86F7723568}" srcOrd="1" destOrd="0" presId="urn:microsoft.com/office/officeart/2005/8/layout/list1"/>
+    <dgm:cxn modelId="{8BC62088-F62F-4D7A-B37F-B86B9894C38C}" type="presParOf" srcId="{1F48560F-9551-45BF-8F0E-EA6DD1405ED0}" destId="{1B90711D-DDAB-4E82-8E4F-45D50FEA9182}" srcOrd="5" destOrd="0" presId="urn:microsoft.com/office/officeart/2005/8/layout/list1"/>
+    <dgm:cxn modelId="{CB59F6CD-ACA7-4FDD-B108-DE42004B44CD}" type="presParOf" srcId="{1F48560F-9551-45BF-8F0E-EA6DD1405ED0}" destId="{7C1D7B56-88FE-466D-AB7F-96A65BBC09AE}" srcOrd="6" destOrd="0" presId="urn:microsoft.com/office/officeart/2005/8/layout/list1"/>
+  </dgm:cxnLst>
+  <dgm:bg/>
+  <dgm:whole/>
+  <dgm:extLst>
+    <a:ext uri="http://schemas.microsoft.com/office/drawing/2008/diagram">
+      <dsp:dataModelExt xmlns:dsp="http://schemas.microsoft.com/office/drawing/2008/diagram" relId="rId7" minVer="http://schemas.openxmlformats.org/drawingml/2006/diagram"/>
     </a:ext>
   </dgm:extLst>
 </dgm:dataModel>
@@ -1945,6 +2954,300 @@
 </dsp:drawing>
 </file>
 
+<file path=ppt/diagrams/drawing2.xml><?xml version="1.0" encoding="utf-8"?>
+<dsp:drawing xmlns:dgm="http://schemas.openxmlformats.org/drawingml/2006/diagram" xmlns:dsp="http://schemas.microsoft.com/office/drawing/2008/diagram" xmlns:a="http://schemas.openxmlformats.org/drawingml/2006/main">
+  <dsp:spTree>
+    <dsp:nvGrpSpPr>
+      <dsp:cNvPr id="0" name=""/>
+      <dsp:cNvGrpSpPr/>
+    </dsp:nvGrpSpPr>
+    <dsp:grpSpPr/>
+    <dsp:sp modelId="{1C31511F-3B9D-4E0F-BAFE-FFE5D1F6A40B}">
+      <dsp:nvSpPr>
+        <dsp:cNvPr id="0" name=""/>
+        <dsp:cNvSpPr/>
+      </dsp:nvSpPr>
+      <dsp:spPr>
+        <a:xfrm>
+          <a:off x="0" y="501331"/>
+          <a:ext cx="10515600" cy="831600"/>
+        </a:xfrm>
+        <a:prstGeom prst="rect">
+          <a:avLst/>
+        </a:prstGeom>
+        <a:solidFill>
+          <a:schemeClr val="lt1">
+            <a:alpha val="90000"/>
+            <a:hueOff val="0"/>
+            <a:satOff val="0"/>
+            <a:lumOff val="0"/>
+            <a:alphaOff val="0"/>
+          </a:schemeClr>
+        </a:solidFill>
+        <a:ln w="12700" cap="flat" cmpd="sng" algn="ctr">
+          <a:solidFill>
+            <a:schemeClr val="accent2">
+              <a:hueOff val="0"/>
+              <a:satOff val="0"/>
+              <a:lumOff val="0"/>
+              <a:alphaOff val="0"/>
+            </a:schemeClr>
+          </a:solidFill>
+          <a:prstDash val="solid"/>
+          <a:miter lim="800000"/>
+        </a:ln>
+        <a:effectLst/>
+      </dsp:spPr>
+      <dsp:style>
+        <a:lnRef idx="2">
+          <a:scrgbClr r="0" g="0" b="0"/>
+        </a:lnRef>
+        <a:fillRef idx="1">
+          <a:scrgbClr r="0" g="0" b="0"/>
+        </a:fillRef>
+        <a:effectRef idx="0">
+          <a:scrgbClr r="0" g="0" b="0"/>
+        </a:effectRef>
+        <a:fontRef idx="minor"/>
+      </dsp:style>
+    </dsp:sp>
+    <dsp:sp modelId="{C0C1A8E8-60C2-4D0A-A791-BEBC9B0466F8}">
+      <dsp:nvSpPr>
+        <dsp:cNvPr id="0" name=""/>
+        <dsp:cNvSpPr/>
+      </dsp:nvSpPr>
+      <dsp:spPr>
+        <a:xfrm>
+          <a:off x="525780" y="14251"/>
+          <a:ext cx="7360920" cy="974160"/>
+        </a:xfrm>
+        <a:prstGeom prst="roundRect">
+          <a:avLst/>
+        </a:prstGeom>
+        <a:solidFill>
+          <a:schemeClr val="accent2">
+            <a:hueOff val="0"/>
+            <a:satOff val="0"/>
+            <a:lumOff val="0"/>
+            <a:alphaOff val="0"/>
+          </a:schemeClr>
+        </a:solidFill>
+        <a:ln w="12700" cap="flat" cmpd="sng" algn="ctr">
+          <a:solidFill>
+            <a:schemeClr val="lt1">
+              <a:hueOff val="0"/>
+              <a:satOff val="0"/>
+              <a:lumOff val="0"/>
+              <a:alphaOff val="0"/>
+            </a:schemeClr>
+          </a:solidFill>
+          <a:prstDash val="solid"/>
+          <a:miter lim="800000"/>
+        </a:ln>
+        <a:effectLst/>
+      </dsp:spPr>
+      <dsp:style>
+        <a:lnRef idx="2">
+          <a:scrgbClr r="0" g="0" b="0"/>
+        </a:lnRef>
+        <a:fillRef idx="1">
+          <a:scrgbClr r="0" g="0" b="0"/>
+        </a:fillRef>
+        <a:effectRef idx="0">
+          <a:scrgbClr r="0" g="0" b="0"/>
+        </a:effectRef>
+        <a:fontRef idx="minor">
+          <a:schemeClr val="lt1"/>
+        </a:fontRef>
+      </dsp:style>
+      <dsp:txBody>
+        <a:bodyPr spcFirstLastPara="0" vert="horz" wrap="square" lIns="278225" tIns="0" rIns="278225" bIns="0" numCol="1" spcCol="1270" anchor="ctr" anchorCtr="0">
+          <a:noAutofit/>
+        </a:bodyPr>
+        <a:lstStyle/>
+        <a:p>
+          <a:pPr marL="0" lvl="0" indent="0" algn="l" defTabSz="1466850">
+            <a:lnSpc>
+              <a:spcPct val="90000"/>
+            </a:lnSpc>
+            <a:spcBef>
+              <a:spcPct val="0"/>
+            </a:spcBef>
+            <a:spcAft>
+              <a:spcPct val="35000"/>
+            </a:spcAft>
+            <a:buNone/>
+          </a:pPr>
+          <a:r>
+            <a:rPr lang="en-US" sz="3300" kern="1200"/>
+            <a:t>Implementation language – Go lang.</a:t>
+          </a:r>
+        </a:p>
+      </dsp:txBody>
+      <dsp:txXfrm>
+        <a:off x="573335" y="61806"/>
+        <a:ext cx="7265810" cy="879050"/>
+      </dsp:txXfrm>
+    </dsp:sp>
+    <dsp:sp modelId="{7C1D7B56-88FE-466D-AB7F-96A65BBC09AE}">
+      <dsp:nvSpPr>
+        <dsp:cNvPr id="0" name=""/>
+        <dsp:cNvSpPr/>
+      </dsp:nvSpPr>
+      <dsp:spPr>
+        <a:xfrm>
+          <a:off x="0" y="1998211"/>
+          <a:ext cx="10515600" cy="2338875"/>
+        </a:xfrm>
+        <a:prstGeom prst="rect">
+          <a:avLst/>
+        </a:prstGeom>
+        <a:solidFill>
+          <a:schemeClr val="lt1">
+            <a:alpha val="90000"/>
+            <a:hueOff val="0"/>
+            <a:satOff val="0"/>
+            <a:lumOff val="0"/>
+            <a:alphaOff val="0"/>
+          </a:schemeClr>
+        </a:solidFill>
+        <a:ln w="12700" cap="flat" cmpd="sng" algn="ctr">
+          <a:solidFill>
+            <a:schemeClr val="accent2">
+              <a:hueOff val="-1455363"/>
+              <a:satOff val="-83928"/>
+              <a:lumOff val="8628"/>
+              <a:alphaOff val="0"/>
+            </a:schemeClr>
+          </a:solidFill>
+          <a:prstDash val="solid"/>
+          <a:miter lim="800000"/>
+        </a:ln>
+        <a:effectLst/>
+      </dsp:spPr>
+      <dsp:style>
+        <a:lnRef idx="2">
+          <a:scrgbClr r="0" g="0" b="0"/>
+        </a:lnRef>
+        <a:fillRef idx="1">
+          <a:scrgbClr r="0" g="0" b="0"/>
+        </a:fillRef>
+        <a:effectRef idx="0">
+          <a:scrgbClr r="0" g="0" b="0"/>
+        </a:effectRef>
+        <a:fontRef idx="minor"/>
+      </dsp:style>
+      <dsp:txBody>
+        <a:bodyPr spcFirstLastPara="0" vert="horz" wrap="square" lIns="816127" tIns="687324" rIns="816127" bIns="234696" numCol="1" spcCol="1270" anchor="t" anchorCtr="0">
+          <a:noAutofit/>
+        </a:bodyPr>
+        <a:lstStyle/>
+        <a:p>
+          <a:pPr marL="285750" lvl="1" indent="-285750" algn="l" defTabSz="1466850">
+            <a:lnSpc>
+              <a:spcPct val="90000"/>
+            </a:lnSpc>
+            <a:spcBef>
+              <a:spcPct val="0"/>
+            </a:spcBef>
+            <a:spcAft>
+              <a:spcPct val="15000"/>
+            </a:spcAft>
+            <a:buChar char="•"/>
+          </a:pPr>
+          <a:r>
+            <a:rPr lang="en-US" sz="3300" kern="1200"/>
+            <a:t>.Net, Clojure, Erlang, Go, Haskell, Java, JavaScript, JavaScript (Node.js), Lisp, Perl, PHP, Python, R, Ruby, Rust, Scala</a:t>
+          </a:r>
+        </a:p>
+      </dsp:txBody>
+      <dsp:txXfrm>
+        <a:off x="0" y="1998211"/>
+        <a:ext cx="10515600" cy="2338875"/>
+      </dsp:txXfrm>
+    </dsp:sp>
+    <dsp:sp modelId="{B73014B3-F99A-4151-9C44-CD86F7723568}">
+      <dsp:nvSpPr>
+        <dsp:cNvPr id="0" name=""/>
+        <dsp:cNvSpPr/>
+      </dsp:nvSpPr>
+      <dsp:spPr>
+        <a:xfrm>
+          <a:off x="525780" y="1511131"/>
+          <a:ext cx="7360920" cy="974160"/>
+        </a:xfrm>
+        <a:prstGeom prst="roundRect">
+          <a:avLst/>
+        </a:prstGeom>
+        <a:solidFill>
+          <a:schemeClr val="accent2">
+            <a:hueOff val="-1455363"/>
+            <a:satOff val="-83928"/>
+            <a:lumOff val="8628"/>
+            <a:alphaOff val="0"/>
+          </a:schemeClr>
+        </a:solidFill>
+        <a:ln w="12700" cap="flat" cmpd="sng" algn="ctr">
+          <a:solidFill>
+            <a:schemeClr val="lt1">
+              <a:hueOff val="0"/>
+              <a:satOff val="0"/>
+              <a:lumOff val="0"/>
+              <a:alphaOff val="0"/>
+            </a:schemeClr>
+          </a:solidFill>
+          <a:prstDash val="solid"/>
+          <a:miter lim="800000"/>
+        </a:ln>
+        <a:effectLst/>
+      </dsp:spPr>
+      <dsp:style>
+        <a:lnRef idx="2">
+          <a:scrgbClr r="0" g="0" b="0"/>
+        </a:lnRef>
+        <a:fillRef idx="1">
+          <a:scrgbClr r="0" g="0" b="0"/>
+        </a:fillRef>
+        <a:effectRef idx="0">
+          <a:scrgbClr r="0" g="0" b="0"/>
+        </a:effectRef>
+        <a:fontRef idx="minor">
+          <a:schemeClr val="lt1"/>
+        </a:fontRef>
+      </dsp:style>
+      <dsp:txBody>
+        <a:bodyPr spcFirstLastPara="0" vert="horz" wrap="square" lIns="278225" tIns="0" rIns="278225" bIns="0" numCol="1" spcCol="1270" anchor="ctr" anchorCtr="0">
+          <a:noAutofit/>
+        </a:bodyPr>
+        <a:lstStyle/>
+        <a:p>
+          <a:pPr marL="0" lvl="0" indent="0" algn="l" defTabSz="1466850">
+            <a:lnSpc>
+              <a:spcPct val="90000"/>
+            </a:lnSpc>
+            <a:spcBef>
+              <a:spcPct val="0"/>
+            </a:spcBef>
+            <a:spcAft>
+              <a:spcPct val="35000"/>
+            </a:spcAft>
+            <a:buNone/>
+          </a:pPr>
+          <a:r>
+            <a:rPr lang="en-US" sz="3300" kern="1200"/>
+            <a:t>Supported programming languages :</a:t>
+          </a:r>
+        </a:p>
+      </dsp:txBody>
+      <dsp:txXfrm>
+        <a:off x="573335" y="1558686"/>
+        <a:ext cx="7265810" cy="879050"/>
+      </dsp:txXfrm>
+    </dsp:sp>
+  </dsp:spTree>
+</dsp:drawing>
+</file>
+
 <file path=ppt/diagrams/layout1.xml><?xml version="1.0" encoding="utf-8"?>
 <dgm:layoutDef xmlns:dgm="http://schemas.openxmlformats.org/drawingml/2006/diagram" xmlns:a="http://schemas.openxmlformats.org/drawingml/2006/main" uniqueId="urn:microsoft.com/office/officeart/2018/2/layout/IconVerticalSolidList">
   <dgm:title val="Icon Vertical Solid List"/>
@@ -2239,7 +3542,1266 @@
 </dgm:layoutDef>
 </file>
 
+<file path=ppt/diagrams/layout2.xml><?xml version="1.0" encoding="utf-8"?>
+<dgm:layoutDef xmlns:dgm="http://schemas.openxmlformats.org/drawingml/2006/diagram" xmlns:a="http://schemas.openxmlformats.org/drawingml/2006/main" uniqueId="urn:microsoft.com/office/officeart/2005/8/layout/list1">
+  <dgm:title val=""/>
+  <dgm:desc val=""/>
+  <dgm:catLst>
+    <dgm:cat type="list" pri="4000"/>
+  </dgm:catLst>
+  <dgm:sampData>
+    <dgm:dataModel>
+      <dgm:ptLst>
+        <dgm:pt modelId="0" type="doc"/>
+        <dgm:pt modelId="1">
+          <dgm:prSet phldr="1"/>
+        </dgm:pt>
+        <dgm:pt modelId="2">
+          <dgm:prSet phldr="1"/>
+        </dgm:pt>
+        <dgm:pt modelId="3">
+          <dgm:prSet phldr="1"/>
+        </dgm:pt>
+      </dgm:ptLst>
+      <dgm:cxnLst>
+        <dgm:cxn modelId="4" srcId="0" destId="1" srcOrd="0" destOrd="0"/>
+        <dgm:cxn modelId="5" srcId="0" destId="2" srcOrd="1" destOrd="0"/>
+        <dgm:cxn modelId="6" srcId="0" destId="3" srcOrd="2" destOrd="0"/>
+      </dgm:cxnLst>
+      <dgm:bg/>
+      <dgm:whole/>
+    </dgm:dataModel>
+  </dgm:sampData>
+  <dgm:styleData>
+    <dgm:dataModel>
+      <dgm:ptLst>
+        <dgm:pt modelId="0" type="doc"/>
+        <dgm:pt modelId="1"/>
+        <dgm:pt modelId="2"/>
+      </dgm:ptLst>
+      <dgm:cxnLst>
+        <dgm:cxn modelId="4" srcId="0" destId="1" srcOrd="0" destOrd="0"/>
+        <dgm:cxn modelId="5" srcId="0" destId="2" srcOrd="1" destOrd="0"/>
+      </dgm:cxnLst>
+      <dgm:bg/>
+      <dgm:whole/>
+    </dgm:dataModel>
+  </dgm:styleData>
+  <dgm:clrData>
+    <dgm:dataModel>
+      <dgm:ptLst>
+        <dgm:pt modelId="0" type="doc"/>
+        <dgm:pt modelId="1"/>
+        <dgm:pt modelId="2"/>
+        <dgm:pt modelId="3"/>
+        <dgm:pt modelId="4"/>
+      </dgm:ptLst>
+      <dgm:cxnLst>
+        <dgm:cxn modelId="5" srcId="0" destId="1" srcOrd="0" destOrd="0"/>
+        <dgm:cxn modelId="6" srcId="0" destId="2" srcOrd="1" destOrd="0"/>
+        <dgm:cxn modelId="7" srcId="0" destId="3" srcOrd="2" destOrd="0"/>
+        <dgm:cxn modelId="8" srcId="0" destId="4" srcOrd="3" destOrd="0"/>
+      </dgm:cxnLst>
+      <dgm:bg/>
+      <dgm:whole/>
+    </dgm:dataModel>
+  </dgm:clrData>
+  <dgm:layoutNode name="linear">
+    <dgm:varLst>
+      <dgm:dir/>
+      <dgm:animLvl val="lvl"/>
+      <dgm:resizeHandles val="exact"/>
+    </dgm:varLst>
+    <dgm:choose name="Name0">
+      <dgm:if name="Name1" func="var" arg="dir" op="equ" val="norm">
+        <dgm:alg type="lin">
+          <dgm:param type="linDir" val="fromT"/>
+          <dgm:param type="vertAlign" val="mid"/>
+          <dgm:param type="horzAlign" val="l"/>
+          <dgm:param type="nodeHorzAlign" val="l"/>
+        </dgm:alg>
+      </dgm:if>
+      <dgm:else name="Name2">
+        <dgm:alg type="lin">
+          <dgm:param type="linDir" val="fromT"/>
+          <dgm:param type="vertAlign" val="mid"/>
+          <dgm:param type="horzAlign" val="r"/>
+          <dgm:param type="nodeHorzAlign" val="r"/>
+        </dgm:alg>
+      </dgm:else>
+    </dgm:choose>
+    <dgm:shape xmlns:r="http://schemas.openxmlformats.org/officeDocument/2006/relationships" r:blip="">
+      <dgm:adjLst/>
+    </dgm:shape>
+    <dgm:presOf/>
+    <dgm:constrLst>
+      <dgm:constr type="w" for="ch" forName="parentLin" refType="w"/>
+      <dgm:constr type="h" for="ch" forName="parentLin" val="INF"/>
+      <dgm:constr type="w" for="des" forName="parentLeftMargin" refType="w" fact="0.05"/>
+      <dgm:constr type="w" for="des" forName="parentText" refType="w" fact="0.7"/>
+      <dgm:constr type="h" for="des" forName="parentText" refType="primFontSz" refFor="des" refForName="parentText" fact="0.82"/>
+      <dgm:constr type="h" for="ch" forName="negativeSpace" refType="primFontSz" refFor="des" refForName="parentText" fact="-0.41"/>
+      <dgm:constr type="h" for="ch" forName="negativeSpace" refType="h" refFor="des" refForName="parentText" op="lte" fact="-0.82"/>
+      <dgm:constr type="h" for="ch" forName="negativeSpace" refType="h" refFor="des" refForName="parentText" op="gte" fact="-0.82"/>
+      <dgm:constr type="w" for="ch" forName="childText" refType="w"/>
+      <dgm:constr type="h" for="ch" forName="childText" refType="primFontSz" refFor="des" refForName="parentText" fact="0.7"/>
+      <dgm:constr type="primFontSz" for="des" forName="parentText" val="65"/>
+      <dgm:constr type="primFontSz" for="ch" forName="childText" refType="primFontSz" refFor="des" refForName="parentText"/>
+      <dgm:constr type="tMarg" for="ch" forName="childText" refType="primFontSz" refFor="des" refForName="parentText" fact="1.64"/>
+      <dgm:constr type="tMarg" for="ch" forName="childText" refType="h" refFor="des" refForName="parentText" op="lte" fact="3.28"/>
+      <dgm:constr type="tMarg" for="ch" forName="childText" refType="h" refFor="des" refForName="parentText" op="gte" fact="3.28"/>
+      <dgm:constr type="lMarg" for="ch" forName="childText" refType="w" fact="0.22"/>
+      <dgm:constr type="rMarg" for="ch" forName="childText" refType="lMarg" refFor="ch" refForName="childText"/>
+      <dgm:constr type="lMarg" for="des" forName="parentText" refType="w" fact="0.075"/>
+      <dgm:constr type="rMarg" for="des" forName="parentText" refType="lMarg" refFor="des" refForName="parentText"/>
+      <dgm:constr type="h" for="ch" forName="spaceBetweenRectangles" refType="primFontSz" refFor="des" refForName="parentText" fact="0.15"/>
+    </dgm:constrLst>
+    <dgm:ruleLst>
+      <dgm:rule type="primFontSz" for="des" forName="parentText" val="5" fact="NaN" max="NaN"/>
+    </dgm:ruleLst>
+    <dgm:forEach name="Name3" axis="ch" ptType="node">
+      <dgm:layoutNode name="parentLin">
+        <dgm:choose name="Name4">
+          <dgm:if name="Name5" func="var" arg="dir" op="equ" val="norm">
+            <dgm:alg type="lin">
+              <dgm:param type="linDir" val="fromL"/>
+              <dgm:param type="horzAlign" val="l"/>
+              <dgm:param type="nodeHorzAlign" val="l"/>
+            </dgm:alg>
+          </dgm:if>
+          <dgm:else name="Name6">
+            <dgm:alg type="lin">
+              <dgm:param type="linDir" val="fromR"/>
+              <dgm:param type="horzAlign" val="r"/>
+              <dgm:param type="nodeHorzAlign" val="r"/>
+            </dgm:alg>
+          </dgm:else>
+        </dgm:choose>
+        <dgm:shape xmlns:r="http://schemas.openxmlformats.org/officeDocument/2006/relationships" r:blip="">
+          <dgm:adjLst/>
+        </dgm:shape>
+        <dgm:presOf/>
+        <dgm:constrLst/>
+        <dgm:ruleLst/>
+        <dgm:layoutNode name="parentLeftMargin">
+          <dgm:alg type="sp"/>
+          <dgm:shape xmlns:r="http://schemas.openxmlformats.org/officeDocument/2006/relationships" type="rect" r:blip="" hideGeom="1">
+            <dgm:adjLst/>
+          </dgm:shape>
+          <dgm:presOf axis="self"/>
+          <dgm:constrLst>
+            <dgm:constr type="h"/>
+          </dgm:constrLst>
+          <dgm:ruleLst/>
+        </dgm:layoutNode>
+        <dgm:layoutNode name="parentText" styleLbl="node1">
+          <dgm:varLst>
+            <dgm:chMax val="0"/>
+            <dgm:bulletEnabled val="1"/>
+          </dgm:varLst>
+          <dgm:choose name="Name7">
+            <dgm:if name="Name8" func="var" arg="dir" op="equ" val="norm">
+              <dgm:alg type="tx">
+                <dgm:param type="parTxLTRAlign" val="l"/>
+                <dgm:param type="parTxRTLAlign" val="l"/>
+              </dgm:alg>
+            </dgm:if>
+            <dgm:else name="Name9">
+              <dgm:alg type="tx">
+                <dgm:param type="parTxLTRAlign" val="r"/>
+                <dgm:param type="parTxRTLAlign" val="r"/>
+              </dgm:alg>
+            </dgm:else>
+          </dgm:choose>
+          <dgm:shape xmlns:r="http://schemas.openxmlformats.org/officeDocument/2006/relationships" type="roundRect" r:blip="">
+            <dgm:adjLst/>
+          </dgm:shape>
+          <dgm:presOf axis="self" ptType="node"/>
+          <dgm:constrLst>
+            <dgm:constr type="tMarg"/>
+            <dgm:constr type="bMarg"/>
+          </dgm:constrLst>
+          <dgm:ruleLst/>
+        </dgm:layoutNode>
+      </dgm:layoutNode>
+      <dgm:layoutNode name="negativeSpace">
+        <dgm:alg type="sp"/>
+        <dgm:shape xmlns:r="http://schemas.openxmlformats.org/officeDocument/2006/relationships" r:blip="">
+          <dgm:adjLst/>
+        </dgm:shape>
+        <dgm:presOf/>
+        <dgm:constrLst/>
+        <dgm:ruleLst/>
+      </dgm:layoutNode>
+      <dgm:layoutNode name="childText" styleLbl="conFgAcc1">
+        <dgm:varLst>
+          <dgm:bulletEnabled val="1"/>
+        </dgm:varLst>
+        <dgm:alg type="tx">
+          <dgm:param type="stBulletLvl" val="1"/>
+        </dgm:alg>
+        <dgm:shape xmlns:r="http://schemas.openxmlformats.org/officeDocument/2006/relationships" type="rect" r:blip="" zOrderOff="-2">
+          <dgm:adjLst/>
+        </dgm:shape>
+        <dgm:presOf axis="des" ptType="node"/>
+        <dgm:constrLst>
+          <dgm:constr type="secFontSz" refType="primFontSz"/>
+        </dgm:constrLst>
+        <dgm:ruleLst>
+          <dgm:rule type="h" val="INF" fact="NaN" max="NaN"/>
+        </dgm:ruleLst>
+      </dgm:layoutNode>
+      <dgm:forEach name="Name10" axis="followSib" ptType="sibTrans" cnt="1">
+        <dgm:layoutNode name="spaceBetweenRectangles">
+          <dgm:alg type="sp"/>
+          <dgm:shape xmlns:r="http://schemas.openxmlformats.org/officeDocument/2006/relationships" r:blip="">
+            <dgm:adjLst/>
+          </dgm:shape>
+          <dgm:presOf/>
+          <dgm:constrLst/>
+          <dgm:ruleLst/>
+        </dgm:layoutNode>
+      </dgm:forEach>
+    </dgm:forEach>
+  </dgm:layoutNode>
+</dgm:layoutDef>
+</file>
+
 <file path=ppt/diagrams/quickStyle1.xml><?xml version="1.0" encoding="utf-8"?>
+<dgm:styleDef xmlns:dgm="http://schemas.openxmlformats.org/drawingml/2006/diagram" xmlns:a="http://schemas.openxmlformats.org/drawingml/2006/main" uniqueId="urn:microsoft.com/office/officeart/2005/8/quickstyle/simple1">
+  <dgm:title val=""/>
+  <dgm:desc val=""/>
+  <dgm:catLst>
+    <dgm:cat type="simple" pri="10100"/>
+  </dgm:catLst>
+  <dgm:scene3d>
+    <a:camera prst="orthographicFront"/>
+    <a:lightRig rig="threePt" dir="t"/>
+  </dgm:scene3d>
+  <dgm:styleLbl name="node0">
+    <dgm:scene3d>
+      <a:camera prst="orthographicFront"/>
+      <a:lightRig rig="threePt" dir="t"/>
+    </dgm:scene3d>
+    <dgm:sp3d/>
+    <dgm:txPr/>
+    <dgm:style>
+      <a:lnRef idx="2">
+        <a:scrgbClr r="0" g="0" b="0"/>
+      </a:lnRef>
+      <a:fillRef idx="1">
+        <a:scrgbClr r="0" g="0" b="0"/>
+      </a:fillRef>
+      <a:effectRef idx="0">
+        <a:scrgbClr r="0" g="0" b="0"/>
+      </a:effectRef>
+      <a:fontRef idx="minor">
+        <a:schemeClr val="lt1"/>
+      </a:fontRef>
+    </dgm:style>
+  </dgm:styleLbl>
+  <dgm:styleLbl name="lnNode1">
+    <dgm:scene3d>
+      <a:camera prst="orthographicFront"/>
+      <a:lightRig rig="threePt" dir="t"/>
+    </dgm:scene3d>
+    <dgm:sp3d/>
+    <dgm:txPr/>
+    <dgm:style>
+      <a:lnRef idx="2">
+        <a:scrgbClr r="0" g="0" b="0"/>
+      </a:lnRef>
+      <a:fillRef idx="1">
+        <a:scrgbClr r="0" g="0" b="0"/>
+      </a:fillRef>
+      <a:effectRef idx="0">
+        <a:scrgbClr r="0" g="0" b="0"/>
+      </a:effectRef>
+      <a:fontRef idx="minor">
+        <a:schemeClr val="lt1"/>
+      </a:fontRef>
+    </dgm:style>
+  </dgm:styleLbl>
+  <dgm:styleLbl name="vennNode1">
+    <dgm:scene3d>
+      <a:camera prst="orthographicFront"/>
+      <a:lightRig rig="threePt" dir="t"/>
+    </dgm:scene3d>
+    <dgm:sp3d/>
+    <dgm:txPr/>
+    <dgm:style>
+      <a:lnRef idx="2">
+        <a:scrgbClr r="0" g="0" b="0"/>
+      </a:lnRef>
+      <a:fillRef idx="1">
+        <a:scrgbClr r="0" g="0" b="0"/>
+      </a:fillRef>
+      <a:effectRef idx="0">
+        <a:scrgbClr r="0" g="0" b="0"/>
+      </a:effectRef>
+      <a:fontRef idx="minor">
+        <a:schemeClr val="tx1"/>
+      </a:fontRef>
+    </dgm:style>
+  </dgm:styleLbl>
+  <dgm:styleLbl name="alignNode1">
+    <dgm:scene3d>
+      <a:camera prst="orthographicFront"/>
+      <a:lightRig rig="threePt" dir="t"/>
+    </dgm:scene3d>
+    <dgm:sp3d/>
+    <dgm:txPr/>
+    <dgm:style>
+      <a:lnRef idx="2">
+        <a:scrgbClr r="0" g="0" b="0"/>
+      </a:lnRef>
+      <a:fillRef idx="1">
+        <a:scrgbClr r="0" g="0" b="0"/>
+      </a:fillRef>
+      <a:effectRef idx="0">
+        <a:scrgbClr r="0" g="0" b="0"/>
+      </a:effectRef>
+      <a:fontRef idx="minor">
+        <a:schemeClr val="lt1"/>
+      </a:fontRef>
+    </dgm:style>
+  </dgm:styleLbl>
+  <dgm:styleLbl name="node1">
+    <dgm:scene3d>
+      <a:camera prst="orthographicFront"/>
+      <a:lightRig rig="threePt" dir="t"/>
+    </dgm:scene3d>
+    <dgm:sp3d/>
+    <dgm:txPr/>
+    <dgm:style>
+      <a:lnRef idx="2">
+        <a:scrgbClr r="0" g="0" b="0"/>
+      </a:lnRef>
+      <a:fillRef idx="1">
+        <a:scrgbClr r="0" g="0" b="0"/>
+      </a:fillRef>
+      <a:effectRef idx="0">
+        <a:scrgbClr r="0" g="0" b="0"/>
+      </a:effectRef>
+      <a:fontRef idx="minor">
+        <a:schemeClr val="lt1"/>
+      </a:fontRef>
+    </dgm:style>
+  </dgm:styleLbl>
+  <dgm:styleLbl name="node2">
+    <dgm:scene3d>
+      <a:camera prst="orthographicFront"/>
+      <a:lightRig rig="threePt" dir="t"/>
+    </dgm:scene3d>
+    <dgm:sp3d/>
+    <dgm:txPr/>
+    <dgm:style>
+      <a:lnRef idx="2">
+        <a:scrgbClr r="0" g="0" b="0"/>
+      </a:lnRef>
+      <a:fillRef idx="1">
+        <a:scrgbClr r="0" g="0" b="0"/>
+      </a:fillRef>
+      <a:effectRef idx="0">
+        <a:scrgbClr r="0" g="0" b="0"/>
+      </a:effectRef>
+      <a:fontRef idx="minor">
+        <a:schemeClr val="lt1"/>
+      </a:fontRef>
+    </dgm:style>
+  </dgm:styleLbl>
+  <dgm:styleLbl name="node3">
+    <dgm:scene3d>
+      <a:camera prst="orthographicFront"/>
+      <a:lightRig rig="threePt" dir="t"/>
+    </dgm:scene3d>
+    <dgm:sp3d/>
+    <dgm:txPr/>
+    <dgm:style>
+      <a:lnRef idx="2">
+        <a:scrgbClr r="0" g="0" b="0"/>
+      </a:lnRef>
+      <a:fillRef idx="1">
+        <a:scrgbClr r="0" g="0" b="0"/>
+      </a:fillRef>
+      <a:effectRef idx="0">
+        <a:scrgbClr r="0" g="0" b="0"/>
+      </a:effectRef>
+      <a:fontRef idx="minor">
+        <a:schemeClr val="lt1"/>
+      </a:fontRef>
+    </dgm:style>
+  </dgm:styleLbl>
+  <dgm:styleLbl name="node4">
+    <dgm:scene3d>
+      <a:camera prst="orthographicFront"/>
+      <a:lightRig rig="threePt" dir="t"/>
+    </dgm:scene3d>
+    <dgm:sp3d/>
+    <dgm:txPr/>
+    <dgm:style>
+      <a:lnRef idx="2">
+        <a:scrgbClr r="0" g="0" b="0"/>
+      </a:lnRef>
+      <a:fillRef idx="1">
+        <a:scrgbClr r="0" g="0" b="0"/>
+      </a:fillRef>
+      <a:effectRef idx="0">
+        <a:scrgbClr r="0" g="0" b="0"/>
+      </a:effectRef>
+      <a:fontRef idx="minor">
+        <a:schemeClr val="lt1"/>
+      </a:fontRef>
+    </dgm:style>
+  </dgm:styleLbl>
+  <dgm:styleLbl name="fgImgPlace1">
+    <dgm:scene3d>
+      <a:camera prst="orthographicFront"/>
+      <a:lightRig rig="threePt" dir="t"/>
+    </dgm:scene3d>
+    <dgm:sp3d/>
+    <dgm:txPr/>
+    <dgm:style>
+      <a:lnRef idx="2">
+        <a:scrgbClr r="0" g="0" b="0"/>
+      </a:lnRef>
+      <a:fillRef idx="1">
+        <a:scrgbClr r="0" g="0" b="0"/>
+      </a:fillRef>
+      <a:effectRef idx="0">
+        <a:scrgbClr r="0" g="0" b="0"/>
+      </a:effectRef>
+      <a:fontRef idx="minor"/>
+    </dgm:style>
+  </dgm:styleLbl>
+  <dgm:styleLbl name="alignImgPlace1">
+    <dgm:scene3d>
+      <a:camera prst="orthographicFront"/>
+      <a:lightRig rig="threePt" dir="t"/>
+    </dgm:scene3d>
+    <dgm:sp3d/>
+    <dgm:txPr/>
+    <dgm:style>
+      <a:lnRef idx="2">
+        <a:scrgbClr r="0" g="0" b="0"/>
+      </a:lnRef>
+      <a:fillRef idx="1">
+        <a:scrgbClr r="0" g="0" b="0"/>
+      </a:fillRef>
+      <a:effectRef idx="0">
+        <a:scrgbClr r="0" g="0" b="0"/>
+      </a:effectRef>
+      <a:fontRef idx="minor"/>
+    </dgm:style>
+  </dgm:styleLbl>
+  <dgm:styleLbl name="bgImgPlace1">
+    <dgm:scene3d>
+      <a:camera prst="orthographicFront"/>
+      <a:lightRig rig="threePt" dir="t"/>
+    </dgm:scene3d>
+    <dgm:sp3d/>
+    <dgm:txPr/>
+    <dgm:style>
+      <a:lnRef idx="2">
+        <a:scrgbClr r="0" g="0" b="0"/>
+      </a:lnRef>
+      <a:fillRef idx="1">
+        <a:scrgbClr r="0" g="0" b="0"/>
+      </a:fillRef>
+      <a:effectRef idx="0">
+        <a:scrgbClr r="0" g="0" b="0"/>
+      </a:effectRef>
+      <a:fontRef idx="minor"/>
+    </dgm:style>
+  </dgm:styleLbl>
+  <dgm:styleLbl name="sibTrans2D1">
+    <dgm:scene3d>
+      <a:camera prst="orthographicFront"/>
+      <a:lightRig rig="threePt" dir="t"/>
+    </dgm:scene3d>
+    <dgm:sp3d/>
+    <dgm:txPr/>
+    <dgm:style>
+      <a:lnRef idx="0">
+        <a:scrgbClr r="0" g="0" b="0"/>
+      </a:lnRef>
+      <a:fillRef idx="1">
+        <a:scrgbClr r="0" g="0" b="0"/>
+      </a:fillRef>
+      <a:effectRef idx="0">
+        <a:scrgbClr r="0" g="0" b="0"/>
+      </a:effectRef>
+      <a:fontRef idx="minor">
+        <a:schemeClr val="lt1"/>
+      </a:fontRef>
+    </dgm:style>
+  </dgm:styleLbl>
+  <dgm:styleLbl name="fgSibTrans2D1">
+    <dgm:scene3d>
+      <a:camera prst="orthographicFront"/>
+      <a:lightRig rig="threePt" dir="t"/>
+    </dgm:scene3d>
+    <dgm:sp3d/>
+    <dgm:txPr/>
+    <dgm:style>
+      <a:lnRef idx="0">
+        <a:scrgbClr r="0" g="0" b="0"/>
+      </a:lnRef>
+      <a:fillRef idx="1">
+        <a:scrgbClr r="0" g="0" b="0"/>
+      </a:fillRef>
+      <a:effectRef idx="0">
+        <a:scrgbClr r="0" g="0" b="0"/>
+      </a:effectRef>
+      <a:fontRef idx="minor">
+        <a:schemeClr val="lt1"/>
+      </a:fontRef>
+    </dgm:style>
+  </dgm:styleLbl>
+  <dgm:styleLbl name="bgSibTrans2D1">
+    <dgm:scene3d>
+      <a:camera prst="orthographicFront"/>
+      <a:lightRig rig="threePt" dir="t"/>
+    </dgm:scene3d>
+    <dgm:sp3d/>
+    <dgm:txPr/>
+    <dgm:style>
+      <a:lnRef idx="0">
+        <a:scrgbClr r="0" g="0" b="0"/>
+      </a:lnRef>
+      <a:fillRef idx="1">
+        <a:scrgbClr r="0" g="0" b="0"/>
+      </a:fillRef>
+      <a:effectRef idx="0">
+        <a:scrgbClr r="0" g="0" b="0"/>
+      </a:effectRef>
+      <a:fontRef idx="minor">
+        <a:schemeClr val="lt1"/>
+      </a:fontRef>
+    </dgm:style>
+  </dgm:styleLbl>
+  <dgm:styleLbl name="sibTrans1D1">
+    <dgm:scene3d>
+      <a:camera prst="orthographicFront"/>
+      <a:lightRig rig="threePt" dir="t"/>
+    </dgm:scene3d>
+    <dgm:sp3d/>
+    <dgm:txPr/>
+    <dgm:style>
+      <a:lnRef idx="1">
+        <a:scrgbClr r="0" g="0" b="0"/>
+      </a:lnRef>
+      <a:fillRef idx="0">
+        <a:scrgbClr r="0" g="0" b="0"/>
+      </a:fillRef>
+      <a:effectRef idx="0">
+        <a:scrgbClr r="0" g="0" b="0"/>
+      </a:effectRef>
+      <a:fontRef idx="minor"/>
+    </dgm:style>
+  </dgm:styleLbl>
+  <dgm:styleLbl name="callout">
+    <dgm:scene3d>
+      <a:camera prst="orthographicFront"/>
+      <a:lightRig rig="threePt" dir="t"/>
+    </dgm:scene3d>
+    <dgm:sp3d/>
+    <dgm:txPr/>
+    <dgm:style>
+      <a:lnRef idx="2">
+        <a:scrgbClr r="0" g="0" b="0"/>
+      </a:lnRef>
+      <a:fillRef idx="1">
+        <a:scrgbClr r="0" g="0" b="0"/>
+      </a:fillRef>
+      <a:effectRef idx="0">
+        <a:scrgbClr r="0" g="0" b="0"/>
+      </a:effectRef>
+      <a:fontRef idx="minor"/>
+    </dgm:style>
+  </dgm:styleLbl>
+  <dgm:styleLbl name="asst0">
+    <dgm:scene3d>
+      <a:camera prst="orthographicFront"/>
+      <a:lightRig rig="threePt" dir="t"/>
+    </dgm:scene3d>
+    <dgm:sp3d/>
+    <dgm:txPr/>
+    <dgm:style>
+      <a:lnRef idx="2">
+        <a:scrgbClr r="0" g="0" b="0"/>
+      </a:lnRef>
+      <a:fillRef idx="1">
+        <a:scrgbClr r="0" g="0" b="0"/>
+      </a:fillRef>
+      <a:effectRef idx="0">
+        <a:scrgbClr r="0" g="0" b="0"/>
+      </a:effectRef>
+      <a:fontRef idx="minor">
+        <a:schemeClr val="lt1"/>
+      </a:fontRef>
+    </dgm:style>
+  </dgm:styleLbl>
+  <dgm:styleLbl name="asst1">
+    <dgm:scene3d>
+      <a:camera prst="orthographicFront"/>
+      <a:lightRig rig="threePt" dir="t"/>
+    </dgm:scene3d>
+    <dgm:sp3d/>
+    <dgm:txPr/>
+    <dgm:style>
+      <a:lnRef idx="2">
+        <a:scrgbClr r="0" g="0" b="0"/>
+      </a:lnRef>
+      <a:fillRef idx="1">
+        <a:scrgbClr r="0" g="0" b="0"/>
+      </a:fillRef>
+      <a:effectRef idx="0">
+        <a:scrgbClr r="0" g="0" b="0"/>
+      </a:effectRef>
+      <a:fontRef idx="minor">
+        <a:schemeClr val="lt1"/>
+      </a:fontRef>
+    </dgm:style>
+  </dgm:styleLbl>
+  <dgm:styleLbl name="asst2">
+    <dgm:scene3d>
+      <a:camera prst="orthographicFront"/>
+      <a:lightRig rig="threePt" dir="t"/>
+    </dgm:scene3d>
+    <dgm:sp3d/>
+    <dgm:txPr/>
+    <dgm:style>
+      <a:lnRef idx="2">
+        <a:scrgbClr r="0" g="0" b="0"/>
+      </a:lnRef>
+      <a:fillRef idx="1">
+        <a:scrgbClr r="0" g="0" b="0"/>
+      </a:fillRef>
+      <a:effectRef idx="0">
+        <a:scrgbClr r="0" g="0" b="0"/>
+      </a:effectRef>
+      <a:fontRef idx="minor">
+        <a:schemeClr val="lt1"/>
+      </a:fontRef>
+    </dgm:style>
+  </dgm:styleLbl>
+  <dgm:styleLbl name="asst3">
+    <dgm:scene3d>
+      <a:camera prst="orthographicFront"/>
+      <a:lightRig rig="threePt" dir="t"/>
+    </dgm:scene3d>
+    <dgm:sp3d/>
+    <dgm:txPr/>
+    <dgm:style>
+      <a:lnRef idx="2">
+        <a:scrgbClr r="0" g="0" b="0"/>
+      </a:lnRef>
+      <a:fillRef idx="1">
+        <a:scrgbClr r="0" g="0" b="0"/>
+      </a:fillRef>
+      <a:effectRef idx="0">
+        <a:scrgbClr r="0" g="0" b="0"/>
+      </a:effectRef>
+      <a:fontRef idx="minor">
+        <a:schemeClr val="lt1"/>
+      </a:fontRef>
+    </dgm:style>
+  </dgm:styleLbl>
+  <dgm:styleLbl name="asst4">
+    <dgm:scene3d>
+      <a:camera prst="orthographicFront"/>
+      <a:lightRig rig="threePt" dir="t"/>
+    </dgm:scene3d>
+    <dgm:sp3d/>
+    <dgm:txPr/>
+    <dgm:style>
+      <a:lnRef idx="2">
+        <a:scrgbClr r="0" g="0" b="0"/>
+      </a:lnRef>
+      <a:fillRef idx="1">
+        <a:scrgbClr r="0" g="0" b="0"/>
+      </a:fillRef>
+      <a:effectRef idx="0">
+        <a:scrgbClr r="0" g="0" b="0"/>
+      </a:effectRef>
+      <a:fontRef idx="minor">
+        <a:schemeClr val="lt1"/>
+      </a:fontRef>
+    </dgm:style>
+  </dgm:styleLbl>
+  <dgm:styleLbl name="parChTrans2D1">
+    <dgm:scene3d>
+      <a:camera prst="orthographicFront"/>
+      <a:lightRig rig="threePt" dir="t"/>
+    </dgm:scene3d>
+    <dgm:sp3d/>
+    <dgm:txPr/>
+    <dgm:style>
+      <a:lnRef idx="2">
+        <a:scrgbClr r="0" g="0" b="0"/>
+      </a:lnRef>
+      <a:fillRef idx="1">
+        <a:scrgbClr r="0" g="0" b="0"/>
+      </a:fillRef>
+      <a:effectRef idx="0">
+        <a:scrgbClr r="0" g="0" b="0"/>
+      </a:effectRef>
+      <a:fontRef idx="minor">
+        <a:schemeClr val="lt1"/>
+      </a:fontRef>
+    </dgm:style>
+  </dgm:styleLbl>
+  <dgm:styleLbl name="parChTrans2D2">
+    <dgm:scene3d>
+      <a:camera prst="orthographicFront"/>
+      <a:lightRig rig="threePt" dir="t"/>
+    </dgm:scene3d>
+    <dgm:sp3d/>
+    <dgm:txPr/>
+    <dgm:style>
+      <a:lnRef idx="2">
+        <a:scrgbClr r="0" g="0" b="0"/>
+      </a:lnRef>
+      <a:fillRef idx="1">
+        <a:scrgbClr r="0" g="0" b="0"/>
+      </a:fillRef>
+      <a:effectRef idx="0">
+        <a:scrgbClr r="0" g="0" b="0"/>
+      </a:effectRef>
+      <a:fontRef idx="minor">
+        <a:schemeClr val="lt1"/>
+      </a:fontRef>
+    </dgm:style>
+  </dgm:styleLbl>
+  <dgm:styleLbl name="parChTrans2D3">
+    <dgm:scene3d>
+      <a:camera prst="orthographicFront"/>
+      <a:lightRig rig="threePt" dir="t"/>
+    </dgm:scene3d>
+    <dgm:sp3d/>
+    <dgm:txPr/>
+    <dgm:style>
+      <a:lnRef idx="2">
+        <a:scrgbClr r="0" g="0" b="0"/>
+      </a:lnRef>
+      <a:fillRef idx="1">
+        <a:scrgbClr r="0" g="0" b="0"/>
+      </a:fillRef>
+      <a:effectRef idx="0">
+        <a:scrgbClr r="0" g="0" b="0"/>
+      </a:effectRef>
+      <a:fontRef idx="minor">
+        <a:schemeClr val="lt1"/>
+      </a:fontRef>
+    </dgm:style>
+  </dgm:styleLbl>
+  <dgm:styleLbl name="parChTrans2D4">
+    <dgm:scene3d>
+      <a:camera prst="orthographicFront"/>
+      <a:lightRig rig="threePt" dir="t"/>
+    </dgm:scene3d>
+    <dgm:sp3d/>
+    <dgm:txPr/>
+    <dgm:style>
+      <a:lnRef idx="2">
+        <a:scrgbClr r="0" g="0" b="0"/>
+      </a:lnRef>
+      <a:fillRef idx="1">
+        <a:scrgbClr r="0" g="0" b="0"/>
+      </a:fillRef>
+      <a:effectRef idx="0">
+        <a:scrgbClr r="0" g="0" b="0"/>
+      </a:effectRef>
+      <a:fontRef idx="minor">
+        <a:schemeClr val="lt1"/>
+      </a:fontRef>
+    </dgm:style>
+  </dgm:styleLbl>
+  <dgm:styleLbl name="parChTrans1D1">
+    <dgm:scene3d>
+      <a:camera prst="orthographicFront"/>
+      <a:lightRig rig="threePt" dir="t"/>
+    </dgm:scene3d>
+    <dgm:sp3d/>
+    <dgm:txPr/>
+    <dgm:style>
+      <a:lnRef idx="2">
+        <a:scrgbClr r="0" g="0" b="0"/>
+      </a:lnRef>
+      <a:fillRef idx="0">
+        <a:scrgbClr r="0" g="0" b="0"/>
+      </a:fillRef>
+      <a:effectRef idx="0">
+        <a:scrgbClr r="0" g="0" b="0"/>
+      </a:effectRef>
+      <a:fontRef idx="minor"/>
+    </dgm:style>
+  </dgm:styleLbl>
+  <dgm:styleLbl name="parChTrans1D2">
+    <dgm:scene3d>
+      <a:camera prst="orthographicFront"/>
+      <a:lightRig rig="threePt" dir="t"/>
+    </dgm:scene3d>
+    <dgm:sp3d/>
+    <dgm:txPr/>
+    <dgm:style>
+      <a:lnRef idx="2">
+        <a:scrgbClr r="0" g="0" b="0"/>
+      </a:lnRef>
+      <a:fillRef idx="0">
+        <a:scrgbClr r="0" g="0" b="0"/>
+      </a:fillRef>
+      <a:effectRef idx="0">
+        <a:scrgbClr r="0" g="0" b="0"/>
+      </a:effectRef>
+      <a:fontRef idx="minor"/>
+    </dgm:style>
+  </dgm:styleLbl>
+  <dgm:styleLbl name="parChTrans1D3">
+    <dgm:scene3d>
+      <a:camera prst="orthographicFront"/>
+      <a:lightRig rig="threePt" dir="t"/>
+    </dgm:scene3d>
+    <dgm:sp3d/>
+    <dgm:txPr/>
+    <dgm:style>
+      <a:lnRef idx="2">
+        <a:scrgbClr r="0" g="0" b="0"/>
+      </a:lnRef>
+      <a:fillRef idx="0">
+        <a:scrgbClr r="0" g="0" b="0"/>
+      </a:fillRef>
+      <a:effectRef idx="0">
+        <a:scrgbClr r="0" g="0" b="0"/>
+      </a:effectRef>
+      <a:fontRef idx="minor"/>
+    </dgm:style>
+  </dgm:styleLbl>
+  <dgm:styleLbl name="parChTrans1D4">
+    <dgm:scene3d>
+      <a:camera prst="orthographicFront"/>
+      <a:lightRig rig="threePt" dir="t"/>
+    </dgm:scene3d>
+    <dgm:sp3d/>
+    <dgm:txPr/>
+    <dgm:style>
+      <a:lnRef idx="2">
+        <a:scrgbClr r="0" g="0" b="0"/>
+      </a:lnRef>
+      <a:fillRef idx="0">
+        <a:scrgbClr r="0" g="0" b="0"/>
+      </a:fillRef>
+      <a:effectRef idx="0">
+        <a:scrgbClr r="0" g="0" b="0"/>
+      </a:effectRef>
+      <a:fontRef idx="minor"/>
+    </dgm:style>
+  </dgm:styleLbl>
+  <dgm:styleLbl name="fgAcc1">
+    <dgm:scene3d>
+      <a:camera prst="orthographicFront"/>
+      <a:lightRig rig="threePt" dir="t"/>
+    </dgm:scene3d>
+    <dgm:sp3d/>
+    <dgm:txPr/>
+    <dgm:style>
+      <a:lnRef idx="2">
+        <a:scrgbClr r="0" g="0" b="0"/>
+      </a:lnRef>
+      <a:fillRef idx="1">
+        <a:scrgbClr r="0" g="0" b="0"/>
+      </a:fillRef>
+      <a:effectRef idx="0">
+        <a:scrgbClr r="0" g="0" b="0"/>
+      </a:effectRef>
+      <a:fontRef idx="minor"/>
+    </dgm:style>
+  </dgm:styleLbl>
+  <dgm:styleLbl name="conFgAcc1">
+    <dgm:scene3d>
+      <a:camera prst="orthographicFront"/>
+      <a:lightRig rig="threePt" dir="t"/>
+    </dgm:scene3d>
+    <dgm:sp3d/>
+    <dgm:txPr/>
+    <dgm:style>
+      <a:lnRef idx="2">
+        <a:scrgbClr r="0" g="0" b="0"/>
+      </a:lnRef>
+      <a:fillRef idx="1">
+        <a:scrgbClr r="0" g="0" b="0"/>
+      </a:fillRef>
+      <a:effectRef idx="0">
+        <a:scrgbClr r="0" g="0" b="0"/>
+      </a:effectRef>
+      <a:fontRef idx="minor"/>
+    </dgm:style>
+  </dgm:styleLbl>
+  <dgm:styleLbl name="alignAcc1">
+    <dgm:scene3d>
+      <a:camera prst="orthographicFront"/>
+      <a:lightRig rig="threePt" dir="t"/>
+    </dgm:scene3d>
+    <dgm:sp3d/>
+    <dgm:txPr/>
+    <dgm:style>
+      <a:lnRef idx="2">
+        <a:scrgbClr r="0" g="0" b="0"/>
+      </a:lnRef>
+      <a:fillRef idx="1">
+        <a:scrgbClr r="0" g="0" b="0"/>
+      </a:fillRef>
+      <a:effectRef idx="0">
+        <a:scrgbClr r="0" g="0" b="0"/>
+      </a:effectRef>
+      <a:fontRef idx="minor"/>
+    </dgm:style>
+  </dgm:styleLbl>
+  <dgm:styleLbl name="trAlignAcc1">
+    <dgm:scene3d>
+      <a:camera prst="orthographicFront"/>
+      <a:lightRig rig="threePt" dir="t"/>
+    </dgm:scene3d>
+    <dgm:sp3d/>
+    <dgm:txPr/>
+    <dgm:style>
+      <a:lnRef idx="1">
+        <a:scrgbClr r="0" g="0" b="0"/>
+      </a:lnRef>
+      <a:fillRef idx="1">
+        <a:scrgbClr r="0" g="0" b="0"/>
+      </a:fillRef>
+      <a:effectRef idx="0">
+        <a:scrgbClr r="0" g="0" b="0"/>
+      </a:effectRef>
+      <a:fontRef idx="minor"/>
+    </dgm:style>
+  </dgm:styleLbl>
+  <dgm:styleLbl name="bgAcc1">
+    <dgm:scene3d>
+      <a:camera prst="orthographicFront"/>
+      <a:lightRig rig="threePt" dir="t"/>
+    </dgm:scene3d>
+    <dgm:sp3d/>
+    <dgm:txPr/>
+    <dgm:style>
+      <a:lnRef idx="2">
+        <a:scrgbClr r="0" g="0" b="0"/>
+      </a:lnRef>
+      <a:fillRef idx="1">
+        <a:scrgbClr r="0" g="0" b="0"/>
+      </a:fillRef>
+      <a:effectRef idx="0">
+        <a:scrgbClr r="0" g="0" b="0"/>
+      </a:effectRef>
+      <a:fontRef idx="minor"/>
+    </dgm:style>
+  </dgm:styleLbl>
+  <dgm:styleLbl name="solidFgAcc1">
+    <dgm:scene3d>
+      <a:camera prst="orthographicFront"/>
+      <a:lightRig rig="threePt" dir="t"/>
+    </dgm:scene3d>
+    <dgm:sp3d/>
+    <dgm:txPr/>
+    <dgm:style>
+      <a:lnRef idx="2">
+        <a:scrgbClr r="0" g="0" b="0"/>
+      </a:lnRef>
+      <a:fillRef idx="1">
+        <a:scrgbClr r="0" g="0" b="0"/>
+      </a:fillRef>
+      <a:effectRef idx="0">
+        <a:scrgbClr r="0" g="0" b="0"/>
+      </a:effectRef>
+      <a:fontRef idx="minor"/>
+    </dgm:style>
+  </dgm:styleLbl>
+  <dgm:styleLbl name="solidAlignAcc1">
+    <dgm:scene3d>
+      <a:camera prst="orthographicFront"/>
+      <a:lightRig rig="threePt" dir="t"/>
+    </dgm:scene3d>
+    <dgm:sp3d/>
+    <dgm:txPr/>
+    <dgm:style>
+      <a:lnRef idx="2">
+        <a:scrgbClr r="0" g="0" b="0"/>
+      </a:lnRef>
+      <a:fillRef idx="1">
+        <a:scrgbClr r="0" g="0" b="0"/>
+      </a:fillRef>
+      <a:effectRef idx="0">
+        <a:scrgbClr r="0" g="0" b="0"/>
+      </a:effectRef>
+      <a:fontRef idx="minor"/>
+    </dgm:style>
+  </dgm:styleLbl>
+  <dgm:styleLbl name="solidBgAcc1">
+    <dgm:scene3d>
+      <a:camera prst="orthographicFront"/>
+      <a:lightRig rig="threePt" dir="t"/>
+    </dgm:scene3d>
+    <dgm:sp3d/>
+    <dgm:txPr/>
+    <dgm:style>
+      <a:lnRef idx="2">
+        <a:scrgbClr r="0" g="0" b="0"/>
+      </a:lnRef>
+      <a:fillRef idx="1">
+        <a:scrgbClr r="0" g="0" b="0"/>
+      </a:fillRef>
+      <a:effectRef idx="0">
+        <a:scrgbClr r="0" g="0" b="0"/>
+      </a:effectRef>
+      <a:fontRef idx="minor"/>
+    </dgm:style>
+  </dgm:styleLbl>
+  <dgm:styleLbl name="fgAccFollowNode1">
+    <dgm:scene3d>
+      <a:camera prst="orthographicFront"/>
+      <a:lightRig rig="threePt" dir="t"/>
+    </dgm:scene3d>
+    <dgm:sp3d/>
+    <dgm:txPr/>
+    <dgm:style>
+      <a:lnRef idx="2">
+        <a:scrgbClr r="0" g="0" b="0"/>
+      </a:lnRef>
+      <a:fillRef idx="1">
+        <a:scrgbClr r="0" g="0" b="0"/>
+      </a:fillRef>
+      <a:effectRef idx="0">
+        <a:scrgbClr r="0" g="0" b="0"/>
+      </a:effectRef>
+      <a:fontRef idx="minor"/>
+    </dgm:style>
+  </dgm:styleLbl>
+  <dgm:styleLbl name="alignAccFollowNode1">
+    <dgm:scene3d>
+      <a:camera prst="orthographicFront"/>
+      <a:lightRig rig="threePt" dir="t"/>
+    </dgm:scene3d>
+    <dgm:sp3d/>
+    <dgm:txPr/>
+    <dgm:style>
+      <a:lnRef idx="2">
+        <a:scrgbClr r="0" g="0" b="0"/>
+      </a:lnRef>
+      <a:fillRef idx="1">
+        <a:scrgbClr r="0" g="0" b="0"/>
+      </a:fillRef>
+      <a:effectRef idx="0">
+        <a:scrgbClr r="0" g="0" b="0"/>
+      </a:effectRef>
+      <a:fontRef idx="minor"/>
+    </dgm:style>
+  </dgm:styleLbl>
+  <dgm:styleLbl name="bgAccFollowNode1">
+    <dgm:scene3d>
+      <a:camera prst="orthographicFront"/>
+      <a:lightRig rig="threePt" dir="t"/>
+    </dgm:scene3d>
+    <dgm:sp3d/>
+    <dgm:txPr/>
+    <dgm:style>
+      <a:lnRef idx="2">
+        <a:scrgbClr r="0" g="0" b="0"/>
+      </a:lnRef>
+      <a:fillRef idx="1">
+        <a:scrgbClr r="0" g="0" b="0"/>
+      </a:fillRef>
+      <a:effectRef idx="0">
+        <a:scrgbClr r="0" g="0" b="0"/>
+      </a:effectRef>
+      <a:fontRef idx="minor"/>
+    </dgm:style>
+  </dgm:styleLbl>
+  <dgm:styleLbl name="fgAcc0">
+    <dgm:scene3d>
+      <a:camera prst="orthographicFront"/>
+      <a:lightRig rig="threePt" dir="t"/>
+    </dgm:scene3d>
+    <dgm:sp3d/>
+    <dgm:txPr/>
+    <dgm:style>
+      <a:lnRef idx="2">
+        <a:scrgbClr r="0" g="0" b="0"/>
+      </a:lnRef>
+      <a:fillRef idx="1">
+        <a:scrgbClr r="0" g="0" b="0"/>
+      </a:fillRef>
+      <a:effectRef idx="0">
+        <a:scrgbClr r="0" g="0" b="0"/>
+      </a:effectRef>
+      <a:fontRef idx="minor"/>
+    </dgm:style>
+  </dgm:styleLbl>
+  <dgm:styleLbl name="fgAcc2">
+    <dgm:scene3d>
+      <a:camera prst="orthographicFront"/>
+      <a:lightRig rig="threePt" dir="t"/>
+    </dgm:scene3d>
+    <dgm:sp3d/>
+    <dgm:txPr/>
+    <dgm:style>
+      <a:lnRef idx="2">
+        <a:scrgbClr r="0" g="0" b="0"/>
+      </a:lnRef>
+      <a:fillRef idx="1">
+        <a:scrgbClr r="0" g="0" b="0"/>
+      </a:fillRef>
+      <a:effectRef idx="0">
+        <a:scrgbClr r="0" g="0" b="0"/>
+      </a:effectRef>
+      <a:fontRef idx="minor"/>
+    </dgm:style>
+  </dgm:styleLbl>
+  <dgm:styleLbl name="fgAcc3">
+    <dgm:scene3d>
+      <a:camera prst="orthographicFront"/>
+      <a:lightRig rig="threePt" dir="t"/>
+    </dgm:scene3d>
+    <dgm:sp3d/>
+    <dgm:txPr/>
+    <dgm:style>
+      <a:lnRef idx="2">
+        <a:scrgbClr r="0" g="0" b="0"/>
+      </a:lnRef>
+      <a:fillRef idx="1">
+        <a:scrgbClr r="0" g="0" b="0"/>
+      </a:fillRef>
+      <a:effectRef idx="0">
+        <a:scrgbClr r="0" g="0" b="0"/>
+      </a:effectRef>
+      <a:fontRef idx="minor"/>
+    </dgm:style>
+  </dgm:styleLbl>
+  <dgm:styleLbl name="fgAcc4">
+    <dgm:scene3d>
+      <a:camera prst="orthographicFront"/>
+      <a:lightRig rig="threePt" dir="t"/>
+    </dgm:scene3d>
+    <dgm:sp3d/>
+    <dgm:txPr/>
+    <dgm:style>
+      <a:lnRef idx="2">
+        <a:scrgbClr r="0" g="0" b="0"/>
+      </a:lnRef>
+      <a:fillRef idx="1">
+        <a:scrgbClr r="0" g="0" b="0"/>
+      </a:fillRef>
+      <a:effectRef idx="0">
+        <a:scrgbClr r="0" g="0" b="0"/>
+      </a:effectRef>
+      <a:fontRef idx="minor"/>
+    </dgm:style>
+  </dgm:styleLbl>
+  <dgm:styleLbl name="bgShp">
+    <dgm:scene3d>
+      <a:camera prst="orthographicFront"/>
+      <a:lightRig rig="threePt" dir="t"/>
+    </dgm:scene3d>
+    <dgm:sp3d/>
+    <dgm:txPr/>
+    <dgm:style>
+      <a:lnRef idx="0">
+        <a:scrgbClr r="0" g="0" b="0"/>
+      </a:lnRef>
+      <a:fillRef idx="1">
+        <a:scrgbClr r="0" g="0" b="0"/>
+      </a:fillRef>
+      <a:effectRef idx="0">
+        <a:scrgbClr r="0" g="0" b="0"/>
+      </a:effectRef>
+      <a:fontRef idx="minor"/>
+    </dgm:style>
+  </dgm:styleLbl>
+  <dgm:styleLbl name="dkBgShp">
+    <dgm:scene3d>
+      <a:camera prst="orthographicFront"/>
+      <a:lightRig rig="threePt" dir="t"/>
+    </dgm:scene3d>
+    <dgm:sp3d/>
+    <dgm:txPr/>
+    <dgm:style>
+      <a:lnRef idx="0">
+        <a:scrgbClr r="0" g="0" b="0"/>
+      </a:lnRef>
+      <a:fillRef idx="1">
+        <a:scrgbClr r="0" g="0" b="0"/>
+      </a:fillRef>
+      <a:effectRef idx="0">
+        <a:scrgbClr r="0" g="0" b="0"/>
+      </a:effectRef>
+      <a:fontRef idx="minor"/>
+    </dgm:style>
+  </dgm:styleLbl>
+  <dgm:styleLbl name="trBgShp">
+    <dgm:scene3d>
+      <a:camera prst="orthographicFront"/>
+      <a:lightRig rig="threePt" dir="t"/>
+    </dgm:scene3d>
+    <dgm:sp3d/>
+    <dgm:txPr/>
+    <dgm:style>
+      <a:lnRef idx="0">
+        <a:scrgbClr r="0" g="0" b="0"/>
+      </a:lnRef>
+      <a:fillRef idx="1">
+        <a:scrgbClr r="0" g="0" b="0"/>
+      </a:fillRef>
+      <a:effectRef idx="0">
+        <a:scrgbClr r="0" g="0" b="0"/>
+      </a:effectRef>
+      <a:fontRef idx="minor"/>
+    </dgm:style>
+  </dgm:styleLbl>
+  <dgm:styleLbl name="fgShp">
+    <dgm:scene3d>
+      <a:camera prst="orthographicFront"/>
+      <a:lightRig rig="threePt" dir="t"/>
+    </dgm:scene3d>
+    <dgm:sp3d/>
+    <dgm:txPr/>
+    <dgm:style>
+      <a:lnRef idx="2">
+        <a:scrgbClr r="0" g="0" b="0"/>
+      </a:lnRef>
+      <a:fillRef idx="1">
+        <a:scrgbClr r="0" g="0" b="0"/>
+      </a:fillRef>
+      <a:effectRef idx="0">
+        <a:scrgbClr r="0" g="0" b="0"/>
+      </a:effectRef>
+      <a:fontRef idx="minor"/>
+    </dgm:style>
+  </dgm:styleLbl>
+  <dgm:styleLbl name="revTx">
+    <dgm:scene3d>
+      <a:camera prst="orthographicFront"/>
+      <a:lightRig rig="threePt" dir="t"/>
+    </dgm:scene3d>
+    <dgm:sp3d/>
+    <dgm:txPr/>
+    <dgm:style>
+      <a:lnRef idx="0">
+        <a:scrgbClr r="0" g="0" b="0"/>
+      </a:lnRef>
+      <a:fillRef idx="0">
+        <a:scrgbClr r="0" g="0" b="0"/>
+      </a:fillRef>
+      <a:effectRef idx="0">
+        <a:scrgbClr r="0" g="0" b="0"/>
+      </a:effectRef>
+      <a:fontRef idx="minor"/>
+    </dgm:style>
+  </dgm:styleLbl>
+</dgm:styleDef>
+</file>
+
+<file path=ppt/diagrams/quickStyle2.xml><?xml version="1.0" encoding="utf-8"?>
 <dgm:styleDef xmlns:dgm="http://schemas.openxmlformats.org/drawingml/2006/diagram" xmlns:a="http://schemas.openxmlformats.org/drawingml/2006/main" uniqueId="urn:microsoft.com/office/officeart/2005/8/quickstyle/simple1">
   <dgm:title val=""/>
   <dgm:desc val=""/>
@@ -7068,6 +9630,14 @@
 <file path=ppt/slides/slide3.xml><?xml version="1.0" encoding="utf-8"?>
 <p:sld xmlns:a="http://schemas.openxmlformats.org/drawingml/2006/main" xmlns:r="http://schemas.openxmlformats.org/officeDocument/2006/relationships" xmlns:p="http://schemas.openxmlformats.org/presentationml/2006/main">
   <p:cSld>
+    <p:bg>
+      <p:bgPr>
+        <a:solidFill>
+          <a:schemeClr val="bg1"/>
+        </a:solidFill>
+        <a:effectLst/>
+      </p:bgPr>
+    </p:bg>
     <p:spTree>
       <p:nvGrpSpPr>
         <p:cNvPr id="1" name=""/>
@@ -7084,6 +9654,100 @@
       </p:grpSpPr>
       <p:sp>
         <p:nvSpPr>
+          <p:cNvPr id="10" name="Rectangle 9">
+            <a:extLst>
+              <a:ext uri="{FF2B5EF4-FFF2-40B4-BE49-F238E27FC236}">
+                <a16:creationId xmlns:a16="http://schemas.microsoft.com/office/drawing/2014/main" id="{9228552E-C8B1-4A80-8448-0787CE0FC704}"/>
+              </a:ext>
+              <a:ext uri="{C183D7F6-B498-43B3-948B-1728B52AA6E4}">
+                <adec:decorative xmlns:adec="http://schemas.microsoft.com/office/drawing/2017/decorative" val="1"/>
+              </a:ext>
+            </a:extLst>
+          </p:cNvPr>
+          <p:cNvSpPr>
+            <a:spLocks noGrp="1" noRot="1" noChangeAspect="1" noMove="1" noResize="1" noEditPoints="1" noAdjustHandles="1" noChangeArrowheads="1" noChangeShapeType="1" noTextEdit="1"/>
+          </p:cNvSpPr>
+          <p:nvPr>
+            <p:extLst>
+              <p:ext uri="{386F3935-93C4-4BCD-93E2-E3B085C9AB24}">
+                <p16:designElem xmlns:p16="http://schemas.microsoft.com/office/powerpoint/2015/main" val="1"/>
+              </p:ext>
+            </p:extLst>
+          </p:nvPr>
+        </p:nvSpPr>
+        <p:spPr>
+          <a:xfrm>
+            <a:off x="0" y="0"/>
+            <a:ext cx="12192000" cy="6858000"/>
+          </a:xfrm>
+          <a:prstGeom prst="rect">
+            <a:avLst/>
+          </a:prstGeom>
+          <a:solidFill>
+            <a:srgbClr val="000000"/>
+          </a:solidFill>
+          <a:ln>
+            <a:noFill/>
+          </a:ln>
+        </p:spPr>
+        <p:style>
+          <a:lnRef idx="2">
+            <a:schemeClr val="accent1">
+              <a:shade val="50000"/>
+            </a:schemeClr>
+          </a:lnRef>
+          <a:fillRef idx="1">
+            <a:schemeClr val="accent1"/>
+          </a:fillRef>
+          <a:effectRef idx="0">
+            <a:schemeClr val="accent1"/>
+          </a:effectRef>
+          <a:fontRef idx="minor">
+            <a:schemeClr val="lt1"/>
+          </a:fontRef>
+        </p:style>
+        <p:txBody>
+          <a:bodyPr rtlCol="0" anchor="ctr"/>
+          <a:lstStyle/>
+          <a:p>
+            <a:pPr algn="ctr"/>
+            <a:endParaRPr lang="en-US"/>
+          </a:p>
+        </p:txBody>
+      </p:sp>
+      <p:pic>
+        <p:nvPicPr>
+          <p:cNvPr id="6" name="Picture 5">
+            <a:extLst>
+              <a:ext uri="{FF2B5EF4-FFF2-40B4-BE49-F238E27FC236}">
+                <a16:creationId xmlns:a16="http://schemas.microsoft.com/office/drawing/2014/main" id="{53A477A1-4A73-6735-CA81-49A04C2BA58B}"/>
+              </a:ext>
+            </a:extLst>
+          </p:cNvPr>
+          <p:cNvPicPr>
+            <a:picLocks noChangeAspect="1"/>
+          </p:cNvPicPr>
+          <p:nvPr/>
+        </p:nvPicPr>
+        <p:blipFill rotWithShape="1">
+          <a:blip r:embed="rId2">
+            <a:alphaModFix amt="35000"/>
+          </a:blip>
+          <a:srcRect t="9804" b="5927"/>
+          <a:stretch/>
+        </p:blipFill>
+        <p:spPr>
+          <a:xfrm>
+            <a:off x="20" y="10"/>
+            <a:ext cx="12191980" cy="6857990"/>
+          </a:xfrm>
+          <a:prstGeom prst="rect">
+            <a:avLst/>
+          </a:prstGeom>
+        </p:spPr>
+      </p:pic>
+      <p:sp>
+        <p:nvSpPr>
           <p:cNvPr id="2" name="Title 1">
             <a:extLst>
               <a:ext uri="{FF2B5EF4-FFF2-40B4-BE49-F238E27FC236}">
@@ -7098,36 +9762,12 @@
             <p:ph type="title"/>
           </p:nvPr>
         </p:nvSpPr>
-        <p:spPr/>
-        <p:txBody>
-          <a:bodyPr/>
-          <a:lstStyle/>
-          <a:p>
-            <a:r>
-              <a:rPr lang="en-US" dirty="0"/>
-              <a:t>Implementation and supported programming languages</a:t>
-            </a:r>
-            <a:endParaRPr lang="en-NL" dirty="0"/>
-          </a:p>
-        </p:txBody>
-      </p:sp>
-      <p:sp>
-        <p:nvSpPr>
-          <p:cNvPr id="3" name="Content Placeholder 2">
-            <a:extLst>
-              <a:ext uri="{FF2B5EF4-FFF2-40B4-BE49-F238E27FC236}">
-                <a16:creationId xmlns:a16="http://schemas.microsoft.com/office/drawing/2014/main" id="{C89B28F5-F1AE-B08D-A70F-C8AB51AEE686}"/>
-              </a:ext>
-            </a:extLst>
-          </p:cNvPr>
-          <p:cNvSpPr>
-            <a:spLocks noGrp="1"/>
-          </p:cNvSpPr>
-          <p:nvPr>
-            <p:ph idx="1"/>
-          </p:nvPr>
-        </p:nvSpPr>
-        <p:spPr/>
+        <p:spPr>
+          <a:xfrm>
+            <a:off x="838200" y="365125"/>
+            <a:ext cx="10515600" cy="1325563"/>
+          </a:xfrm>
+        </p:spPr>
         <p:txBody>
           <a:bodyPr>
             <a:normAutofit/>
@@ -7135,35 +9775,52 @@
           <a:lstStyle/>
           <a:p>
             <a:r>
-              <a:rPr lang="en-US" dirty="0"/>
-              <a:t>Implementation language – Go lang.</a:t>
+              <a:rPr lang="en-US">
+                <a:solidFill>
+                  <a:srgbClr val="FFFFFF"/>
+                </a:solidFill>
+              </a:rPr>
+              <a:t>Implementation and supported programming languages</a:t>
             </a:r>
-          </a:p>
-          <a:p>
-            <a:r>
-              <a:rPr lang="en-US" dirty="0"/>
-              <a:t>Supported programming languages :</a:t>
-            </a:r>
-            <a:endParaRPr lang="en-US" dirty="0">
+            <a:endParaRPr lang="en-NL">
               <a:solidFill>
-                <a:srgbClr val="222222"/>
+                <a:srgbClr val="FFFFFF"/>
               </a:solidFill>
-              <a:latin typeface="Tahoma" panose="020B0604030504040204" pitchFamily="34" charset="0"/>
             </a:endParaRPr>
-          </a:p>
-          <a:p>
-            <a:pPr lvl="1"/>
-            <a:r>
-              <a:rPr lang="en-US" dirty="0" err="1"/>
-              <a:t>.Net</a:t>
-            </a:r>
-            <a:r>
-              <a:rPr lang="en-US" dirty="0"/>
-              <a:t>, Clojure, Erlang, Go, Haskell, Java, JavaScript, JavaScript (Node.js), Lisp, Perl, PHP, Python, R, Ruby, Rust, Scala</a:t>
-            </a:r>
           </a:p>
         </p:txBody>
       </p:sp>
+      <p:graphicFrame>
+        <p:nvGraphicFramePr>
+          <p:cNvPr id="5" name="Content Placeholder 2">
+            <a:extLst>
+              <a:ext uri="{FF2B5EF4-FFF2-40B4-BE49-F238E27FC236}">
+                <a16:creationId xmlns:a16="http://schemas.microsoft.com/office/drawing/2014/main" id="{343763F8-2F33-AD81-CAAF-703A6EAE860A}"/>
+              </a:ext>
+            </a:extLst>
+          </p:cNvPr>
+          <p:cNvGraphicFramePr>
+            <a:graphicFrameLocks noGrp="1"/>
+          </p:cNvGraphicFramePr>
+          <p:nvPr>
+            <p:ph idx="1"/>
+            <p:extLst>
+              <p:ext uri="{D42A27DB-BD31-4B8C-83A1-F6EECF244321}">
+                <p14:modId xmlns:p14="http://schemas.microsoft.com/office/powerpoint/2010/main" val="2851574441"/>
+              </p:ext>
+            </p:extLst>
+          </p:nvPr>
+        </p:nvGraphicFramePr>
+        <p:xfrm>
+          <a:off x="838200" y="1825625"/>
+          <a:ext cx="10515600" cy="4351338"/>
+        </p:xfrm>
+        <a:graphic>
+          <a:graphicData uri="http://schemas.openxmlformats.org/drawingml/2006/diagram">
+            <dgm:relIds xmlns:dgm="http://schemas.openxmlformats.org/drawingml/2006/diagram" xmlns:r="http://schemas.openxmlformats.org/officeDocument/2006/relationships" r:dm="rId3" r:lo="rId4" r:qs="rId5" r:cs="rId6"/>
+          </a:graphicData>
+        </a:graphic>
+      </p:graphicFrame>
     </p:spTree>
     <p:extLst>
       <p:ext uri="{BB962C8B-B14F-4D97-AF65-F5344CB8AC3E}">
@@ -7172,7 +9829,7 @@
     </p:extLst>
   </p:cSld>
   <p:clrMapOvr>
-    <a:masterClrMapping/>
+    <a:overrideClrMapping bg1="dk1" tx1="lt1" bg2="dk2" tx2="lt2" accent1="accent1" accent2="accent2" accent3="accent3" accent4="accent4" accent5="accent5" accent6="accent6" hlink="hlink" folHlink="folHlink"/>
   </p:clrMapOvr>
 </p:sld>
 </file>

--- a/Tech Stack/DatabasesComparison.pptx
+++ b/Tech Stack/DatabasesComparison.pptx
@@ -8,6 +8,7 @@
     <p:sldId id="256" r:id="rId2"/>
     <p:sldId id="257" r:id="rId3"/>
     <p:sldId id="258" r:id="rId4"/>
+    <p:sldId id="259" r:id="rId5"/>
   </p:sldIdLst>
   <p:sldSz cx="12192000" cy="6858000"/>
   <p:notesSz cx="6858000" cy="9144000"/>
@@ -9834,6 +9835,100 @@
 </p:sld>
 </file>
 
+<file path=ppt/slides/slide4.xml><?xml version="1.0" encoding="utf-8"?>
+<p:sld xmlns:a="http://schemas.openxmlformats.org/drawingml/2006/main" xmlns:r="http://schemas.openxmlformats.org/officeDocument/2006/relationships" xmlns:p="http://schemas.openxmlformats.org/presentationml/2006/main">
+  <p:cSld>
+    <p:spTree>
+      <p:nvGrpSpPr>
+        <p:cNvPr id="1" name=""/>
+        <p:cNvGrpSpPr/>
+        <p:nvPr/>
+      </p:nvGrpSpPr>
+      <p:grpSpPr>
+        <a:xfrm>
+          <a:off x="0" y="0"/>
+          <a:ext cx="0" cy="0"/>
+          <a:chOff x="0" y="0"/>
+          <a:chExt cx="0" cy="0"/>
+        </a:xfrm>
+      </p:grpSpPr>
+      <p:sp>
+        <p:nvSpPr>
+          <p:cNvPr id="2" name="Title 1">
+            <a:extLst>
+              <a:ext uri="{FF2B5EF4-FFF2-40B4-BE49-F238E27FC236}">
+                <a16:creationId xmlns:a16="http://schemas.microsoft.com/office/drawing/2014/main" id="{AC5E5D8F-3E23-5FDA-F7CE-6AEF2D45329A}"/>
+              </a:ext>
+            </a:extLst>
+          </p:cNvPr>
+          <p:cNvSpPr>
+            <a:spLocks noGrp="1"/>
+          </p:cNvSpPr>
+          <p:nvPr>
+            <p:ph type="title"/>
+          </p:nvPr>
+        </p:nvSpPr>
+        <p:spPr/>
+        <p:txBody>
+          <a:bodyPr/>
+          <a:lstStyle/>
+          <a:p>
+            <a:r>
+              <a:rPr lang="en-US" dirty="0"/>
+              <a:t>APIs and other access methods</a:t>
+            </a:r>
+            <a:endParaRPr lang="en-NL" dirty="0"/>
+          </a:p>
+        </p:txBody>
+      </p:sp>
+      <p:sp>
+        <p:nvSpPr>
+          <p:cNvPr id="3" name="Content Placeholder 2">
+            <a:extLst>
+              <a:ext uri="{FF2B5EF4-FFF2-40B4-BE49-F238E27FC236}">
+                <a16:creationId xmlns:a16="http://schemas.microsoft.com/office/drawing/2014/main" id="{608D9450-C7B7-F92B-5D67-9C07642F36A1}"/>
+              </a:ext>
+            </a:extLst>
+          </p:cNvPr>
+          <p:cNvSpPr>
+            <a:spLocks noGrp="1"/>
+          </p:cNvSpPr>
+          <p:nvPr>
+            <p:ph idx="1"/>
+          </p:nvPr>
+        </p:nvSpPr>
+        <p:spPr/>
+        <p:txBody>
+          <a:bodyPr/>
+          <a:lstStyle/>
+          <a:p>
+            <a:r>
+              <a:rPr lang="en-US" dirty="0"/>
+              <a:t>HTTP API</a:t>
+            </a:r>
+          </a:p>
+          <a:p>
+            <a:r>
+              <a:rPr lang="en-US" dirty="0"/>
+              <a:t>JSON over UDP</a:t>
+            </a:r>
+            <a:endParaRPr lang="en-NL" dirty="0"/>
+          </a:p>
+        </p:txBody>
+      </p:sp>
+    </p:spTree>
+    <p:extLst>
+      <p:ext uri="{BB962C8B-B14F-4D97-AF65-F5344CB8AC3E}">
+        <p14:creationId xmlns:p14="http://schemas.microsoft.com/office/powerpoint/2010/main" val="874293536"/>
+      </p:ext>
+    </p:extLst>
+  </p:cSld>
+  <p:clrMapOvr>
+    <a:masterClrMapping/>
+  </p:clrMapOvr>
+</p:sld>
+</file>
+
 <file path=ppt/theme/theme1.xml><?xml version="1.0" encoding="utf-8"?>
 <a:theme xmlns:a="http://schemas.openxmlformats.org/drawingml/2006/main" name="Office Theme">
   <a:themeElements>

--- a/Tech Stack/DatabasesComparison.pptx
+++ b/Tech Stack/DatabasesComparison.pptx
@@ -1638,6 +1638,759 @@
     <dgm:txLinClrLst/>
     <dgm:txFillClrLst meth="repeat">
       <a:schemeClr val="tx1"/>
+    </dgm:txFillClrLst>
+    <dgm:txEffectClrLst/>
+  </dgm:styleLbl>
+</dgm:colorsDef>
+</file>
+
+<file path=ppt/diagrams/colors3.xml><?xml version="1.0" encoding="utf-8"?>
+<dgm:colorsDef xmlns:dgm="http://schemas.openxmlformats.org/drawingml/2006/diagram" xmlns:a="http://schemas.openxmlformats.org/drawingml/2006/main" uniqueId="urn:microsoft.com/office/officeart/2018/5/colors/Iconchunking_coloredtext_accent0_3">
+  <dgm:title val=""/>
+  <dgm:desc val=""/>
+  <dgm:catLst>
+    <dgm:cat type="mainScheme" pri="10300"/>
+  </dgm:catLst>
+  <dgm:styleLbl name="node0">
+    <dgm:fillClrLst meth="repeat">
+      <a:schemeClr val="dk2"/>
+    </dgm:fillClrLst>
+    <dgm:linClrLst meth="repeat">
+      <a:schemeClr val="lt2"/>
+    </dgm:linClrLst>
+    <dgm:effectClrLst/>
+    <dgm:txLinClrLst/>
+    <dgm:txFillClrLst/>
+    <dgm:txEffectClrLst/>
+  </dgm:styleLbl>
+  <dgm:styleLbl name="alignNode1">
+    <dgm:fillClrLst meth="repeat">
+      <a:schemeClr val="dk2"/>
+    </dgm:fillClrLst>
+    <dgm:linClrLst meth="repeat">
+      <a:schemeClr val="dk2"/>
+    </dgm:linClrLst>
+    <dgm:effectClrLst/>
+    <dgm:txLinClrLst/>
+    <dgm:txFillClrLst/>
+    <dgm:txEffectClrLst/>
+  </dgm:styleLbl>
+  <dgm:styleLbl name="node1">
+    <dgm:fillClrLst meth="repeat">
+      <a:schemeClr val="bg1"/>
+    </dgm:fillClrLst>
+    <dgm:linClrLst meth="repeat">
+      <a:schemeClr val="lt2">
+        <a:alpha val="0"/>
+      </a:schemeClr>
+    </dgm:linClrLst>
+    <dgm:effectClrLst/>
+    <dgm:txLinClrLst/>
+    <dgm:txFillClrLst meth="repeat">
+      <a:schemeClr val="dk1"/>
+    </dgm:txFillClrLst>
+    <dgm:txEffectClrLst/>
+  </dgm:styleLbl>
+  <dgm:styleLbl name="lnNode1">
+    <dgm:fillClrLst meth="repeat">
+      <a:schemeClr val="dk2"/>
+    </dgm:fillClrLst>
+    <dgm:linClrLst meth="repeat">
+      <a:schemeClr val="lt2"/>
+    </dgm:linClrLst>
+    <dgm:effectClrLst/>
+    <dgm:txLinClrLst/>
+    <dgm:txFillClrLst/>
+    <dgm:txEffectClrLst/>
+  </dgm:styleLbl>
+  <dgm:styleLbl name="vennNode1">
+    <dgm:fillClrLst meth="repeat">
+      <a:schemeClr val="dk2">
+        <a:alpha val="50000"/>
+      </a:schemeClr>
+    </dgm:fillClrLst>
+    <dgm:linClrLst meth="repeat">
+      <a:schemeClr val="lt2"/>
+    </dgm:linClrLst>
+    <dgm:effectClrLst/>
+    <dgm:txLinClrLst/>
+    <dgm:txFillClrLst/>
+    <dgm:txEffectClrLst/>
+  </dgm:styleLbl>
+  <dgm:styleLbl name="node2">
+    <dgm:fillClrLst meth="repeat">
+      <a:schemeClr val="dk2"/>
+    </dgm:fillClrLst>
+    <dgm:linClrLst meth="repeat">
+      <a:schemeClr val="lt2"/>
+    </dgm:linClrLst>
+    <dgm:effectClrLst/>
+    <dgm:txLinClrLst/>
+    <dgm:txFillClrLst/>
+    <dgm:txEffectClrLst/>
+  </dgm:styleLbl>
+  <dgm:styleLbl name="node3">
+    <dgm:fillClrLst meth="repeat">
+      <a:schemeClr val="dk2"/>
+    </dgm:fillClrLst>
+    <dgm:linClrLst meth="repeat">
+      <a:schemeClr val="lt2"/>
+    </dgm:linClrLst>
+    <dgm:effectClrLst/>
+    <dgm:txLinClrLst/>
+    <dgm:txFillClrLst/>
+    <dgm:txEffectClrLst/>
+  </dgm:styleLbl>
+  <dgm:styleLbl name="node4">
+    <dgm:fillClrLst meth="repeat">
+      <a:schemeClr val="dk2"/>
+    </dgm:fillClrLst>
+    <dgm:linClrLst meth="repeat">
+      <a:schemeClr val="lt2"/>
+    </dgm:linClrLst>
+    <dgm:effectClrLst/>
+    <dgm:txLinClrLst/>
+    <dgm:txFillClrLst/>
+    <dgm:txEffectClrLst/>
+  </dgm:styleLbl>
+  <dgm:styleLbl name="fgImgPlace1">
+    <dgm:fillClrLst meth="repeat">
+      <a:schemeClr val="dk2">
+        <a:tint val="50000"/>
+      </a:schemeClr>
+    </dgm:fillClrLst>
+    <dgm:linClrLst meth="repeat">
+      <a:schemeClr val="lt2"/>
+    </dgm:linClrLst>
+    <dgm:effectClrLst/>
+    <dgm:txLinClrLst/>
+    <dgm:txFillClrLst meth="repeat">
+      <a:schemeClr val="lt2"/>
+    </dgm:txFillClrLst>
+    <dgm:txEffectClrLst/>
+  </dgm:styleLbl>
+  <dgm:styleLbl name="alignImgPlace1">
+    <dgm:fillClrLst meth="repeat">
+      <a:schemeClr val="dk2">
+        <a:tint val="50000"/>
+      </a:schemeClr>
+    </dgm:fillClrLst>
+    <dgm:linClrLst meth="repeat">
+      <a:schemeClr val="dk2">
+        <a:shade val="80000"/>
+      </a:schemeClr>
+    </dgm:linClrLst>
+    <dgm:effectClrLst/>
+    <dgm:txLinClrLst/>
+    <dgm:txFillClrLst meth="repeat">
+      <a:schemeClr val="lt2"/>
+    </dgm:txFillClrLst>
+    <dgm:txEffectClrLst/>
+  </dgm:styleLbl>
+  <dgm:styleLbl name="bgImgPlace1">
+    <dgm:fillClrLst meth="repeat">
+      <a:schemeClr val="dk2">
+        <a:tint val="50000"/>
+      </a:schemeClr>
+    </dgm:fillClrLst>
+    <dgm:linClrLst meth="repeat">
+      <a:schemeClr val="dk2">
+        <a:shade val="80000"/>
+      </a:schemeClr>
+    </dgm:linClrLst>
+    <dgm:effectClrLst/>
+    <dgm:txLinClrLst/>
+    <dgm:txFillClrLst meth="repeat">
+      <a:schemeClr val="lt2"/>
+    </dgm:txFillClrLst>
+    <dgm:txEffectClrLst/>
+  </dgm:styleLbl>
+  <dgm:styleLbl name="sibTrans2D1">
+    <dgm:fillClrLst meth="repeat">
+      <a:schemeClr val="dk2">
+        <a:tint val="60000"/>
+      </a:schemeClr>
+    </dgm:fillClrLst>
+    <dgm:linClrLst meth="repeat">
+      <a:schemeClr val="dk2">
+        <a:tint val="60000"/>
+      </a:schemeClr>
+    </dgm:linClrLst>
+    <dgm:effectClrLst/>
+    <dgm:txLinClrLst/>
+    <dgm:txFillClrLst/>
+    <dgm:txEffectClrLst/>
+  </dgm:styleLbl>
+  <dgm:styleLbl name="fgSibTrans2D1">
+    <dgm:fillClrLst meth="repeat">
+      <a:schemeClr val="dk2">
+        <a:tint val="60000"/>
+      </a:schemeClr>
+    </dgm:fillClrLst>
+    <dgm:linClrLst meth="repeat">
+      <a:schemeClr val="dk2">
+        <a:tint val="60000"/>
+      </a:schemeClr>
+    </dgm:linClrLst>
+    <dgm:effectClrLst/>
+    <dgm:txLinClrLst/>
+    <dgm:txFillClrLst/>
+    <dgm:txEffectClrLst/>
+  </dgm:styleLbl>
+  <dgm:styleLbl name="bgSibTrans2D1">
+    <dgm:fillClrLst meth="repeat">
+      <a:schemeClr val="dk2">
+        <a:tint val="60000"/>
+      </a:schemeClr>
+    </dgm:fillClrLst>
+    <dgm:linClrLst meth="repeat">
+      <a:schemeClr val="dk2">
+        <a:tint val="60000"/>
+      </a:schemeClr>
+    </dgm:linClrLst>
+    <dgm:effectClrLst/>
+    <dgm:txLinClrLst/>
+    <dgm:txFillClrLst/>
+    <dgm:txEffectClrLst/>
+  </dgm:styleLbl>
+  <dgm:styleLbl name="sibTrans1D1">
+    <dgm:fillClrLst meth="repeat">
+      <a:schemeClr val="dk2"/>
+    </dgm:fillClrLst>
+    <dgm:linClrLst meth="repeat">
+      <a:schemeClr val="dk2"/>
+    </dgm:linClrLst>
+    <dgm:effectClrLst/>
+    <dgm:txLinClrLst/>
+    <dgm:txFillClrLst meth="repeat">
+      <a:schemeClr val="lt2"/>
+    </dgm:txFillClrLst>
+    <dgm:txEffectClrLst/>
+  </dgm:styleLbl>
+  <dgm:styleLbl name="callout">
+    <dgm:fillClrLst meth="repeat">
+      <a:schemeClr val="dk2"/>
+    </dgm:fillClrLst>
+    <dgm:linClrLst meth="repeat">
+      <a:schemeClr val="dk2">
+        <a:tint val="50000"/>
+      </a:schemeClr>
+    </dgm:linClrLst>
+    <dgm:effectClrLst/>
+    <dgm:txLinClrLst/>
+    <dgm:txFillClrLst meth="repeat">
+      <a:schemeClr val="lt2"/>
+    </dgm:txFillClrLst>
+    <dgm:txEffectClrLst/>
+  </dgm:styleLbl>
+  <dgm:styleLbl name="asst0">
+    <dgm:fillClrLst meth="repeat">
+      <a:schemeClr val="dk2"/>
+    </dgm:fillClrLst>
+    <dgm:linClrLst meth="repeat">
+      <a:schemeClr val="lt2"/>
+    </dgm:linClrLst>
+    <dgm:effectClrLst/>
+    <dgm:txLinClrLst/>
+    <dgm:txFillClrLst/>
+    <dgm:txEffectClrLst/>
+  </dgm:styleLbl>
+  <dgm:styleLbl name="asst1">
+    <dgm:fillClrLst meth="repeat">
+      <a:schemeClr val="dk2"/>
+    </dgm:fillClrLst>
+    <dgm:linClrLst meth="repeat">
+      <a:schemeClr val="lt2"/>
+    </dgm:linClrLst>
+    <dgm:effectClrLst/>
+    <dgm:txLinClrLst/>
+    <dgm:txFillClrLst/>
+    <dgm:txEffectClrLst/>
+  </dgm:styleLbl>
+  <dgm:styleLbl name="asst2">
+    <dgm:fillClrLst meth="repeat">
+      <a:schemeClr val="dk2"/>
+    </dgm:fillClrLst>
+    <dgm:linClrLst meth="repeat">
+      <a:schemeClr val="lt2"/>
+    </dgm:linClrLst>
+    <dgm:effectClrLst/>
+    <dgm:txLinClrLst/>
+    <dgm:txFillClrLst/>
+    <dgm:txEffectClrLst/>
+  </dgm:styleLbl>
+  <dgm:styleLbl name="asst3">
+    <dgm:fillClrLst meth="repeat">
+      <a:schemeClr val="dk2"/>
+    </dgm:fillClrLst>
+    <dgm:linClrLst meth="repeat">
+      <a:schemeClr val="lt2"/>
+    </dgm:linClrLst>
+    <dgm:effectClrLst/>
+    <dgm:txLinClrLst/>
+    <dgm:txFillClrLst/>
+    <dgm:txEffectClrLst/>
+  </dgm:styleLbl>
+  <dgm:styleLbl name="asst4">
+    <dgm:fillClrLst meth="repeat">
+      <a:schemeClr val="dk2"/>
+    </dgm:fillClrLst>
+    <dgm:linClrLst meth="repeat">
+      <a:schemeClr val="lt2"/>
+    </dgm:linClrLst>
+    <dgm:effectClrLst/>
+    <dgm:txLinClrLst/>
+    <dgm:txFillClrLst/>
+    <dgm:txEffectClrLst/>
+  </dgm:styleLbl>
+  <dgm:styleLbl name="parChTrans2D1">
+    <dgm:fillClrLst meth="repeat">
+      <a:schemeClr val="dk2">
+        <a:tint val="60000"/>
+      </a:schemeClr>
+    </dgm:fillClrLst>
+    <dgm:linClrLst meth="repeat">
+      <a:schemeClr val="dk2">
+        <a:tint val="60000"/>
+      </a:schemeClr>
+    </dgm:linClrLst>
+    <dgm:effectClrLst/>
+    <dgm:txLinClrLst/>
+    <dgm:txFillClrLst meth="repeat">
+      <a:schemeClr val="lt2"/>
+    </dgm:txFillClrLst>
+    <dgm:txEffectClrLst/>
+  </dgm:styleLbl>
+  <dgm:styleLbl name="parChTrans2D2">
+    <dgm:fillClrLst meth="repeat">
+      <a:schemeClr val="dk2"/>
+    </dgm:fillClrLst>
+    <dgm:linClrLst meth="repeat">
+      <a:schemeClr val="dk2"/>
+    </dgm:linClrLst>
+    <dgm:effectClrLst/>
+    <dgm:txLinClrLst/>
+    <dgm:txFillClrLst meth="repeat">
+      <a:schemeClr val="lt2"/>
+    </dgm:txFillClrLst>
+    <dgm:txEffectClrLst/>
+  </dgm:styleLbl>
+  <dgm:styleLbl name="parChTrans2D3">
+    <dgm:fillClrLst meth="repeat">
+      <a:schemeClr val="dk2"/>
+    </dgm:fillClrLst>
+    <dgm:linClrLst meth="repeat">
+      <a:schemeClr val="dk2"/>
+    </dgm:linClrLst>
+    <dgm:effectClrLst/>
+    <dgm:txLinClrLst/>
+    <dgm:txFillClrLst meth="repeat">
+      <a:schemeClr val="lt2"/>
+    </dgm:txFillClrLst>
+    <dgm:txEffectClrLst/>
+  </dgm:styleLbl>
+  <dgm:styleLbl name="parChTrans2D4">
+    <dgm:fillClrLst meth="repeat">
+      <a:schemeClr val="dk2"/>
+    </dgm:fillClrLst>
+    <dgm:linClrLst meth="repeat">
+      <a:schemeClr val="dk2"/>
+    </dgm:linClrLst>
+    <dgm:effectClrLst/>
+    <dgm:txLinClrLst/>
+    <dgm:txFillClrLst meth="repeat">
+      <a:schemeClr val="lt2"/>
+    </dgm:txFillClrLst>
+    <dgm:txEffectClrLst/>
+  </dgm:styleLbl>
+  <dgm:styleLbl name="parChTrans1D1">
+    <dgm:fillClrLst meth="repeat">
+      <a:schemeClr val="dk2"/>
+    </dgm:fillClrLst>
+    <dgm:linClrLst meth="repeat">
+      <a:schemeClr val="dk2">
+        <a:shade val="60000"/>
+      </a:schemeClr>
+    </dgm:linClrLst>
+    <dgm:effectClrLst/>
+    <dgm:txLinClrLst/>
+    <dgm:txFillClrLst meth="repeat">
+      <a:schemeClr val="tx1"/>
+    </dgm:txFillClrLst>
+    <dgm:txEffectClrLst/>
+  </dgm:styleLbl>
+  <dgm:styleLbl name="parChTrans1D2">
+    <dgm:fillClrLst meth="repeat">
+      <a:schemeClr val="dk2"/>
+    </dgm:fillClrLst>
+    <dgm:linClrLst meth="repeat">
+      <a:schemeClr val="dk2">
+        <a:shade val="60000"/>
+      </a:schemeClr>
+    </dgm:linClrLst>
+    <dgm:effectClrLst/>
+    <dgm:txLinClrLst/>
+    <dgm:txFillClrLst meth="repeat">
+      <a:schemeClr val="tx1"/>
+    </dgm:txFillClrLst>
+    <dgm:txEffectClrLst/>
+  </dgm:styleLbl>
+  <dgm:styleLbl name="parChTrans1D3">
+    <dgm:fillClrLst meth="repeat">
+      <a:schemeClr val="dk2"/>
+    </dgm:fillClrLst>
+    <dgm:linClrLst meth="repeat">
+      <a:schemeClr val="dk2">
+        <a:shade val="80000"/>
+      </a:schemeClr>
+    </dgm:linClrLst>
+    <dgm:effectClrLst/>
+    <dgm:txLinClrLst/>
+    <dgm:txFillClrLst meth="repeat">
+      <a:schemeClr val="tx1"/>
+    </dgm:txFillClrLst>
+    <dgm:txEffectClrLst/>
+  </dgm:styleLbl>
+  <dgm:styleLbl name="parChTrans1D4">
+    <dgm:fillClrLst meth="repeat">
+      <a:schemeClr val="dk2"/>
+    </dgm:fillClrLst>
+    <dgm:linClrLst meth="repeat">
+      <a:schemeClr val="dk2">
+        <a:shade val="80000"/>
+      </a:schemeClr>
+    </dgm:linClrLst>
+    <dgm:effectClrLst/>
+    <dgm:txLinClrLst/>
+    <dgm:txFillClrLst meth="repeat">
+      <a:schemeClr val="tx1"/>
+    </dgm:txFillClrLst>
+    <dgm:txEffectClrLst/>
+  </dgm:styleLbl>
+  <dgm:styleLbl name="fgAcc1">
+    <dgm:fillClrLst meth="repeat">
+      <a:schemeClr val="lt2">
+        <a:alpha val="90000"/>
+      </a:schemeClr>
+    </dgm:fillClrLst>
+    <dgm:linClrLst meth="repeat">
+      <a:schemeClr val="dk2"/>
+    </dgm:linClrLst>
+    <dgm:effectClrLst/>
+    <dgm:txLinClrLst/>
+    <dgm:txFillClrLst meth="repeat">
+      <a:schemeClr val="dk1"/>
+    </dgm:txFillClrLst>
+    <dgm:txEffectClrLst/>
+  </dgm:styleLbl>
+  <dgm:styleLbl name="conFgAcc1">
+    <dgm:fillClrLst meth="repeat">
+      <a:schemeClr val="lt2">
+        <a:alpha val="90000"/>
+      </a:schemeClr>
+    </dgm:fillClrLst>
+    <dgm:linClrLst meth="repeat">
+      <a:schemeClr val="dk2"/>
+    </dgm:linClrLst>
+    <dgm:effectClrLst/>
+    <dgm:txLinClrLst/>
+    <dgm:txFillClrLst meth="repeat">
+      <a:schemeClr val="dk1"/>
+    </dgm:txFillClrLst>
+    <dgm:txEffectClrLst/>
+  </dgm:styleLbl>
+  <dgm:styleLbl name="alignAcc1">
+    <dgm:fillClrLst meth="repeat">
+      <a:schemeClr val="lt2">
+        <a:alpha val="90000"/>
+      </a:schemeClr>
+    </dgm:fillClrLst>
+    <dgm:linClrLst meth="repeat">
+      <a:schemeClr val="dk2"/>
+    </dgm:linClrLst>
+    <dgm:effectClrLst/>
+    <dgm:txLinClrLst/>
+    <dgm:txFillClrLst meth="repeat">
+      <a:schemeClr val="dk1"/>
+    </dgm:txFillClrLst>
+    <dgm:txEffectClrLst/>
+  </dgm:styleLbl>
+  <dgm:styleLbl name="trAlignAcc1">
+    <dgm:fillClrLst meth="repeat">
+      <a:schemeClr val="lt2">
+        <a:alpha val="0"/>
+      </a:schemeClr>
+    </dgm:fillClrLst>
+    <dgm:linClrLst meth="repeat">
+      <a:schemeClr val="dk2"/>
+    </dgm:linClrLst>
+    <dgm:effectClrLst/>
+    <dgm:txLinClrLst/>
+    <dgm:txFillClrLst meth="repeat">
+      <a:schemeClr val="dk1"/>
+    </dgm:txFillClrLst>
+    <dgm:txEffectClrLst/>
+  </dgm:styleLbl>
+  <dgm:styleLbl name="bgAcc1">
+    <dgm:fillClrLst meth="repeat">
+      <a:schemeClr val="lt2">
+        <a:alpha val="90000"/>
+      </a:schemeClr>
+    </dgm:fillClrLst>
+    <dgm:linClrLst meth="repeat">
+      <a:schemeClr val="dk2"/>
+    </dgm:linClrLst>
+    <dgm:effectClrLst/>
+    <dgm:txLinClrLst/>
+    <dgm:txFillClrLst meth="repeat">
+      <a:schemeClr val="dk1"/>
+    </dgm:txFillClrLst>
+    <dgm:txEffectClrLst/>
+  </dgm:styleLbl>
+  <dgm:styleLbl name="solidFgAcc1">
+    <dgm:fillClrLst meth="repeat">
+      <a:schemeClr val="lt2"/>
+    </dgm:fillClrLst>
+    <dgm:linClrLst meth="repeat">
+      <a:schemeClr val="dk2"/>
+    </dgm:linClrLst>
+    <dgm:effectClrLst/>
+    <dgm:txLinClrLst/>
+    <dgm:txFillClrLst meth="repeat">
+      <a:schemeClr val="dk1"/>
+    </dgm:txFillClrLst>
+    <dgm:txEffectClrLst/>
+  </dgm:styleLbl>
+  <dgm:styleLbl name="solidAlignAcc1">
+    <dgm:fillClrLst meth="repeat">
+      <a:schemeClr val="lt2"/>
+    </dgm:fillClrLst>
+    <dgm:linClrLst meth="repeat">
+      <a:schemeClr val="dk2"/>
+    </dgm:linClrLst>
+    <dgm:effectClrLst/>
+    <dgm:txLinClrLst/>
+    <dgm:txFillClrLst meth="repeat">
+      <a:schemeClr val="dk1"/>
+    </dgm:txFillClrLst>
+    <dgm:txEffectClrLst/>
+  </dgm:styleLbl>
+  <dgm:styleLbl name="solidBgAcc1">
+    <dgm:fillClrLst meth="repeat">
+      <a:schemeClr val="lt2"/>
+    </dgm:fillClrLst>
+    <dgm:linClrLst meth="repeat">
+      <a:schemeClr val="dk2"/>
+    </dgm:linClrLst>
+    <dgm:effectClrLst/>
+    <dgm:txLinClrLst/>
+    <dgm:txFillClrLst meth="repeat">
+      <a:schemeClr val="dk1"/>
+    </dgm:txFillClrLst>
+    <dgm:txEffectClrLst/>
+  </dgm:styleLbl>
+  <dgm:styleLbl name="fgAccFollowNode1">
+    <dgm:fillClrLst meth="repeat">
+      <a:schemeClr val="dk2">
+        <a:alpha val="90000"/>
+        <a:tint val="40000"/>
+      </a:schemeClr>
+    </dgm:fillClrLst>
+    <dgm:linClrLst meth="repeat">
+      <a:schemeClr val="dk2">
+        <a:alpha val="90000"/>
+        <a:tint val="40000"/>
+      </a:schemeClr>
+    </dgm:linClrLst>
+    <dgm:effectClrLst/>
+    <dgm:txLinClrLst/>
+    <dgm:txFillClrLst meth="repeat">
+      <a:schemeClr val="dk1"/>
+    </dgm:txFillClrLst>
+    <dgm:txEffectClrLst/>
+  </dgm:styleLbl>
+  <dgm:styleLbl name="alignAccFollowNode1">
+    <dgm:fillClrLst meth="repeat">
+      <a:schemeClr val="dk2">
+        <a:alpha val="90000"/>
+        <a:tint val="40000"/>
+      </a:schemeClr>
+    </dgm:fillClrLst>
+    <dgm:linClrLst meth="repeat">
+      <a:schemeClr val="dk2">
+        <a:alpha val="90000"/>
+        <a:tint val="40000"/>
+      </a:schemeClr>
+    </dgm:linClrLst>
+    <dgm:effectClrLst/>
+    <dgm:txLinClrLst/>
+    <dgm:txFillClrLst meth="repeat">
+      <a:schemeClr val="dk1"/>
+    </dgm:txFillClrLst>
+    <dgm:txEffectClrLst/>
+  </dgm:styleLbl>
+  <dgm:styleLbl name="bgAccFollowNode1">
+    <dgm:fillClrLst meth="repeat">
+      <a:schemeClr val="dk2">
+        <a:alpha val="90000"/>
+        <a:tint val="40000"/>
+      </a:schemeClr>
+    </dgm:fillClrLst>
+    <dgm:linClrLst meth="repeat">
+      <a:schemeClr val="dk2">
+        <a:alpha val="90000"/>
+        <a:tint val="40000"/>
+      </a:schemeClr>
+    </dgm:linClrLst>
+    <dgm:effectClrLst/>
+    <dgm:txLinClrLst/>
+    <dgm:txFillClrLst meth="repeat">
+      <a:schemeClr val="dk1"/>
+    </dgm:txFillClrLst>
+    <dgm:txEffectClrLst/>
+  </dgm:styleLbl>
+  <dgm:styleLbl name="fgAcc0">
+    <dgm:fillClrLst meth="repeat">
+      <a:schemeClr val="lt2">
+        <a:alpha val="90000"/>
+      </a:schemeClr>
+    </dgm:fillClrLst>
+    <dgm:linClrLst meth="repeat">
+      <a:schemeClr val="dk2"/>
+    </dgm:linClrLst>
+    <dgm:effectClrLst/>
+    <dgm:txLinClrLst/>
+    <dgm:txFillClrLst meth="repeat">
+      <a:schemeClr val="dk1"/>
+    </dgm:txFillClrLst>
+    <dgm:txEffectClrLst/>
+  </dgm:styleLbl>
+  <dgm:styleLbl name="fgAcc2">
+    <dgm:fillClrLst meth="repeat">
+      <a:schemeClr val="lt2">
+        <a:alpha val="90000"/>
+      </a:schemeClr>
+    </dgm:fillClrLst>
+    <dgm:linClrLst meth="repeat">
+      <a:schemeClr val="dk2"/>
+    </dgm:linClrLst>
+    <dgm:effectClrLst/>
+    <dgm:txLinClrLst/>
+    <dgm:txFillClrLst meth="repeat">
+      <a:schemeClr val="dk1"/>
+    </dgm:txFillClrLst>
+    <dgm:txEffectClrLst/>
+  </dgm:styleLbl>
+  <dgm:styleLbl name="fgAcc3">
+    <dgm:fillClrLst meth="repeat">
+      <a:schemeClr val="lt2">
+        <a:alpha val="90000"/>
+      </a:schemeClr>
+    </dgm:fillClrLst>
+    <dgm:linClrLst meth="repeat">
+      <a:schemeClr val="dk2"/>
+    </dgm:linClrLst>
+    <dgm:effectClrLst/>
+    <dgm:txLinClrLst/>
+    <dgm:txFillClrLst meth="repeat">
+      <a:schemeClr val="dk1"/>
+    </dgm:txFillClrLst>
+    <dgm:txEffectClrLst/>
+  </dgm:styleLbl>
+  <dgm:styleLbl name="fgAcc4">
+    <dgm:fillClrLst meth="repeat">
+      <a:schemeClr val="lt2">
+        <a:alpha val="90000"/>
+      </a:schemeClr>
+    </dgm:fillClrLst>
+    <dgm:linClrLst meth="repeat">
+      <a:schemeClr val="dk2"/>
+    </dgm:linClrLst>
+    <dgm:effectClrLst/>
+    <dgm:txLinClrLst/>
+    <dgm:txFillClrLst meth="repeat">
+      <a:schemeClr val="dk1"/>
+    </dgm:txFillClrLst>
+    <dgm:txEffectClrLst/>
+  </dgm:styleLbl>
+  <dgm:styleLbl name="bgShp">
+    <dgm:fillClrLst meth="repeat">
+      <a:schemeClr val="dk2"/>
+    </dgm:fillClrLst>
+    <dgm:linClrLst meth="repeat">
+      <a:schemeClr val="lt2">
+        <a:alpha val="0"/>
+      </a:schemeClr>
+    </dgm:linClrLst>
+    <dgm:effectClrLst/>
+    <dgm:txLinClrLst/>
+    <dgm:txFillClrLst/>
+    <dgm:txEffectClrLst/>
+  </dgm:styleLbl>
+  <dgm:styleLbl name="dkBgShp">
+    <dgm:fillClrLst meth="repeat">
+      <a:schemeClr val="dk2">
+        <a:shade val="80000"/>
+      </a:schemeClr>
+    </dgm:fillClrLst>
+    <dgm:linClrLst meth="repeat">
+      <a:schemeClr val="dk2"/>
+    </dgm:linClrLst>
+    <dgm:effectClrLst/>
+    <dgm:txLinClrLst/>
+    <dgm:txFillClrLst meth="repeat">
+      <a:schemeClr val="lt1"/>
+    </dgm:txFillClrLst>
+    <dgm:txEffectClrLst/>
+  </dgm:styleLbl>
+  <dgm:styleLbl name="trBgShp">
+    <dgm:fillClrLst meth="repeat">
+      <a:schemeClr val="dk2">
+        <a:tint val="50000"/>
+        <a:alpha val="40000"/>
+      </a:schemeClr>
+    </dgm:fillClrLst>
+    <dgm:linClrLst meth="repeat">
+      <a:schemeClr val="dk2"/>
+    </dgm:linClrLst>
+    <dgm:effectClrLst/>
+    <dgm:txLinClrLst/>
+    <dgm:txFillClrLst meth="repeat">
+      <a:schemeClr val="lt1"/>
+    </dgm:txFillClrLst>
+    <dgm:txEffectClrLst/>
+  </dgm:styleLbl>
+  <dgm:styleLbl name="fgShp">
+    <dgm:fillClrLst meth="repeat">
+      <a:schemeClr val="dk2">
+        <a:tint val="60000"/>
+      </a:schemeClr>
+    </dgm:fillClrLst>
+    <dgm:linClrLst meth="repeat">
+      <a:schemeClr val="lt2"/>
+    </dgm:linClrLst>
+    <dgm:effectClrLst/>
+    <dgm:txLinClrLst/>
+    <dgm:txFillClrLst meth="repeat">
+      <a:schemeClr val="dk1"/>
+    </dgm:txFillClrLst>
+    <dgm:txEffectClrLst/>
+  </dgm:styleLbl>
+  <dgm:styleLbl name="revTx">
+    <dgm:fillClrLst meth="repeat">
+      <a:schemeClr val="dk2">
+        <a:alpha val="0"/>
+      </a:schemeClr>
+    </dgm:fillClrLst>
+    <dgm:linClrLst meth="repeat">
+      <a:schemeClr val="dk2">
+        <a:alpha val="0"/>
+      </a:schemeClr>
+    </dgm:linClrLst>
+    <dgm:effectClrLst/>
+    <dgm:txLinClrLst/>
+    <dgm:txFillClrLst meth="repeat">
+      <a:schemeClr val="dk2"/>
     </dgm:txFillClrLst>
     <dgm:txEffectClrLst/>
   </dgm:styleLbl>
@@ -2292,6 +3045,238 @@
     <dgm:cxn modelId="{7724BE3B-B1A8-4282-B612-BD5D021EEABB}" type="presParOf" srcId="{C22521A1-B394-423C-99B6-13BA4908BE15}" destId="{B73014B3-F99A-4151-9C44-CD86F7723568}" srcOrd="1" destOrd="0" presId="urn:microsoft.com/office/officeart/2005/8/layout/list1"/>
     <dgm:cxn modelId="{8BC62088-F62F-4D7A-B37F-B86B9894C38C}" type="presParOf" srcId="{1F48560F-9551-45BF-8F0E-EA6DD1405ED0}" destId="{1B90711D-DDAB-4E82-8E4F-45D50FEA9182}" srcOrd="5" destOrd="0" presId="urn:microsoft.com/office/officeart/2005/8/layout/list1"/>
     <dgm:cxn modelId="{CB59F6CD-ACA7-4FDD-B108-DE42004B44CD}" type="presParOf" srcId="{1F48560F-9551-45BF-8F0E-EA6DD1405ED0}" destId="{7C1D7B56-88FE-466D-AB7F-96A65BBC09AE}" srcOrd="6" destOrd="0" presId="urn:microsoft.com/office/officeart/2005/8/layout/list1"/>
+  </dgm:cxnLst>
+  <dgm:bg/>
+  <dgm:whole/>
+  <dgm:extLst>
+    <a:ext uri="http://schemas.microsoft.com/office/drawing/2008/diagram">
+      <dsp:dataModelExt xmlns:dsp="http://schemas.microsoft.com/office/drawing/2008/diagram" relId="rId7" minVer="http://schemas.openxmlformats.org/drawingml/2006/diagram"/>
+    </a:ext>
+  </dgm:extLst>
+</dgm:dataModel>
+</file>
+
+<file path=ppt/diagrams/data3.xml><?xml version="1.0" encoding="utf-8"?>
+<dgm:dataModel xmlns:dgm="http://schemas.openxmlformats.org/drawingml/2006/diagram" xmlns:a="http://schemas.openxmlformats.org/drawingml/2006/main">
+  <dgm:ptLst>
+    <dgm:pt modelId="{65354AB3-33B3-4745-81F2-86F9E4C24086}" type="doc">
+      <dgm:prSet loTypeId="urn:microsoft.com/office/officeart/2018/5/layout/IconCircleLabelList" loCatId="icon" qsTypeId="urn:microsoft.com/office/officeart/2005/8/quickstyle/simple1" qsCatId="simple" csTypeId="urn:microsoft.com/office/officeart/2018/5/colors/Iconchunking_coloredtext_accent0_3" csCatId="mainScheme" phldr="1"/>
+      <dgm:spPr/>
+      <dgm:t>
+        <a:bodyPr/>
+        <a:lstStyle/>
+        <a:p>
+          <a:endParaRPr lang="en-US"/>
+        </a:p>
+      </dgm:t>
+    </dgm:pt>
+    <dgm:pt modelId="{B9E96D14-738B-4299-B1D4-33084EE75170}">
+      <dgm:prSet/>
+      <dgm:spPr/>
+      <dgm:t>
+        <a:bodyPr/>
+        <a:lstStyle/>
+        <a:p>
+          <a:pPr>
+            <a:defRPr cap="all"/>
+          </a:pPr>
+          <a:r>
+            <a:rPr lang="en-US"/>
+            <a:t>HTTP API</a:t>
+          </a:r>
+        </a:p>
+      </dgm:t>
+    </dgm:pt>
+    <dgm:pt modelId="{AFBC3E2D-EAB5-437C-8413-E22DD0207D14}" type="parTrans" cxnId="{8A19192C-9472-413E-B4E3-5521FFD2025B}">
+      <dgm:prSet/>
+      <dgm:spPr/>
+      <dgm:t>
+        <a:bodyPr/>
+        <a:lstStyle/>
+        <a:p>
+          <a:endParaRPr lang="en-US"/>
+        </a:p>
+      </dgm:t>
+    </dgm:pt>
+    <dgm:pt modelId="{66B8595E-5540-4BE7-914E-D1620E7135EE}" type="sibTrans" cxnId="{8A19192C-9472-413E-B4E3-5521FFD2025B}">
+      <dgm:prSet/>
+      <dgm:spPr/>
+      <dgm:t>
+        <a:bodyPr/>
+        <a:lstStyle/>
+        <a:p>
+          <a:endParaRPr lang="en-US"/>
+        </a:p>
+      </dgm:t>
+    </dgm:pt>
+    <dgm:pt modelId="{A6F05D2F-23E9-4CD0-A2A3-D73504ACDF55}">
+      <dgm:prSet/>
+      <dgm:spPr/>
+      <dgm:t>
+        <a:bodyPr/>
+        <a:lstStyle/>
+        <a:p>
+          <a:pPr>
+            <a:defRPr cap="all"/>
+          </a:pPr>
+          <a:r>
+            <a:rPr lang="en-US"/>
+            <a:t>JSON over UDP</a:t>
+          </a:r>
+        </a:p>
+      </dgm:t>
+    </dgm:pt>
+    <dgm:pt modelId="{BABD63A6-7BBB-4361-86F9-F588CE229221}" type="parTrans" cxnId="{8856386D-4E5A-4DD9-8A7B-D165EA3C326F}">
+      <dgm:prSet/>
+      <dgm:spPr/>
+      <dgm:t>
+        <a:bodyPr/>
+        <a:lstStyle/>
+        <a:p>
+          <a:endParaRPr lang="en-US"/>
+        </a:p>
+      </dgm:t>
+    </dgm:pt>
+    <dgm:pt modelId="{84F455C0-B863-4DD4-AF32-5CB9CAAE25A2}" type="sibTrans" cxnId="{8856386D-4E5A-4DD9-8A7B-D165EA3C326F}">
+      <dgm:prSet/>
+      <dgm:spPr/>
+      <dgm:t>
+        <a:bodyPr/>
+        <a:lstStyle/>
+        <a:p>
+          <a:endParaRPr lang="en-US"/>
+        </a:p>
+      </dgm:t>
+    </dgm:pt>
+    <dgm:pt modelId="{0B08696E-2C1D-4135-844A-99E5595EAD7F}" type="pres">
+      <dgm:prSet presAssocID="{65354AB3-33B3-4745-81F2-86F9E4C24086}" presName="root" presStyleCnt="0">
+        <dgm:presLayoutVars>
+          <dgm:dir/>
+          <dgm:resizeHandles val="exact"/>
+        </dgm:presLayoutVars>
+      </dgm:prSet>
+      <dgm:spPr/>
+    </dgm:pt>
+    <dgm:pt modelId="{ACB1713B-0E46-48FF-A0FE-48A45CA76489}" type="pres">
+      <dgm:prSet presAssocID="{B9E96D14-738B-4299-B1D4-33084EE75170}" presName="compNode" presStyleCnt="0"/>
+      <dgm:spPr/>
+    </dgm:pt>
+    <dgm:pt modelId="{44B51C49-388C-4EE3-8310-760E752F953E}" type="pres">
+      <dgm:prSet presAssocID="{B9E96D14-738B-4299-B1D4-33084EE75170}" presName="iconBgRect" presStyleLbl="bgShp" presStyleIdx="0" presStyleCnt="2"/>
+      <dgm:spPr/>
+    </dgm:pt>
+    <dgm:pt modelId="{2E3606F8-6D8F-45D4-B707-64D3C0DE89A8}" type="pres">
+      <dgm:prSet presAssocID="{B9E96D14-738B-4299-B1D4-33084EE75170}" presName="iconRect" presStyleLbl="node1" presStyleIdx="0" presStyleCnt="2"/>
+      <dgm:spPr>
+        <a:blipFill>
+          <a:blip xmlns:r="http://schemas.openxmlformats.org/officeDocument/2006/relationships" r:embed="rId1">
+            <a:extLst>
+              <a:ext uri="{28A0092B-C50C-407E-A947-70E740481C1C}">
+                <a14:useLocalDpi xmlns:a14="http://schemas.microsoft.com/office/drawing/2010/main" val="0"/>
+              </a:ext>
+              <a:ext uri="{96DAC541-7B7A-43D3-8B79-37D633B846F1}">
+                <asvg:svgBlip xmlns:asvg="http://schemas.microsoft.com/office/drawing/2016/SVG/main" r:embed="rId2"/>
+              </a:ext>
+            </a:extLst>
+          </a:blip>
+          <a:stretch>
+            <a:fillRect/>
+          </a:stretch>
+        </a:blipFill>
+        <a:ln>
+          <a:noFill/>
+        </a:ln>
+      </dgm:spPr>
+      <dgm:extLst>
+        <a:ext uri="{E40237B7-FDA0-4F09-8148-C483321AD2D9}">
+          <dgm14:cNvPr xmlns:dgm14="http://schemas.microsoft.com/office/drawing/2010/diagram" id="0" name="" descr="Computer"/>
+        </a:ext>
+      </dgm:extLst>
+    </dgm:pt>
+    <dgm:pt modelId="{F004F8BC-3F5E-4488-A56A-5680EB7F5E42}" type="pres">
+      <dgm:prSet presAssocID="{B9E96D14-738B-4299-B1D4-33084EE75170}" presName="spaceRect" presStyleCnt="0"/>
+      <dgm:spPr/>
+    </dgm:pt>
+    <dgm:pt modelId="{8B947F41-2CC6-4C2D-9551-D882C50CF817}" type="pres">
+      <dgm:prSet presAssocID="{B9E96D14-738B-4299-B1D4-33084EE75170}" presName="textRect" presStyleLbl="revTx" presStyleIdx="0" presStyleCnt="2">
+        <dgm:presLayoutVars>
+          <dgm:chMax val="1"/>
+          <dgm:chPref val="1"/>
+        </dgm:presLayoutVars>
+      </dgm:prSet>
+      <dgm:spPr/>
+    </dgm:pt>
+    <dgm:pt modelId="{CE229550-1552-4264-9F2E-B98E1726CE8D}" type="pres">
+      <dgm:prSet presAssocID="{66B8595E-5540-4BE7-914E-D1620E7135EE}" presName="sibTrans" presStyleCnt="0"/>
+      <dgm:spPr/>
+    </dgm:pt>
+    <dgm:pt modelId="{7914E843-FF7D-446F-A063-D0866C3783EA}" type="pres">
+      <dgm:prSet presAssocID="{A6F05D2F-23E9-4CD0-A2A3-D73504ACDF55}" presName="compNode" presStyleCnt="0"/>
+      <dgm:spPr/>
+    </dgm:pt>
+    <dgm:pt modelId="{942D65E8-7201-4324-AD1F-B4540CDDD538}" type="pres">
+      <dgm:prSet presAssocID="{A6F05D2F-23E9-4CD0-A2A3-D73504ACDF55}" presName="iconBgRect" presStyleLbl="bgShp" presStyleIdx="1" presStyleCnt="2"/>
+      <dgm:spPr/>
+    </dgm:pt>
+    <dgm:pt modelId="{BB57D708-2994-48F1-9F64-A7AF8CFF1F96}" type="pres">
+      <dgm:prSet presAssocID="{A6F05D2F-23E9-4CD0-A2A3-D73504ACDF55}" presName="iconRect" presStyleLbl="node1" presStyleIdx="1" presStyleCnt="2"/>
+      <dgm:spPr>
+        <a:blipFill>
+          <a:blip xmlns:r="http://schemas.openxmlformats.org/officeDocument/2006/relationships" r:embed="rId3">
+            <a:extLst>
+              <a:ext uri="{28A0092B-C50C-407E-A947-70E740481C1C}">
+                <a14:useLocalDpi xmlns:a14="http://schemas.microsoft.com/office/drawing/2010/main" val="0"/>
+              </a:ext>
+              <a:ext uri="{96DAC541-7B7A-43D3-8B79-37D633B846F1}">
+                <asvg:svgBlip xmlns:asvg="http://schemas.microsoft.com/office/drawing/2016/SVG/main" r:embed="rId4"/>
+              </a:ext>
+            </a:extLst>
+          </a:blip>
+          <a:stretch>
+            <a:fillRect/>
+          </a:stretch>
+        </a:blipFill>
+        <a:ln>
+          <a:noFill/>
+        </a:ln>
+      </dgm:spPr>
+      <dgm:extLst>
+        <a:ext uri="{E40237B7-FDA0-4F09-8148-C483321AD2D9}">
+          <dgm14:cNvPr xmlns:dgm14="http://schemas.microsoft.com/office/drawing/2010/diagram" id="0" name="" descr="Laptop"/>
+        </a:ext>
+      </dgm:extLst>
+    </dgm:pt>
+    <dgm:pt modelId="{7BC4696B-F14A-496C-8007-9B76E0F9ACC8}" type="pres">
+      <dgm:prSet presAssocID="{A6F05D2F-23E9-4CD0-A2A3-D73504ACDF55}" presName="spaceRect" presStyleCnt="0"/>
+      <dgm:spPr/>
+    </dgm:pt>
+    <dgm:pt modelId="{409A4320-D537-4C81-9E8B-1A0060B68181}" type="pres">
+      <dgm:prSet presAssocID="{A6F05D2F-23E9-4CD0-A2A3-D73504ACDF55}" presName="textRect" presStyleLbl="revTx" presStyleIdx="1" presStyleCnt="2">
+        <dgm:presLayoutVars>
+          <dgm:chMax val="1"/>
+          <dgm:chPref val="1"/>
+        </dgm:presLayoutVars>
+      </dgm:prSet>
+      <dgm:spPr/>
+    </dgm:pt>
+  </dgm:ptLst>
+  <dgm:cxnLst>
+    <dgm:cxn modelId="{8A19192C-9472-413E-B4E3-5521FFD2025B}" srcId="{65354AB3-33B3-4745-81F2-86F9E4C24086}" destId="{B9E96D14-738B-4299-B1D4-33084EE75170}" srcOrd="0" destOrd="0" parTransId="{AFBC3E2D-EAB5-437C-8413-E22DD0207D14}" sibTransId="{66B8595E-5540-4BE7-914E-D1620E7135EE}"/>
+    <dgm:cxn modelId="{8856386D-4E5A-4DD9-8A7B-D165EA3C326F}" srcId="{65354AB3-33B3-4745-81F2-86F9E4C24086}" destId="{A6F05D2F-23E9-4CD0-A2A3-D73504ACDF55}" srcOrd="1" destOrd="0" parTransId="{BABD63A6-7BBB-4361-86F9-F588CE229221}" sibTransId="{84F455C0-B863-4DD4-AF32-5CB9CAAE25A2}"/>
+    <dgm:cxn modelId="{7BB178C4-D512-4C69-8BDE-3C7EE538F2B0}" type="presOf" srcId="{A6F05D2F-23E9-4CD0-A2A3-D73504ACDF55}" destId="{409A4320-D537-4C81-9E8B-1A0060B68181}" srcOrd="0" destOrd="0" presId="urn:microsoft.com/office/officeart/2018/5/layout/IconCircleLabelList"/>
+    <dgm:cxn modelId="{C0C8EAC5-D77B-4970-ADC9-ACC8AE8FB1AC}" type="presOf" srcId="{B9E96D14-738B-4299-B1D4-33084EE75170}" destId="{8B947F41-2CC6-4C2D-9551-D882C50CF817}" srcOrd="0" destOrd="0" presId="urn:microsoft.com/office/officeart/2018/5/layout/IconCircleLabelList"/>
+    <dgm:cxn modelId="{BCD63DD9-96A6-43A1-A79E-66BE53EC737A}" type="presOf" srcId="{65354AB3-33B3-4745-81F2-86F9E4C24086}" destId="{0B08696E-2C1D-4135-844A-99E5595EAD7F}" srcOrd="0" destOrd="0" presId="urn:microsoft.com/office/officeart/2018/5/layout/IconCircleLabelList"/>
+    <dgm:cxn modelId="{95BF8AA8-4C51-4C2B-A8FE-AE04680738CD}" type="presParOf" srcId="{0B08696E-2C1D-4135-844A-99E5595EAD7F}" destId="{ACB1713B-0E46-48FF-A0FE-48A45CA76489}" srcOrd="0" destOrd="0" presId="urn:microsoft.com/office/officeart/2018/5/layout/IconCircleLabelList"/>
+    <dgm:cxn modelId="{A14D5F74-3021-47FB-8524-109464652848}" type="presParOf" srcId="{ACB1713B-0E46-48FF-A0FE-48A45CA76489}" destId="{44B51C49-388C-4EE3-8310-760E752F953E}" srcOrd="0" destOrd="0" presId="urn:microsoft.com/office/officeart/2018/5/layout/IconCircleLabelList"/>
+    <dgm:cxn modelId="{6F26D592-0273-43BA-B6D0-52F34311F4E8}" type="presParOf" srcId="{ACB1713B-0E46-48FF-A0FE-48A45CA76489}" destId="{2E3606F8-6D8F-45D4-B707-64D3C0DE89A8}" srcOrd="1" destOrd="0" presId="urn:microsoft.com/office/officeart/2018/5/layout/IconCircleLabelList"/>
+    <dgm:cxn modelId="{7E264CCC-2588-43FC-BBD6-9377B670C5CC}" type="presParOf" srcId="{ACB1713B-0E46-48FF-A0FE-48A45CA76489}" destId="{F004F8BC-3F5E-4488-A56A-5680EB7F5E42}" srcOrd="2" destOrd="0" presId="urn:microsoft.com/office/officeart/2018/5/layout/IconCircleLabelList"/>
+    <dgm:cxn modelId="{A8EDDC5B-B9D0-4C01-8223-1A5A17729E64}" type="presParOf" srcId="{ACB1713B-0E46-48FF-A0FE-48A45CA76489}" destId="{8B947F41-2CC6-4C2D-9551-D882C50CF817}" srcOrd="3" destOrd="0" presId="urn:microsoft.com/office/officeart/2018/5/layout/IconCircleLabelList"/>
+    <dgm:cxn modelId="{A9C96A8B-FF19-4F5D-ADDD-ED72E6F303D3}" type="presParOf" srcId="{0B08696E-2C1D-4135-844A-99E5595EAD7F}" destId="{CE229550-1552-4264-9F2E-B98E1726CE8D}" srcOrd="1" destOrd="0" presId="urn:microsoft.com/office/officeart/2018/5/layout/IconCircleLabelList"/>
+    <dgm:cxn modelId="{BBC39583-A3EC-4508-B2F1-97E30CF8D963}" type="presParOf" srcId="{0B08696E-2C1D-4135-844A-99E5595EAD7F}" destId="{7914E843-FF7D-446F-A063-D0866C3783EA}" srcOrd="2" destOrd="0" presId="urn:microsoft.com/office/officeart/2018/5/layout/IconCircleLabelList"/>
+    <dgm:cxn modelId="{083228E0-DBCE-4866-AA20-6EB711A8C32B}" type="presParOf" srcId="{7914E843-FF7D-446F-A063-D0866C3783EA}" destId="{942D65E8-7201-4324-AD1F-B4540CDDD538}" srcOrd="0" destOrd="0" presId="urn:microsoft.com/office/officeart/2018/5/layout/IconCircleLabelList"/>
+    <dgm:cxn modelId="{4F08D14A-E0EA-4E36-AE0F-7820F6491009}" type="presParOf" srcId="{7914E843-FF7D-446F-A063-D0866C3783EA}" destId="{BB57D708-2994-48F1-9F64-A7AF8CFF1F96}" srcOrd="1" destOrd="0" presId="urn:microsoft.com/office/officeart/2018/5/layout/IconCircleLabelList"/>
+    <dgm:cxn modelId="{DB57D6D8-AD46-48DD-BAD5-56CF896681B8}" type="presParOf" srcId="{7914E843-FF7D-446F-A063-D0866C3783EA}" destId="{7BC4696B-F14A-496C-8007-9B76E0F9ACC8}" srcOrd="2" destOrd="0" presId="urn:microsoft.com/office/officeart/2018/5/layout/IconCircleLabelList"/>
+    <dgm:cxn modelId="{E58EE9CA-E8DB-4BA3-AE5C-E3146C38044B}" type="presParOf" srcId="{7914E843-FF7D-446F-A063-D0866C3783EA}" destId="{409A4320-D537-4C81-9E8B-1A0060B68181}" srcOrd="3" destOrd="0" presId="urn:microsoft.com/office/officeart/2018/5/layout/IconCircleLabelList"/>
   </dgm:cxnLst>
   <dgm:bg/>
   <dgm:whole/>
@@ -3249,6 +4234,318 @@
 </dsp:drawing>
 </file>
 
+<file path=ppt/diagrams/drawing3.xml><?xml version="1.0" encoding="utf-8"?>
+<dsp:drawing xmlns:dgm="http://schemas.openxmlformats.org/drawingml/2006/diagram" xmlns:dsp="http://schemas.microsoft.com/office/drawing/2008/diagram" xmlns:a="http://schemas.openxmlformats.org/drawingml/2006/main">
+  <dsp:spTree>
+    <dsp:nvGrpSpPr>
+      <dsp:cNvPr id="0" name=""/>
+      <dsp:cNvGrpSpPr/>
+    </dsp:nvGrpSpPr>
+    <dsp:grpSpPr/>
+    <dsp:sp modelId="{44B51C49-388C-4EE3-8310-760E752F953E}">
+      <dsp:nvSpPr>
+        <dsp:cNvPr id="0" name=""/>
+        <dsp:cNvSpPr/>
+      </dsp:nvSpPr>
+      <dsp:spPr>
+        <a:xfrm>
+          <a:off x="2044800" y="375668"/>
+          <a:ext cx="2196000" cy="2196000"/>
+        </a:xfrm>
+        <a:prstGeom prst="ellipse">
+          <a:avLst/>
+        </a:prstGeom>
+        <a:solidFill>
+          <a:schemeClr val="dk2">
+            <a:hueOff val="0"/>
+            <a:satOff val="0"/>
+            <a:lumOff val="0"/>
+            <a:alphaOff val="0"/>
+          </a:schemeClr>
+        </a:solidFill>
+        <a:ln>
+          <a:noFill/>
+        </a:ln>
+        <a:effectLst/>
+      </dsp:spPr>
+      <dsp:style>
+        <a:lnRef idx="0">
+          <a:scrgbClr r="0" g="0" b="0"/>
+        </a:lnRef>
+        <a:fillRef idx="1">
+          <a:scrgbClr r="0" g="0" b="0"/>
+        </a:fillRef>
+        <a:effectRef idx="0">
+          <a:scrgbClr r="0" g="0" b="0"/>
+        </a:effectRef>
+        <a:fontRef idx="minor"/>
+      </dsp:style>
+    </dsp:sp>
+    <dsp:sp modelId="{2E3606F8-6D8F-45D4-B707-64D3C0DE89A8}">
+      <dsp:nvSpPr>
+        <dsp:cNvPr id="0" name=""/>
+        <dsp:cNvSpPr/>
+      </dsp:nvSpPr>
+      <dsp:spPr>
+        <a:xfrm>
+          <a:off x="2512800" y="843669"/>
+          <a:ext cx="1260000" cy="1260000"/>
+        </a:xfrm>
+        <a:prstGeom prst="rect">
+          <a:avLst/>
+        </a:prstGeom>
+        <a:blipFill>
+          <a:blip xmlns:r="http://schemas.openxmlformats.org/officeDocument/2006/relationships" r:embed="rId1">
+            <a:extLst>
+              <a:ext uri="{28A0092B-C50C-407E-A947-70E740481C1C}">
+                <a14:useLocalDpi xmlns:a14="http://schemas.microsoft.com/office/drawing/2010/main" val="0"/>
+              </a:ext>
+              <a:ext uri="{96DAC541-7B7A-43D3-8B79-37D633B846F1}">
+                <asvg:svgBlip xmlns:asvg="http://schemas.microsoft.com/office/drawing/2016/SVG/main" r:embed="rId2"/>
+              </a:ext>
+            </a:extLst>
+          </a:blip>
+          <a:stretch>
+            <a:fillRect/>
+          </a:stretch>
+        </a:blipFill>
+        <a:ln w="12700" cap="flat" cmpd="sng" algn="ctr">
+          <a:noFill/>
+          <a:prstDash val="solid"/>
+          <a:miter lim="800000"/>
+        </a:ln>
+        <a:effectLst/>
+      </dsp:spPr>
+      <dsp:style>
+        <a:lnRef idx="2">
+          <a:scrgbClr r="0" g="0" b="0"/>
+        </a:lnRef>
+        <a:fillRef idx="1">
+          <a:scrgbClr r="0" g="0" b="0"/>
+        </a:fillRef>
+        <a:effectRef idx="0">
+          <a:scrgbClr r="0" g="0" b="0"/>
+        </a:effectRef>
+        <a:fontRef idx="minor">
+          <a:schemeClr val="lt1"/>
+        </a:fontRef>
+      </dsp:style>
+    </dsp:sp>
+    <dsp:sp modelId="{8B947F41-2CC6-4C2D-9551-D882C50CF817}">
+      <dsp:nvSpPr>
+        <dsp:cNvPr id="0" name=""/>
+        <dsp:cNvSpPr/>
+      </dsp:nvSpPr>
+      <dsp:spPr>
+        <a:xfrm>
+          <a:off x="1342800" y="3255669"/>
+          <a:ext cx="3600000" cy="720000"/>
+        </a:xfrm>
+        <a:prstGeom prst="rect">
+          <a:avLst/>
+        </a:prstGeom>
+        <a:noFill/>
+        <a:ln>
+          <a:noFill/>
+        </a:ln>
+        <a:effectLst/>
+      </dsp:spPr>
+      <dsp:style>
+        <a:lnRef idx="0">
+          <a:scrgbClr r="0" g="0" b="0"/>
+        </a:lnRef>
+        <a:fillRef idx="0">
+          <a:scrgbClr r="0" g="0" b="0"/>
+        </a:fillRef>
+        <a:effectRef idx="0">
+          <a:scrgbClr r="0" g="0" b="0"/>
+        </a:effectRef>
+        <a:fontRef idx="minor"/>
+      </dsp:style>
+      <dsp:txBody>
+        <a:bodyPr spcFirstLastPara="0" vert="horz" wrap="square" lIns="0" tIns="0" rIns="0" bIns="0" numCol="1" spcCol="1270" anchor="t" anchorCtr="0">
+          <a:noAutofit/>
+        </a:bodyPr>
+        <a:lstStyle/>
+        <a:p>
+          <a:pPr marL="0" lvl="0" indent="0" algn="ctr" defTabSz="1911350">
+            <a:lnSpc>
+              <a:spcPct val="90000"/>
+            </a:lnSpc>
+            <a:spcBef>
+              <a:spcPct val="0"/>
+            </a:spcBef>
+            <a:spcAft>
+              <a:spcPct val="35000"/>
+            </a:spcAft>
+            <a:buNone/>
+            <a:defRPr cap="all"/>
+          </a:pPr>
+          <a:r>
+            <a:rPr lang="en-US" sz="4300" kern="1200"/>
+            <a:t>HTTP API</a:t>
+          </a:r>
+        </a:p>
+      </dsp:txBody>
+      <dsp:txXfrm>
+        <a:off x="1342800" y="3255669"/>
+        <a:ext cx="3600000" cy="720000"/>
+      </dsp:txXfrm>
+    </dsp:sp>
+    <dsp:sp modelId="{942D65E8-7201-4324-AD1F-B4540CDDD538}">
+      <dsp:nvSpPr>
+        <dsp:cNvPr id="0" name=""/>
+        <dsp:cNvSpPr/>
+      </dsp:nvSpPr>
+      <dsp:spPr>
+        <a:xfrm>
+          <a:off x="6274800" y="375668"/>
+          <a:ext cx="2196000" cy="2196000"/>
+        </a:xfrm>
+        <a:prstGeom prst="ellipse">
+          <a:avLst/>
+        </a:prstGeom>
+        <a:solidFill>
+          <a:schemeClr val="dk2">
+            <a:hueOff val="0"/>
+            <a:satOff val="0"/>
+            <a:lumOff val="0"/>
+            <a:alphaOff val="0"/>
+          </a:schemeClr>
+        </a:solidFill>
+        <a:ln>
+          <a:noFill/>
+        </a:ln>
+        <a:effectLst/>
+      </dsp:spPr>
+      <dsp:style>
+        <a:lnRef idx="0">
+          <a:scrgbClr r="0" g="0" b="0"/>
+        </a:lnRef>
+        <a:fillRef idx="1">
+          <a:scrgbClr r="0" g="0" b="0"/>
+        </a:fillRef>
+        <a:effectRef idx="0">
+          <a:scrgbClr r="0" g="0" b="0"/>
+        </a:effectRef>
+        <a:fontRef idx="minor"/>
+      </dsp:style>
+    </dsp:sp>
+    <dsp:sp modelId="{BB57D708-2994-48F1-9F64-A7AF8CFF1F96}">
+      <dsp:nvSpPr>
+        <dsp:cNvPr id="0" name=""/>
+        <dsp:cNvSpPr/>
+      </dsp:nvSpPr>
+      <dsp:spPr>
+        <a:xfrm>
+          <a:off x="6742800" y="843669"/>
+          <a:ext cx="1260000" cy="1260000"/>
+        </a:xfrm>
+        <a:prstGeom prst="rect">
+          <a:avLst/>
+        </a:prstGeom>
+        <a:blipFill>
+          <a:blip xmlns:r="http://schemas.openxmlformats.org/officeDocument/2006/relationships" r:embed="rId3">
+            <a:extLst>
+              <a:ext uri="{28A0092B-C50C-407E-A947-70E740481C1C}">
+                <a14:useLocalDpi xmlns:a14="http://schemas.microsoft.com/office/drawing/2010/main" val="0"/>
+              </a:ext>
+              <a:ext uri="{96DAC541-7B7A-43D3-8B79-37D633B846F1}">
+                <asvg:svgBlip xmlns:asvg="http://schemas.microsoft.com/office/drawing/2016/SVG/main" r:embed="rId4"/>
+              </a:ext>
+            </a:extLst>
+          </a:blip>
+          <a:stretch>
+            <a:fillRect/>
+          </a:stretch>
+        </a:blipFill>
+        <a:ln w="12700" cap="flat" cmpd="sng" algn="ctr">
+          <a:noFill/>
+          <a:prstDash val="solid"/>
+          <a:miter lim="800000"/>
+        </a:ln>
+        <a:effectLst/>
+      </dsp:spPr>
+      <dsp:style>
+        <a:lnRef idx="2">
+          <a:scrgbClr r="0" g="0" b="0"/>
+        </a:lnRef>
+        <a:fillRef idx="1">
+          <a:scrgbClr r="0" g="0" b="0"/>
+        </a:fillRef>
+        <a:effectRef idx="0">
+          <a:scrgbClr r="0" g="0" b="0"/>
+        </a:effectRef>
+        <a:fontRef idx="minor">
+          <a:schemeClr val="lt1"/>
+        </a:fontRef>
+      </dsp:style>
+    </dsp:sp>
+    <dsp:sp modelId="{409A4320-D537-4C81-9E8B-1A0060B68181}">
+      <dsp:nvSpPr>
+        <dsp:cNvPr id="0" name=""/>
+        <dsp:cNvSpPr/>
+      </dsp:nvSpPr>
+      <dsp:spPr>
+        <a:xfrm>
+          <a:off x="5572800" y="3255669"/>
+          <a:ext cx="3600000" cy="720000"/>
+        </a:xfrm>
+        <a:prstGeom prst="rect">
+          <a:avLst/>
+        </a:prstGeom>
+        <a:noFill/>
+        <a:ln>
+          <a:noFill/>
+        </a:ln>
+        <a:effectLst/>
+      </dsp:spPr>
+      <dsp:style>
+        <a:lnRef idx="0">
+          <a:scrgbClr r="0" g="0" b="0"/>
+        </a:lnRef>
+        <a:fillRef idx="0">
+          <a:scrgbClr r="0" g="0" b="0"/>
+        </a:fillRef>
+        <a:effectRef idx="0">
+          <a:scrgbClr r="0" g="0" b="0"/>
+        </a:effectRef>
+        <a:fontRef idx="minor"/>
+      </dsp:style>
+      <dsp:txBody>
+        <a:bodyPr spcFirstLastPara="0" vert="horz" wrap="square" lIns="0" tIns="0" rIns="0" bIns="0" numCol="1" spcCol="1270" anchor="t" anchorCtr="0">
+          <a:noAutofit/>
+        </a:bodyPr>
+        <a:lstStyle/>
+        <a:p>
+          <a:pPr marL="0" lvl="0" indent="0" algn="ctr" defTabSz="1911350">
+            <a:lnSpc>
+              <a:spcPct val="90000"/>
+            </a:lnSpc>
+            <a:spcBef>
+              <a:spcPct val="0"/>
+            </a:spcBef>
+            <a:spcAft>
+              <a:spcPct val="35000"/>
+            </a:spcAft>
+            <a:buNone/>
+            <a:defRPr cap="all"/>
+          </a:pPr>
+          <a:r>
+            <a:rPr lang="en-US" sz="4300" kern="1200"/>
+            <a:t>JSON over UDP</a:t>
+          </a:r>
+        </a:p>
+      </dsp:txBody>
+      <dsp:txXfrm>
+        <a:off x="5572800" y="3255669"/>
+        <a:ext cx="3600000" cy="720000"/>
+      </dsp:txXfrm>
+    </dsp:sp>
+  </dsp:spTree>
+</dsp:drawing>
+</file>
+
 <file path=ppt/diagrams/layout1.xml><?xml version="1.0" encoding="utf-8"?>
 <dgm:layoutDef xmlns:dgm="http://schemas.openxmlformats.org/drawingml/2006/diagram" xmlns:a="http://schemas.openxmlformats.org/drawingml/2006/main" uniqueId="urn:microsoft.com/office/officeart/2018/2/layout/IconVerticalSolidList">
   <dgm:title val="Icon Vertical Solid List"/>
@@ -3768,6 +5065,221 @@
 </dgm:layoutDef>
 </file>
 
+<file path=ppt/diagrams/layout3.xml><?xml version="1.0" encoding="utf-8"?>
+<dgm:layoutDef xmlns:dgm="http://schemas.openxmlformats.org/drawingml/2006/diagram" xmlns:a="http://schemas.openxmlformats.org/drawingml/2006/main" uniqueId="urn:microsoft.com/office/officeart/2018/5/layout/IconCircleLabelList">
+  <dgm:title val="Icon Circle Label List"/>
+  <dgm:desc val="Use to show non-sequential or grouped chunks of information accompanied by a related visuals. Works best with icons or small pictures with short text captions."/>
+  <dgm:catLst>
+    <dgm:cat type="icon" pri="500"/>
+  </dgm:catLst>
+  <dgm:sampData useDef="1">
+    <dgm:dataModel>
+      <dgm:ptLst/>
+      <dgm:bg/>
+      <dgm:whole/>
+    </dgm:dataModel>
+  </dgm:sampData>
+  <dgm:styleData useDef="1">
+    <dgm:dataModel>
+      <dgm:ptLst/>
+      <dgm:bg/>
+      <dgm:whole/>
+    </dgm:dataModel>
+  </dgm:styleData>
+  <dgm:clrData useDef="1">
+    <dgm:dataModel>
+      <dgm:ptLst/>
+      <dgm:bg/>
+      <dgm:whole/>
+    </dgm:dataModel>
+  </dgm:clrData>
+  <dgm:layoutNode name="root">
+    <dgm:varLst>
+      <dgm:dir/>
+      <dgm:resizeHandles val="exact"/>
+    </dgm:varLst>
+    <dgm:choose name="Name0">
+      <dgm:if name="Name1" axis="self" func="var" arg="dir" op="equ" val="norm">
+        <dgm:alg type="snake">
+          <dgm:param type="grDir" val="tL"/>
+          <dgm:param type="flowDir" val="row"/>
+          <dgm:param type="contDir" val="sameDir"/>
+          <dgm:param type="off" val="ctr"/>
+          <dgm:param type="vertAlign" val="mid"/>
+          <dgm:param type="horzAlign" val="ctr"/>
+        </dgm:alg>
+      </dgm:if>
+      <dgm:else name="Name2">
+        <dgm:alg type="snake">
+          <dgm:param type="grDir" val="tR"/>
+          <dgm:param type="flowDir" val="row"/>
+          <dgm:param type="contDir" val="sameDir"/>
+          <dgm:param type="off" val="ctr"/>
+          <dgm:param type="vertAlign" val="mid"/>
+          <dgm:param type="horzAlign" val="ctr"/>
+        </dgm:alg>
+      </dgm:else>
+    </dgm:choose>
+    <dgm:shape xmlns:r="http://schemas.openxmlformats.org/officeDocument/2006/relationships" r:blip="">
+      <dgm:adjLst/>
+    </dgm:shape>
+    <dgm:presOf/>
+    <dgm:choose name="Name3">
+      <dgm:if name="Name4" axis="ch" ptType="node" func="cnt" op="lte" val="2">
+        <dgm:constrLst>
+          <dgm:constr type="h" for="ch" forName="compNode" refType="h" fact="0.4"/>
+          <dgm:constr type="w" for="ch" forName="compNode" val="100"/>
+          <dgm:constr type="w" for="ch" forName="sibTrans" refType="w" refFor="ch" refForName="compNode" fact="0.175"/>
+          <dgm:constr type="sp" refType="w" refFor="ch" refForName="compNode" op="equ" fact="0.25"/>
+          <dgm:constr type="primFontSz" for="des" ptType="node" op="equ" val="44"/>
+          <dgm:constr type="h" for="des" forName="compNode" op="equ"/>
+          <dgm:constr type="h" for="des" forName="textRect" op="equ"/>
+        </dgm:constrLst>
+      </dgm:if>
+      <dgm:if name="Name5" axis="ch" ptType="node" func="cnt" op="lte" val="3">
+        <dgm:constrLst>
+          <dgm:constr type="h" for="ch" forName="compNode" refType="h" fact="0.4"/>
+          <dgm:constr type="w" for="ch" forName="compNode" val="100"/>
+          <dgm:constr type="w" for="ch" forName="sibTrans" refType="w" refFor="ch" refForName="compNode" fact="0.175"/>
+          <dgm:constr type="sp" refType="w" refFor="ch" refForName="compNode" op="equ" fact="0.25"/>
+          <dgm:constr type="primFontSz" for="des" ptType="node" op="equ" val="40"/>
+          <dgm:constr type="h" for="des" forName="compNode" op="equ"/>
+          <dgm:constr type="h" for="des" forName="textRect" op="equ"/>
+        </dgm:constrLst>
+      </dgm:if>
+      <dgm:if name="Name6" axis="ch" ptType="node" func="cnt" op="lte" val="4">
+        <dgm:constrLst>
+          <dgm:constr type="h" for="ch" forName="compNode" refType="h" fact="0.4"/>
+          <dgm:constr type="w" for="ch" forName="compNode" refType="w"/>
+          <dgm:constr type="w" for="ch" forName="sibTrans" refType="w" refFor="ch" refForName="compNode" fact="0.175"/>
+          <dgm:constr type="sp" refType="w" refFor="ch" refForName="compNode" op="equ" fact="0.25"/>
+          <dgm:constr type="primFontSz" for="des" ptType="node" op="equ" val="32"/>
+          <dgm:constr type="h" for="des" forName="compNode" op="equ"/>
+          <dgm:constr type="h" for="des" forName="textRect" op="equ"/>
+        </dgm:constrLst>
+      </dgm:if>
+      <dgm:else name="Name7">
+        <dgm:constrLst>
+          <dgm:constr type="h" for="ch" forName="compNode" refType="h" fact="0.4"/>
+          <dgm:constr type="w" for="ch" forName="compNode" refType="w"/>
+          <dgm:constr type="w" for="ch" forName="sibTrans" refType="w" refFor="ch" refForName="compNode" fact="0.175"/>
+          <dgm:constr type="sp" refType="w" refFor="ch" refForName="compNode" op="equ" fact="0.25"/>
+          <dgm:constr type="primFontSz" for="des" ptType="node" op="equ" val="24"/>
+          <dgm:constr type="h" for="des" forName="compNode" op="equ"/>
+          <dgm:constr type="h" for="des" forName="textRect" op="equ"/>
+        </dgm:constrLst>
+      </dgm:else>
+    </dgm:choose>
+    <dgm:ruleLst>
+      <dgm:rule type="w" for="ch" forName="compNode" val="50" fact="NaN" max="NaN"/>
+    </dgm:ruleLst>
+    <dgm:forEach name="Name8" axis="ch" ptType="node">
+      <dgm:layoutNode name="compNode">
+        <dgm:alg type="composite"/>
+        <dgm:shape xmlns:r="http://schemas.openxmlformats.org/officeDocument/2006/relationships" r:blip="">
+          <dgm:adjLst/>
+        </dgm:shape>
+        <dgm:presOf axis="self"/>
+        <dgm:constrLst>
+          <dgm:constr type="w" for="ch" forName="iconBgRect" refType="w" fact="0.61"/>
+          <dgm:constr type="h" for="ch" forName="iconBgRect" refType="w" refFor="ch" refForName="iconBgRect"/>
+          <dgm:constr type="t" for="ch" forName="iconBgRect"/>
+          <dgm:constr type="ctrX" for="ch" forName="iconBgRect" refType="w" fact="0.5"/>
+          <dgm:constr type="w" for="ch" forName="iconRect" refType="w" fact="0.35"/>
+          <dgm:constr type="h" for="ch" forName="iconRect" refType="w" refFor="ch" refForName="iconRect"/>
+          <dgm:constr type="ctrX" for="ch" forName="iconRect" refType="ctrX" refFor="ch" refForName="iconBgRect"/>
+          <dgm:constr type="ctrY" for="ch" forName="iconRect" refType="ctrY" refFor="ch" refForName="iconBgRect"/>
+          <dgm:constr type="h" for="ch" forName="spaceRect" refType="w" fact="0.19"/>
+          <dgm:constr type="w" for="ch" forName="spaceRect" refType="w"/>
+          <dgm:constr type="l" for="ch" forName="spaceRect"/>
+          <dgm:constr type="t" for="ch" forName="spaceRect" refType="b" refFor="ch" refForName="iconBgRect"/>
+          <dgm:constr type="h" for="ch" forName="textRect" val="20"/>
+          <dgm:constr type="w" for="ch" forName="textRect" refType="w"/>
+          <dgm:constr type="l" for="ch" forName="textRect"/>
+          <dgm:constr type="t" for="ch" forName="textRect" refType="b" refFor="ch" refForName="spaceRect"/>
+        </dgm:constrLst>
+        <dgm:ruleLst>
+          <dgm:rule type="h" val="INF" fact="NaN" max="NaN"/>
+        </dgm:ruleLst>
+        <dgm:layoutNode name="iconBgRect" styleLbl="bgShp">
+          <dgm:alg type="sp"/>
+          <dgm:shape xmlns:r="http://schemas.openxmlformats.org/officeDocument/2006/relationships" type="ellipse" r:blip="">
+            <dgm:adjLst/>
+          </dgm:shape>
+          <dgm:presOf/>
+          <dgm:constrLst/>
+          <dgm:ruleLst/>
+        </dgm:layoutNode>
+        <dgm:layoutNode name="iconRect" styleLbl="node1">
+          <dgm:alg type="sp"/>
+          <dgm:shape xmlns:r="http://schemas.openxmlformats.org/officeDocument/2006/relationships" type="rect" r:blip="" blipPhldr="1">
+            <dgm:adjLst/>
+          </dgm:shape>
+          <dgm:presOf/>
+          <dgm:constrLst/>
+          <dgm:ruleLst/>
+        </dgm:layoutNode>
+        <dgm:layoutNode name="spaceRect">
+          <dgm:alg type="sp"/>
+          <dgm:shape xmlns:r="http://schemas.openxmlformats.org/officeDocument/2006/relationships" r:blip="">
+            <dgm:adjLst/>
+          </dgm:shape>
+          <dgm:presOf/>
+          <dgm:constrLst/>
+          <dgm:ruleLst/>
+        </dgm:layoutNode>
+        <dgm:layoutNode name="textRect" styleLbl="revTx">
+          <dgm:varLst>
+            <dgm:chMax val="1"/>
+            <dgm:chPref val="1"/>
+          </dgm:varLst>
+          <dgm:alg type="tx">
+            <dgm:param type="txAnchorVert" val="t"/>
+          </dgm:alg>
+          <dgm:shape xmlns:r="http://schemas.openxmlformats.org/officeDocument/2006/relationships" type="rect" r:blip="">
+            <dgm:adjLst/>
+          </dgm:shape>
+          <dgm:presOf axis="self" ptType="node"/>
+          <dgm:constrLst>
+            <dgm:constr type="lMarg"/>
+            <dgm:constr type="rMarg"/>
+            <dgm:constr type="tMarg"/>
+            <dgm:constr type="bMarg"/>
+          </dgm:constrLst>
+          <dgm:ruleLst>
+            <dgm:rule type="primFontSz" val="11" fact="NaN" max="NaN"/>
+            <dgm:rule type="h" val="INF" fact="NaN" max="NaN"/>
+          </dgm:ruleLst>
+        </dgm:layoutNode>
+      </dgm:layoutNode>
+      <dgm:forEach name="Name9" axis="followSib" ptType="sibTrans" cnt="1">
+        <dgm:layoutNode name="sibTrans">
+          <dgm:alg type="sp"/>
+          <dgm:shape xmlns:r="http://schemas.openxmlformats.org/officeDocument/2006/relationships" r:blip="">
+            <dgm:adjLst/>
+          </dgm:shape>
+          <dgm:presOf axis="self"/>
+          <dgm:constrLst/>
+          <dgm:ruleLst/>
+        </dgm:layoutNode>
+      </dgm:forEach>
+    </dgm:forEach>
+  </dgm:layoutNode>
+  <dgm:extLst>
+    <a:ext uri="{68A01E43-0DF5-4B5B-8FA6-DAF915123BFB}">
+      <dgm1612:lstStyle xmlns:dgm1612="http://schemas.microsoft.com/office/drawing/2016/12/diagram">
+        <a:lvl1pPr>
+          <a:lnSpc>
+            <a:spcPct val="100000"/>
+          </a:lnSpc>
+          <a:defRPr cap="all"/>
+        </a:lvl1pPr>
+      </dgm1612:lstStyle>
+    </a:ext>
+  </dgm:extLst>
+</dgm:layoutDef>
+</file>
+
 <file path=ppt/diagrams/quickStyle1.xml><?xml version="1.0" encoding="utf-8"?>
 <dgm:styleDef xmlns:dgm="http://schemas.openxmlformats.org/drawingml/2006/diagram" xmlns:a="http://schemas.openxmlformats.org/drawingml/2006/main" uniqueId="urn:microsoft.com/office/officeart/2005/8/quickstyle/simple1">
   <dgm:title val=""/>
@@ -4803,6 +6315,1040 @@
 </file>
 
 <file path=ppt/diagrams/quickStyle2.xml><?xml version="1.0" encoding="utf-8"?>
+<dgm:styleDef xmlns:dgm="http://schemas.openxmlformats.org/drawingml/2006/diagram" xmlns:a="http://schemas.openxmlformats.org/drawingml/2006/main" uniqueId="urn:microsoft.com/office/officeart/2005/8/quickstyle/simple1">
+  <dgm:title val=""/>
+  <dgm:desc val=""/>
+  <dgm:catLst>
+    <dgm:cat type="simple" pri="10100"/>
+  </dgm:catLst>
+  <dgm:scene3d>
+    <a:camera prst="orthographicFront"/>
+    <a:lightRig rig="threePt" dir="t"/>
+  </dgm:scene3d>
+  <dgm:styleLbl name="node0">
+    <dgm:scene3d>
+      <a:camera prst="orthographicFront"/>
+      <a:lightRig rig="threePt" dir="t"/>
+    </dgm:scene3d>
+    <dgm:sp3d/>
+    <dgm:txPr/>
+    <dgm:style>
+      <a:lnRef idx="2">
+        <a:scrgbClr r="0" g="0" b="0"/>
+      </a:lnRef>
+      <a:fillRef idx="1">
+        <a:scrgbClr r="0" g="0" b="0"/>
+      </a:fillRef>
+      <a:effectRef idx="0">
+        <a:scrgbClr r="0" g="0" b="0"/>
+      </a:effectRef>
+      <a:fontRef idx="minor">
+        <a:schemeClr val="lt1"/>
+      </a:fontRef>
+    </dgm:style>
+  </dgm:styleLbl>
+  <dgm:styleLbl name="lnNode1">
+    <dgm:scene3d>
+      <a:camera prst="orthographicFront"/>
+      <a:lightRig rig="threePt" dir="t"/>
+    </dgm:scene3d>
+    <dgm:sp3d/>
+    <dgm:txPr/>
+    <dgm:style>
+      <a:lnRef idx="2">
+        <a:scrgbClr r="0" g="0" b="0"/>
+      </a:lnRef>
+      <a:fillRef idx="1">
+        <a:scrgbClr r="0" g="0" b="0"/>
+      </a:fillRef>
+      <a:effectRef idx="0">
+        <a:scrgbClr r="0" g="0" b="0"/>
+      </a:effectRef>
+      <a:fontRef idx="minor">
+        <a:schemeClr val="lt1"/>
+      </a:fontRef>
+    </dgm:style>
+  </dgm:styleLbl>
+  <dgm:styleLbl name="vennNode1">
+    <dgm:scene3d>
+      <a:camera prst="orthographicFront"/>
+      <a:lightRig rig="threePt" dir="t"/>
+    </dgm:scene3d>
+    <dgm:sp3d/>
+    <dgm:txPr/>
+    <dgm:style>
+      <a:lnRef idx="2">
+        <a:scrgbClr r="0" g="0" b="0"/>
+      </a:lnRef>
+      <a:fillRef idx="1">
+        <a:scrgbClr r="0" g="0" b="0"/>
+      </a:fillRef>
+      <a:effectRef idx="0">
+        <a:scrgbClr r="0" g="0" b="0"/>
+      </a:effectRef>
+      <a:fontRef idx="minor">
+        <a:schemeClr val="tx1"/>
+      </a:fontRef>
+    </dgm:style>
+  </dgm:styleLbl>
+  <dgm:styleLbl name="alignNode1">
+    <dgm:scene3d>
+      <a:camera prst="orthographicFront"/>
+      <a:lightRig rig="threePt" dir="t"/>
+    </dgm:scene3d>
+    <dgm:sp3d/>
+    <dgm:txPr/>
+    <dgm:style>
+      <a:lnRef idx="2">
+        <a:scrgbClr r="0" g="0" b="0"/>
+      </a:lnRef>
+      <a:fillRef idx="1">
+        <a:scrgbClr r="0" g="0" b="0"/>
+      </a:fillRef>
+      <a:effectRef idx="0">
+        <a:scrgbClr r="0" g="0" b="0"/>
+      </a:effectRef>
+      <a:fontRef idx="minor">
+        <a:schemeClr val="lt1"/>
+      </a:fontRef>
+    </dgm:style>
+  </dgm:styleLbl>
+  <dgm:styleLbl name="node1">
+    <dgm:scene3d>
+      <a:camera prst="orthographicFront"/>
+      <a:lightRig rig="threePt" dir="t"/>
+    </dgm:scene3d>
+    <dgm:sp3d/>
+    <dgm:txPr/>
+    <dgm:style>
+      <a:lnRef idx="2">
+        <a:scrgbClr r="0" g="0" b="0"/>
+      </a:lnRef>
+      <a:fillRef idx="1">
+        <a:scrgbClr r="0" g="0" b="0"/>
+      </a:fillRef>
+      <a:effectRef idx="0">
+        <a:scrgbClr r="0" g="0" b="0"/>
+      </a:effectRef>
+      <a:fontRef idx="minor">
+        <a:schemeClr val="lt1"/>
+      </a:fontRef>
+    </dgm:style>
+  </dgm:styleLbl>
+  <dgm:styleLbl name="node2">
+    <dgm:scene3d>
+      <a:camera prst="orthographicFront"/>
+      <a:lightRig rig="threePt" dir="t"/>
+    </dgm:scene3d>
+    <dgm:sp3d/>
+    <dgm:txPr/>
+    <dgm:style>
+      <a:lnRef idx="2">
+        <a:scrgbClr r="0" g="0" b="0"/>
+      </a:lnRef>
+      <a:fillRef idx="1">
+        <a:scrgbClr r="0" g="0" b="0"/>
+      </a:fillRef>
+      <a:effectRef idx="0">
+        <a:scrgbClr r="0" g="0" b="0"/>
+      </a:effectRef>
+      <a:fontRef idx="minor">
+        <a:schemeClr val="lt1"/>
+      </a:fontRef>
+    </dgm:style>
+  </dgm:styleLbl>
+  <dgm:styleLbl name="node3">
+    <dgm:scene3d>
+      <a:camera prst="orthographicFront"/>
+      <a:lightRig rig="threePt" dir="t"/>
+    </dgm:scene3d>
+    <dgm:sp3d/>
+    <dgm:txPr/>
+    <dgm:style>
+      <a:lnRef idx="2">
+        <a:scrgbClr r="0" g="0" b="0"/>
+      </a:lnRef>
+      <a:fillRef idx="1">
+        <a:scrgbClr r="0" g="0" b="0"/>
+      </a:fillRef>
+      <a:effectRef idx="0">
+        <a:scrgbClr r="0" g="0" b="0"/>
+      </a:effectRef>
+      <a:fontRef idx="minor">
+        <a:schemeClr val="lt1"/>
+      </a:fontRef>
+    </dgm:style>
+  </dgm:styleLbl>
+  <dgm:styleLbl name="node4">
+    <dgm:scene3d>
+      <a:camera prst="orthographicFront"/>
+      <a:lightRig rig="threePt" dir="t"/>
+    </dgm:scene3d>
+    <dgm:sp3d/>
+    <dgm:txPr/>
+    <dgm:style>
+      <a:lnRef idx="2">
+        <a:scrgbClr r="0" g="0" b="0"/>
+      </a:lnRef>
+      <a:fillRef idx="1">
+        <a:scrgbClr r="0" g="0" b="0"/>
+      </a:fillRef>
+      <a:effectRef idx="0">
+        <a:scrgbClr r="0" g="0" b="0"/>
+      </a:effectRef>
+      <a:fontRef idx="minor">
+        <a:schemeClr val="lt1"/>
+      </a:fontRef>
+    </dgm:style>
+  </dgm:styleLbl>
+  <dgm:styleLbl name="fgImgPlace1">
+    <dgm:scene3d>
+      <a:camera prst="orthographicFront"/>
+      <a:lightRig rig="threePt" dir="t"/>
+    </dgm:scene3d>
+    <dgm:sp3d/>
+    <dgm:txPr/>
+    <dgm:style>
+      <a:lnRef idx="2">
+        <a:scrgbClr r="0" g="0" b="0"/>
+      </a:lnRef>
+      <a:fillRef idx="1">
+        <a:scrgbClr r="0" g="0" b="0"/>
+      </a:fillRef>
+      <a:effectRef idx="0">
+        <a:scrgbClr r="0" g="0" b="0"/>
+      </a:effectRef>
+      <a:fontRef idx="minor"/>
+    </dgm:style>
+  </dgm:styleLbl>
+  <dgm:styleLbl name="alignImgPlace1">
+    <dgm:scene3d>
+      <a:camera prst="orthographicFront"/>
+      <a:lightRig rig="threePt" dir="t"/>
+    </dgm:scene3d>
+    <dgm:sp3d/>
+    <dgm:txPr/>
+    <dgm:style>
+      <a:lnRef idx="2">
+        <a:scrgbClr r="0" g="0" b="0"/>
+      </a:lnRef>
+      <a:fillRef idx="1">
+        <a:scrgbClr r="0" g="0" b="0"/>
+      </a:fillRef>
+      <a:effectRef idx="0">
+        <a:scrgbClr r="0" g="0" b="0"/>
+      </a:effectRef>
+      <a:fontRef idx="minor"/>
+    </dgm:style>
+  </dgm:styleLbl>
+  <dgm:styleLbl name="bgImgPlace1">
+    <dgm:scene3d>
+      <a:camera prst="orthographicFront"/>
+      <a:lightRig rig="threePt" dir="t"/>
+    </dgm:scene3d>
+    <dgm:sp3d/>
+    <dgm:txPr/>
+    <dgm:style>
+      <a:lnRef idx="2">
+        <a:scrgbClr r="0" g="0" b="0"/>
+      </a:lnRef>
+      <a:fillRef idx="1">
+        <a:scrgbClr r="0" g="0" b="0"/>
+      </a:fillRef>
+      <a:effectRef idx="0">
+        <a:scrgbClr r="0" g="0" b="0"/>
+      </a:effectRef>
+      <a:fontRef idx="minor"/>
+    </dgm:style>
+  </dgm:styleLbl>
+  <dgm:styleLbl name="sibTrans2D1">
+    <dgm:scene3d>
+      <a:camera prst="orthographicFront"/>
+      <a:lightRig rig="threePt" dir="t"/>
+    </dgm:scene3d>
+    <dgm:sp3d/>
+    <dgm:txPr/>
+    <dgm:style>
+      <a:lnRef idx="0">
+        <a:scrgbClr r="0" g="0" b="0"/>
+      </a:lnRef>
+      <a:fillRef idx="1">
+        <a:scrgbClr r="0" g="0" b="0"/>
+      </a:fillRef>
+      <a:effectRef idx="0">
+        <a:scrgbClr r="0" g="0" b="0"/>
+      </a:effectRef>
+      <a:fontRef idx="minor">
+        <a:schemeClr val="lt1"/>
+      </a:fontRef>
+    </dgm:style>
+  </dgm:styleLbl>
+  <dgm:styleLbl name="fgSibTrans2D1">
+    <dgm:scene3d>
+      <a:camera prst="orthographicFront"/>
+      <a:lightRig rig="threePt" dir="t"/>
+    </dgm:scene3d>
+    <dgm:sp3d/>
+    <dgm:txPr/>
+    <dgm:style>
+      <a:lnRef idx="0">
+        <a:scrgbClr r="0" g="0" b="0"/>
+      </a:lnRef>
+      <a:fillRef idx="1">
+        <a:scrgbClr r="0" g="0" b="0"/>
+      </a:fillRef>
+      <a:effectRef idx="0">
+        <a:scrgbClr r="0" g="0" b="0"/>
+      </a:effectRef>
+      <a:fontRef idx="minor">
+        <a:schemeClr val="lt1"/>
+      </a:fontRef>
+    </dgm:style>
+  </dgm:styleLbl>
+  <dgm:styleLbl name="bgSibTrans2D1">
+    <dgm:scene3d>
+      <a:camera prst="orthographicFront"/>
+      <a:lightRig rig="threePt" dir="t"/>
+    </dgm:scene3d>
+    <dgm:sp3d/>
+    <dgm:txPr/>
+    <dgm:style>
+      <a:lnRef idx="0">
+        <a:scrgbClr r="0" g="0" b="0"/>
+      </a:lnRef>
+      <a:fillRef idx="1">
+        <a:scrgbClr r="0" g="0" b="0"/>
+      </a:fillRef>
+      <a:effectRef idx="0">
+        <a:scrgbClr r="0" g="0" b="0"/>
+      </a:effectRef>
+      <a:fontRef idx="minor">
+        <a:schemeClr val="lt1"/>
+      </a:fontRef>
+    </dgm:style>
+  </dgm:styleLbl>
+  <dgm:styleLbl name="sibTrans1D1">
+    <dgm:scene3d>
+      <a:camera prst="orthographicFront"/>
+      <a:lightRig rig="threePt" dir="t"/>
+    </dgm:scene3d>
+    <dgm:sp3d/>
+    <dgm:txPr/>
+    <dgm:style>
+      <a:lnRef idx="1">
+        <a:scrgbClr r="0" g="0" b="0"/>
+      </a:lnRef>
+      <a:fillRef idx="0">
+        <a:scrgbClr r="0" g="0" b="0"/>
+      </a:fillRef>
+      <a:effectRef idx="0">
+        <a:scrgbClr r="0" g="0" b="0"/>
+      </a:effectRef>
+      <a:fontRef idx="minor"/>
+    </dgm:style>
+  </dgm:styleLbl>
+  <dgm:styleLbl name="callout">
+    <dgm:scene3d>
+      <a:camera prst="orthographicFront"/>
+      <a:lightRig rig="threePt" dir="t"/>
+    </dgm:scene3d>
+    <dgm:sp3d/>
+    <dgm:txPr/>
+    <dgm:style>
+      <a:lnRef idx="2">
+        <a:scrgbClr r="0" g="0" b="0"/>
+      </a:lnRef>
+      <a:fillRef idx="1">
+        <a:scrgbClr r="0" g="0" b="0"/>
+      </a:fillRef>
+      <a:effectRef idx="0">
+        <a:scrgbClr r="0" g="0" b="0"/>
+      </a:effectRef>
+      <a:fontRef idx="minor"/>
+    </dgm:style>
+  </dgm:styleLbl>
+  <dgm:styleLbl name="asst0">
+    <dgm:scene3d>
+      <a:camera prst="orthographicFront"/>
+      <a:lightRig rig="threePt" dir="t"/>
+    </dgm:scene3d>
+    <dgm:sp3d/>
+    <dgm:txPr/>
+    <dgm:style>
+      <a:lnRef idx="2">
+        <a:scrgbClr r="0" g="0" b="0"/>
+      </a:lnRef>
+      <a:fillRef idx="1">
+        <a:scrgbClr r="0" g="0" b="0"/>
+      </a:fillRef>
+      <a:effectRef idx="0">
+        <a:scrgbClr r="0" g="0" b="0"/>
+      </a:effectRef>
+      <a:fontRef idx="minor">
+        <a:schemeClr val="lt1"/>
+      </a:fontRef>
+    </dgm:style>
+  </dgm:styleLbl>
+  <dgm:styleLbl name="asst1">
+    <dgm:scene3d>
+      <a:camera prst="orthographicFront"/>
+      <a:lightRig rig="threePt" dir="t"/>
+    </dgm:scene3d>
+    <dgm:sp3d/>
+    <dgm:txPr/>
+    <dgm:style>
+      <a:lnRef idx="2">
+        <a:scrgbClr r="0" g="0" b="0"/>
+      </a:lnRef>
+      <a:fillRef idx="1">
+        <a:scrgbClr r="0" g="0" b="0"/>
+      </a:fillRef>
+      <a:effectRef idx="0">
+        <a:scrgbClr r="0" g="0" b="0"/>
+      </a:effectRef>
+      <a:fontRef idx="minor">
+        <a:schemeClr val="lt1"/>
+      </a:fontRef>
+    </dgm:style>
+  </dgm:styleLbl>
+  <dgm:styleLbl name="asst2">
+    <dgm:scene3d>
+      <a:camera prst="orthographicFront"/>
+      <a:lightRig rig="threePt" dir="t"/>
+    </dgm:scene3d>
+    <dgm:sp3d/>
+    <dgm:txPr/>
+    <dgm:style>
+      <a:lnRef idx="2">
+        <a:scrgbClr r="0" g="0" b="0"/>
+      </a:lnRef>
+      <a:fillRef idx="1">
+        <a:scrgbClr r="0" g="0" b="0"/>
+      </a:fillRef>
+      <a:effectRef idx="0">
+        <a:scrgbClr r="0" g="0" b="0"/>
+      </a:effectRef>
+      <a:fontRef idx="minor">
+        <a:schemeClr val="lt1"/>
+      </a:fontRef>
+    </dgm:style>
+  </dgm:styleLbl>
+  <dgm:styleLbl name="asst3">
+    <dgm:scene3d>
+      <a:camera prst="orthographicFront"/>
+      <a:lightRig rig="threePt" dir="t"/>
+    </dgm:scene3d>
+    <dgm:sp3d/>
+    <dgm:txPr/>
+    <dgm:style>
+      <a:lnRef idx="2">
+        <a:scrgbClr r="0" g="0" b="0"/>
+      </a:lnRef>
+      <a:fillRef idx="1">
+        <a:scrgbClr r="0" g="0" b="0"/>
+      </a:fillRef>
+      <a:effectRef idx="0">
+        <a:scrgbClr r="0" g="0" b="0"/>
+      </a:effectRef>
+      <a:fontRef idx="minor">
+        <a:schemeClr val="lt1"/>
+      </a:fontRef>
+    </dgm:style>
+  </dgm:styleLbl>
+  <dgm:styleLbl name="asst4">
+    <dgm:scene3d>
+      <a:camera prst="orthographicFront"/>
+      <a:lightRig rig="threePt" dir="t"/>
+    </dgm:scene3d>
+    <dgm:sp3d/>
+    <dgm:txPr/>
+    <dgm:style>
+      <a:lnRef idx="2">
+        <a:scrgbClr r="0" g="0" b="0"/>
+      </a:lnRef>
+      <a:fillRef idx="1">
+        <a:scrgbClr r="0" g="0" b="0"/>
+      </a:fillRef>
+      <a:effectRef idx="0">
+        <a:scrgbClr r="0" g="0" b="0"/>
+      </a:effectRef>
+      <a:fontRef idx="minor">
+        <a:schemeClr val="lt1"/>
+      </a:fontRef>
+    </dgm:style>
+  </dgm:styleLbl>
+  <dgm:styleLbl name="parChTrans2D1">
+    <dgm:scene3d>
+      <a:camera prst="orthographicFront"/>
+      <a:lightRig rig="threePt" dir="t"/>
+    </dgm:scene3d>
+    <dgm:sp3d/>
+    <dgm:txPr/>
+    <dgm:style>
+      <a:lnRef idx="2">
+        <a:scrgbClr r="0" g="0" b="0"/>
+      </a:lnRef>
+      <a:fillRef idx="1">
+        <a:scrgbClr r="0" g="0" b="0"/>
+      </a:fillRef>
+      <a:effectRef idx="0">
+        <a:scrgbClr r="0" g="0" b="0"/>
+      </a:effectRef>
+      <a:fontRef idx="minor">
+        <a:schemeClr val="lt1"/>
+      </a:fontRef>
+    </dgm:style>
+  </dgm:styleLbl>
+  <dgm:styleLbl name="parChTrans2D2">
+    <dgm:scene3d>
+      <a:camera prst="orthographicFront"/>
+      <a:lightRig rig="threePt" dir="t"/>
+    </dgm:scene3d>
+    <dgm:sp3d/>
+    <dgm:txPr/>
+    <dgm:style>
+      <a:lnRef idx="2">
+        <a:scrgbClr r="0" g="0" b="0"/>
+      </a:lnRef>
+      <a:fillRef idx="1">
+        <a:scrgbClr r="0" g="0" b="0"/>
+      </a:fillRef>
+      <a:effectRef idx="0">
+        <a:scrgbClr r="0" g="0" b="0"/>
+      </a:effectRef>
+      <a:fontRef idx="minor">
+        <a:schemeClr val="lt1"/>
+      </a:fontRef>
+    </dgm:style>
+  </dgm:styleLbl>
+  <dgm:styleLbl name="parChTrans2D3">
+    <dgm:scene3d>
+      <a:camera prst="orthographicFront"/>
+      <a:lightRig rig="threePt" dir="t"/>
+    </dgm:scene3d>
+    <dgm:sp3d/>
+    <dgm:txPr/>
+    <dgm:style>
+      <a:lnRef idx="2">
+        <a:scrgbClr r="0" g="0" b="0"/>
+      </a:lnRef>
+      <a:fillRef idx="1">
+        <a:scrgbClr r="0" g="0" b="0"/>
+      </a:fillRef>
+      <a:effectRef idx="0">
+        <a:scrgbClr r="0" g="0" b="0"/>
+      </a:effectRef>
+      <a:fontRef idx="minor">
+        <a:schemeClr val="lt1"/>
+      </a:fontRef>
+    </dgm:style>
+  </dgm:styleLbl>
+  <dgm:styleLbl name="parChTrans2D4">
+    <dgm:scene3d>
+      <a:camera prst="orthographicFront"/>
+      <a:lightRig rig="threePt" dir="t"/>
+    </dgm:scene3d>
+    <dgm:sp3d/>
+    <dgm:txPr/>
+    <dgm:style>
+      <a:lnRef idx="2">
+        <a:scrgbClr r="0" g="0" b="0"/>
+      </a:lnRef>
+      <a:fillRef idx="1">
+        <a:scrgbClr r="0" g="0" b="0"/>
+      </a:fillRef>
+      <a:effectRef idx="0">
+        <a:scrgbClr r="0" g="0" b="0"/>
+      </a:effectRef>
+      <a:fontRef idx="minor">
+        <a:schemeClr val="lt1"/>
+      </a:fontRef>
+    </dgm:style>
+  </dgm:styleLbl>
+  <dgm:styleLbl name="parChTrans1D1">
+    <dgm:scene3d>
+      <a:camera prst="orthographicFront"/>
+      <a:lightRig rig="threePt" dir="t"/>
+    </dgm:scene3d>
+    <dgm:sp3d/>
+    <dgm:txPr/>
+    <dgm:style>
+      <a:lnRef idx="2">
+        <a:scrgbClr r="0" g="0" b="0"/>
+      </a:lnRef>
+      <a:fillRef idx="0">
+        <a:scrgbClr r="0" g="0" b="0"/>
+      </a:fillRef>
+      <a:effectRef idx="0">
+        <a:scrgbClr r="0" g="0" b="0"/>
+      </a:effectRef>
+      <a:fontRef idx="minor"/>
+    </dgm:style>
+  </dgm:styleLbl>
+  <dgm:styleLbl name="parChTrans1D2">
+    <dgm:scene3d>
+      <a:camera prst="orthographicFront"/>
+      <a:lightRig rig="threePt" dir="t"/>
+    </dgm:scene3d>
+    <dgm:sp3d/>
+    <dgm:txPr/>
+    <dgm:style>
+      <a:lnRef idx="2">
+        <a:scrgbClr r="0" g="0" b="0"/>
+      </a:lnRef>
+      <a:fillRef idx="0">
+        <a:scrgbClr r="0" g="0" b="0"/>
+      </a:fillRef>
+      <a:effectRef idx="0">
+        <a:scrgbClr r="0" g="0" b="0"/>
+      </a:effectRef>
+      <a:fontRef idx="minor"/>
+    </dgm:style>
+  </dgm:styleLbl>
+  <dgm:styleLbl name="parChTrans1D3">
+    <dgm:scene3d>
+      <a:camera prst="orthographicFront"/>
+      <a:lightRig rig="threePt" dir="t"/>
+    </dgm:scene3d>
+    <dgm:sp3d/>
+    <dgm:txPr/>
+    <dgm:style>
+      <a:lnRef idx="2">
+        <a:scrgbClr r="0" g="0" b="0"/>
+      </a:lnRef>
+      <a:fillRef idx="0">
+        <a:scrgbClr r="0" g="0" b="0"/>
+      </a:fillRef>
+      <a:effectRef idx="0">
+        <a:scrgbClr r="0" g="0" b="0"/>
+      </a:effectRef>
+      <a:fontRef idx="minor"/>
+    </dgm:style>
+  </dgm:styleLbl>
+  <dgm:styleLbl name="parChTrans1D4">
+    <dgm:scene3d>
+      <a:camera prst="orthographicFront"/>
+      <a:lightRig rig="threePt" dir="t"/>
+    </dgm:scene3d>
+    <dgm:sp3d/>
+    <dgm:txPr/>
+    <dgm:style>
+      <a:lnRef idx="2">
+        <a:scrgbClr r="0" g="0" b="0"/>
+      </a:lnRef>
+      <a:fillRef idx="0">
+        <a:scrgbClr r="0" g="0" b="0"/>
+      </a:fillRef>
+      <a:effectRef idx="0">
+        <a:scrgbClr r="0" g="0" b="0"/>
+      </a:effectRef>
+      <a:fontRef idx="minor"/>
+    </dgm:style>
+  </dgm:styleLbl>
+  <dgm:styleLbl name="fgAcc1">
+    <dgm:scene3d>
+      <a:camera prst="orthographicFront"/>
+      <a:lightRig rig="threePt" dir="t"/>
+    </dgm:scene3d>
+    <dgm:sp3d/>
+    <dgm:txPr/>
+    <dgm:style>
+      <a:lnRef idx="2">
+        <a:scrgbClr r="0" g="0" b="0"/>
+      </a:lnRef>
+      <a:fillRef idx="1">
+        <a:scrgbClr r="0" g="0" b="0"/>
+      </a:fillRef>
+      <a:effectRef idx="0">
+        <a:scrgbClr r="0" g="0" b="0"/>
+      </a:effectRef>
+      <a:fontRef idx="minor"/>
+    </dgm:style>
+  </dgm:styleLbl>
+  <dgm:styleLbl name="conFgAcc1">
+    <dgm:scene3d>
+      <a:camera prst="orthographicFront"/>
+      <a:lightRig rig="threePt" dir="t"/>
+    </dgm:scene3d>
+    <dgm:sp3d/>
+    <dgm:txPr/>
+    <dgm:style>
+      <a:lnRef idx="2">
+        <a:scrgbClr r="0" g="0" b="0"/>
+      </a:lnRef>
+      <a:fillRef idx="1">
+        <a:scrgbClr r="0" g="0" b="0"/>
+      </a:fillRef>
+      <a:effectRef idx="0">
+        <a:scrgbClr r="0" g="0" b="0"/>
+      </a:effectRef>
+      <a:fontRef idx="minor"/>
+    </dgm:style>
+  </dgm:styleLbl>
+  <dgm:styleLbl name="alignAcc1">
+    <dgm:scene3d>
+      <a:camera prst="orthographicFront"/>
+      <a:lightRig rig="threePt" dir="t"/>
+    </dgm:scene3d>
+    <dgm:sp3d/>
+    <dgm:txPr/>
+    <dgm:style>
+      <a:lnRef idx="2">
+        <a:scrgbClr r="0" g="0" b="0"/>
+      </a:lnRef>
+      <a:fillRef idx="1">
+        <a:scrgbClr r="0" g="0" b="0"/>
+      </a:fillRef>
+      <a:effectRef idx="0">
+        <a:scrgbClr r="0" g="0" b="0"/>
+      </a:effectRef>
+      <a:fontRef idx="minor"/>
+    </dgm:style>
+  </dgm:styleLbl>
+  <dgm:styleLbl name="trAlignAcc1">
+    <dgm:scene3d>
+      <a:camera prst="orthographicFront"/>
+      <a:lightRig rig="threePt" dir="t"/>
+    </dgm:scene3d>
+    <dgm:sp3d/>
+    <dgm:txPr/>
+    <dgm:style>
+      <a:lnRef idx="1">
+        <a:scrgbClr r="0" g="0" b="0"/>
+      </a:lnRef>
+      <a:fillRef idx="1">
+        <a:scrgbClr r="0" g="0" b="0"/>
+      </a:fillRef>
+      <a:effectRef idx="0">
+        <a:scrgbClr r="0" g="0" b="0"/>
+      </a:effectRef>
+      <a:fontRef idx="minor"/>
+    </dgm:style>
+  </dgm:styleLbl>
+  <dgm:styleLbl name="bgAcc1">
+    <dgm:scene3d>
+      <a:camera prst="orthographicFront"/>
+      <a:lightRig rig="threePt" dir="t"/>
+    </dgm:scene3d>
+    <dgm:sp3d/>
+    <dgm:txPr/>
+    <dgm:style>
+      <a:lnRef idx="2">
+        <a:scrgbClr r="0" g="0" b="0"/>
+      </a:lnRef>
+      <a:fillRef idx="1">
+        <a:scrgbClr r="0" g="0" b="0"/>
+      </a:fillRef>
+      <a:effectRef idx="0">
+        <a:scrgbClr r="0" g="0" b="0"/>
+      </a:effectRef>
+      <a:fontRef idx="minor"/>
+    </dgm:style>
+  </dgm:styleLbl>
+  <dgm:styleLbl name="solidFgAcc1">
+    <dgm:scene3d>
+      <a:camera prst="orthographicFront"/>
+      <a:lightRig rig="threePt" dir="t"/>
+    </dgm:scene3d>
+    <dgm:sp3d/>
+    <dgm:txPr/>
+    <dgm:style>
+      <a:lnRef idx="2">
+        <a:scrgbClr r="0" g="0" b="0"/>
+      </a:lnRef>
+      <a:fillRef idx="1">
+        <a:scrgbClr r="0" g="0" b="0"/>
+      </a:fillRef>
+      <a:effectRef idx="0">
+        <a:scrgbClr r="0" g="0" b="0"/>
+      </a:effectRef>
+      <a:fontRef idx="minor"/>
+    </dgm:style>
+  </dgm:styleLbl>
+  <dgm:styleLbl name="solidAlignAcc1">
+    <dgm:scene3d>
+      <a:camera prst="orthographicFront"/>
+      <a:lightRig rig="threePt" dir="t"/>
+    </dgm:scene3d>
+    <dgm:sp3d/>
+    <dgm:txPr/>
+    <dgm:style>
+      <a:lnRef idx="2">
+        <a:scrgbClr r="0" g="0" b="0"/>
+      </a:lnRef>
+      <a:fillRef idx="1">
+        <a:scrgbClr r="0" g="0" b="0"/>
+      </a:fillRef>
+      <a:effectRef idx="0">
+        <a:scrgbClr r="0" g="0" b="0"/>
+      </a:effectRef>
+      <a:fontRef idx="minor"/>
+    </dgm:style>
+  </dgm:styleLbl>
+  <dgm:styleLbl name="solidBgAcc1">
+    <dgm:scene3d>
+      <a:camera prst="orthographicFront"/>
+      <a:lightRig rig="threePt" dir="t"/>
+    </dgm:scene3d>
+    <dgm:sp3d/>
+    <dgm:txPr/>
+    <dgm:style>
+      <a:lnRef idx="2">
+        <a:scrgbClr r="0" g="0" b="0"/>
+      </a:lnRef>
+      <a:fillRef idx="1">
+        <a:scrgbClr r="0" g="0" b="0"/>
+      </a:fillRef>
+      <a:effectRef idx="0">
+        <a:scrgbClr r="0" g="0" b="0"/>
+      </a:effectRef>
+      <a:fontRef idx="minor"/>
+    </dgm:style>
+  </dgm:styleLbl>
+  <dgm:styleLbl name="fgAccFollowNode1">
+    <dgm:scene3d>
+      <a:camera prst="orthographicFront"/>
+      <a:lightRig rig="threePt" dir="t"/>
+    </dgm:scene3d>
+    <dgm:sp3d/>
+    <dgm:txPr/>
+    <dgm:style>
+      <a:lnRef idx="2">
+        <a:scrgbClr r="0" g="0" b="0"/>
+      </a:lnRef>
+      <a:fillRef idx="1">
+        <a:scrgbClr r="0" g="0" b="0"/>
+      </a:fillRef>
+      <a:effectRef idx="0">
+        <a:scrgbClr r="0" g="0" b="0"/>
+      </a:effectRef>
+      <a:fontRef idx="minor"/>
+    </dgm:style>
+  </dgm:styleLbl>
+  <dgm:styleLbl name="alignAccFollowNode1">
+    <dgm:scene3d>
+      <a:camera prst="orthographicFront"/>
+      <a:lightRig rig="threePt" dir="t"/>
+    </dgm:scene3d>
+    <dgm:sp3d/>
+    <dgm:txPr/>
+    <dgm:style>
+      <a:lnRef idx="2">
+        <a:scrgbClr r="0" g="0" b="0"/>
+      </a:lnRef>
+      <a:fillRef idx="1">
+        <a:scrgbClr r="0" g="0" b="0"/>
+      </a:fillRef>
+      <a:effectRef idx="0">
+        <a:scrgbClr r="0" g="0" b="0"/>
+      </a:effectRef>
+      <a:fontRef idx="minor"/>
+    </dgm:style>
+  </dgm:styleLbl>
+  <dgm:styleLbl name="bgAccFollowNode1">
+    <dgm:scene3d>
+      <a:camera prst="orthographicFront"/>
+      <a:lightRig rig="threePt" dir="t"/>
+    </dgm:scene3d>
+    <dgm:sp3d/>
+    <dgm:txPr/>
+    <dgm:style>
+      <a:lnRef idx="2">
+        <a:scrgbClr r="0" g="0" b="0"/>
+      </a:lnRef>
+      <a:fillRef idx="1">
+        <a:scrgbClr r="0" g="0" b="0"/>
+      </a:fillRef>
+      <a:effectRef idx="0">
+        <a:scrgbClr r="0" g="0" b="0"/>
+      </a:effectRef>
+      <a:fontRef idx="minor"/>
+    </dgm:style>
+  </dgm:styleLbl>
+  <dgm:styleLbl name="fgAcc0">
+    <dgm:scene3d>
+      <a:camera prst="orthographicFront"/>
+      <a:lightRig rig="threePt" dir="t"/>
+    </dgm:scene3d>
+    <dgm:sp3d/>
+    <dgm:txPr/>
+    <dgm:style>
+      <a:lnRef idx="2">
+        <a:scrgbClr r="0" g="0" b="0"/>
+      </a:lnRef>
+      <a:fillRef idx="1">
+        <a:scrgbClr r="0" g="0" b="0"/>
+      </a:fillRef>
+      <a:effectRef idx="0">
+        <a:scrgbClr r="0" g="0" b="0"/>
+      </a:effectRef>
+      <a:fontRef idx="minor"/>
+    </dgm:style>
+  </dgm:styleLbl>
+  <dgm:styleLbl name="fgAcc2">
+    <dgm:scene3d>
+      <a:camera prst="orthographicFront"/>
+      <a:lightRig rig="threePt" dir="t"/>
+    </dgm:scene3d>
+    <dgm:sp3d/>
+    <dgm:txPr/>
+    <dgm:style>
+      <a:lnRef idx="2">
+        <a:scrgbClr r="0" g="0" b="0"/>
+      </a:lnRef>
+      <a:fillRef idx="1">
+        <a:scrgbClr r="0" g="0" b="0"/>
+      </a:fillRef>
+      <a:effectRef idx="0">
+        <a:scrgbClr r="0" g="0" b="0"/>
+      </a:effectRef>
+      <a:fontRef idx="minor"/>
+    </dgm:style>
+  </dgm:styleLbl>
+  <dgm:styleLbl name="fgAcc3">
+    <dgm:scene3d>
+      <a:camera prst="orthographicFront"/>
+      <a:lightRig rig="threePt" dir="t"/>
+    </dgm:scene3d>
+    <dgm:sp3d/>
+    <dgm:txPr/>
+    <dgm:style>
+      <a:lnRef idx="2">
+        <a:scrgbClr r="0" g="0" b="0"/>
+      </a:lnRef>
+      <a:fillRef idx="1">
+        <a:scrgbClr r="0" g="0" b="0"/>
+      </a:fillRef>
+      <a:effectRef idx="0">
+        <a:scrgbClr r="0" g="0" b="0"/>
+      </a:effectRef>
+      <a:fontRef idx="minor"/>
+    </dgm:style>
+  </dgm:styleLbl>
+  <dgm:styleLbl name="fgAcc4">
+    <dgm:scene3d>
+      <a:camera prst="orthographicFront"/>
+      <a:lightRig rig="threePt" dir="t"/>
+    </dgm:scene3d>
+    <dgm:sp3d/>
+    <dgm:txPr/>
+    <dgm:style>
+      <a:lnRef idx="2">
+        <a:scrgbClr r="0" g="0" b="0"/>
+      </a:lnRef>
+      <a:fillRef idx="1">
+        <a:scrgbClr r="0" g="0" b="0"/>
+      </a:fillRef>
+      <a:effectRef idx="0">
+        <a:scrgbClr r="0" g="0" b="0"/>
+      </a:effectRef>
+      <a:fontRef idx="minor"/>
+    </dgm:style>
+  </dgm:styleLbl>
+  <dgm:styleLbl name="bgShp">
+    <dgm:scene3d>
+      <a:camera prst="orthographicFront"/>
+      <a:lightRig rig="threePt" dir="t"/>
+    </dgm:scene3d>
+    <dgm:sp3d/>
+    <dgm:txPr/>
+    <dgm:style>
+      <a:lnRef idx="0">
+        <a:scrgbClr r="0" g="0" b="0"/>
+      </a:lnRef>
+      <a:fillRef idx="1">
+        <a:scrgbClr r="0" g="0" b="0"/>
+      </a:fillRef>
+      <a:effectRef idx="0">
+        <a:scrgbClr r="0" g="0" b="0"/>
+      </a:effectRef>
+      <a:fontRef idx="minor"/>
+    </dgm:style>
+  </dgm:styleLbl>
+  <dgm:styleLbl name="dkBgShp">
+    <dgm:scene3d>
+      <a:camera prst="orthographicFront"/>
+      <a:lightRig rig="threePt" dir="t"/>
+    </dgm:scene3d>
+    <dgm:sp3d/>
+    <dgm:txPr/>
+    <dgm:style>
+      <a:lnRef idx="0">
+        <a:scrgbClr r="0" g="0" b="0"/>
+      </a:lnRef>
+      <a:fillRef idx="1">
+        <a:scrgbClr r="0" g="0" b="0"/>
+      </a:fillRef>
+      <a:effectRef idx="0">
+        <a:scrgbClr r="0" g="0" b="0"/>
+      </a:effectRef>
+      <a:fontRef idx="minor"/>
+    </dgm:style>
+  </dgm:styleLbl>
+  <dgm:styleLbl name="trBgShp">
+    <dgm:scene3d>
+      <a:camera prst="orthographicFront"/>
+      <a:lightRig rig="threePt" dir="t"/>
+    </dgm:scene3d>
+    <dgm:sp3d/>
+    <dgm:txPr/>
+    <dgm:style>
+      <a:lnRef idx="0">
+        <a:scrgbClr r="0" g="0" b="0"/>
+      </a:lnRef>
+      <a:fillRef idx="1">
+        <a:scrgbClr r="0" g="0" b="0"/>
+      </a:fillRef>
+      <a:effectRef idx="0">
+        <a:scrgbClr r="0" g="0" b="0"/>
+      </a:effectRef>
+      <a:fontRef idx="minor"/>
+    </dgm:style>
+  </dgm:styleLbl>
+  <dgm:styleLbl name="fgShp">
+    <dgm:scene3d>
+      <a:camera prst="orthographicFront"/>
+      <a:lightRig rig="threePt" dir="t"/>
+    </dgm:scene3d>
+    <dgm:sp3d/>
+    <dgm:txPr/>
+    <dgm:style>
+      <a:lnRef idx="2">
+        <a:scrgbClr r="0" g="0" b="0"/>
+      </a:lnRef>
+      <a:fillRef idx="1">
+        <a:scrgbClr r="0" g="0" b="0"/>
+      </a:fillRef>
+      <a:effectRef idx="0">
+        <a:scrgbClr r="0" g="0" b="0"/>
+      </a:effectRef>
+      <a:fontRef idx="minor"/>
+    </dgm:style>
+  </dgm:styleLbl>
+  <dgm:styleLbl name="revTx">
+    <dgm:scene3d>
+      <a:camera prst="orthographicFront"/>
+      <a:lightRig rig="threePt" dir="t"/>
+    </dgm:scene3d>
+    <dgm:sp3d/>
+    <dgm:txPr/>
+    <dgm:style>
+      <a:lnRef idx="0">
+        <a:scrgbClr r="0" g="0" b="0"/>
+      </a:lnRef>
+      <a:fillRef idx="0">
+        <a:scrgbClr r="0" g="0" b="0"/>
+      </a:fillRef>
+      <a:effectRef idx="0">
+        <a:scrgbClr r="0" g="0" b="0"/>
+      </a:effectRef>
+      <a:fontRef idx="minor"/>
+    </dgm:style>
+  </dgm:styleLbl>
+</dgm:styleDef>
+</file>
+
+<file path=ppt/diagrams/quickStyle3.xml><?xml version="1.0" encoding="utf-8"?>
 <dgm:styleDef xmlns:dgm="http://schemas.openxmlformats.org/drawingml/2006/diagram" xmlns:a="http://schemas.openxmlformats.org/drawingml/2006/main" uniqueId="urn:microsoft.com/office/officeart/2005/8/quickstyle/simple1">
   <dgm:title val=""/>
   <dgm:desc val=""/>
@@ -9838,6 +12384,14 @@
 <file path=ppt/slides/slide4.xml><?xml version="1.0" encoding="utf-8"?>
 <p:sld xmlns:a="http://schemas.openxmlformats.org/drawingml/2006/main" xmlns:r="http://schemas.openxmlformats.org/officeDocument/2006/relationships" xmlns:p="http://schemas.openxmlformats.org/presentationml/2006/main">
   <p:cSld>
+    <p:bg>
+      <p:bgPr>
+        <a:solidFill>
+          <a:schemeClr val="bg1"/>
+        </a:solidFill>
+        <a:effectLst/>
+      </p:bgPr>
+    </p:bg>
     <p:spTree>
       <p:nvGrpSpPr>
         <p:cNvPr id="1" name=""/>
@@ -9854,6 +12408,100 @@
       </p:grpSpPr>
       <p:sp>
         <p:nvSpPr>
+          <p:cNvPr id="10" name="Rectangle 9">
+            <a:extLst>
+              <a:ext uri="{FF2B5EF4-FFF2-40B4-BE49-F238E27FC236}">
+                <a16:creationId xmlns:a16="http://schemas.microsoft.com/office/drawing/2014/main" id="{9228552E-C8B1-4A80-8448-0787CE0FC704}"/>
+              </a:ext>
+              <a:ext uri="{C183D7F6-B498-43B3-948B-1728B52AA6E4}">
+                <adec:decorative xmlns:adec="http://schemas.microsoft.com/office/drawing/2017/decorative" val="1"/>
+              </a:ext>
+            </a:extLst>
+          </p:cNvPr>
+          <p:cNvSpPr>
+            <a:spLocks noGrp="1" noRot="1" noChangeAspect="1" noMove="1" noResize="1" noEditPoints="1" noAdjustHandles="1" noChangeArrowheads="1" noChangeShapeType="1" noTextEdit="1"/>
+          </p:cNvSpPr>
+          <p:nvPr>
+            <p:extLst>
+              <p:ext uri="{386F3935-93C4-4BCD-93E2-E3B085C9AB24}">
+                <p16:designElem xmlns:p16="http://schemas.microsoft.com/office/powerpoint/2015/main" val="1"/>
+              </p:ext>
+            </p:extLst>
+          </p:nvPr>
+        </p:nvSpPr>
+        <p:spPr>
+          <a:xfrm>
+            <a:off x="0" y="0"/>
+            <a:ext cx="12192000" cy="6858000"/>
+          </a:xfrm>
+          <a:prstGeom prst="rect">
+            <a:avLst/>
+          </a:prstGeom>
+          <a:solidFill>
+            <a:srgbClr val="000000"/>
+          </a:solidFill>
+          <a:ln>
+            <a:noFill/>
+          </a:ln>
+        </p:spPr>
+        <p:style>
+          <a:lnRef idx="2">
+            <a:schemeClr val="accent1">
+              <a:shade val="50000"/>
+            </a:schemeClr>
+          </a:lnRef>
+          <a:fillRef idx="1">
+            <a:schemeClr val="accent1"/>
+          </a:fillRef>
+          <a:effectRef idx="0">
+            <a:schemeClr val="accent1"/>
+          </a:effectRef>
+          <a:fontRef idx="minor">
+            <a:schemeClr val="lt1"/>
+          </a:fontRef>
+        </p:style>
+        <p:txBody>
+          <a:bodyPr rtlCol="0" anchor="ctr"/>
+          <a:lstStyle/>
+          <a:p>
+            <a:pPr algn="ctr"/>
+            <a:endParaRPr lang="en-US"/>
+          </a:p>
+        </p:txBody>
+      </p:sp>
+      <p:pic>
+        <p:nvPicPr>
+          <p:cNvPr id="6" name="Picture 5" descr="A close up of a green surface&#10;&#10;Description automatically generated with low confidence">
+            <a:extLst>
+              <a:ext uri="{FF2B5EF4-FFF2-40B4-BE49-F238E27FC236}">
+                <a16:creationId xmlns:a16="http://schemas.microsoft.com/office/drawing/2014/main" id="{6DEB37F7-35D0-CA51-8FF3-BA7E6CA01539}"/>
+              </a:ext>
+            </a:extLst>
+          </p:cNvPr>
+          <p:cNvPicPr>
+            <a:picLocks noChangeAspect="1"/>
+          </p:cNvPicPr>
+          <p:nvPr/>
+        </p:nvPicPr>
+        <p:blipFill rotWithShape="1">
+          <a:blip r:embed="rId2">
+            <a:alphaModFix amt="35000"/>
+          </a:blip>
+          <a:srcRect t="3278" b="12452"/>
+          <a:stretch/>
+        </p:blipFill>
+        <p:spPr>
+          <a:xfrm>
+            <a:off x="20" y="10"/>
+            <a:ext cx="12191980" cy="6857990"/>
+          </a:xfrm>
+          <a:prstGeom prst="rect">
+            <a:avLst/>
+          </a:prstGeom>
+        </p:spPr>
+      </p:pic>
+      <p:sp>
+        <p:nvSpPr>
           <p:cNvPr id="2" name="Title 1">
             <a:extLst>
               <a:ext uri="{FF2B5EF4-FFF2-40B4-BE49-F238E27FC236}">
@@ -9868,54 +12516,65 @@
             <p:ph type="title"/>
           </p:nvPr>
         </p:nvSpPr>
-        <p:spPr/>
+        <p:spPr>
+          <a:xfrm>
+            <a:off x="838200" y="365125"/>
+            <a:ext cx="10515600" cy="1325563"/>
+          </a:xfrm>
+        </p:spPr>
         <p:txBody>
-          <a:bodyPr/>
+          <a:bodyPr>
+            <a:normAutofit/>
+          </a:bodyPr>
           <a:lstStyle/>
           <a:p>
             <a:r>
-              <a:rPr lang="en-US" dirty="0"/>
+              <a:rPr lang="en-US">
+                <a:solidFill>
+                  <a:srgbClr val="FFFFFF"/>
+                </a:solidFill>
+              </a:rPr>
               <a:t>APIs and other access methods</a:t>
             </a:r>
-            <a:endParaRPr lang="en-NL" dirty="0"/>
+            <a:endParaRPr lang="en-NL">
+              <a:solidFill>
+                <a:srgbClr val="FFFFFF"/>
+              </a:solidFill>
+            </a:endParaRPr>
           </a:p>
         </p:txBody>
       </p:sp>
-      <p:sp>
-        <p:nvSpPr>
-          <p:cNvPr id="3" name="Content Placeholder 2">
+      <p:graphicFrame>
+        <p:nvGraphicFramePr>
+          <p:cNvPr id="5" name="Content Placeholder 2">
             <a:extLst>
               <a:ext uri="{FF2B5EF4-FFF2-40B4-BE49-F238E27FC236}">
-                <a16:creationId xmlns:a16="http://schemas.microsoft.com/office/drawing/2014/main" id="{608D9450-C7B7-F92B-5D67-9C07642F36A1}"/>
+                <a16:creationId xmlns:a16="http://schemas.microsoft.com/office/drawing/2014/main" id="{F6783644-47A0-1FE4-14CC-CC57A717E2FA}"/>
               </a:ext>
             </a:extLst>
           </p:cNvPr>
-          <p:cNvSpPr>
-            <a:spLocks noGrp="1"/>
-          </p:cNvSpPr>
+          <p:cNvGraphicFramePr>
+            <a:graphicFrameLocks noGrp="1"/>
+          </p:cNvGraphicFramePr>
           <p:nvPr>
             <p:ph idx="1"/>
+            <p:extLst>
+              <p:ext uri="{D42A27DB-BD31-4B8C-83A1-F6EECF244321}">
+                <p14:modId xmlns:p14="http://schemas.microsoft.com/office/powerpoint/2010/main" val="2018446598"/>
+              </p:ext>
+            </p:extLst>
           </p:nvPr>
-        </p:nvSpPr>
-        <p:spPr/>
-        <p:txBody>
-          <a:bodyPr/>
-          <a:lstStyle/>
-          <a:p>
-            <a:r>
-              <a:rPr lang="en-US" dirty="0"/>
-              <a:t>HTTP API</a:t>
-            </a:r>
-          </a:p>
-          <a:p>
-            <a:r>
-              <a:rPr lang="en-US" dirty="0"/>
-              <a:t>JSON over UDP</a:t>
-            </a:r>
-            <a:endParaRPr lang="en-NL" dirty="0"/>
-          </a:p>
-        </p:txBody>
-      </p:sp>
+        </p:nvGraphicFramePr>
+        <p:xfrm>
+          <a:off x="838200" y="1825625"/>
+          <a:ext cx="10515600" cy="4351338"/>
+        </p:xfrm>
+        <a:graphic>
+          <a:graphicData uri="http://schemas.openxmlformats.org/drawingml/2006/diagram">
+            <dgm:relIds xmlns:dgm="http://schemas.openxmlformats.org/drawingml/2006/diagram" xmlns:r="http://schemas.openxmlformats.org/officeDocument/2006/relationships" r:dm="rId3" r:lo="rId4" r:qs="rId5" r:cs="rId6"/>
+          </a:graphicData>
+        </a:graphic>
+      </p:graphicFrame>
     </p:spTree>
     <p:extLst>
       <p:ext uri="{BB962C8B-B14F-4D97-AF65-F5344CB8AC3E}">
@@ -9924,7 +12583,7 @@
     </p:extLst>
   </p:cSld>
   <p:clrMapOvr>
-    <a:masterClrMapping/>
+    <a:overrideClrMapping bg1="dk1" tx1="lt1" bg2="dk2" tx2="lt2" accent1="accent1" accent2="accent2" accent3="accent3" accent4="accent4" accent5="accent5" accent6="accent6" hlink="hlink" folHlink="folHlink"/>
   </p:clrMapOvr>
 </p:sld>
 </file>

--- a/Tech Stack/DatabasesComparison.pptx
+++ b/Tech Stack/DatabasesComparison.pptx
@@ -12,6 +12,7 @@
     <p:sldId id="260" r:id="rId6"/>
     <p:sldId id="261" r:id="rId7"/>
     <p:sldId id="262" r:id="rId8"/>
+    <p:sldId id="263" r:id="rId9"/>
   </p:sldIdLst>
   <p:sldSz cx="12192000" cy="6858000"/>
   <p:notesSz cx="6858000" cy="9144000"/>
@@ -3895,6 +3896,927 @@
   <dgm:styleLbl name="fgShp">
     <dgm:fillClrLst meth="repeat">
       <a:schemeClr val="accent5">
+        <a:tint val="40000"/>
+      </a:schemeClr>
+    </dgm:fillClrLst>
+    <dgm:linClrLst meth="repeat">
+      <a:schemeClr val="lt1"/>
+    </dgm:linClrLst>
+    <dgm:effectClrLst/>
+    <dgm:txLinClrLst/>
+    <dgm:txFillClrLst meth="repeat">
+      <a:schemeClr val="dk1"/>
+    </dgm:txFillClrLst>
+    <dgm:txEffectClrLst/>
+  </dgm:styleLbl>
+  <dgm:styleLbl name="revTx">
+    <dgm:fillClrLst meth="repeat">
+      <a:schemeClr val="lt1">
+        <a:alpha val="0"/>
+      </a:schemeClr>
+    </dgm:fillClrLst>
+    <dgm:linClrLst meth="repeat">
+      <a:schemeClr val="dk1">
+        <a:alpha val="0"/>
+      </a:schemeClr>
+    </dgm:linClrLst>
+    <dgm:effectClrLst/>
+    <dgm:txLinClrLst/>
+    <dgm:txFillClrLst meth="repeat">
+      <a:schemeClr val="tx1"/>
+    </dgm:txFillClrLst>
+    <dgm:txEffectClrLst/>
+  </dgm:styleLbl>
+</dgm:colorsDef>
+</file>
+
+<file path=ppt/diagrams/colors6.xml><?xml version="1.0" encoding="utf-8"?>
+<dgm:colorsDef xmlns:dgm="http://schemas.openxmlformats.org/drawingml/2006/diagram" xmlns:a="http://schemas.openxmlformats.org/drawingml/2006/main" uniqueId="urn:microsoft.com/office/officeart/2018/5/colors/Iconchunking_neutralbg_colorful1">
+  <dgm:title val=""/>
+  <dgm:desc val=""/>
+  <dgm:catLst>
+    <dgm:cat type="colorful" pri="10100"/>
+  </dgm:catLst>
+  <dgm:styleLbl name="node0">
+    <dgm:fillClrLst meth="repeat">
+      <a:schemeClr val="accent1"/>
+    </dgm:fillClrLst>
+    <dgm:linClrLst meth="repeat">
+      <a:schemeClr val="lt1"/>
+    </dgm:linClrLst>
+    <dgm:effectClrLst/>
+    <dgm:txLinClrLst/>
+    <dgm:txFillClrLst/>
+    <dgm:txEffectClrLst/>
+  </dgm:styleLbl>
+  <dgm:styleLbl name="node1">
+    <dgm:fillClrLst meth="repeat">
+      <a:schemeClr val="accent2"/>
+      <a:schemeClr val="accent3"/>
+      <a:schemeClr val="accent4"/>
+      <a:schemeClr val="accent5"/>
+      <a:schemeClr val="accent6"/>
+    </dgm:fillClrLst>
+    <dgm:linClrLst meth="repeat">
+      <a:schemeClr val="lt1">
+        <a:alpha val="0"/>
+      </a:schemeClr>
+    </dgm:linClrLst>
+    <dgm:effectClrLst/>
+    <dgm:txLinClrLst/>
+    <dgm:txFillClrLst/>
+    <dgm:txEffectClrLst/>
+  </dgm:styleLbl>
+  <dgm:styleLbl name="alignNode1">
+    <dgm:fillClrLst meth="repeat">
+      <a:schemeClr val="accent2"/>
+      <a:schemeClr val="accent3"/>
+      <a:schemeClr val="accent4"/>
+      <a:schemeClr val="accent5"/>
+      <a:schemeClr val="accent6"/>
+    </dgm:fillClrLst>
+    <dgm:linClrLst meth="repeat">
+      <a:schemeClr val="accent2"/>
+      <a:schemeClr val="accent3"/>
+      <a:schemeClr val="accent4"/>
+      <a:schemeClr val="accent5"/>
+      <a:schemeClr val="accent6"/>
+    </dgm:linClrLst>
+    <dgm:effectClrLst/>
+    <dgm:txLinClrLst/>
+    <dgm:txFillClrLst/>
+    <dgm:txEffectClrLst/>
+  </dgm:styleLbl>
+  <dgm:styleLbl name="lnNode1">
+    <dgm:fillClrLst meth="repeat">
+      <a:schemeClr val="accent2"/>
+      <a:schemeClr val="accent3"/>
+      <a:schemeClr val="accent4"/>
+      <a:schemeClr val="accent5"/>
+      <a:schemeClr val="accent6"/>
+    </dgm:fillClrLst>
+    <dgm:linClrLst meth="repeat">
+      <a:schemeClr val="lt1"/>
+    </dgm:linClrLst>
+    <dgm:effectClrLst/>
+    <dgm:txLinClrLst/>
+    <dgm:txFillClrLst/>
+    <dgm:txEffectClrLst/>
+  </dgm:styleLbl>
+  <dgm:styleLbl name="vennNode1">
+    <dgm:fillClrLst meth="repeat">
+      <a:schemeClr val="accent2">
+        <a:alpha val="50000"/>
+      </a:schemeClr>
+      <a:schemeClr val="accent3">
+        <a:alpha val="50000"/>
+      </a:schemeClr>
+      <a:schemeClr val="accent4">
+        <a:alpha val="50000"/>
+      </a:schemeClr>
+      <a:schemeClr val="accent5">
+        <a:alpha val="50000"/>
+      </a:schemeClr>
+      <a:schemeClr val="accent6">
+        <a:alpha val="50000"/>
+      </a:schemeClr>
+    </dgm:fillClrLst>
+    <dgm:linClrLst meth="repeat">
+      <a:schemeClr val="lt1"/>
+    </dgm:linClrLst>
+    <dgm:effectClrLst/>
+    <dgm:txLinClrLst/>
+    <dgm:txFillClrLst/>
+    <dgm:txEffectClrLst/>
+  </dgm:styleLbl>
+  <dgm:styleLbl name="node2">
+    <dgm:fillClrLst>
+      <a:schemeClr val="accent2"/>
+    </dgm:fillClrLst>
+    <dgm:linClrLst meth="repeat">
+      <a:schemeClr val="lt1"/>
+    </dgm:linClrLst>
+    <dgm:effectClrLst/>
+    <dgm:txLinClrLst/>
+    <dgm:txFillClrLst/>
+    <dgm:txEffectClrLst/>
+  </dgm:styleLbl>
+  <dgm:styleLbl name="node3">
+    <dgm:fillClrLst>
+      <a:schemeClr val="accent3"/>
+    </dgm:fillClrLst>
+    <dgm:linClrLst meth="repeat">
+      <a:schemeClr val="lt1"/>
+    </dgm:linClrLst>
+    <dgm:effectClrLst/>
+    <dgm:txLinClrLst/>
+    <dgm:txFillClrLst/>
+    <dgm:txEffectClrLst/>
+  </dgm:styleLbl>
+  <dgm:styleLbl name="node4">
+    <dgm:fillClrLst>
+      <a:schemeClr val="accent4"/>
+    </dgm:fillClrLst>
+    <dgm:linClrLst meth="repeat">
+      <a:schemeClr val="lt1"/>
+    </dgm:linClrLst>
+    <dgm:effectClrLst/>
+    <dgm:txLinClrLst/>
+    <dgm:txFillClrLst/>
+    <dgm:txEffectClrLst/>
+  </dgm:styleLbl>
+  <dgm:styleLbl name="fgImgPlace1">
+    <dgm:fillClrLst meth="repeat">
+      <a:schemeClr val="accent2">
+        <a:tint val="50000"/>
+      </a:schemeClr>
+      <a:schemeClr val="accent3">
+        <a:tint val="50000"/>
+      </a:schemeClr>
+      <a:schemeClr val="accent4">
+        <a:tint val="50000"/>
+      </a:schemeClr>
+      <a:schemeClr val="accent5">
+        <a:tint val="50000"/>
+      </a:schemeClr>
+      <a:schemeClr val="accent6">
+        <a:tint val="50000"/>
+      </a:schemeClr>
+    </dgm:fillClrLst>
+    <dgm:linClrLst meth="repeat">
+      <a:schemeClr val="lt1"/>
+    </dgm:linClrLst>
+    <dgm:effectClrLst/>
+    <dgm:txLinClrLst/>
+    <dgm:txFillClrLst meth="repeat">
+      <a:schemeClr val="lt1"/>
+    </dgm:txFillClrLst>
+    <dgm:txEffectClrLst/>
+  </dgm:styleLbl>
+  <dgm:styleLbl name="alignImgPlace1">
+    <dgm:fillClrLst>
+      <a:schemeClr val="accent1">
+        <a:tint val="50000"/>
+      </a:schemeClr>
+      <a:schemeClr val="accent2">
+        <a:tint val="20000"/>
+      </a:schemeClr>
+    </dgm:fillClrLst>
+    <dgm:linClrLst meth="repeat">
+      <a:schemeClr val="lt1"/>
+    </dgm:linClrLst>
+    <dgm:effectClrLst/>
+    <dgm:txLinClrLst/>
+    <dgm:txFillClrLst meth="repeat">
+      <a:schemeClr val="lt1"/>
+    </dgm:txFillClrLst>
+    <dgm:txEffectClrLst/>
+  </dgm:styleLbl>
+  <dgm:styleLbl name="bgImgPlace1">
+    <dgm:fillClrLst>
+      <a:schemeClr val="accent1">
+        <a:tint val="50000"/>
+      </a:schemeClr>
+      <a:schemeClr val="accent2">
+        <a:tint val="20000"/>
+      </a:schemeClr>
+    </dgm:fillClrLst>
+    <dgm:linClrLst meth="repeat">
+      <a:schemeClr val="lt1"/>
+    </dgm:linClrLst>
+    <dgm:effectClrLst/>
+    <dgm:txLinClrLst/>
+    <dgm:txFillClrLst meth="repeat">
+      <a:schemeClr val="lt1"/>
+    </dgm:txFillClrLst>
+    <dgm:txEffectClrLst/>
+  </dgm:styleLbl>
+  <dgm:styleLbl name="sibTrans2D1">
+    <dgm:fillClrLst meth="repeat">
+      <a:schemeClr val="accent2"/>
+      <a:schemeClr val="accent3"/>
+      <a:schemeClr val="accent4"/>
+      <a:schemeClr val="accent5"/>
+      <a:schemeClr val="accent6"/>
+    </dgm:fillClrLst>
+    <dgm:linClrLst meth="cycle">
+      <a:schemeClr val="lt1"/>
+    </dgm:linClrLst>
+    <dgm:effectClrLst/>
+    <dgm:txLinClrLst/>
+    <dgm:txFillClrLst/>
+    <dgm:txEffectClrLst/>
+  </dgm:styleLbl>
+  <dgm:styleLbl name="fgSibTrans2D1">
+    <dgm:fillClrLst meth="repeat">
+      <a:schemeClr val="accent2"/>
+      <a:schemeClr val="accent3"/>
+      <a:schemeClr val="accent4"/>
+      <a:schemeClr val="accent5"/>
+      <a:schemeClr val="accent6"/>
+    </dgm:fillClrLst>
+    <dgm:linClrLst meth="cycle">
+      <a:schemeClr val="lt1"/>
+    </dgm:linClrLst>
+    <dgm:effectClrLst/>
+    <dgm:txLinClrLst/>
+    <dgm:txFillClrLst meth="repeat">
+      <a:schemeClr val="lt1"/>
+    </dgm:txFillClrLst>
+    <dgm:txEffectClrLst/>
+  </dgm:styleLbl>
+  <dgm:styleLbl name="bgSibTrans2D1">
+    <dgm:fillClrLst meth="repeat">
+      <a:schemeClr val="accent2"/>
+      <a:schemeClr val="accent3"/>
+      <a:schemeClr val="accent4"/>
+      <a:schemeClr val="accent5"/>
+      <a:schemeClr val="accent6"/>
+    </dgm:fillClrLst>
+    <dgm:linClrLst meth="cycle">
+      <a:schemeClr val="lt1"/>
+    </dgm:linClrLst>
+    <dgm:effectClrLst/>
+    <dgm:txLinClrLst/>
+    <dgm:txFillClrLst meth="repeat">
+      <a:schemeClr val="lt1"/>
+    </dgm:txFillClrLst>
+    <dgm:txEffectClrLst/>
+  </dgm:styleLbl>
+  <dgm:styleLbl name="sibTrans1D1">
+    <dgm:fillClrLst meth="repeat">
+      <a:schemeClr val="accent2"/>
+      <a:schemeClr val="accent3"/>
+      <a:schemeClr val="accent4"/>
+      <a:schemeClr val="accent5"/>
+      <a:schemeClr val="accent6"/>
+    </dgm:fillClrLst>
+    <dgm:linClrLst meth="repeat">
+      <a:schemeClr val="accent2"/>
+      <a:schemeClr val="accent3"/>
+      <a:schemeClr val="accent4"/>
+      <a:schemeClr val="accent5"/>
+      <a:schemeClr val="accent6"/>
+    </dgm:linClrLst>
+    <dgm:effectClrLst/>
+    <dgm:txLinClrLst/>
+    <dgm:txFillClrLst meth="repeat">
+      <a:schemeClr val="tx1"/>
+    </dgm:txFillClrLst>
+    <dgm:txEffectClrLst/>
+  </dgm:styleLbl>
+  <dgm:styleLbl name="callout">
+    <dgm:fillClrLst meth="repeat">
+      <a:schemeClr val="accent2"/>
+    </dgm:fillClrLst>
+    <dgm:linClrLst meth="repeat">
+      <a:schemeClr val="accent2">
+        <a:tint val="50000"/>
+      </a:schemeClr>
+    </dgm:linClrLst>
+    <dgm:effectClrLst/>
+    <dgm:txLinClrLst/>
+    <dgm:txFillClrLst meth="repeat">
+      <a:schemeClr val="tx1"/>
+    </dgm:txFillClrLst>
+    <dgm:txEffectClrLst/>
+  </dgm:styleLbl>
+  <dgm:styleLbl name="asst0">
+    <dgm:fillClrLst meth="repeat">
+      <a:schemeClr val="accent1"/>
+    </dgm:fillClrLst>
+    <dgm:linClrLst meth="repeat">
+      <a:schemeClr val="lt1"/>
+    </dgm:linClrLst>
+    <dgm:effectClrLst/>
+    <dgm:txLinClrLst/>
+    <dgm:txFillClrLst/>
+    <dgm:txEffectClrLst/>
+  </dgm:styleLbl>
+  <dgm:styleLbl name="asst1">
+    <dgm:fillClrLst meth="repeat">
+      <a:schemeClr val="accent2"/>
+    </dgm:fillClrLst>
+    <dgm:linClrLst meth="repeat">
+      <a:schemeClr val="lt1"/>
+    </dgm:linClrLst>
+    <dgm:effectClrLst/>
+    <dgm:txLinClrLst/>
+    <dgm:txFillClrLst/>
+    <dgm:txEffectClrLst/>
+  </dgm:styleLbl>
+  <dgm:styleLbl name="asst2">
+    <dgm:fillClrLst>
+      <a:schemeClr val="accent3"/>
+    </dgm:fillClrLst>
+    <dgm:linClrLst meth="repeat">
+      <a:schemeClr val="lt1"/>
+    </dgm:linClrLst>
+    <dgm:effectClrLst/>
+    <dgm:txLinClrLst/>
+    <dgm:txFillClrLst/>
+    <dgm:txEffectClrLst/>
+  </dgm:styleLbl>
+  <dgm:styleLbl name="asst3">
+    <dgm:fillClrLst>
+      <a:schemeClr val="accent4"/>
+    </dgm:fillClrLst>
+    <dgm:linClrLst meth="repeat">
+      <a:schemeClr val="lt1"/>
+    </dgm:linClrLst>
+    <dgm:effectClrLst/>
+    <dgm:txLinClrLst/>
+    <dgm:txFillClrLst/>
+    <dgm:txEffectClrLst/>
+  </dgm:styleLbl>
+  <dgm:styleLbl name="asst4">
+    <dgm:fillClrLst>
+      <a:schemeClr val="accent5"/>
+    </dgm:fillClrLst>
+    <dgm:linClrLst meth="repeat">
+      <a:schemeClr val="lt1"/>
+    </dgm:linClrLst>
+    <dgm:effectClrLst/>
+    <dgm:txLinClrLst/>
+    <dgm:txFillClrLst/>
+    <dgm:txEffectClrLst/>
+  </dgm:styleLbl>
+  <dgm:styleLbl name="parChTrans2D1">
+    <dgm:fillClrLst meth="repeat">
+      <a:schemeClr val="accent2"/>
+    </dgm:fillClrLst>
+    <dgm:linClrLst meth="repeat">
+      <a:schemeClr val="lt1"/>
+    </dgm:linClrLst>
+    <dgm:effectClrLst/>
+    <dgm:txLinClrLst/>
+    <dgm:txFillClrLst meth="repeat">
+      <a:schemeClr val="lt1"/>
+    </dgm:txFillClrLst>
+    <dgm:txEffectClrLst/>
+  </dgm:styleLbl>
+  <dgm:styleLbl name="parChTrans2D2">
+    <dgm:fillClrLst meth="repeat">
+      <a:schemeClr val="accent3"/>
+    </dgm:fillClrLst>
+    <dgm:linClrLst meth="repeat">
+      <a:schemeClr val="lt1"/>
+    </dgm:linClrLst>
+    <dgm:effectClrLst/>
+    <dgm:txLinClrLst/>
+    <dgm:txFillClrLst/>
+    <dgm:txEffectClrLst/>
+  </dgm:styleLbl>
+  <dgm:styleLbl name="parChTrans2D3">
+    <dgm:fillClrLst meth="repeat">
+      <a:schemeClr val="accent4"/>
+    </dgm:fillClrLst>
+    <dgm:linClrLst meth="repeat">
+      <a:schemeClr val="lt1"/>
+    </dgm:linClrLst>
+    <dgm:effectClrLst/>
+    <dgm:txLinClrLst/>
+    <dgm:txFillClrLst/>
+    <dgm:txEffectClrLst/>
+  </dgm:styleLbl>
+  <dgm:styleLbl name="parChTrans2D4">
+    <dgm:fillClrLst meth="repeat">
+      <a:schemeClr val="accent5"/>
+    </dgm:fillClrLst>
+    <dgm:linClrLst meth="repeat">
+      <a:schemeClr val="lt1"/>
+    </dgm:linClrLst>
+    <dgm:effectClrLst/>
+    <dgm:txLinClrLst/>
+    <dgm:txFillClrLst meth="repeat">
+      <a:schemeClr val="lt1"/>
+    </dgm:txFillClrLst>
+    <dgm:txEffectClrLst/>
+  </dgm:styleLbl>
+  <dgm:styleLbl name="parChTrans1D1">
+    <dgm:fillClrLst meth="repeat">
+      <a:schemeClr val="accent2"/>
+    </dgm:fillClrLst>
+    <dgm:linClrLst meth="repeat">
+      <a:schemeClr val="accent1"/>
+    </dgm:linClrLst>
+    <dgm:effectClrLst/>
+    <dgm:txLinClrLst/>
+    <dgm:txFillClrLst meth="repeat">
+      <a:schemeClr val="tx1"/>
+    </dgm:txFillClrLst>
+    <dgm:txEffectClrLst/>
+  </dgm:styleLbl>
+  <dgm:styleLbl name="parChTrans1D2">
+    <dgm:fillClrLst meth="repeat">
+      <a:schemeClr val="accent3">
+        <a:tint val="90000"/>
+      </a:schemeClr>
+    </dgm:fillClrLst>
+    <dgm:linClrLst meth="repeat">
+      <a:schemeClr val="accent2"/>
+    </dgm:linClrLst>
+    <dgm:effectClrLst/>
+    <dgm:txLinClrLst/>
+    <dgm:txFillClrLst meth="repeat">
+      <a:schemeClr val="tx1"/>
+    </dgm:txFillClrLst>
+    <dgm:txEffectClrLst/>
+  </dgm:styleLbl>
+  <dgm:styleLbl name="parChTrans1D3">
+    <dgm:fillClrLst meth="repeat">
+      <a:schemeClr val="accent4">
+        <a:tint val="70000"/>
+      </a:schemeClr>
+    </dgm:fillClrLst>
+    <dgm:linClrLst meth="repeat">
+      <a:schemeClr val="accent3"/>
+    </dgm:linClrLst>
+    <dgm:effectClrLst/>
+    <dgm:txLinClrLst/>
+    <dgm:txFillClrLst meth="repeat">
+      <a:schemeClr val="tx1"/>
+    </dgm:txFillClrLst>
+    <dgm:txEffectClrLst/>
+  </dgm:styleLbl>
+  <dgm:styleLbl name="parChTrans1D4">
+    <dgm:fillClrLst meth="repeat">
+      <a:schemeClr val="accent5">
+        <a:tint val="50000"/>
+      </a:schemeClr>
+    </dgm:fillClrLst>
+    <dgm:linClrLst meth="repeat">
+      <a:schemeClr val="accent4"/>
+    </dgm:linClrLst>
+    <dgm:effectClrLst/>
+    <dgm:txLinClrLst/>
+    <dgm:txFillClrLst meth="repeat">
+      <a:schemeClr val="tx1"/>
+    </dgm:txFillClrLst>
+    <dgm:txEffectClrLst/>
+  </dgm:styleLbl>
+  <dgm:styleLbl name="fgAcc1">
+    <dgm:fillClrLst meth="repeat">
+      <a:schemeClr val="lt1">
+        <a:alpha val="90000"/>
+      </a:schemeClr>
+    </dgm:fillClrLst>
+    <dgm:linClrLst meth="repeat">
+      <a:schemeClr val="accent2"/>
+      <a:schemeClr val="accent3"/>
+      <a:schemeClr val="accent4"/>
+      <a:schemeClr val="accent5"/>
+      <a:schemeClr val="accent6"/>
+    </dgm:linClrLst>
+    <dgm:effectClrLst/>
+    <dgm:txLinClrLst/>
+    <dgm:txFillClrLst meth="repeat">
+      <a:schemeClr val="dk1"/>
+    </dgm:txFillClrLst>
+    <dgm:txEffectClrLst/>
+  </dgm:styleLbl>
+  <dgm:styleLbl name="conFgAcc1">
+    <dgm:fillClrLst meth="repeat">
+      <a:schemeClr val="lt1">
+        <a:alpha val="90000"/>
+      </a:schemeClr>
+    </dgm:fillClrLst>
+    <dgm:linClrLst meth="repeat">
+      <a:schemeClr val="accent2"/>
+      <a:schemeClr val="accent3"/>
+      <a:schemeClr val="accent4"/>
+      <a:schemeClr val="accent5"/>
+      <a:schemeClr val="accent6"/>
+    </dgm:linClrLst>
+    <dgm:effectClrLst/>
+    <dgm:txLinClrLst/>
+    <dgm:txFillClrLst meth="repeat">
+      <a:schemeClr val="dk1"/>
+    </dgm:txFillClrLst>
+    <dgm:txEffectClrLst/>
+  </dgm:styleLbl>
+  <dgm:styleLbl name="alignAcc1">
+    <dgm:fillClrLst meth="repeat">
+      <a:schemeClr val="lt1">
+        <a:alpha val="90000"/>
+      </a:schemeClr>
+    </dgm:fillClrLst>
+    <dgm:linClrLst meth="repeat">
+      <a:schemeClr val="accent2"/>
+      <a:schemeClr val="accent3"/>
+      <a:schemeClr val="accent4"/>
+      <a:schemeClr val="accent5"/>
+      <a:schemeClr val="accent6"/>
+    </dgm:linClrLst>
+    <dgm:effectClrLst/>
+    <dgm:txLinClrLst/>
+    <dgm:txFillClrLst meth="repeat">
+      <a:schemeClr val="dk1"/>
+    </dgm:txFillClrLst>
+    <dgm:txEffectClrLst/>
+  </dgm:styleLbl>
+  <dgm:styleLbl name="trAlignAcc1">
+    <dgm:fillClrLst meth="repeat">
+      <a:schemeClr val="lt1">
+        <a:alpha val="40000"/>
+      </a:schemeClr>
+    </dgm:fillClrLst>
+    <dgm:linClrLst meth="repeat">
+      <a:schemeClr val="accent1"/>
+    </dgm:linClrLst>
+    <dgm:effectClrLst/>
+    <dgm:txLinClrLst/>
+    <dgm:txFillClrLst meth="repeat">
+      <a:schemeClr val="dk1"/>
+    </dgm:txFillClrLst>
+    <dgm:txEffectClrLst/>
+  </dgm:styleLbl>
+  <dgm:styleLbl name="bgAcc1">
+    <dgm:fillClrLst meth="repeat">
+      <a:schemeClr val="lt1">
+        <a:alpha val="90000"/>
+      </a:schemeClr>
+    </dgm:fillClrLst>
+    <dgm:linClrLst meth="repeat">
+      <a:schemeClr val="accent2"/>
+      <a:schemeClr val="accent3"/>
+      <a:schemeClr val="accent4"/>
+      <a:schemeClr val="accent5"/>
+      <a:schemeClr val="accent6"/>
+    </dgm:linClrLst>
+    <dgm:effectClrLst/>
+    <dgm:txLinClrLst/>
+    <dgm:txFillClrLst meth="repeat">
+      <a:schemeClr val="dk1"/>
+    </dgm:txFillClrLst>
+    <dgm:txEffectClrLst/>
+  </dgm:styleLbl>
+  <dgm:styleLbl name="solidFgAcc1">
+    <dgm:fillClrLst meth="repeat">
+      <a:schemeClr val="lt1"/>
+    </dgm:fillClrLst>
+    <dgm:linClrLst meth="repeat">
+      <a:schemeClr val="accent2"/>
+      <a:schemeClr val="accent3"/>
+      <a:schemeClr val="accent4"/>
+      <a:schemeClr val="accent5"/>
+      <a:schemeClr val="accent6"/>
+    </dgm:linClrLst>
+    <dgm:effectClrLst/>
+    <dgm:txLinClrLst/>
+    <dgm:txFillClrLst meth="repeat">
+      <a:schemeClr val="dk1"/>
+    </dgm:txFillClrLst>
+    <dgm:txEffectClrLst/>
+  </dgm:styleLbl>
+  <dgm:styleLbl name="solidAlignAcc1">
+    <dgm:fillClrLst meth="repeat">
+      <a:schemeClr val="lt1"/>
+    </dgm:fillClrLst>
+    <dgm:linClrLst meth="repeat">
+      <a:schemeClr val="accent2"/>
+      <a:schemeClr val="accent3"/>
+      <a:schemeClr val="accent4"/>
+      <a:schemeClr val="accent5"/>
+      <a:schemeClr val="accent6"/>
+    </dgm:linClrLst>
+    <dgm:effectClrLst/>
+    <dgm:txLinClrLst/>
+    <dgm:txFillClrLst meth="repeat">
+      <a:schemeClr val="dk1"/>
+    </dgm:txFillClrLst>
+    <dgm:txEffectClrLst/>
+  </dgm:styleLbl>
+  <dgm:styleLbl name="solidBgAcc1">
+    <dgm:fillClrLst meth="repeat">
+      <a:schemeClr val="lt1"/>
+    </dgm:fillClrLst>
+    <dgm:linClrLst meth="repeat">
+      <a:schemeClr val="accent2"/>
+      <a:schemeClr val="accent3"/>
+      <a:schemeClr val="accent4"/>
+      <a:schemeClr val="accent5"/>
+      <a:schemeClr val="accent6"/>
+    </dgm:linClrLst>
+    <dgm:effectClrLst/>
+    <dgm:txLinClrLst/>
+    <dgm:txFillClrLst meth="repeat">
+      <a:schemeClr val="dk1"/>
+    </dgm:txFillClrLst>
+    <dgm:txEffectClrLst/>
+  </dgm:styleLbl>
+  <dgm:styleLbl name="fgAccFollowNode1">
+    <dgm:fillClrLst meth="repeat">
+      <a:schemeClr val="accent2">
+        <a:tint val="40000"/>
+        <a:alpha val="90000"/>
+      </a:schemeClr>
+      <a:schemeClr val="accent3">
+        <a:tint val="40000"/>
+        <a:alpha val="90000"/>
+      </a:schemeClr>
+      <a:schemeClr val="accent4">
+        <a:tint val="40000"/>
+        <a:alpha val="90000"/>
+      </a:schemeClr>
+      <a:schemeClr val="accent5">
+        <a:tint val="40000"/>
+        <a:alpha val="90000"/>
+      </a:schemeClr>
+      <a:schemeClr val="accent6">
+        <a:tint val="40000"/>
+        <a:alpha val="90000"/>
+      </a:schemeClr>
+    </dgm:fillClrLst>
+    <dgm:linClrLst meth="repeat">
+      <a:schemeClr val="accent2">
+        <a:tint val="40000"/>
+        <a:alpha val="90000"/>
+      </a:schemeClr>
+      <a:schemeClr val="accent3">
+        <a:tint val="40000"/>
+        <a:alpha val="90000"/>
+      </a:schemeClr>
+      <a:schemeClr val="accent4">
+        <a:tint val="40000"/>
+        <a:alpha val="90000"/>
+      </a:schemeClr>
+      <a:schemeClr val="accent5">
+        <a:tint val="40000"/>
+        <a:alpha val="90000"/>
+      </a:schemeClr>
+      <a:schemeClr val="accent6">
+        <a:tint val="40000"/>
+        <a:alpha val="90000"/>
+      </a:schemeClr>
+    </dgm:linClrLst>
+    <dgm:effectClrLst/>
+    <dgm:txLinClrLst/>
+    <dgm:txFillClrLst meth="repeat">
+      <a:schemeClr val="dk1"/>
+    </dgm:txFillClrLst>
+    <dgm:txEffectClrLst/>
+  </dgm:styleLbl>
+  <dgm:styleLbl name="alignAccFollowNode1">
+    <dgm:fillClrLst meth="repeat">
+      <a:schemeClr val="accent2">
+        <a:tint val="40000"/>
+        <a:alpha val="90000"/>
+      </a:schemeClr>
+      <a:schemeClr val="accent3">
+        <a:tint val="40000"/>
+        <a:alpha val="90000"/>
+      </a:schemeClr>
+      <a:schemeClr val="accent4">
+        <a:tint val="40000"/>
+        <a:alpha val="90000"/>
+      </a:schemeClr>
+      <a:schemeClr val="accent5">
+        <a:tint val="40000"/>
+        <a:alpha val="90000"/>
+      </a:schemeClr>
+      <a:schemeClr val="accent6">
+        <a:tint val="40000"/>
+        <a:alpha val="90000"/>
+      </a:schemeClr>
+    </dgm:fillClrLst>
+    <dgm:linClrLst meth="repeat">
+      <a:schemeClr val="accent2">
+        <a:tint val="40000"/>
+        <a:alpha val="90000"/>
+      </a:schemeClr>
+      <a:schemeClr val="accent3">
+        <a:tint val="40000"/>
+        <a:alpha val="90000"/>
+      </a:schemeClr>
+      <a:schemeClr val="accent4">
+        <a:tint val="40000"/>
+        <a:alpha val="90000"/>
+      </a:schemeClr>
+      <a:schemeClr val="accent5">
+        <a:tint val="40000"/>
+        <a:alpha val="90000"/>
+      </a:schemeClr>
+      <a:schemeClr val="accent6">
+        <a:tint val="40000"/>
+        <a:alpha val="90000"/>
+      </a:schemeClr>
+    </dgm:linClrLst>
+    <dgm:effectClrLst/>
+    <dgm:txLinClrLst/>
+    <dgm:txFillClrLst meth="repeat">
+      <a:schemeClr val="dk1"/>
+    </dgm:txFillClrLst>
+    <dgm:txEffectClrLst/>
+  </dgm:styleLbl>
+  <dgm:styleLbl name="bgAccFollowNode1">
+    <dgm:fillClrLst meth="repeat">
+      <a:schemeClr val="accent2">
+        <a:tint val="40000"/>
+        <a:alpha val="90000"/>
+      </a:schemeClr>
+      <a:schemeClr val="accent3">
+        <a:tint val="40000"/>
+        <a:alpha val="90000"/>
+      </a:schemeClr>
+      <a:schemeClr val="accent4">
+        <a:tint val="40000"/>
+        <a:alpha val="90000"/>
+      </a:schemeClr>
+      <a:schemeClr val="accent5">
+        <a:tint val="40000"/>
+        <a:alpha val="90000"/>
+      </a:schemeClr>
+      <a:schemeClr val="accent6">
+        <a:tint val="40000"/>
+        <a:alpha val="90000"/>
+      </a:schemeClr>
+    </dgm:fillClrLst>
+    <dgm:linClrLst meth="repeat">
+      <a:schemeClr val="accent2">
+        <a:tint val="40000"/>
+        <a:alpha val="90000"/>
+      </a:schemeClr>
+      <a:schemeClr val="accent3">
+        <a:tint val="40000"/>
+        <a:alpha val="90000"/>
+      </a:schemeClr>
+      <a:schemeClr val="accent4">
+        <a:tint val="40000"/>
+        <a:alpha val="90000"/>
+      </a:schemeClr>
+      <a:schemeClr val="accent5">
+        <a:tint val="40000"/>
+        <a:alpha val="90000"/>
+      </a:schemeClr>
+      <a:schemeClr val="accent6">
+        <a:tint val="40000"/>
+        <a:alpha val="90000"/>
+      </a:schemeClr>
+    </dgm:linClrLst>
+    <dgm:effectClrLst/>
+    <dgm:txLinClrLst/>
+    <dgm:txFillClrLst meth="repeat">
+      <a:schemeClr val="dk1"/>
+    </dgm:txFillClrLst>
+    <dgm:txEffectClrLst/>
+  </dgm:styleLbl>
+  <dgm:styleLbl name="fgAcc0">
+    <dgm:fillClrLst meth="repeat">
+      <a:schemeClr val="lt1">
+        <a:alpha val="90000"/>
+      </a:schemeClr>
+    </dgm:fillClrLst>
+    <dgm:linClrLst>
+      <a:schemeClr val="accent1"/>
+    </dgm:linClrLst>
+    <dgm:effectClrLst/>
+    <dgm:txLinClrLst/>
+    <dgm:txFillClrLst meth="repeat">
+      <a:schemeClr val="dk1"/>
+    </dgm:txFillClrLst>
+    <dgm:txEffectClrLst/>
+  </dgm:styleLbl>
+  <dgm:styleLbl name="fgAcc2">
+    <dgm:fillClrLst meth="repeat">
+      <a:schemeClr val="lt1">
+        <a:alpha val="90000"/>
+      </a:schemeClr>
+    </dgm:fillClrLst>
+    <dgm:linClrLst>
+      <a:schemeClr val="accent2"/>
+    </dgm:linClrLst>
+    <dgm:effectClrLst/>
+    <dgm:txLinClrLst/>
+    <dgm:txFillClrLst meth="repeat">
+      <a:schemeClr val="dk1"/>
+    </dgm:txFillClrLst>
+    <dgm:txEffectClrLst/>
+  </dgm:styleLbl>
+  <dgm:styleLbl name="fgAcc3">
+    <dgm:fillClrLst meth="repeat">
+      <a:schemeClr val="lt1">
+        <a:alpha val="90000"/>
+      </a:schemeClr>
+    </dgm:fillClrLst>
+    <dgm:linClrLst>
+      <a:schemeClr val="accent3"/>
+    </dgm:linClrLst>
+    <dgm:effectClrLst/>
+    <dgm:txLinClrLst/>
+    <dgm:txFillClrLst meth="repeat">
+      <a:schemeClr val="dk1"/>
+    </dgm:txFillClrLst>
+    <dgm:txEffectClrLst/>
+  </dgm:styleLbl>
+  <dgm:styleLbl name="fgAcc4">
+    <dgm:fillClrLst meth="repeat">
+      <a:schemeClr val="lt1">
+        <a:alpha val="90000"/>
+      </a:schemeClr>
+    </dgm:fillClrLst>
+    <dgm:linClrLst>
+      <a:schemeClr val="accent4"/>
+    </dgm:linClrLst>
+    <dgm:effectClrLst/>
+    <dgm:txLinClrLst/>
+    <dgm:txFillClrLst meth="repeat">
+      <a:schemeClr val="dk1"/>
+    </dgm:txFillClrLst>
+    <dgm:txEffectClrLst/>
+  </dgm:styleLbl>
+  <dgm:styleLbl name="bgShp">
+    <dgm:fillClrLst meth="repeat">
+      <a:schemeClr val="bg1">
+        <a:lumMod val="95000"/>
+      </a:schemeClr>
+    </dgm:fillClrLst>
+    <dgm:linClrLst meth="repeat">
+      <a:schemeClr val="dk1"/>
+    </dgm:linClrLst>
+    <dgm:effectClrLst/>
+    <dgm:txLinClrLst/>
+    <dgm:txFillClrLst meth="repeat">
+      <a:schemeClr val="dk1"/>
+    </dgm:txFillClrLst>
+    <dgm:txEffectClrLst/>
+  </dgm:styleLbl>
+  <dgm:styleLbl name="dkBgShp">
+    <dgm:fillClrLst meth="repeat">
+      <a:schemeClr val="accent2">
+        <a:shade val="90000"/>
+      </a:schemeClr>
+    </dgm:fillClrLst>
+    <dgm:linClrLst meth="repeat">
+      <a:schemeClr val="dk1"/>
+    </dgm:linClrLst>
+    <dgm:effectClrLst/>
+    <dgm:txLinClrLst/>
+    <dgm:txFillClrLst meth="repeat">
+      <a:schemeClr val="lt1"/>
+    </dgm:txFillClrLst>
+    <dgm:txEffectClrLst/>
+  </dgm:styleLbl>
+  <dgm:styleLbl name="trBgShp">
+    <dgm:fillClrLst meth="repeat">
+      <a:schemeClr val="accent1">
+        <a:tint val="50000"/>
+        <a:alpha val="40000"/>
+      </a:schemeClr>
+    </dgm:fillClrLst>
+    <dgm:linClrLst meth="repeat">
+      <a:schemeClr val="accent2"/>
+    </dgm:linClrLst>
+    <dgm:effectClrLst/>
+    <dgm:txLinClrLst/>
+    <dgm:txFillClrLst meth="repeat">
+      <a:schemeClr val="lt1"/>
+    </dgm:txFillClrLst>
+    <dgm:txEffectClrLst/>
+  </dgm:styleLbl>
+  <dgm:styleLbl name="fgShp">
+    <dgm:fillClrLst meth="repeat">
+      <a:schemeClr val="accent2">
         <a:tint val="40000"/>
       </a:schemeClr>
     </dgm:fillClrLst>
@@ -5566,6 +6488,315 @@
     <dgm:cxn modelId="{E4BE849D-14AC-4304-8F91-A732CFB57873}" type="presParOf" srcId="{3C349B57-4CBA-4C11-97F5-9FB35CE2E0A7}" destId="{7786A0F4-BD0E-437F-931D-9639A39E2EF1}" srcOrd="1" destOrd="0" presId="urn:microsoft.com/office/officeart/2005/8/layout/list1"/>
     <dgm:cxn modelId="{EA3557AD-0C9A-4B1D-BE04-AED2961D1B6D}" type="presParOf" srcId="{426F88CA-B8CA-439D-A11A-792E59973BC8}" destId="{110A18F8-A612-4323-9E61-A3CED0197E2A}" srcOrd="5" destOrd="0" presId="urn:microsoft.com/office/officeart/2005/8/layout/list1"/>
     <dgm:cxn modelId="{DC54269E-6B2B-40CA-AB67-E91FCB9366F1}" type="presParOf" srcId="{426F88CA-B8CA-439D-A11A-792E59973BC8}" destId="{80A0F846-748D-4C2E-ADC9-FF5A30BE1B32}" srcOrd="6" destOrd="0" presId="urn:microsoft.com/office/officeart/2005/8/layout/list1"/>
+  </dgm:cxnLst>
+  <dgm:bg/>
+  <dgm:whole/>
+  <dgm:extLst>
+    <a:ext uri="http://schemas.microsoft.com/office/drawing/2008/diagram">
+      <dsp:dataModelExt xmlns:dsp="http://schemas.microsoft.com/office/drawing/2008/diagram" relId="rId6" minVer="http://schemas.openxmlformats.org/drawingml/2006/diagram"/>
+    </a:ext>
+  </dgm:extLst>
+</dgm:dataModel>
+</file>
+
+<file path=ppt/diagrams/data6.xml><?xml version="1.0" encoding="utf-8"?>
+<dgm:dataModel xmlns:dgm="http://schemas.openxmlformats.org/drawingml/2006/diagram" xmlns:a="http://schemas.openxmlformats.org/drawingml/2006/main">
+  <dgm:ptLst>
+    <dgm:pt modelId="{7A4D75A4-3DD0-4DD2-92EA-72C51D917863}" type="doc">
+      <dgm:prSet loTypeId="urn:microsoft.com/office/officeart/2018/2/layout/IconLabelList" loCatId="icon" qsTypeId="urn:microsoft.com/office/officeart/2005/8/quickstyle/simple1" qsCatId="simple" csTypeId="urn:microsoft.com/office/officeart/2018/5/colors/Iconchunking_neutralbg_colorful1" csCatId="colorful" phldr="1"/>
+      <dgm:spPr/>
+      <dgm:t>
+        <a:bodyPr/>
+        <a:lstStyle/>
+        <a:p>
+          <a:endParaRPr lang="en-US"/>
+        </a:p>
+      </dgm:t>
+    </dgm:pt>
+    <dgm:pt modelId="{1049B9D2-4B0E-4E90-8469-F2FA34DB3CC1}">
+      <dgm:prSet/>
+      <dgm:spPr/>
+      <dgm:t>
+        <a:bodyPr/>
+        <a:lstStyle/>
+        <a:p>
+          <a:r>
+            <a:rPr lang="en-US"/>
+            <a:t>HTTP REST</a:t>
+          </a:r>
+        </a:p>
+      </dgm:t>
+    </dgm:pt>
+    <dgm:pt modelId="{11275373-7E33-49B1-AD2B-6719C4AE57DE}" type="parTrans" cxnId="{1F6C0D0F-E7F3-46EA-AB02-3F6801704348}">
+      <dgm:prSet/>
+      <dgm:spPr/>
+      <dgm:t>
+        <a:bodyPr/>
+        <a:lstStyle/>
+        <a:p>
+          <a:endParaRPr lang="en-US"/>
+        </a:p>
+      </dgm:t>
+    </dgm:pt>
+    <dgm:pt modelId="{ABA51E51-E9D8-409C-BF02-422EC0FD2315}" type="sibTrans" cxnId="{1F6C0D0F-E7F3-46EA-AB02-3F6801704348}">
+      <dgm:prSet/>
+      <dgm:spPr/>
+      <dgm:t>
+        <a:bodyPr/>
+        <a:lstStyle/>
+        <a:p>
+          <a:endParaRPr lang="en-US"/>
+        </a:p>
+      </dgm:t>
+    </dgm:pt>
+    <dgm:pt modelId="{71DE3832-D996-471D-B2ED-B0013A210EB6}">
+      <dgm:prSet/>
+      <dgm:spPr/>
+      <dgm:t>
+        <a:bodyPr/>
+        <a:lstStyle/>
+        <a:p>
+          <a:r>
+            <a:rPr lang="de-DE"/>
+            <a:t>InfluxDB Line Protocol (TCP/UDP)</a:t>
+          </a:r>
+          <a:endParaRPr lang="en-US"/>
+        </a:p>
+      </dgm:t>
+    </dgm:pt>
+    <dgm:pt modelId="{B20877AC-2C1A-4413-BD3C-AC159A4F260E}" type="parTrans" cxnId="{67217337-F0B3-4CF6-BB04-84F2C5B2205D}">
+      <dgm:prSet/>
+      <dgm:spPr/>
+      <dgm:t>
+        <a:bodyPr/>
+        <a:lstStyle/>
+        <a:p>
+          <a:endParaRPr lang="en-US"/>
+        </a:p>
+      </dgm:t>
+    </dgm:pt>
+    <dgm:pt modelId="{2AEE31BA-DB3F-45A8-BD2C-7186073A0458}" type="sibTrans" cxnId="{67217337-F0B3-4CF6-BB04-84F2C5B2205D}">
+      <dgm:prSet/>
+      <dgm:spPr/>
+      <dgm:t>
+        <a:bodyPr/>
+        <a:lstStyle/>
+        <a:p>
+          <a:endParaRPr lang="en-US"/>
+        </a:p>
+      </dgm:t>
+    </dgm:pt>
+    <dgm:pt modelId="{7DC88861-4612-4185-8B5E-E4751F06AD77}">
+      <dgm:prSet/>
+      <dgm:spPr/>
+      <dgm:t>
+        <a:bodyPr/>
+        <a:lstStyle/>
+        <a:p>
+          <a:r>
+            <a:rPr lang="en-US"/>
+            <a:t>JDBC</a:t>
+          </a:r>
+        </a:p>
+      </dgm:t>
+    </dgm:pt>
+    <dgm:pt modelId="{FC56C662-8508-498E-93EA-FD96A509B9E6}" type="parTrans" cxnId="{F7EA0DB6-9D15-4CF2-8CD4-8051195B3FBF}">
+      <dgm:prSet/>
+      <dgm:spPr/>
+      <dgm:t>
+        <a:bodyPr/>
+        <a:lstStyle/>
+        <a:p>
+          <a:endParaRPr lang="en-US"/>
+        </a:p>
+      </dgm:t>
+    </dgm:pt>
+    <dgm:pt modelId="{745B581B-FCE6-49F6-8689-F257B0D8EC43}" type="sibTrans" cxnId="{F7EA0DB6-9D15-4CF2-8CD4-8051195B3FBF}">
+      <dgm:prSet/>
+      <dgm:spPr/>
+      <dgm:t>
+        <a:bodyPr/>
+        <a:lstStyle/>
+        <a:p>
+          <a:endParaRPr lang="en-US"/>
+        </a:p>
+      </dgm:t>
+    </dgm:pt>
+    <dgm:pt modelId="{1A41860A-8C3D-44A5-82A8-43511BF4E51B}" type="pres">
+      <dgm:prSet presAssocID="{7A4D75A4-3DD0-4DD2-92EA-72C51D917863}" presName="root" presStyleCnt="0">
+        <dgm:presLayoutVars>
+          <dgm:dir/>
+          <dgm:resizeHandles val="exact"/>
+        </dgm:presLayoutVars>
+      </dgm:prSet>
+      <dgm:spPr/>
+    </dgm:pt>
+    <dgm:pt modelId="{19F8BB58-757C-498B-B23B-9C9F0A23BB42}" type="pres">
+      <dgm:prSet presAssocID="{1049B9D2-4B0E-4E90-8469-F2FA34DB3CC1}" presName="compNode" presStyleCnt="0"/>
+      <dgm:spPr/>
+    </dgm:pt>
+    <dgm:pt modelId="{5E8A0552-44F8-49D1-8531-3DB4E8246BB5}" type="pres">
+      <dgm:prSet presAssocID="{1049B9D2-4B0E-4E90-8469-F2FA34DB3CC1}" presName="iconRect" presStyleLbl="node1" presStyleIdx="0" presStyleCnt="3"/>
+      <dgm:spPr>
+        <a:blipFill>
+          <a:blip xmlns:r="http://schemas.openxmlformats.org/officeDocument/2006/relationships" r:embed="rId1">
+            <a:extLst>
+              <a:ext uri="{28A0092B-C50C-407E-A947-70E740481C1C}">
+                <a14:useLocalDpi xmlns:a14="http://schemas.microsoft.com/office/drawing/2010/main" val="0"/>
+              </a:ext>
+              <a:ext uri="{96DAC541-7B7A-43D3-8B79-37D633B846F1}">
+                <asvg:svgBlip xmlns:asvg="http://schemas.microsoft.com/office/drawing/2016/SVG/main" r:embed="rId2"/>
+              </a:ext>
+            </a:extLst>
+          </a:blip>
+          <a:stretch>
+            <a:fillRect/>
+          </a:stretch>
+        </a:blipFill>
+        <a:ln>
+          <a:noFill/>
+        </a:ln>
+      </dgm:spPr>
+      <dgm:extLst>
+        <a:ext uri="{E40237B7-FDA0-4F09-8148-C483321AD2D9}">
+          <dgm14:cNvPr xmlns:dgm14="http://schemas.microsoft.com/office/drawing/2010/diagram" id="0" name="" descr="Computer"/>
+        </a:ext>
+      </dgm:extLst>
+    </dgm:pt>
+    <dgm:pt modelId="{812F7A4C-0DC0-4151-8F63-BA6412D102A9}" type="pres">
+      <dgm:prSet presAssocID="{1049B9D2-4B0E-4E90-8469-F2FA34DB3CC1}" presName="spaceRect" presStyleCnt="0"/>
+      <dgm:spPr/>
+    </dgm:pt>
+    <dgm:pt modelId="{95B0BBEB-14C3-4984-9F58-701C6091EAF9}" type="pres">
+      <dgm:prSet presAssocID="{1049B9D2-4B0E-4E90-8469-F2FA34DB3CC1}" presName="textRect" presStyleLbl="revTx" presStyleIdx="0" presStyleCnt="3">
+        <dgm:presLayoutVars>
+          <dgm:chMax val="1"/>
+          <dgm:chPref val="1"/>
+        </dgm:presLayoutVars>
+      </dgm:prSet>
+      <dgm:spPr/>
+    </dgm:pt>
+    <dgm:pt modelId="{5880125E-C7B3-41C0-8677-A8921A08CB1D}" type="pres">
+      <dgm:prSet presAssocID="{ABA51E51-E9D8-409C-BF02-422EC0FD2315}" presName="sibTrans" presStyleCnt="0"/>
+      <dgm:spPr/>
+    </dgm:pt>
+    <dgm:pt modelId="{5638A2B9-237B-4E1E-829A-6A130A2FF52F}" type="pres">
+      <dgm:prSet presAssocID="{71DE3832-D996-471D-B2ED-B0013A210EB6}" presName="compNode" presStyleCnt="0"/>
+      <dgm:spPr/>
+    </dgm:pt>
+    <dgm:pt modelId="{B90BC3DF-53A2-465F-BA0C-80F3ECE2AEEA}" type="pres">
+      <dgm:prSet presAssocID="{71DE3832-D996-471D-B2ED-B0013A210EB6}" presName="iconRect" presStyleLbl="node1" presStyleIdx="1" presStyleCnt="3"/>
+      <dgm:spPr>
+        <a:blipFill>
+          <a:blip xmlns:r="http://schemas.openxmlformats.org/officeDocument/2006/relationships" r:embed="rId3">
+            <a:extLst>
+              <a:ext uri="{28A0092B-C50C-407E-A947-70E740481C1C}">
+                <a14:useLocalDpi xmlns:a14="http://schemas.microsoft.com/office/drawing/2010/main" val="0"/>
+              </a:ext>
+              <a:ext uri="{96DAC541-7B7A-43D3-8B79-37D633B846F1}">
+                <asvg:svgBlip xmlns:asvg="http://schemas.microsoft.com/office/drawing/2016/SVG/main" r:embed="rId4"/>
+              </a:ext>
+            </a:extLst>
+          </a:blip>
+          <a:stretch>
+            <a:fillRect/>
+          </a:stretch>
+        </a:blipFill>
+        <a:ln>
+          <a:noFill/>
+        </a:ln>
+      </dgm:spPr>
+      <dgm:extLst>
+        <a:ext uri="{E40237B7-FDA0-4F09-8148-C483321AD2D9}">
+          <dgm14:cNvPr xmlns:dgm14="http://schemas.microsoft.com/office/drawing/2010/diagram" id="0" name="" descr="Laptop"/>
+        </a:ext>
+      </dgm:extLst>
+    </dgm:pt>
+    <dgm:pt modelId="{8DE9308B-C3B8-4D71-90D0-AA57F8F19092}" type="pres">
+      <dgm:prSet presAssocID="{71DE3832-D996-471D-B2ED-B0013A210EB6}" presName="spaceRect" presStyleCnt="0"/>
+      <dgm:spPr/>
+    </dgm:pt>
+    <dgm:pt modelId="{CB291D01-309E-4BDC-9BA4-6EFEBDAC5FC5}" type="pres">
+      <dgm:prSet presAssocID="{71DE3832-D996-471D-B2ED-B0013A210EB6}" presName="textRect" presStyleLbl="revTx" presStyleIdx="1" presStyleCnt="3">
+        <dgm:presLayoutVars>
+          <dgm:chMax val="1"/>
+          <dgm:chPref val="1"/>
+        </dgm:presLayoutVars>
+      </dgm:prSet>
+      <dgm:spPr/>
+    </dgm:pt>
+    <dgm:pt modelId="{1235DEA3-9319-4438-A1A1-8B01D718083C}" type="pres">
+      <dgm:prSet presAssocID="{2AEE31BA-DB3F-45A8-BD2C-7186073A0458}" presName="sibTrans" presStyleCnt="0"/>
+      <dgm:spPr/>
+    </dgm:pt>
+    <dgm:pt modelId="{1342B2E0-59A7-4D2D-92E9-508FC572E249}" type="pres">
+      <dgm:prSet presAssocID="{7DC88861-4612-4185-8B5E-E4751F06AD77}" presName="compNode" presStyleCnt="0"/>
+      <dgm:spPr/>
+    </dgm:pt>
+    <dgm:pt modelId="{0B7D673B-579D-425E-A10D-BAD5813AC459}" type="pres">
+      <dgm:prSet presAssocID="{7DC88861-4612-4185-8B5E-E4751F06AD77}" presName="iconRect" presStyleLbl="node1" presStyleIdx="2" presStyleCnt="3"/>
+      <dgm:spPr>
+        <a:blipFill>
+          <a:blip xmlns:r="http://schemas.openxmlformats.org/officeDocument/2006/relationships" r:embed="rId5">
+            <a:extLst>
+              <a:ext uri="{28A0092B-C50C-407E-A947-70E740481C1C}">
+                <a14:useLocalDpi xmlns:a14="http://schemas.microsoft.com/office/drawing/2010/main" val="0"/>
+              </a:ext>
+              <a:ext uri="{96DAC541-7B7A-43D3-8B79-37D633B846F1}">
+                <asvg:svgBlip xmlns:asvg="http://schemas.microsoft.com/office/drawing/2016/SVG/main" r:embed="rId6"/>
+              </a:ext>
+            </a:extLst>
+          </a:blip>
+          <a:stretch>
+            <a:fillRect/>
+          </a:stretch>
+        </a:blipFill>
+        <a:ln>
+          <a:noFill/>
+        </a:ln>
+      </dgm:spPr>
+      <dgm:extLst>
+        <a:ext uri="{E40237B7-FDA0-4F09-8148-C483321AD2D9}">
+          <dgm14:cNvPr xmlns:dgm14="http://schemas.microsoft.com/office/drawing/2010/diagram" id="0" name="" descr="User"/>
+        </a:ext>
+      </dgm:extLst>
+    </dgm:pt>
+    <dgm:pt modelId="{C68F5F71-2E22-40B8-9A49-2A798B06725E}" type="pres">
+      <dgm:prSet presAssocID="{7DC88861-4612-4185-8B5E-E4751F06AD77}" presName="spaceRect" presStyleCnt="0"/>
+      <dgm:spPr/>
+    </dgm:pt>
+    <dgm:pt modelId="{9BD85CAE-089B-4238-9FD8-0B6B482B4848}" type="pres">
+      <dgm:prSet presAssocID="{7DC88861-4612-4185-8B5E-E4751F06AD77}" presName="textRect" presStyleLbl="revTx" presStyleIdx="2" presStyleCnt="3">
+        <dgm:presLayoutVars>
+          <dgm:chMax val="1"/>
+          <dgm:chPref val="1"/>
+        </dgm:presLayoutVars>
+      </dgm:prSet>
+      <dgm:spPr/>
+    </dgm:pt>
+  </dgm:ptLst>
+  <dgm:cxnLst>
+    <dgm:cxn modelId="{1F6C0D0F-E7F3-46EA-AB02-3F6801704348}" srcId="{7A4D75A4-3DD0-4DD2-92EA-72C51D917863}" destId="{1049B9D2-4B0E-4E90-8469-F2FA34DB3CC1}" srcOrd="0" destOrd="0" parTransId="{11275373-7E33-49B1-AD2B-6719C4AE57DE}" sibTransId="{ABA51E51-E9D8-409C-BF02-422EC0FD2315}"/>
+    <dgm:cxn modelId="{67217337-F0B3-4CF6-BB04-84F2C5B2205D}" srcId="{7A4D75A4-3DD0-4DD2-92EA-72C51D917863}" destId="{71DE3832-D996-471D-B2ED-B0013A210EB6}" srcOrd="1" destOrd="0" parTransId="{B20877AC-2C1A-4413-BD3C-AC159A4F260E}" sibTransId="{2AEE31BA-DB3F-45A8-BD2C-7186073A0458}"/>
+    <dgm:cxn modelId="{2A857867-94E2-44AF-9AF1-3CCCF3EF2ED6}" type="presOf" srcId="{7A4D75A4-3DD0-4DD2-92EA-72C51D917863}" destId="{1A41860A-8C3D-44A5-82A8-43511BF4E51B}" srcOrd="0" destOrd="0" presId="urn:microsoft.com/office/officeart/2018/2/layout/IconLabelList"/>
+    <dgm:cxn modelId="{F21EBC48-C4F0-44B1-9897-4313B3B6DD16}" type="presOf" srcId="{71DE3832-D996-471D-B2ED-B0013A210EB6}" destId="{CB291D01-309E-4BDC-9BA4-6EFEBDAC5FC5}" srcOrd="0" destOrd="0" presId="urn:microsoft.com/office/officeart/2018/2/layout/IconLabelList"/>
+    <dgm:cxn modelId="{F1B18CA1-4039-4969-8D2B-F4C596AD07BB}" type="presOf" srcId="{1049B9D2-4B0E-4E90-8469-F2FA34DB3CC1}" destId="{95B0BBEB-14C3-4984-9F58-701C6091EAF9}" srcOrd="0" destOrd="0" presId="urn:microsoft.com/office/officeart/2018/2/layout/IconLabelList"/>
+    <dgm:cxn modelId="{F7EA0DB6-9D15-4CF2-8CD4-8051195B3FBF}" srcId="{7A4D75A4-3DD0-4DD2-92EA-72C51D917863}" destId="{7DC88861-4612-4185-8B5E-E4751F06AD77}" srcOrd="2" destOrd="0" parTransId="{FC56C662-8508-498E-93EA-FD96A509B9E6}" sibTransId="{745B581B-FCE6-49F6-8689-F257B0D8EC43}"/>
+    <dgm:cxn modelId="{AD784EED-B824-4A94-8E7C-4AB646104858}" type="presOf" srcId="{7DC88861-4612-4185-8B5E-E4751F06AD77}" destId="{9BD85CAE-089B-4238-9FD8-0B6B482B4848}" srcOrd="0" destOrd="0" presId="urn:microsoft.com/office/officeart/2018/2/layout/IconLabelList"/>
+    <dgm:cxn modelId="{C246F3CA-AD7F-449F-B707-B00D90D454D0}" type="presParOf" srcId="{1A41860A-8C3D-44A5-82A8-43511BF4E51B}" destId="{19F8BB58-757C-498B-B23B-9C9F0A23BB42}" srcOrd="0" destOrd="0" presId="urn:microsoft.com/office/officeart/2018/2/layout/IconLabelList"/>
+    <dgm:cxn modelId="{59B65477-FCF9-4A35-B886-072D9367EB3A}" type="presParOf" srcId="{19F8BB58-757C-498B-B23B-9C9F0A23BB42}" destId="{5E8A0552-44F8-49D1-8531-3DB4E8246BB5}" srcOrd="0" destOrd="0" presId="urn:microsoft.com/office/officeart/2018/2/layout/IconLabelList"/>
+    <dgm:cxn modelId="{79C89FA9-8B31-414D-B2FC-A94377613F7D}" type="presParOf" srcId="{19F8BB58-757C-498B-B23B-9C9F0A23BB42}" destId="{812F7A4C-0DC0-4151-8F63-BA6412D102A9}" srcOrd="1" destOrd="0" presId="urn:microsoft.com/office/officeart/2018/2/layout/IconLabelList"/>
+    <dgm:cxn modelId="{BD0D5B65-7A30-49D2-AA82-B7D8FB2E29B8}" type="presParOf" srcId="{19F8BB58-757C-498B-B23B-9C9F0A23BB42}" destId="{95B0BBEB-14C3-4984-9F58-701C6091EAF9}" srcOrd="2" destOrd="0" presId="urn:microsoft.com/office/officeart/2018/2/layout/IconLabelList"/>
+    <dgm:cxn modelId="{A01E9D10-2215-43D7-B920-96B318FE6E9D}" type="presParOf" srcId="{1A41860A-8C3D-44A5-82A8-43511BF4E51B}" destId="{5880125E-C7B3-41C0-8677-A8921A08CB1D}" srcOrd="1" destOrd="0" presId="urn:microsoft.com/office/officeart/2018/2/layout/IconLabelList"/>
+    <dgm:cxn modelId="{49A80E61-52D4-49AC-94C9-360602271460}" type="presParOf" srcId="{1A41860A-8C3D-44A5-82A8-43511BF4E51B}" destId="{5638A2B9-237B-4E1E-829A-6A130A2FF52F}" srcOrd="2" destOrd="0" presId="urn:microsoft.com/office/officeart/2018/2/layout/IconLabelList"/>
+    <dgm:cxn modelId="{99756B4F-6EE8-42C4-B640-A5A1CDCCA3E0}" type="presParOf" srcId="{5638A2B9-237B-4E1E-829A-6A130A2FF52F}" destId="{B90BC3DF-53A2-465F-BA0C-80F3ECE2AEEA}" srcOrd="0" destOrd="0" presId="urn:microsoft.com/office/officeart/2018/2/layout/IconLabelList"/>
+    <dgm:cxn modelId="{77EFD9C2-9928-4B7A-A4F4-20C0F3502801}" type="presParOf" srcId="{5638A2B9-237B-4E1E-829A-6A130A2FF52F}" destId="{8DE9308B-C3B8-4D71-90D0-AA57F8F19092}" srcOrd="1" destOrd="0" presId="urn:microsoft.com/office/officeart/2018/2/layout/IconLabelList"/>
+    <dgm:cxn modelId="{6B56A749-C3CB-4EC2-99CE-398027494B57}" type="presParOf" srcId="{5638A2B9-237B-4E1E-829A-6A130A2FF52F}" destId="{CB291D01-309E-4BDC-9BA4-6EFEBDAC5FC5}" srcOrd="2" destOrd="0" presId="urn:microsoft.com/office/officeart/2018/2/layout/IconLabelList"/>
+    <dgm:cxn modelId="{8DCAA752-FDF2-4AA7-9465-85D4F8074873}" type="presParOf" srcId="{1A41860A-8C3D-44A5-82A8-43511BF4E51B}" destId="{1235DEA3-9319-4438-A1A1-8B01D718083C}" srcOrd="3" destOrd="0" presId="urn:microsoft.com/office/officeart/2018/2/layout/IconLabelList"/>
+    <dgm:cxn modelId="{BCD4AE5E-DFDC-4B23-A0F9-8DAEEB5D3A4C}" type="presParOf" srcId="{1A41860A-8C3D-44A5-82A8-43511BF4E51B}" destId="{1342B2E0-59A7-4D2D-92E9-508FC572E249}" srcOrd="4" destOrd="0" presId="urn:microsoft.com/office/officeart/2018/2/layout/IconLabelList"/>
+    <dgm:cxn modelId="{8BD8FC29-C58A-4EBF-9C07-F71786406867}" type="presParOf" srcId="{1342B2E0-59A7-4D2D-92E9-508FC572E249}" destId="{0B7D673B-579D-425E-A10D-BAD5813AC459}" srcOrd="0" destOrd="0" presId="urn:microsoft.com/office/officeart/2018/2/layout/IconLabelList"/>
+    <dgm:cxn modelId="{6BFD2CF2-6713-4FE7-9710-F88111CCFDBA}" type="presParOf" srcId="{1342B2E0-59A7-4D2D-92E9-508FC572E249}" destId="{C68F5F71-2E22-40B8-9A49-2A798B06725E}" srcOrd="1" destOrd="0" presId="urn:microsoft.com/office/officeart/2018/2/layout/IconLabelList"/>
+    <dgm:cxn modelId="{47DC35AC-7BF8-4F68-9353-68A826E5F676}" type="presParOf" srcId="{1342B2E0-59A7-4D2D-92E9-508FC572E249}" destId="{9BD85CAE-089B-4238-9FD8-0B6B482B4848}" srcOrd="2" destOrd="0" presId="urn:microsoft.com/office/officeart/2018/2/layout/IconLabelList"/>
   </dgm:cxnLst>
   <dgm:bg/>
   <dgm:whole/>
@@ -7939,6 +9170,349 @@
 </dsp:drawing>
 </file>
 
+<file path=ppt/diagrams/drawing6.xml><?xml version="1.0" encoding="utf-8"?>
+<dsp:drawing xmlns:dgm="http://schemas.openxmlformats.org/drawingml/2006/diagram" xmlns:dsp="http://schemas.microsoft.com/office/drawing/2008/diagram" xmlns:a="http://schemas.openxmlformats.org/drawingml/2006/main">
+  <dsp:spTree>
+    <dsp:nvGrpSpPr>
+      <dsp:cNvPr id="0" name=""/>
+      <dsp:cNvGrpSpPr/>
+    </dsp:nvGrpSpPr>
+    <dsp:grpSpPr/>
+    <dsp:sp modelId="{5E8A0552-44F8-49D1-8531-3DB4E8246BB5}">
+      <dsp:nvSpPr>
+        <dsp:cNvPr id="0" name=""/>
+        <dsp:cNvSpPr/>
+      </dsp:nvSpPr>
+      <dsp:spPr>
+        <a:xfrm>
+          <a:off x="947201" y="818755"/>
+          <a:ext cx="1451800" cy="1451800"/>
+        </a:xfrm>
+        <a:prstGeom prst="rect">
+          <a:avLst/>
+        </a:prstGeom>
+        <a:blipFill>
+          <a:blip xmlns:r="http://schemas.openxmlformats.org/officeDocument/2006/relationships" r:embed="rId1">
+            <a:extLst>
+              <a:ext uri="{28A0092B-C50C-407E-A947-70E740481C1C}">
+                <a14:useLocalDpi xmlns:a14="http://schemas.microsoft.com/office/drawing/2010/main" val="0"/>
+              </a:ext>
+              <a:ext uri="{96DAC541-7B7A-43D3-8B79-37D633B846F1}">
+                <asvg:svgBlip xmlns:asvg="http://schemas.microsoft.com/office/drawing/2016/SVG/main" r:embed="rId2"/>
+              </a:ext>
+            </a:extLst>
+          </a:blip>
+          <a:stretch>
+            <a:fillRect/>
+          </a:stretch>
+        </a:blipFill>
+        <a:ln w="12700" cap="flat" cmpd="sng" algn="ctr">
+          <a:noFill/>
+          <a:prstDash val="solid"/>
+          <a:miter lim="800000"/>
+        </a:ln>
+        <a:effectLst/>
+      </dsp:spPr>
+      <dsp:style>
+        <a:lnRef idx="2">
+          <a:scrgbClr r="0" g="0" b="0"/>
+        </a:lnRef>
+        <a:fillRef idx="1">
+          <a:scrgbClr r="0" g="0" b="0"/>
+        </a:fillRef>
+        <a:effectRef idx="0">
+          <a:scrgbClr r="0" g="0" b="0"/>
+        </a:effectRef>
+        <a:fontRef idx="minor">
+          <a:schemeClr val="lt1"/>
+        </a:fontRef>
+      </dsp:style>
+    </dsp:sp>
+    <dsp:sp modelId="{95B0BBEB-14C3-4984-9F58-701C6091EAF9}">
+      <dsp:nvSpPr>
+        <dsp:cNvPr id="0" name=""/>
+        <dsp:cNvSpPr/>
+      </dsp:nvSpPr>
+      <dsp:spPr>
+        <a:xfrm>
+          <a:off x="59990" y="2654049"/>
+          <a:ext cx="3226223" cy="720000"/>
+        </a:xfrm>
+        <a:prstGeom prst="rect">
+          <a:avLst/>
+        </a:prstGeom>
+        <a:noFill/>
+        <a:ln>
+          <a:noFill/>
+        </a:ln>
+        <a:effectLst/>
+      </dsp:spPr>
+      <dsp:style>
+        <a:lnRef idx="0">
+          <a:scrgbClr r="0" g="0" b="0"/>
+        </a:lnRef>
+        <a:fillRef idx="0">
+          <a:scrgbClr r="0" g="0" b="0"/>
+        </a:fillRef>
+        <a:effectRef idx="0">
+          <a:scrgbClr r="0" g="0" b="0"/>
+        </a:effectRef>
+        <a:fontRef idx="minor"/>
+      </dsp:style>
+      <dsp:txBody>
+        <a:bodyPr spcFirstLastPara="0" vert="horz" wrap="square" lIns="0" tIns="0" rIns="0" bIns="0" numCol="1" spcCol="1270" anchor="t" anchorCtr="0">
+          <a:noAutofit/>
+        </a:bodyPr>
+        <a:lstStyle/>
+        <a:p>
+          <a:pPr marL="0" lvl="0" indent="0" algn="ctr" defTabSz="1111250">
+            <a:lnSpc>
+              <a:spcPct val="90000"/>
+            </a:lnSpc>
+            <a:spcBef>
+              <a:spcPct val="0"/>
+            </a:spcBef>
+            <a:spcAft>
+              <a:spcPct val="35000"/>
+            </a:spcAft>
+            <a:buNone/>
+          </a:pPr>
+          <a:r>
+            <a:rPr lang="en-US" sz="2500" kern="1200"/>
+            <a:t>HTTP REST</a:t>
+          </a:r>
+        </a:p>
+      </dsp:txBody>
+      <dsp:txXfrm>
+        <a:off x="59990" y="2654049"/>
+        <a:ext cx="3226223" cy="720000"/>
+      </dsp:txXfrm>
+    </dsp:sp>
+    <dsp:sp modelId="{B90BC3DF-53A2-465F-BA0C-80F3ECE2AEEA}">
+      <dsp:nvSpPr>
+        <dsp:cNvPr id="0" name=""/>
+        <dsp:cNvSpPr/>
+      </dsp:nvSpPr>
+      <dsp:spPr>
+        <a:xfrm>
+          <a:off x="4738014" y="818755"/>
+          <a:ext cx="1451800" cy="1451800"/>
+        </a:xfrm>
+        <a:prstGeom prst="rect">
+          <a:avLst/>
+        </a:prstGeom>
+        <a:blipFill>
+          <a:blip xmlns:r="http://schemas.openxmlformats.org/officeDocument/2006/relationships" r:embed="rId3">
+            <a:extLst>
+              <a:ext uri="{28A0092B-C50C-407E-A947-70E740481C1C}">
+                <a14:useLocalDpi xmlns:a14="http://schemas.microsoft.com/office/drawing/2010/main" val="0"/>
+              </a:ext>
+              <a:ext uri="{96DAC541-7B7A-43D3-8B79-37D633B846F1}">
+                <asvg:svgBlip xmlns:asvg="http://schemas.microsoft.com/office/drawing/2016/SVG/main" r:embed="rId4"/>
+              </a:ext>
+            </a:extLst>
+          </a:blip>
+          <a:stretch>
+            <a:fillRect/>
+          </a:stretch>
+        </a:blipFill>
+        <a:ln w="12700" cap="flat" cmpd="sng" algn="ctr">
+          <a:noFill/>
+          <a:prstDash val="solid"/>
+          <a:miter lim="800000"/>
+        </a:ln>
+        <a:effectLst/>
+      </dsp:spPr>
+      <dsp:style>
+        <a:lnRef idx="2">
+          <a:scrgbClr r="0" g="0" b="0"/>
+        </a:lnRef>
+        <a:fillRef idx="1">
+          <a:scrgbClr r="0" g="0" b="0"/>
+        </a:fillRef>
+        <a:effectRef idx="0">
+          <a:scrgbClr r="0" g="0" b="0"/>
+        </a:effectRef>
+        <a:fontRef idx="minor">
+          <a:schemeClr val="lt1"/>
+        </a:fontRef>
+      </dsp:style>
+    </dsp:sp>
+    <dsp:sp modelId="{CB291D01-309E-4BDC-9BA4-6EFEBDAC5FC5}">
+      <dsp:nvSpPr>
+        <dsp:cNvPr id="0" name=""/>
+        <dsp:cNvSpPr/>
+      </dsp:nvSpPr>
+      <dsp:spPr>
+        <a:xfrm>
+          <a:off x="3850802" y="2654049"/>
+          <a:ext cx="3226223" cy="720000"/>
+        </a:xfrm>
+        <a:prstGeom prst="rect">
+          <a:avLst/>
+        </a:prstGeom>
+        <a:noFill/>
+        <a:ln>
+          <a:noFill/>
+        </a:ln>
+        <a:effectLst/>
+      </dsp:spPr>
+      <dsp:style>
+        <a:lnRef idx="0">
+          <a:scrgbClr r="0" g="0" b="0"/>
+        </a:lnRef>
+        <a:fillRef idx="0">
+          <a:scrgbClr r="0" g="0" b="0"/>
+        </a:fillRef>
+        <a:effectRef idx="0">
+          <a:scrgbClr r="0" g="0" b="0"/>
+        </a:effectRef>
+        <a:fontRef idx="minor"/>
+      </dsp:style>
+      <dsp:txBody>
+        <a:bodyPr spcFirstLastPara="0" vert="horz" wrap="square" lIns="0" tIns="0" rIns="0" bIns="0" numCol="1" spcCol="1270" anchor="t" anchorCtr="0">
+          <a:noAutofit/>
+        </a:bodyPr>
+        <a:lstStyle/>
+        <a:p>
+          <a:pPr marL="0" lvl="0" indent="0" algn="ctr" defTabSz="1111250">
+            <a:lnSpc>
+              <a:spcPct val="90000"/>
+            </a:lnSpc>
+            <a:spcBef>
+              <a:spcPct val="0"/>
+            </a:spcBef>
+            <a:spcAft>
+              <a:spcPct val="35000"/>
+            </a:spcAft>
+            <a:buNone/>
+          </a:pPr>
+          <a:r>
+            <a:rPr lang="de-DE" sz="2500" kern="1200"/>
+            <a:t>InfluxDB Line Protocol (TCP/UDP)</a:t>
+          </a:r>
+          <a:endParaRPr lang="en-US" sz="2500" kern="1200"/>
+        </a:p>
+      </dsp:txBody>
+      <dsp:txXfrm>
+        <a:off x="3850802" y="2654049"/>
+        <a:ext cx="3226223" cy="720000"/>
+      </dsp:txXfrm>
+    </dsp:sp>
+    <dsp:sp modelId="{0B7D673B-579D-425E-A10D-BAD5813AC459}">
+      <dsp:nvSpPr>
+        <dsp:cNvPr id="0" name=""/>
+        <dsp:cNvSpPr/>
+      </dsp:nvSpPr>
+      <dsp:spPr>
+        <a:xfrm>
+          <a:off x="8528826" y="818755"/>
+          <a:ext cx="1451800" cy="1451800"/>
+        </a:xfrm>
+        <a:prstGeom prst="rect">
+          <a:avLst/>
+        </a:prstGeom>
+        <a:blipFill>
+          <a:blip xmlns:r="http://schemas.openxmlformats.org/officeDocument/2006/relationships" r:embed="rId5">
+            <a:extLst>
+              <a:ext uri="{28A0092B-C50C-407E-A947-70E740481C1C}">
+                <a14:useLocalDpi xmlns:a14="http://schemas.microsoft.com/office/drawing/2010/main" val="0"/>
+              </a:ext>
+              <a:ext uri="{96DAC541-7B7A-43D3-8B79-37D633B846F1}">
+                <asvg:svgBlip xmlns:asvg="http://schemas.microsoft.com/office/drawing/2016/SVG/main" r:embed="rId6"/>
+              </a:ext>
+            </a:extLst>
+          </a:blip>
+          <a:stretch>
+            <a:fillRect/>
+          </a:stretch>
+        </a:blipFill>
+        <a:ln w="12700" cap="flat" cmpd="sng" algn="ctr">
+          <a:noFill/>
+          <a:prstDash val="solid"/>
+          <a:miter lim="800000"/>
+        </a:ln>
+        <a:effectLst/>
+      </dsp:spPr>
+      <dsp:style>
+        <a:lnRef idx="2">
+          <a:scrgbClr r="0" g="0" b="0"/>
+        </a:lnRef>
+        <a:fillRef idx="1">
+          <a:scrgbClr r="0" g="0" b="0"/>
+        </a:fillRef>
+        <a:effectRef idx="0">
+          <a:scrgbClr r="0" g="0" b="0"/>
+        </a:effectRef>
+        <a:fontRef idx="minor">
+          <a:schemeClr val="lt1"/>
+        </a:fontRef>
+      </dsp:style>
+    </dsp:sp>
+    <dsp:sp modelId="{9BD85CAE-089B-4238-9FD8-0B6B482B4848}">
+      <dsp:nvSpPr>
+        <dsp:cNvPr id="0" name=""/>
+        <dsp:cNvSpPr/>
+      </dsp:nvSpPr>
+      <dsp:spPr>
+        <a:xfrm>
+          <a:off x="7641615" y="2654049"/>
+          <a:ext cx="3226223" cy="720000"/>
+        </a:xfrm>
+        <a:prstGeom prst="rect">
+          <a:avLst/>
+        </a:prstGeom>
+        <a:noFill/>
+        <a:ln>
+          <a:noFill/>
+        </a:ln>
+        <a:effectLst/>
+      </dsp:spPr>
+      <dsp:style>
+        <a:lnRef idx="0">
+          <a:scrgbClr r="0" g="0" b="0"/>
+        </a:lnRef>
+        <a:fillRef idx="0">
+          <a:scrgbClr r="0" g="0" b="0"/>
+        </a:fillRef>
+        <a:effectRef idx="0">
+          <a:scrgbClr r="0" g="0" b="0"/>
+        </a:effectRef>
+        <a:fontRef idx="minor"/>
+      </dsp:style>
+      <dsp:txBody>
+        <a:bodyPr spcFirstLastPara="0" vert="horz" wrap="square" lIns="0" tIns="0" rIns="0" bIns="0" numCol="1" spcCol="1270" anchor="t" anchorCtr="0">
+          <a:noAutofit/>
+        </a:bodyPr>
+        <a:lstStyle/>
+        <a:p>
+          <a:pPr marL="0" lvl="0" indent="0" algn="ctr" defTabSz="1111250">
+            <a:lnSpc>
+              <a:spcPct val="90000"/>
+            </a:lnSpc>
+            <a:spcBef>
+              <a:spcPct val="0"/>
+            </a:spcBef>
+            <a:spcAft>
+              <a:spcPct val="35000"/>
+            </a:spcAft>
+            <a:buNone/>
+          </a:pPr>
+          <a:r>
+            <a:rPr lang="en-US" sz="2500" kern="1200"/>
+            <a:t>JDBC</a:t>
+          </a:r>
+        </a:p>
+      </dsp:txBody>
+      <dsp:txXfrm>
+        <a:off x="7641615" y="2654049"/>
+        <a:ext cx="3226223" cy="720000"/>
+      </dsp:txXfrm>
+    </dsp:sp>
+  </dsp:spTree>
+</dsp:drawing>
+</file>
+
 <file path=ppt/diagrams/layout1.xml><?xml version="1.0" encoding="utf-8"?>
 <dgm:layoutDef xmlns:dgm="http://schemas.openxmlformats.org/drawingml/2006/diagram" xmlns:a="http://schemas.openxmlformats.org/drawingml/2006/main" uniqueId="urn:microsoft.com/office/officeart/2018/2/layout/IconVerticalSolidList">
   <dgm:title val="Icon Vertical Solid List"/>
@@ -9192,6 +10766,196 @@
 </dgm:layoutDef>
 </file>
 
+<file path=ppt/diagrams/layout6.xml><?xml version="1.0" encoding="utf-8"?>
+<dgm:layoutDef xmlns:dgm="http://schemas.openxmlformats.org/drawingml/2006/diagram" xmlns:a="http://schemas.openxmlformats.org/drawingml/2006/main" uniqueId="urn:microsoft.com/office/officeart/2018/2/layout/IconLabelList">
+  <dgm:title val="Icon Label List"/>
+  <dgm:desc val="Use to show non-sequential or grouped chunks of information accompanied by a related visuals. Works best with icons or small pictures with short text captions."/>
+  <dgm:catLst>
+    <dgm:cat type="icon" pri="500"/>
+  </dgm:catLst>
+  <dgm:sampData useDef="1">
+    <dgm:dataModel>
+      <dgm:ptLst/>
+      <dgm:bg/>
+      <dgm:whole/>
+    </dgm:dataModel>
+  </dgm:sampData>
+  <dgm:styleData useDef="1">
+    <dgm:dataModel>
+      <dgm:ptLst/>
+      <dgm:bg/>
+      <dgm:whole/>
+    </dgm:dataModel>
+  </dgm:styleData>
+  <dgm:clrData useDef="1">
+    <dgm:dataModel>
+      <dgm:ptLst/>
+      <dgm:bg/>
+      <dgm:whole/>
+    </dgm:dataModel>
+  </dgm:clrData>
+  <dgm:layoutNode name="root">
+    <dgm:varLst>
+      <dgm:dir/>
+      <dgm:resizeHandles val="exact"/>
+    </dgm:varLst>
+    <dgm:choose name="Name0">
+      <dgm:if name="Name1" axis="self" func="var" arg="dir" op="equ" val="norm">
+        <dgm:alg type="snake">
+          <dgm:param type="grDir" val="tL"/>
+          <dgm:param type="flowDir" val="row"/>
+          <dgm:param type="contDir" val="sameDir"/>
+          <dgm:param type="off" val="ctr"/>
+          <dgm:param type="vertAlign" val="mid"/>
+          <dgm:param type="horzAlign" val="ctr"/>
+        </dgm:alg>
+      </dgm:if>
+      <dgm:else name="Name2">
+        <dgm:alg type="snake">
+          <dgm:param type="grDir" val="tR"/>
+          <dgm:param type="flowDir" val="row"/>
+          <dgm:param type="contDir" val="sameDir"/>
+          <dgm:param type="off" val="ctr"/>
+          <dgm:param type="vertAlign" val="mid"/>
+          <dgm:param type="horzAlign" val="ctr"/>
+        </dgm:alg>
+      </dgm:else>
+    </dgm:choose>
+    <dgm:shape xmlns:r="http://schemas.openxmlformats.org/officeDocument/2006/relationships" r:blip="">
+      <dgm:adjLst/>
+    </dgm:shape>
+    <dgm:presOf/>
+    <dgm:choose name="Name3">
+      <dgm:if name="Name4" axis="ch" ptType="node" func="cnt" op="lte" val="2">
+        <dgm:constrLst>
+          <dgm:constr type="h" for="ch" forName="compNode" refType="h" fact="0.4"/>
+          <dgm:constr type="w" for="ch" forName="compNode" val="120"/>
+          <dgm:constr type="w" for="ch" forName="sibTrans" refType="w" refFor="ch" refForName="compNode" fact="0.175"/>
+          <dgm:constr type="sp" refType="w" refFor="ch" refForName="compNode" op="equ" fact="0.25"/>
+          <dgm:constr type="primFontSz" for="des" ptType="node" op="equ" val="50"/>
+          <dgm:constr type="h" for="des" forName="compNode" op="equ"/>
+          <dgm:constr type="h" for="des" forName="textRect" op="equ"/>
+        </dgm:constrLst>
+      </dgm:if>
+      <dgm:if name="Name5" axis="ch" ptType="node" func="cnt" op="lte" val="4">
+        <dgm:constrLst>
+          <dgm:constr type="h" for="ch" forName="compNode" refType="h" fact="0.4"/>
+          <dgm:constr type="w" for="ch" forName="compNode" refType="w"/>
+          <dgm:constr type="w" for="ch" forName="sibTrans" refType="w" refFor="ch" refForName="compNode" fact="0.175"/>
+          <dgm:constr type="sp" refType="w" refFor="ch" refForName="compNode" op="equ" fact="0.25"/>
+          <dgm:constr type="primFontSz" for="des" ptType="node" op="equ" val="36"/>
+          <dgm:constr type="h" for="des" forName="compNode" op="equ"/>
+          <dgm:constr type="h" for="des" forName="textRect" op="equ"/>
+        </dgm:constrLst>
+      </dgm:if>
+      <dgm:else name="Name6">
+        <dgm:constrLst>
+          <dgm:constr type="h" for="ch" forName="compNode" refType="h" fact="0.4"/>
+          <dgm:constr type="w" for="ch" forName="compNode" refType="w"/>
+          <dgm:constr type="w" for="ch" forName="sibTrans" refType="w" refFor="ch" refForName="compNode" fact="0.175"/>
+          <dgm:constr type="sp" refType="w" refFor="ch" refForName="compNode" op="equ" fact="0.25"/>
+          <dgm:constr type="primFontSz" for="des" ptType="node" op="equ" val="24"/>
+          <dgm:constr type="h" for="des" forName="compNode" op="equ"/>
+          <dgm:constr type="h" for="des" forName="textRect" op="equ"/>
+        </dgm:constrLst>
+      </dgm:else>
+    </dgm:choose>
+    <dgm:ruleLst>
+      <dgm:rule type="w" for="ch" forName="compNode" val="50" fact="NaN" max="NaN"/>
+    </dgm:ruleLst>
+    <dgm:forEach name="Name7" axis="ch" ptType="node">
+      <dgm:layoutNode name="compNode">
+        <dgm:alg type="composite"/>
+        <dgm:shape xmlns:r="http://schemas.openxmlformats.org/officeDocument/2006/relationships" r:blip="">
+          <dgm:adjLst/>
+        </dgm:shape>
+        <dgm:presOf axis="self"/>
+        <dgm:constrLst>
+          <dgm:constr type="w" for="ch" forName="iconRect" refType="w" fact="0.45"/>
+          <dgm:constr type="h" for="ch" forName="iconRect" refType="w" refFor="ch" refForName="iconRect"/>
+          <dgm:constr type="ctrX" for="ch" forName="iconRect" refType="w" fact="0.5"/>
+          <dgm:constr type="t" for="ch" forName="iconRect"/>
+          <dgm:constr type="h" for="ch" forName="spaceRect" refType="h" fact="0.15"/>
+          <dgm:constr type="w" for="ch" forName="spaceRect" refType="w"/>
+          <dgm:constr type="l" for="ch" forName="spaceRect"/>
+          <dgm:constr type="t" for="ch" forName="spaceRect" refType="b" refFor="ch" refForName="iconRect"/>
+          <dgm:constr type="h" for="ch" forName="textRect" val="20"/>
+          <dgm:constr type="w" for="ch" forName="textRect" refType="w"/>
+          <dgm:constr type="l" for="ch" forName="textRect"/>
+          <dgm:constr type="t" for="ch" forName="textRect" refType="b" refFor="ch" refForName="spaceRect"/>
+        </dgm:constrLst>
+        <dgm:ruleLst>
+          <dgm:rule type="h" val="INF" fact="NaN" max="NaN"/>
+        </dgm:ruleLst>
+        <dgm:layoutNode name="iconRect" styleLbl="node1">
+          <dgm:alg type="sp"/>
+          <dgm:shape xmlns:r="http://schemas.openxmlformats.org/officeDocument/2006/relationships" type="rect" r:blip="" blipPhldr="1">
+            <dgm:adjLst/>
+          </dgm:shape>
+          <dgm:presOf/>
+          <dgm:constrLst/>
+          <dgm:ruleLst/>
+        </dgm:layoutNode>
+        <dgm:layoutNode name="spaceRect">
+          <dgm:alg type="sp"/>
+          <dgm:shape xmlns:r="http://schemas.openxmlformats.org/officeDocument/2006/relationships" r:blip="">
+            <dgm:adjLst/>
+          </dgm:shape>
+          <dgm:presOf/>
+          <dgm:constrLst/>
+          <dgm:ruleLst/>
+        </dgm:layoutNode>
+        <dgm:layoutNode name="textRect" styleLbl="revTx">
+          <dgm:varLst>
+            <dgm:chMax val="1"/>
+            <dgm:chPref val="1"/>
+          </dgm:varLst>
+          <dgm:alg type="tx">
+            <dgm:param type="txAnchorVert" val="t"/>
+          </dgm:alg>
+          <dgm:shape xmlns:r="http://schemas.openxmlformats.org/officeDocument/2006/relationships" type="rect" r:blip="">
+            <dgm:adjLst/>
+          </dgm:shape>
+          <dgm:presOf axis="self" ptType="node"/>
+          <dgm:constrLst>
+            <dgm:constr type="lMarg"/>
+            <dgm:constr type="rMarg"/>
+            <dgm:constr type="tMarg"/>
+            <dgm:constr type="bMarg"/>
+          </dgm:constrLst>
+          <dgm:ruleLst>
+            <dgm:rule type="primFontSz" val="11" fact="NaN" max="NaN"/>
+            <dgm:rule type="h" val="INF" fact="NaN" max="NaN"/>
+          </dgm:ruleLst>
+        </dgm:layoutNode>
+      </dgm:layoutNode>
+      <dgm:forEach name="Name8" axis="followSib" ptType="sibTrans" cnt="1">
+        <dgm:layoutNode name="sibTrans">
+          <dgm:alg type="sp"/>
+          <dgm:shape xmlns:r="http://schemas.openxmlformats.org/officeDocument/2006/relationships" r:blip="">
+            <dgm:adjLst/>
+          </dgm:shape>
+          <dgm:presOf axis="self"/>
+          <dgm:constrLst/>
+          <dgm:ruleLst/>
+        </dgm:layoutNode>
+      </dgm:forEach>
+    </dgm:forEach>
+  </dgm:layoutNode>
+  <dgm:extLst>
+    <a:ext uri="{68A01E43-0DF5-4B5B-8FA6-DAF915123BFB}">
+      <dgm1612:lstStyle xmlns:dgm1612="http://schemas.microsoft.com/office/drawing/2016/12/diagram">
+        <a:lvl1pPr>
+          <a:lnSpc>
+            <a:spcPct val="100000"/>
+          </a:lnSpc>
+        </a:lvl1pPr>
+      </dgm1612:lstStyle>
+    </a:ext>
+  </dgm:extLst>
+</dgm:layoutDef>
+</file>
+
 <file path=ppt/diagrams/quickStyle1.xml><?xml version="1.0" encoding="utf-8"?>
 <dgm:styleDef xmlns:dgm="http://schemas.openxmlformats.org/drawingml/2006/diagram" xmlns:a="http://schemas.openxmlformats.org/drawingml/2006/main" uniqueId="urn:microsoft.com/office/officeart/2005/8/quickstyle/simple1">
   <dgm:title val=""/>
@@ -13329,6 +15093,1040 @@
 </file>
 
 <file path=ppt/diagrams/quickStyle5.xml><?xml version="1.0" encoding="utf-8"?>
+<dgm:styleDef xmlns:dgm="http://schemas.openxmlformats.org/drawingml/2006/diagram" xmlns:a="http://schemas.openxmlformats.org/drawingml/2006/main" uniqueId="urn:microsoft.com/office/officeart/2005/8/quickstyle/simple1">
+  <dgm:title val=""/>
+  <dgm:desc val=""/>
+  <dgm:catLst>
+    <dgm:cat type="simple" pri="10100"/>
+  </dgm:catLst>
+  <dgm:scene3d>
+    <a:camera prst="orthographicFront"/>
+    <a:lightRig rig="threePt" dir="t"/>
+  </dgm:scene3d>
+  <dgm:styleLbl name="node0">
+    <dgm:scene3d>
+      <a:camera prst="orthographicFront"/>
+      <a:lightRig rig="threePt" dir="t"/>
+    </dgm:scene3d>
+    <dgm:sp3d/>
+    <dgm:txPr/>
+    <dgm:style>
+      <a:lnRef idx="2">
+        <a:scrgbClr r="0" g="0" b="0"/>
+      </a:lnRef>
+      <a:fillRef idx="1">
+        <a:scrgbClr r="0" g="0" b="0"/>
+      </a:fillRef>
+      <a:effectRef idx="0">
+        <a:scrgbClr r="0" g="0" b="0"/>
+      </a:effectRef>
+      <a:fontRef idx="minor">
+        <a:schemeClr val="lt1"/>
+      </a:fontRef>
+    </dgm:style>
+  </dgm:styleLbl>
+  <dgm:styleLbl name="lnNode1">
+    <dgm:scene3d>
+      <a:camera prst="orthographicFront"/>
+      <a:lightRig rig="threePt" dir="t"/>
+    </dgm:scene3d>
+    <dgm:sp3d/>
+    <dgm:txPr/>
+    <dgm:style>
+      <a:lnRef idx="2">
+        <a:scrgbClr r="0" g="0" b="0"/>
+      </a:lnRef>
+      <a:fillRef idx="1">
+        <a:scrgbClr r="0" g="0" b="0"/>
+      </a:fillRef>
+      <a:effectRef idx="0">
+        <a:scrgbClr r="0" g="0" b="0"/>
+      </a:effectRef>
+      <a:fontRef idx="minor">
+        <a:schemeClr val="lt1"/>
+      </a:fontRef>
+    </dgm:style>
+  </dgm:styleLbl>
+  <dgm:styleLbl name="vennNode1">
+    <dgm:scene3d>
+      <a:camera prst="orthographicFront"/>
+      <a:lightRig rig="threePt" dir="t"/>
+    </dgm:scene3d>
+    <dgm:sp3d/>
+    <dgm:txPr/>
+    <dgm:style>
+      <a:lnRef idx="2">
+        <a:scrgbClr r="0" g="0" b="0"/>
+      </a:lnRef>
+      <a:fillRef idx="1">
+        <a:scrgbClr r="0" g="0" b="0"/>
+      </a:fillRef>
+      <a:effectRef idx="0">
+        <a:scrgbClr r="0" g="0" b="0"/>
+      </a:effectRef>
+      <a:fontRef idx="minor">
+        <a:schemeClr val="tx1"/>
+      </a:fontRef>
+    </dgm:style>
+  </dgm:styleLbl>
+  <dgm:styleLbl name="alignNode1">
+    <dgm:scene3d>
+      <a:camera prst="orthographicFront"/>
+      <a:lightRig rig="threePt" dir="t"/>
+    </dgm:scene3d>
+    <dgm:sp3d/>
+    <dgm:txPr/>
+    <dgm:style>
+      <a:lnRef idx="2">
+        <a:scrgbClr r="0" g="0" b="0"/>
+      </a:lnRef>
+      <a:fillRef idx="1">
+        <a:scrgbClr r="0" g="0" b="0"/>
+      </a:fillRef>
+      <a:effectRef idx="0">
+        <a:scrgbClr r="0" g="0" b="0"/>
+      </a:effectRef>
+      <a:fontRef idx="minor">
+        <a:schemeClr val="lt1"/>
+      </a:fontRef>
+    </dgm:style>
+  </dgm:styleLbl>
+  <dgm:styleLbl name="node1">
+    <dgm:scene3d>
+      <a:camera prst="orthographicFront"/>
+      <a:lightRig rig="threePt" dir="t"/>
+    </dgm:scene3d>
+    <dgm:sp3d/>
+    <dgm:txPr/>
+    <dgm:style>
+      <a:lnRef idx="2">
+        <a:scrgbClr r="0" g="0" b="0"/>
+      </a:lnRef>
+      <a:fillRef idx="1">
+        <a:scrgbClr r="0" g="0" b="0"/>
+      </a:fillRef>
+      <a:effectRef idx="0">
+        <a:scrgbClr r="0" g="0" b="0"/>
+      </a:effectRef>
+      <a:fontRef idx="minor">
+        <a:schemeClr val="lt1"/>
+      </a:fontRef>
+    </dgm:style>
+  </dgm:styleLbl>
+  <dgm:styleLbl name="node2">
+    <dgm:scene3d>
+      <a:camera prst="orthographicFront"/>
+      <a:lightRig rig="threePt" dir="t"/>
+    </dgm:scene3d>
+    <dgm:sp3d/>
+    <dgm:txPr/>
+    <dgm:style>
+      <a:lnRef idx="2">
+        <a:scrgbClr r="0" g="0" b="0"/>
+      </a:lnRef>
+      <a:fillRef idx="1">
+        <a:scrgbClr r="0" g="0" b="0"/>
+      </a:fillRef>
+      <a:effectRef idx="0">
+        <a:scrgbClr r="0" g="0" b="0"/>
+      </a:effectRef>
+      <a:fontRef idx="minor">
+        <a:schemeClr val="lt1"/>
+      </a:fontRef>
+    </dgm:style>
+  </dgm:styleLbl>
+  <dgm:styleLbl name="node3">
+    <dgm:scene3d>
+      <a:camera prst="orthographicFront"/>
+      <a:lightRig rig="threePt" dir="t"/>
+    </dgm:scene3d>
+    <dgm:sp3d/>
+    <dgm:txPr/>
+    <dgm:style>
+      <a:lnRef idx="2">
+        <a:scrgbClr r="0" g="0" b="0"/>
+      </a:lnRef>
+      <a:fillRef idx="1">
+        <a:scrgbClr r="0" g="0" b="0"/>
+      </a:fillRef>
+      <a:effectRef idx="0">
+        <a:scrgbClr r="0" g="0" b="0"/>
+      </a:effectRef>
+      <a:fontRef idx="minor">
+        <a:schemeClr val="lt1"/>
+      </a:fontRef>
+    </dgm:style>
+  </dgm:styleLbl>
+  <dgm:styleLbl name="node4">
+    <dgm:scene3d>
+      <a:camera prst="orthographicFront"/>
+      <a:lightRig rig="threePt" dir="t"/>
+    </dgm:scene3d>
+    <dgm:sp3d/>
+    <dgm:txPr/>
+    <dgm:style>
+      <a:lnRef idx="2">
+        <a:scrgbClr r="0" g="0" b="0"/>
+      </a:lnRef>
+      <a:fillRef idx="1">
+        <a:scrgbClr r="0" g="0" b="0"/>
+      </a:fillRef>
+      <a:effectRef idx="0">
+        <a:scrgbClr r="0" g="0" b="0"/>
+      </a:effectRef>
+      <a:fontRef idx="minor">
+        <a:schemeClr val="lt1"/>
+      </a:fontRef>
+    </dgm:style>
+  </dgm:styleLbl>
+  <dgm:styleLbl name="fgImgPlace1">
+    <dgm:scene3d>
+      <a:camera prst="orthographicFront"/>
+      <a:lightRig rig="threePt" dir="t"/>
+    </dgm:scene3d>
+    <dgm:sp3d/>
+    <dgm:txPr/>
+    <dgm:style>
+      <a:lnRef idx="2">
+        <a:scrgbClr r="0" g="0" b="0"/>
+      </a:lnRef>
+      <a:fillRef idx="1">
+        <a:scrgbClr r="0" g="0" b="0"/>
+      </a:fillRef>
+      <a:effectRef idx="0">
+        <a:scrgbClr r="0" g="0" b="0"/>
+      </a:effectRef>
+      <a:fontRef idx="minor"/>
+    </dgm:style>
+  </dgm:styleLbl>
+  <dgm:styleLbl name="alignImgPlace1">
+    <dgm:scene3d>
+      <a:camera prst="orthographicFront"/>
+      <a:lightRig rig="threePt" dir="t"/>
+    </dgm:scene3d>
+    <dgm:sp3d/>
+    <dgm:txPr/>
+    <dgm:style>
+      <a:lnRef idx="2">
+        <a:scrgbClr r="0" g="0" b="0"/>
+      </a:lnRef>
+      <a:fillRef idx="1">
+        <a:scrgbClr r="0" g="0" b="0"/>
+      </a:fillRef>
+      <a:effectRef idx="0">
+        <a:scrgbClr r="0" g="0" b="0"/>
+      </a:effectRef>
+      <a:fontRef idx="minor"/>
+    </dgm:style>
+  </dgm:styleLbl>
+  <dgm:styleLbl name="bgImgPlace1">
+    <dgm:scene3d>
+      <a:camera prst="orthographicFront"/>
+      <a:lightRig rig="threePt" dir="t"/>
+    </dgm:scene3d>
+    <dgm:sp3d/>
+    <dgm:txPr/>
+    <dgm:style>
+      <a:lnRef idx="2">
+        <a:scrgbClr r="0" g="0" b="0"/>
+      </a:lnRef>
+      <a:fillRef idx="1">
+        <a:scrgbClr r="0" g="0" b="0"/>
+      </a:fillRef>
+      <a:effectRef idx="0">
+        <a:scrgbClr r="0" g="0" b="0"/>
+      </a:effectRef>
+      <a:fontRef idx="minor"/>
+    </dgm:style>
+  </dgm:styleLbl>
+  <dgm:styleLbl name="sibTrans2D1">
+    <dgm:scene3d>
+      <a:camera prst="orthographicFront"/>
+      <a:lightRig rig="threePt" dir="t"/>
+    </dgm:scene3d>
+    <dgm:sp3d/>
+    <dgm:txPr/>
+    <dgm:style>
+      <a:lnRef idx="0">
+        <a:scrgbClr r="0" g="0" b="0"/>
+      </a:lnRef>
+      <a:fillRef idx="1">
+        <a:scrgbClr r="0" g="0" b="0"/>
+      </a:fillRef>
+      <a:effectRef idx="0">
+        <a:scrgbClr r="0" g="0" b="0"/>
+      </a:effectRef>
+      <a:fontRef idx="minor">
+        <a:schemeClr val="lt1"/>
+      </a:fontRef>
+    </dgm:style>
+  </dgm:styleLbl>
+  <dgm:styleLbl name="fgSibTrans2D1">
+    <dgm:scene3d>
+      <a:camera prst="orthographicFront"/>
+      <a:lightRig rig="threePt" dir="t"/>
+    </dgm:scene3d>
+    <dgm:sp3d/>
+    <dgm:txPr/>
+    <dgm:style>
+      <a:lnRef idx="0">
+        <a:scrgbClr r="0" g="0" b="0"/>
+      </a:lnRef>
+      <a:fillRef idx="1">
+        <a:scrgbClr r="0" g="0" b="0"/>
+      </a:fillRef>
+      <a:effectRef idx="0">
+        <a:scrgbClr r="0" g="0" b="0"/>
+      </a:effectRef>
+      <a:fontRef idx="minor">
+        <a:schemeClr val="lt1"/>
+      </a:fontRef>
+    </dgm:style>
+  </dgm:styleLbl>
+  <dgm:styleLbl name="bgSibTrans2D1">
+    <dgm:scene3d>
+      <a:camera prst="orthographicFront"/>
+      <a:lightRig rig="threePt" dir="t"/>
+    </dgm:scene3d>
+    <dgm:sp3d/>
+    <dgm:txPr/>
+    <dgm:style>
+      <a:lnRef idx="0">
+        <a:scrgbClr r="0" g="0" b="0"/>
+      </a:lnRef>
+      <a:fillRef idx="1">
+        <a:scrgbClr r="0" g="0" b="0"/>
+      </a:fillRef>
+      <a:effectRef idx="0">
+        <a:scrgbClr r="0" g="0" b="0"/>
+      </a:effectRef>
+      <a:fontRef idx="minor">
+        <a:schemeClr val="lt1"/>
+      </a:fontRef>
+    </dgm:style>
+  </dgm:styleLbl>
+  <dgm:styleLbl name="sibTrans1D1">
+    <dgm:scene3d>
+      <a:camera prst="orthographicFront"/>
+      <a:lightRig rig="threePt" dir="t"/>
+    </dgm:scene3d>
+    <dgm:sp3d/>
+    <dgm:txPr/>
+    <dgm:style>
+      <a:lnRef idx="1">
+        <a:scrgbClr r="0" g="0" b="0"/>
+      </a:lnRef>
+      <a:fillRef idx="0">
+        <a:scrgbClr r="0" g="0" b="0"/>
+      </a:fillRef>
+      <a:effectRef idx="0">
+        <a:scrgbClr r="0" g="0" b="0"/>
+      </a:effectRef>
+      <a:fontRef idx="minor"/>
+    </dgm:style>
+  </dgm:styleLbl>
+  <dgm:styleLbl name="callout">
+    <dgm:scene3d>
+      <a:camera prst="orthographicFront"/>
+      <a:lightRig rig="threePt" dir="t"/>
+    </dgm:scene3d>
+    <dgm:sp3d/>
+    <dgm:txPr/>
+    <dgm:style>
+      <a:lnRef idx="2">
+        <a:scrgbClr r="0" g="0" b="0"/>
+      </a:lnRef>
+      <a:fillRef idx="1">
+        <a:scrgbClr r="0" g="0" b="0"/>
+      </a:fillRef>
+      <a:effectRef idx="0">
+        <a:scrgbClr r="0" g="0" b="0"/>
+      </a:effectRef>
+      <a:fontRef idx="minor"/>
+    </dgm:style>
+  </dgm:styleLbl>
+  <dgm:styleLbl name="asst0">
+    <dgm:scene3d>
+      <a:camera prst="orthographicFront"/>
+      <a:lightRig rig="threePt" dir="t"/>
+    </dgm:scene3d>
+    <dgm:sp3d/>
+    <dgm:txPr/>
+    <dgm:style>
+      <a:lnRef idx="2">
+        <a:scrgbClr r="0" g="0" b="0"/>
+      </a:lnRef>
+      <a:fillRef idx="1">
+        <a:scrgbClr r="0" g="0" b="0"/>
+      </a:fillRef>
+      <a:effectRef idx="0">
+        <a:scrgbClr r="0" g="0" b="0"/>
+      </a:effectRef>
+      <a:fontRef idx="minor">
+        <a:schemeClr val="lt1"/>
+      </a:fontRef>
+    </dgm:style>
+  </dgm:styleLbl>
+  <dgm:styleLbl name="asst1">
+    <dgm:scene3d>
+      <a:camera prst="orthographicFront"/>
+      <a:lightRig rig="threePt" dir="t"/>
+    </dgm:scene3d>
+    <dgm:sp3d/>
+    <dgm:txPr/>
+    <dgm:style>
+      <a:lnRef idx="2">
+        <a:scrgbClr r="0" g="0" b="0"/>
+      </a:lnRef>
+      <a:fillRef idx="1">
+        <a:scrgbClr r="0" g="0" b="0"/>
+      </a:fillRef>
+      <a:effectRef idx="0">
+        <a:scrgbClr r="0" g="0" b="0"/>
+      </a:effectRef>
+      <a:fontRef idx="minor">
+        <a:schemeClr val="lt1"/>
+      </a:fontRef>
+    </dgm:style>
+  </dgm:styleLbl>
+  <dgm:styleLbl name="asst2">
+    <dgm:scene3d>
+      <a:camera prst="orthographicFront"/>
+      <a:lightRig rig="threePt" dir="t"/>
+    </dgm:scene3d>
+    <dgm:sp3d/>
+    <dgm:txPr/>
+    <dgm:style>
+      <a:lnRef idx="2">
+        <a:scrgbClr r="0" g="0" b="0"/>
+      </a:lnRef>
+      <a:fillRef idx="1">
+        <a:scrgbClr r="0" g="0" b="0"/>
+      </a:fillRef>
+      <a:effectRef idx="0">
+        <a:scrgbClr r="0" g="0" b="0"/>
+      </a:effectRef>
+      <a:fontRef idx="minor">
+        <a:schemeClr val="lt1"/>
+      </a:fontRef>
+    </dgm:style>
+  </dgm:styleLbl>
+  <dgm:styleLbl name="asst3">
+    <dgm:scene3d>
+      <a:camera prst="orthographicFront"/>
+      <a:lightRig rig="threePt" dir="t"/>
+    </dgm:scene3d>
+    <dgm:sp3d/>
+    <dgm:txPr/>
+    <dgm:style>
+      <a:lnRef idx="2">
+        <a:scrgbClr r="0" g="0" b="0"/>
+      </a:lnRef>
+      <a:fillRef idx="1">
+        <a:scrgbClr r="0" g="0" b="0"/>
+      </a:fillRef>
+      <a:effectRef idx="0">
+        <a:scrgbClr r="0" g="0" b="0"/>
+      </a:effectRef>
+      <a:fontRef idx="minor">
+        <a:schemeClr val="lt1"/>
+      </a:fontRef>
+    </dgm:style>
+  </dgm:styleLbl>
+  <dgm:styleLbl name="asst4">
+    <dgm:scene3d>
+      <a:camera prst="orthographicFront"/>
+      <a:lightRig rig="threePt" dir="t"/>
+    </dgm:scene3d>
+    <dgm:sp3d/>
+    <dgm:txPr/>
+    <dgm:style>
+      <a:lnRef idx="2">
+        <a:scrgbClr r="0" g="0" b="0"/>
+      </a:lnRef>
+      <a:fillRef idx="1">
+        <a:scrgbClr r="0" g="0" b="0"/>
+      </a:fillRef>
+      <a:effectRef idx="0">
+        <a:scrgbClr r="0" g="0" b="0"/>
+      </a:effectRef>
+      <a:fontRef idx="minor">
+        <a:schemeClr val="lt1"/>
+      </a:fontRef>
+    </dgm:style>
+  </dgm:styleLbl>
+  <dgm:styleLbl name="parChTrans2D1">
+    <dgm:scene3d>
+      <a:camera prst="orthographicFront"/>
+      <a:lightRig rig="threePt" dir="t"/>
+    </dgm:scene3d>
+    <dgm:sp3d/>
+    <dgm:txPr/>
+    <dgm:style>
+      <a:lnRef idx="2">
+        <a:scrgbClr r="0" g="0" b="0"/>
+      </a:lnRef>
+      <a:fillRef idx="1">
+        <a:scrgbClr r="0" g="0" b="0"/>
+      </a:fillRef>
+      <a:effectRef idx="0">
+        <a:scrgbClr r="0" g="0" b="0"/>
+      </a:effectRef>
+      <a:fontRef idx="minor">
+        <a:schemeClr val="lt1"/>
+      </a:fontRef>
+    </dgm:style>
+  </dgm:styleLbl>
+  <dgm:styleLbl name="parChTrans2D2">
+    <dgm:scene3d>
+      <a:camera prst="orthographicFront"/>
+      <a:lightRig rig="threePt" dir="t"/>
+    </dgm:scene3d>
+    <dgm:sp3d/>
+    <dgm:txPr/>
+    <dgm:style>
+      <a:lnRef idx="2">
+        <a:scrgbClr r="0" g="0" b="0"/>
+      </a:lnRef>
+      <a:fillRef idx="1">
+        <a:scrgbClr r="0" g="0" b="0"/>
+      </a:fillRef>
+      <a:effectRef idx="0">
+        <a:scrgbClr r="0" g="0" b="0"/>
+      </a:effectRef>
+      <a:fontRef idx="minor">
+        <a:schemeClr val="lt1"/>
+      </a:fontRef>
+    </dgm:style>
+  </dgm:styleLbl>
+  <dgm:styleLbl name="parChTrans2D3">
+    <dgm:scene3d>
+      <a:camera prst="orthographicFront"/>
+      <a:lightRig rig="threePt" dir="t"/>
+    </dgm:scene3d>
+    <dgm:sp3d/>
+    <dgm:txPr/>
+    <dgm:style>
+      <a:lnRef idx="2">
+        <a:scrgbClr r="0" g="0" b="0"/>
+      </a:lnRef>
+      <a:fillRef idx="1">
+        <a:scrgbClr r="0" g="0" b="0"/>
+      </a:fillRef>
+      <a:effectRef idx="0">
+        <a:scrgbClr r="0" g="0" b="0"/>
+      </a:effectRef>
+      <a:fontRef idx="minor">
+        <a:schemeClr val="lt1"/>
+      </a:fontRef>
+    </dgm:style>
+  </dgm:styleLbl>
+  <dgm:styleLbl name="parChTrans2D4">
+    <dgm:scene3d>
+      <a:camera prst="orthographicFront"/>
+      <a:lightRig rig="threePt" dir="t"/>
+    </dgm:scene3d>
+    <dgm:sp3d/>
+    <dgm:txPr/>
+    <dgm:style>
+      <a:lnRef idx="2">
+        <a:scrgbClr r="0" g="0" b="0"/>
+      </a:lnRef>
+      <a:fillRef idx="1">
+        <a:scrgbClr r="0" g="0" b="0"/>
+      </a:fillRef>
+      <a:effectRef idx="0">
+        <a:scrgbClr r="0" g="0" b="0"/>
+      </a:effectRef>
+      <a:fontRef idx="minor">
+        <a:schemeClr val="lt1"/>
+      </a:fontRef>
+    </dgm:style>
+  </dgm:styleLbl>
+  <dgm:styleLbl name="parChTrans1D1">
+    <dgm:scene3d>
+      <a:camera prst="orthographicFront"/>
+      <a:lightRig rig="threePt" dir="t"/>
+    </dgm:scene3d>
+    <dgm:sp3d/>
+    <dgm:txPr/>
+    <dgm:style>
+      <a:lnRef idx="2">
+        <a:scrgbClr r="0" g="0" b="0"/>
+      </a:lnRef>
+      <a:fillRef idx="0">
+        <a:scrgbClr r="0" g="0" b="0"/>
+      </a:fillRef>
+      <a:effectRef idx="0">
+        <a:scrgbClr r="0" g="0" b="0"/>
+      </a:effectRef>
+      <a:fontRef idx="minor"/>
+    </dgm:style>
+  </dgm:styleLbl>
+  <dgm:styleLbl name="parChTrans1D2">
+    <dgm:scene3d>
+      <a:camera prst="orthographicFront"/>
+      <a:lightRig rig="threePt" dir="t"/>
+    </dgm:scene3d>
+    <dgm:sp3d/>
+    <dgm:txPr/>
+    <dgm:style>
+      <a:lnRef idx="2">
+        <a:scrgbClr r="0" g="0" b="0"/>
+      </a:lnRef>
+      <a:fillRef idx="0">
+        <a:scrgbClr r="0" g="0" b="0"/>
+      </a:fillRef>
+      <a:effectRef idx="0">
+        <a:scrgbClr r="0" g="0" b="0"/>
+      </a:effectRef>
+      <a:fontRef idx="minor"/>
+    </dgm:style>
+  </dgm:styleLbl>
+  <dgm:styleLbl name="parChTrans1D3">
+    <dgm:scene3d>
+      <a:camera prst="orthographicFront"/>
+      <a:lightRig rig="threePt" dir="t"/>
+    </dgm:scene3d>
+    <dgm:sp3d/>
+    <dgm:txPr/>
+    <dgm:style>
+      <a:lnRef idx="2">
+        <a:scrgbClr r="0" g="0" b="0"/>
+      </a:lnRef>
+      <a:fillRef idx="0">
+        <a:scrgbClr r="0" g="0" b="0"/>
+      </a:fillRef>
+      <a:effectRef idx="0">
+        <a:scrgbClr r="0" g="0" b="0"/>
+      </a:effectRef>
+      <a:fontRef idx="minor"/>
+    </dgm:style>
+  </dgm:styleLbl>
+  <dgm:styleLbl name="parChTrans1D4">
+    <dgm:scene3d>
+      <a:camera prst="orthographicFront"/>
+      <a:lightRig rig="threePt" dir="t"/>
+    </dgm:scene3d>
+    <dgm:sp3d/>
+    <dgm:txPr/>
+    <dgm:style>
+      <a:lnRef idx="2">
+        <a:scrgbClr r="0" g="0" b="0"/>
+      </a:lnRef>
+      <a:fillRef idx="0">
+        <a:scrgbClr r="0" g="0" b="0"/>
+      </a:fillRef>
+      <a:effectRef idx="0">
+        <a:scrgbClr r="0" g="0" b="0"/>
+      </a:effectRef>
+      <a:fontRef idx="minor"/>
+    </dgm:style>
+  </dgm:styleLbl>
+  <dgm:styleLbl name="fgAcc1">
+    <dgm:scene3d>
+      <a:camera prst="orthographicFront"/>
+      <a:lightRig rig="threePt" dir="t"/>
+    </dgm:scene3d>
+    <dgm:sp3d/>
+    <dgm:txPr/>
+    <dgm:style>
+      <a:lnRef idx="2">
+        <a:scrgbClr r="0" g="0" b="0"/>
+      </a:lnRef>
+      <a:fillRef idx="1">
+        <a:scrgbClr r="0" g="0" b="0"/>
+      </a:fillRef>
+      <a:effectRef idx="0">
+        <a:scrgbClr r="0" g="0" b="0"/>
+      </a:effectRef>
+      <a:fontRef idx="minor"/>
+    </dgm:style>
+  </dgm:styleLbl>
+  <dgm:styleLbl name="conFgAcc1">
+    <dgm:scene3d>
+      <a:camera prst="orthographicFront"/>
+      <a:lightRig rig="threePt" dir="t"/>
+    </dgm:scene3d>
+    <dgm:sp3d/>
+    <dgm:txPr/>
+    <dgm:style>
+      <a:lnRef idx="2">
+        <a:scrgbClr r="0" g="0" b="0"/>
+      </a:lnRef>
+      <a:fillRef idx="1">
+        <a:scrgbClr r="0" g="0" b="0"/>
+      </a:fillRef>
+      <a:effectRef idx="0">
+        <a:scrgbClr r="0" g="0" b="0"/>
+      </a:effectRef>
+      <a:fontRef idx="minor"/>
+    </dgm:style>
+  </dgm:styleLbl>
+  <dgm:styleLbl name="alignAcc1">
+    <dgm:scene3d>
+      <a:camera prst="orthographicFront"/>
+      <a:lightRig rig="threePt" dir="t"/>
+    </dgm:scene3d>
+    <dgm:sp3d/>
+    <dgm:txPr/>
+    <dgm:style>
+      <a:lnRef idx="2">
+        <a:scrgbClr r="0" g="0" b="0"/>
+      </a:lnRef>
+      <a:fillRef idx="1">
+        <a:scrgbClr r="0" g="0" b="0"/>
+      </a:fillRef>
+      <a:effectRef idx="0">
+        <a:scrgbClr r="0" g="0" b="0"/>
+      </a:effectRef>
+      <a:fontRef idx="minor"/>
+    </dgm:style>
+  </dgm:styleLbl>
+  <dgm:styleLbl name="trAlignAcc1">
+    <dgm:scene3d>
+      <a:camera prst="orthographicFront"/>
+      <a:lightRig rig="threePt" dir="t"/>
+    </dgm:scene3d>
+    <dgm:sp3d/>
+    <dgm:txPr/>
+    <dgm:style>
+      <a:lnRef idx="1">
+        <a:scrgbClr r="0" g="0" b="0"/>
+      </a:lnRef>
+      <a:fillRef idx="1">
+        <a:scrgbClr r="0" g="0" b="0"/>
+      </a:fillRef>
+      <a:effectRef idx="0">
+        <a:scrgbClr r="0" g="0" b="0"/>
+      </a:effectRef>
+      <a:fontRef idx="minor"/>
+    </dgm:style>
+  </dgm:styleLbl>
+  <dgm:styleLbl name="bgAcc1">
+    <dgm:scene3d>
+      <a:camera prst="orthographicFront"/>
+      <a:lightRig rig="threePt" dir="t"/>
+    </dgm:scene3d>
+    <dgm:sp3d/>
+    <dgm:txPr/>
+    <dgm:style>
+      <a:lnRef idx="2">
+        <a:scrgbClr r="0" g="0" b="0"/>
+      </a:lnRef>
+      <a:fillRef idx="1">
+        <a:scrgbClr r="0" g="0" b="0"/>
+      </a:fillRef>
+      <a:effectRef idx="0">
+        <a:scrgbClr r="0" g="0" b="0"/>
+      </a:effectRef>
+      <a:fontRef idx="minor"/>
+    </dgm:style>
+  </dgm:styleLbl>
+  <dgm:styleLbl name="solidFgAcc1">
+    <dgm:scene3d>
+      <a:camera prst="orthographicFront"/>
+      <a:lightRig rig="threePt" dir="t"/>
+    </dgm:scene3d>
+    <dgm:sp3d/>
+    <dgm:txPr/>
+    <dgm:style>
+      <a:lnRef idx="2">
+        <a:scrgbClr r="0" g="0" b="0"/>
+      </a:lnRef>
+      <a:fillRef idx="1">
+        <a:scrgbClr r="0" g="0" b="0"/>
+      </a:fillRef>
+      <a:effectRef idx="0">
+        <a:scrgbClr r="0" g="0" b="0"/>
+      </a:effectRef>
+      <a:fontRef idx="minor"/>
+    </dgm:style>
+  </dgm:styleLbl>
+  <dgm:styleLbl name="solidAlignAcc1">
+    <dgm:scene3d>
+      <a:camera prst="orthographicFront"/>
+      <a:lightRig rig="threePt" dir="t"/>
+    </dgm:scene3d>
+    <dgm:sp3d/>
+    <dgm:txPr/>
+    <dgm:style>
+      <a:lnRef idx="2">
+        <a:scrgbClr r="0" g="0" b="0"/>
+      </a:lnRef>
+      <a:fillRef idx="1">
+        <a:scrgbClr r="0" g="0" b="0"/>
+      </a:fillRef>
+      <a:effectRef idx="0">
+        <a:scrgbClr r="0" g="0" b="0"/>
+      </a:effectRef>
+      <a:fontRef idx="minor"/>
+    </dgm:style>
+  </dgm:styleLbl>
+  <dgm:styleLbl name="solidBgAcc1">
+    <dgm:scene3d>
+      <a:camera prst="orthographicFront"/>
+      <a:lightRig rig="threePt" dir="t"/>
+    </dgm:scene3d>
+    <dgm:sp3d/>
+    <dgm:txPr/>
+    <dgm:style>
+      <a:lnRef idx="2">
+        <a:scrgbClr r="0" g="0" b="0"/>
+      </a:lnRef>
+      <a:fillRef idx="1">
+        <a:scrgbClr r="0" g="0" b="0"/>
+      </a:fillRef>
+      <a:effectRef idx="0">
+        <a:scrgbClr r="0" g="0" b="0"/>
+      </a:effectRef>
+      <a:fontRef idx="minor"/>
+    </dgm:style>
+  </dgm:styleLbl>
+  <dgm:styleLbl name="fgAccFollowNode1">
+    <dgm:scene3d>
+      <a:camera prst="orthographicFront"/>
+      <a:lightRig rig="threePt" dir="t"/>
+    </dgm:scene3d>
+    <dgm:sp3d/>
+    <dgm:txPr/>
+    <dgm:style>
+      <a:lnRef idx="2">
+        <a:scrgbClr r="0" g="0" b="0"/>
+      </a:lnRef>
+      <a:fillRef idx="1">
+        <a:scrgbClr r="0" g="0" b="0"/>
+      </a:fillRef>
+      <a:effectRef idx="0">
+        <a:scrgbClr r="0" g="0" b="0"/>
+      </a:effectRef>
+      <a:fontRef idx="minor"/>
+    </dgm:style>
+  </dgm:styleLbl>
+  <dgm:styleLbl name="alignAccFollowNode1">
+    <dgm:scene3d>
+      <a:camera prst="orthographicFront"/>
+      <a:lightRig rig="threePt" dir="t"/>
+    </dgm:scene3d>
+    <dgm:sp3d/>
+    <dgm:txPr/>
+    <dgm:style>
+      <a:lnRef idx="2">
+        <a:scrgbClr r="0" g="0" b="0"/>
+      </a:lnRef>
+      <a:fillRef idx="1">
+        <a:scrgbClr r="0" g="0" b="0"/>
+      </a:fillRef>
+      <a:effectRef idx="0">
+        <a:scrgbClr r="0" g="0" b="0"/>
+      </a:effectRef>
+      <a:fontRef idx="minor"/>
+    </dgm:style>
+  </dgm:styleLbl>
+  <dgm:styleLbl name="bgAccFollowNode1">
+    <dgm:scene3d>
+      <a:camera prst="orthographicFront"/>
+      <a:lightRig rig="threePt" dir="t"/>
+    </dgm:scene3d>
+    <dgm:sp3d/>
+    <dgm:txPr/>
+    <dgm:style>
+      <a:lnRef idx="2">
+        <a:scrgbClr r="0" g="0" b="0"/>
+      </a:lnRef>
+      <a:fillRef idx="1">
+        <a:scrgbClr r="0" g="0" b="0"/>
+      </a:fillRef>
+      <a:effectRef idx="0">
+        <a:scrgbClr r="0" g="0" b="0"/>
+      </a:effectRef>
+      <a:fontRef idx="minor"/>
+    </dgm:style>
+  </dgm:styleLbl>
+  <dgm:styleLbl name="fgAcc0">
+    <dgm:scene3d>
+      <a:camera prst="orthographicFront"/>
+      <a:lightRig rig="threePt" dir="t"/>
+    </dgm:scene3d>
+    <dgm:sp3d/>
+    <dgm:txPr/>
+    <dgm:style>
+      <a:lnRef idx="2">
+        <a:scrgbClr r="0" g="0" b="0"/>
+      </a:lnRef>
+      <a:fillRef idx="1">
+        <a:scrgbClr r="0" g="0" b="0"/>
+      </a:fillRef>
+      <a:effectRef idx="0">
+        <a:scrgbClr r="0" g="0" b="0"/>
+      </a:effectRef>
+      <a:fontRef idx="minor"/>
+    </dgm:style>
+  </dgm:styleLbl>
+  <dgm:styleLbl name="fgAcc2">
+    <dgm:scene3d>
+      <a:camera prst="orthographicFront"/>
+      <a:lightRig rig="threePt" dir="t"/>
+    </dgm:scene3d>
+    <dgm:sp3d/>
+    <dgm:txPr/>
+    <dgm:style>
+      <a:lnRef idx="2">
+        <a:scrgbClr r="0" g="0" b="0"/>
+      </a:lnRef>
+      <a:fillRef idx="1">
+        <a:scrgbClr r="0" g="0" b="0"/>
+      </a:fillRef>
+      <a:effectRef idx="0">
+        <a:scrgbClr r="0" g="0" b="0"/>
+      </a:effectRef>
+      <a:fontRef idx="minor"/>
+    </dgm:style>
+  </dgm:styleLbl>
+  <dgm:styleLbl name="fgAcc3">
+    <dgm:scene3d>
+      <a:camera prst="orthographicFront"/>
+      <a:lightRig rig="threePt" dir="t"/>
+    </dgm:scene3d>
+    <dgm:sp3d/>
+    <dgm:txPr/>
+    <dgm:style>
+      <a:lnRef idx="2">
+        <a:scrgbClr r="0" g="0" b="0"/>
+      </a:lnRef>
+      <a:fillRef idx="1">
+        <a:scrgbClr r="0" g="0" b="0"/>
+      </a:fillRef>
+      <a:effectRef idx="0">
+        <a:scrgbClr r="0" g="0" b="0"/>
+      </a:effectRef>
+      <a:fontRef idx="minor"/>
+    </dgm:style>
+  </dgm:styleLbl>
+  <dgm:styleLbl name="fgAcc4">
+    <dgm:scene3d>
+      <a:camera prst="orthographicFront"/>
+      <a:lightRig rig="threePt" dir="t"/>
+    </dgm:scene3d>
+    <dgm:sp3d/>
+    <dgm:txPr/>
+    <dgm:style>
+      <a:lnRef idx="2">
+        <a:scrgbClr r="0" g="0" b="0"/>
+      </a:lnRef>
+      <a:fillRef idx="1">
+        <a:scrgbClr r="0" g="0" b="0"/>
+      </a:fillRef>
+      <a:effectRef idx="0">
+        <a:scrgbClr r="0" g="0" b="0"/>
+      </a:effectRef>
+      <a:fontRef idx="minor"/>
+    </dgm:style>
+  </dgm:styleLbl>
+  <dgm:styleLbl name="bgShp">
+    <dgm:scene3d>
+      <a:camera prst="orthographicFront"/>
+      <a:lightRig rig="threePt" dir="t"/>
+    </dgm:scene3d>
+    <dgm:sp3d/>
+    <dgm:txPr/>
+    <dgm:style>
+      <a:lnRef idx="0">
+        <a:scrgbClr r="0" g="0" b="0"/>
+      </a:lnRef>
+      <a:fillRef idx="1">
+        <a:scrgbClr r="0" g="0" b="0"/>
+      </a:fillRef>
+      <a:effectRef idx="0">
+        <a:scrgbClr r="0" g="0" b="0"/>
+      </a:effectRef>
+      <a:fontRef idx="minor"/>
+    </dgm:style>
+  </dgm:styleLbl>
+  <dgm:styleLbl name="dkBgShp">
+    <dgm:scene3d>
+      <a:camera prst="orthographicFront"/>
+      <a:lightRig rig="threePt" dir="t"/>
+    </dgm:scene3d>
+    <dgm:sp3d/>
+    <dgm:txPr/>
+    <dgm:style>
+      <a:lnRef idx="0">
+        <a:scrgbClr r="0" g="0" b="0"/>
+      </a:lnRef>
+      <a:fillRef idx="1">
+        <a:scrgbClr r="0" g="0" b="0"/>
+      </a:fillRef>
+      <a:effectRef idx="0">
+        <a:scrgbClr r="0" g="0" b="0"/>
+      </a:effectRef>
+      <a:fontRef idx="minor"/>
+    </dgm:style>
+  </dgm:styleLbl>
+  <dgm:styleLbl name="trBgShp">
+    <dgm:scene3d>
+      <a:camera prst="orthographicFront"/>
+      <a:lightRig rig="threePt" dir="t"/>
+    </dgm:scene3d>
+    <dgm:sp3d/>
+    <dgm:txPr/>
+    <dgm:style>
+      <a:lnRef idx="0">
+        <a:scrgbClr r="0" g="0" b="0"/>
+      </a:lnRef>
+      <a:fillRef idx="1">
+        <a:scrgbClr r="0" g="0" b="0"/>
+      </a:fillRef>
+      <a:effectRef idx="0">
+        <a:scrgbClr r="0" g="0" b="0"/>
+      </a:effectRef>
+      <a:fontRef idx="minor"/>
+    </dgm:style>
+  </dgm:styleLbl>
+  <dgm:styleLbl name="fgShp">
+    <dgm:scene3d>
+      <a:camera prst="orthographicFront"/>
+      <a:lightRig rig="threePt" dir="t"/>
+    </dgm:scene3d>
+    <dgm:sp3d/>
+    <dgm:txPr/>
+    <dgm:style>
+      <a:lnRef idx="2">
+        <a:scrgbClr r="0" g="0" b="0"/>
+      </a:lnRef>
+      <a:fillRef idx="1">
+        <a:scrgbClr r="0" g="0" b="0"/>
+      </a:fillRef>
+      <a:effectRef idx="0">
+        <a:scrgbClr r="0" g="0" b="0"/>
+      </a:effectRef>
+      <a:fontRef idx="minor"/>
+    </dgm:style>
+  </dgm:styleLbl>
+  <dgm:styleLbl name="revTx">
+    <dgm:scene3d>
+      <a:camera prst="orthographicFront"/>
+      <a:lightRig rig="threePt" dir="t"/>
+    </dgm:scene3d>
+    <dgm:sp3d/>
+    <dgm:txPr/>
+    <dgm:style>
+      <a:lnRef idx="0">
+        <a:scrgbClr r="0" g="0" b="0"/>
+      </a:lnRef>
+      <a:fillRef idx="0">
+        <a:scrgbClr r="0" g="0" b="0"/>
+      </a:fillRef>
+      <a:effectRef idx="0">
+        <a:scrgbClr r="0" g="0" b="0"/>
+      </a:effectRef>
+      <a:fontRef idx="minor"/>
+    </dgm:style>
+  </dgm:styleLbl>
+</dgm:styleDef>
+</file>
+
+<file path=ppt/diagrams/quickStyle6.xml><?xml version="1.0" encoding="utf-8"?>
 <dgm:styleDef xmlns:dgm="http://schemas.openxmlformats.org/drawingml/2006/diagram" xmlns:a="http://schemas.openxmlformats.org/drawingml/2006/main" uniqueId="urn:microsoft.com/office/officeart/2005/8/quickstyle/simple1">
   <dgm:title val=""/>
   <dgm:desc val=""/>
@@ -23191,7 +25989,7 @@
           <a:lstStyle/>
           <a:p>
             <a:r>
-              <a:rPr lang="en-US" sz="3300">
+              <a:rPr lang="en-US" sz="3300" dirty="0">
                 <a:solidFill>
                   <a:schemeClr val="bg1"/>
                 </a:solidFill>
@@ -23241,6 +26039,421 @@
     <p:extLst>
       <p:ext uri="{BB962C8B-B14F-4D97-AF65-F5344CB8AC3E}">
         <p14:creationId xmlns:p14="http://schemas.microsoft.com/office/powerpoint/2010/main" val="1868558044"/>
+      </p:ext>
+    </p:extLst>
+  </p:cSld>
+  <p:clrMapOvr>
+    <a:masterClrMapping/>
+  </p:clrMapOvr>
+</p:sld>
+</file>
+
+<file path=ppt/slides/slide8.xml><?xml version="1.0" encoding="utf-8"?>
+<p:sld xmlns:a="http://schemas.openxmlformats.org/drawingml/2006/main" xmlns:r="http://schemas.openxmlformats.org/officeDocument/2006/relationships" xmlns:p="http://schemas.openxmlformats.org/presentationml/2006/main">
+  <p:cSld>
+    <p:bg>
+      <p:bgPr>
+        <a:solidFill>
+          <a:schemeClr val="bg1"/>
+        </a:solidFill>
+        <a:effectLst/>
+      </p:bgPr>
+    </p:bg>
+    <p:spTree>
+      <p:nvGrpSpPr>
+        <p:cNvPr id="1" name=""/>
+        <p:cNvGrpSpPr/>
+        <p:nvPr/>
+      </p:nvGrpSpPr>
+      <p:grpSpPr>
+        <a:xfrm>
+          <a:off x="0" y="0"/>
+          <a:ext cx="0" cy="0"/>
+          <a:chOff x="0" y="0"/>
+          <a:chExt cx="0" cy="0"/>
+        </a:xfrm>
+      </p:grpSpPr>
+      <p:sp useBgFill="1">
+        <p:nvSpPr>
+          <p:cNvPr id="9" name="Rectangle 8">
+            <a:extLst>
+              <a:ext uri="{FF2B5EF4-FFF2-40B4-BE49-F238E27FC236}">
+                <a16:creationId xmlns:a16="http://schemas.microsoft.com/office/drawing/2014/main" id="{BACC6370-2D7E-4714-9D71-7542949D7D5D}"/>
+              </a:ext>
+              <a:ext uri="{C183D7F6-B498-43B3-948B-1728B52AA6E4}">
+                <adec:decorative xmlns:adec="http://schemas.microsoft.com/office/drawing/2017/decorative" val="1"/>
+              </a:ext>
+            </a:extLst>
+          </p:cNvPr>
+          <p:cNvSpPr>
+            <a:spLocks noGrp="1" noRot="1" noChangeAspect="1" noMove="1" noResize="1" noEditPoints="1" noAdjustHandles="1" noChangeArrowheads="1" noChangeShapeType="1" noTextEdit="1"/>
+          </p:cNvSpPr>
+          <p:nvPr>
+            <p:extLst>
+              <p:ext uri="{386F3935-93C4-4BCD-93E2-E3B085C9AB24}">
+                <p16:designElem xmlns:p16="http://schemas.microsoft.com/office/powerpoint/2015/main" val="1"/>
+              </p:ext>
+            </p:extLst>
+          </p:nvPr>
+        </p:nvSpPr>
+        <p:spPr>
+          <a:xfrm>
+            <a:off x="0" y="0"/>
+            <a:ext cx="12192000" cy="6858000"/>
+          </a:xfrm>
+          <a:prstGeom prst="rect">
+            <a:avLst/>
+          </a:prstGeom>
+          <a:ln w="12700" cap="flat" cmpd="sng" algn="ctr">
+            <a:noFill/>
+            <a:prstDash val="solid"/>
+            <a:miter lim="800000"/>
+          </a:ln>
+          <a:effectLst/>
+          <a:extLst>
+            <a:ext uri="{91240B29-F687-4F45-9708-019B960494DF}">
+              <a14:hiddenLine xmlns:a14="http://schemas.microsoft.com/office/drawing/2010/main" w="12700" cap="flat" cmpd="sng" algn="ctr">
+                <a:solidFill>
+                  <a:schemeClr val="accent1">
+                    <a:shade val="50000"/>
+                  </a:schemeClr>
+                </a:solidFill>
+                <a:prstDash val="solid"/>
+                <a:miter lim="800000"/>
+              </a14:hiddenLine>
+            </a:ext>
+          </a:extLst>
+        </p:spPr>
+        <p:style>
+          <a:lnRef idx="2">
+            <a:schemeClr val="accent1">
+              <a:shade val="50000"/>
+            </a:schemeClr>
+          </a:lnRef>
+          <a:fillRef idx="1">
+            <a:schemeClr val="accent1"/>
+          </a:fillRef>
+          <a:effectRef idx="0">
+            <a:schemeClr val="accent1"/>
+          </a:effectRef>
+          <a:fontRef idx="minor">
+            <a:schemeClr val="lt1"/>
+          </a:fontRef>
+        </p:style>
+        <p:txBody>
+          <a:bodyPr rtlCol="0" anchor="ctr"/>
+          <a:lstStyle/>
+          <a:p>
+            <a:pPr algn="ctr"/>
+            <a:endParaRPr lang="en-US"/>
+          </a:p>
+        </p:txBody>
+      </p:sp>
+      <p:sp>
+        <p:nvSpPr>
+          <p:cNvPr id="11" name="Rectangle 10">
+            <a:extLst>
+              <a:ext uri="{FF2B5EF4-FFF2-40B4-BE49-F238E27FC236}">
+                <a16:creationId xmlns:a16="http://schemas.microsoft.com/office/drawing/2014/main" id="{F68B3F68-107C-434F-AA38-110D5EA91B85}"/>
+              </a:ext>
+              <a:ext uri="{C183D7F6-B498-43B3-948B-1728B52AA6E4}">
+                <adec:decorative xmlns:adec="http://schemas.microsoft.com/office/drawing/2017/decorative" val="1"/>
+              </a:ext>
+            </a:extLst>
+          </p:cNvPr>
+          <p:cNvSpPr>
+            <a:spLocks noGrp="1" noRot="1" noChangeAspect="1" noMove="1" noResize="1" noEditPoints="1" noAdjustHandles="1" noChangeArrowheads="1" noChangeShapeType="1" noTextEdit="1"/>
+          </p:cNvSpPr>
+          <p:nvPr>
+            <p:extLst>
+              <p:ext uri="{386F3935-93C4-4BCD-93E2-E3B085C9AB24}">
+                <p16:designElem xmlns:p16="http://schemas.microsoft.com/office/powerpoint/2015/main" val="1"/>
+              </p:ext>
+            </p:extLst>
+          </p:nvPr>
+        </p:nvSpPr>
+        <p:spPr>
+          <a:xfrm flipH="1">
+            <a:off x="2" y="0"/>
+            <a:ext cx="12191998" cy="1575955"/>
+          </a:xfrm>
+          <a:prstGeom prst="rect">
+            <a:avLst/>
+          </a:prstGeom>
+          <a:gradFill>
+            <a:gsLst>
+              <a:gs pos="0">
+                <a:srgbClr val="000000">
+                  <a:alpha val="96000"/>
+                </a:srgbClr>
+              </a:gs>
+              <a:gs pos="100000">
+                <a:schemeClr val="accent1">
+                  <a:lumMod val="75000"/>
+                </a:schemeClr>
+              </a:gs>
+            </a:gsLst>
+            <a:lin ang="8400000" scaled="0"/>
+          </a:gradFill>
+          <a:ln>
+            <a:noFill/>
+          </a:ln>
+        </p:spPr>
+        <p:style>
+          <a:lnRef idx="2">
+            <a:schemeClr val="accent1">
+              <a:shade val="50000"/>
+            </a:schemeClr>
+          </a:lnRef>
+          <a:fillRef idx="1">
+            <a:schemeClr val="accent1"/>
+          </a:fillRef>
+          <a:effectRef idx="0">
+            <a:schemeClr val="accent1"/>
+          </a:effectRef>
+          <a:fontRef idx="minor">
+            <a:schemeClr val="lt1"/>
+          </a:fontRef>
+        </p:style>
+        <p:txBody>
+          <a:bodyPr rtlCol="0" anchor="ctr"/>
+          <a:lstStyle/>
+          <a:p>
+            <a:pPr algn="ctr"/>
+            <a:endParaRPr lang="en-US"/>
+          </a:p>
+        </p:txBody>
+      </p:sp>
+      <p:sp>
+        <p:nvSpPr>
+          <p:cNvPr id="13" name="Rectangle 12">
+            <a:extLst>
+              <a:ext uri="{FF2B5EF4-FFF2-40B4-BE49-F238E27FC236}">
+                <a16:creationId xmlns:a16="http://schemas.microsoft.com/office/drawing/2014/main" id="{AAD0DBB9-1A4B-4391-81D4-CB19F9AB918A}"/>
+              </a:ext>
+              <a:ext uri="{C183D7F6-B498-43B3-948B-1728B52AA6E4}">
+                <adec:decorative xmlns:adec="http://schemas.microsoft.com/office/drawing/2017/decorative" val="1"/>
+              </a:ext>
+            </a:extLst>
+          </p:cNvPr>
+          <p:cNvSpPr>
+            <a:spLocks noGrp="1" noRot="1" noChangeAspect="1" noMove="1" noResize="1" noEditPoints="1" noAdjustHandles="1" noChangeArrowheads="1" noChangeShapeType="1" noTextEdit="1"/>
+          </p:cNvSpPr>
+          <p:nvPr>
+            <p:extLst>
+              <p:ext uri="{386F3935-93C4-4BCD-93E2-E3B085C9AB24}">
+                <p16:designElem xmlns:p16="http://schemas.microsoft.com/office/powerpoint/2015/main" val="1"/>
+              </p:ext>
+            </p:extLst>
+          </p:nvPr>
+        </p:nvSpPr>
+        <p:spPr>
+          <a:xfrm rot="10800000" flipH="1">
+            <a:off x="8128857" y="0"/>
+            <a:ext cx="4063143" cy="1576412"/>
+          </a:xfrm>
+          <a:prstGeom prst="rect">
+            <a:avLst/>
+          </a:prstGeom>
+          <a:gradFill>
+            <a:gsLst>
+              <a:gs pos="19000">
+                <a:schemeClr val="accent1">
+                  <a:lumMod val="50000"/>
+                  <a:alpha val="68000"/>
+                </a:schemeClr>
+              </a:gs>
+              <a:gs pos="100000">
+                <a:schemeClr val="accent1">
+                  <a:alpha val="79000"/>
+                </a:schemeClr>
+              </a:gs>
+            </a:gsLst>
+            <a:lin ang="19200000" scaled="0"/>
+          </a:gradFill>
+          <a:ln>
+            <a:noFill/>
+          </a:ln>
+        </p:spPr>
+        <p:style>
+          <a:lnRef idx="2">
+            <a:schemeClr val="accent1">
+              <a:shade val="50000"/>
+            </a:schemeClr>
+          </a:lnRef>
+          <a:fillRef idx="1">
+            <a:schemeClr val="accent1"/>
+          </a:fillRef>
+          <a:effectRef idx="0">
+            <a:schemeClr val="accent1"/>
+          </a:effectRef>
+          <a:fontRef idx="minor">
+            <a:schemeClr val="lt1"/>
+          </a:fontRef>
+        </p:style>
+        <p:txBody>
+          <a:bodyPr rtlCol="0" anchor="ctr"/>
+          <a:lstStyle/>
+          <a:p>
+            <a:pPr algn="ctr"/>
+            <a:endParaRPr lang="en-US"/>
+          </a:p>
+        </p:txBody>
+      </p:sp>
+      <p:sp>
+        <p:nvSpPr>
+          <p:cNvPr id="15" name="Rectangle 14">
+            <a:extLst>
+              <a:ext uri="{FF2B5EF4-FFF2-40B4-BE49-F238E27FC236}">
+                <a16:creationId xmlns:a16="http://schemas.microsoft.com/office/drawing/2014/main" id="{063BBA22-50EA-4C4D-BE05-F1CE4E63AA56}"/>
+              </a:ext>
+              <a:ext uri="{C183D7F6-B498-43B3-948B-1728B52AA6E4}">
+                <adec:decorative xmlns:adec="http://schemas.microsoft.com/office/drawing/2017/decorative" val="1"/>
+              </a:ext>
+            </a:extLst>
+          </p:cNvPr>
+          <p:cNvSpPr>
+            <a:spLocks noGrp="1" noRot="1" noChangeAspect="1" noMove="1" noResize="1" noEditPoints="1" noAdjustHandles="1" noChangeArrowheads="1" noChangeShapeType="1" noTextEdit="1"/>
+          </p:cNvSpPr>
+          <p:nvPr>
+            <p:extLst>
+              <p:ext uri="{386F3935-93C4-4BCD-93E2-E3B085C9AB24}">
+                <p16:designElem xmlns:p16="http://schemas.microsoft.com/office/powerpoint/2015/main" val="1"/>
+              </p:ext>
+            </p:extLst>
+          </p:nvPr>
+        </p:nvSpPr>
+        <p:spPr>
+          <a:xfrm rot="5400000">
+            <a:off x="5307777" y="-5307778"/>
+            <a:ext cx="1576446" cy="12192002"/>
+          </a:xfrm>
+          <a:prstGeom prst="rect">
+            <a:avLst/>
+          </a:prstGeom>
+          <a:gradFill>
+            <a:gsLst>
+              <a:gs pos="23000">
+                <a:schemeClr val="accent1">
+                  <a:alpha val="0"/>
+                </a:schemeClr>
+              </a:gs>
+              <a:gs pos="99000">
+                <a:srgbClr val="000000">
+                  <a:alpha val="74000"/>
+                </a:srgbClr>
+              </a:gs>
+            </a:gsLst>
+            <a:lin ang="20400000" scaled="0"/>
+          </a:gradFill>
+          <a:ln>
+            <a:noFill/>
+          </a:ln>
+        </p:spPr>
+        <p:style>
+          <a:lnRef idx="2">
+            <a:schemeClr val="accent1">
+              <a:shade val="50000"/>
+            </a:schemeClr>
+          </a:lnRef>
+          <a:fillRef idx="1">
+            <a:schemeClr val="accent1"/>
+          </a:fillRef>
+          <a:effectRef idx="0">
+            <a:schemeClr val="accent1"/>
+          </a:effectRef>
+          <a:fontRef idx="minor">
+            <a:schemeClr val="lt1"/>
+          </a:fontRef>
+        </p:style>
+        <p:txBody>
+          <a:bodyPr rtlCol="0" anchor="ctr"/>
+          <a:lstStyle/>
+          <a:p>
+            <a:pPr algn="ctr"/>
+            <a:endParaRPr lang="en-US" dirty="0"/>
+          </a:p>
+        </p:txBody>
+      </p:sp>
+      <p:sp>
+        <p:nvSpPr>
+          <p:cNvPr id="2" name="Title 1">
+            <a:extLst>
+              <a:ext uri="{FF2B5EF4-FFF2-40B4-BE49-F238E27FC236}">
+                <a16:creationId xmlns:a16="http://schemas.microsoft.com/office/drawing/2014/main" id="{CFF4EA41-87E4-2368-8603-EBEBD4D72DD3}"/>
+              </a:ext>
+            </a:extLst>
+          </p:cNvPr>
+          <p:cNvSpPr>
+            <a:spLocks noGrp="1"/>
+          </p:cNvSpPr>
+          <p:nvPr>
+            <p:ph type="title"/>
+          </p:nvPr>
+        </p:nvSpPr>
+        <p:spPr>
+          <a:xfrm>
+            <a:off x="1371597" y="348865"/>
+            <a:ext cx="10044023" cy="877729"/>
+          </a:xfrm>
+        </p:spPr>
+        <p:txBody>
+          <a:bodyPr anchor="ctr">
+            <a:normAutofit/>
+          </a:bodyPr>
+          <a:lstStyle/>
+          <a:p>
+            <a:r>
+              <a:rPr lang="en-US" sz="4000">
+                <a:solidFill>
+                  <a:srgbClr val="FFFFFF"/>
+                </a:solidFill>
+              </a:rPr>
+              <a:t>APIs and other access methods(QUESTDB)</a:t>
+            </a:r>
+            <a:endParaRPr lang="en-NL" sz="4000">
+              <a:solidFill>
+                <a:srgbClr val="FFFFFF"/>
+              </a:solidFill>
+            </a:endParaRPr>
+          </a:p>
+        </p:txBody>
+      </p:sp>
+      <p:graphicFrame>
+        <p:nvGraphicFramePr>
+          <p:cNvPr id="5" name="Content Placeholder 2">
+            <a:extLst>
+              <a:ext uri="{FF2B5EF4-FFF2-40B4-BE49-F238E27FC236}">
+                <a16:creationId xmlns:a16="http://schemas.microsoft.com/office/drawing/2014/main" id="{46B78A5C-5129-B29F-81E9-A784D7330D64}"/>
+              </a:ext>
+            </a:extLst>
+          </p:cNvPr>
+          <p:cNvGraphicFramePr>
+            <a:graphicFrameLocks noGrp="1"/>
+          </p:cNvGraphicFramePr>
+          <p:nvPr>
+            <p:ph idx="1"/>
+            <p:extLst>
+              <p:ext uri="{D42A27DB-BD31-4B8C-83A1-F6EECF244321}">
+                <p14:modId xmlns:p14="http://schemas.microsoft.com/office/powerpoint/2010/main" val="742582605"/>
+              </p:ext>
+            </p:extLst>
+          </p:nvPr>
+        </p:nvGraphicFramePr>
+        <p:xfrm>
+          <a:off x="644056" y="2112579"/>
+          <a:ext cx="10927829" cy="4192805"/>
+        </p:xfrm>
+        <a:graphic>
+          <a:graphicData uri="http://schemas.openxmlformats.org/drawingml/2006/diagram">
+            <dgm:relIds xmlns:dgm="http://schemas.openxmlformats.org/drawingml/2006/diagram" xmlns:r="http://schemas.openxmlformats.org/officeDocument/2006/relationships" r:dm="rId2" r:lo="rId3" r:qs="rId4" r:cs="rId5"/>
+          </a:graphicData>
+        </a:graphic>
+      </p:graphicFrame>
+    </p:spTree>
+    <p:extLst>
+      <p:ext uri="{BB962C8B-B14F-4D97-AF65-F5344CB8AC3E}">
+        <p14:creationId xmlns:p14="http://schemas.microsoft.com/office/powerpoint/2010/main" val="3394924242"/>
       </p:ext>
     </p:extLst>
   </p:cSld>
